--- a/presentations/ARO_2021/adapting_auditory_attention.pptx
+++ b/presentations/ARO_2021/adapting_auditory_attention.pptx
@@ -4,6 +4,9 @@
   <p:sldMasterIdLst>
     <p:sldMasterId id="2147483648" r:id="rId1"/>
   </p:sldMasterIdLst>
+  <p:notesMasterIdLst>
+    <p:notesMasterId r:id="rId90"/>
+  </p:notesMasterIdLst>
   <p:sldIdLst>
     <p:sldId id="256" r:id="rId2"/>
     <p:sldId id="354" r:id="rId3"/>
@@ -80,10 +83,19 @@
     <p:sldId id="381" r:id="rId74"/>
     <p:sldId id="380" r:id="rId75"/>
     <p:sldId id="379" r:id="rId76"/>
-    <p:sldId id="388" r:id="rId77"/>
-    <p:sldId id="391" r:id="rId78"/>
-    <p:sldId id="392" r:id="rId79"/>
-    <p:sldId id="393" r:id="rId80"/>
+    <p:sldId id="394" r:id="rId77"/>
+    <p:sldId id="397" r:id="rId78"/>
+    <p:sldId id="396" r:id="rId79"/>
+    <p:sldId id="395" r:id="rId80"/>
+    <p:sldId id="391" r:id="rId81"/>
+    <p:sldId id="398" r:id="rId82"/>
+    <p:sldId id="392" r:id="rId83"/>
+    <p:sldId id="399" r:id="rId84"/>
+    <p:sldId id="403" r:id="rId85"/>
+    <p:sldId id="407" r:id="rId86"/>
+    <p:sldId id="406" r:id="rId87"/>
+    <p:sldId id="405" r:id="rId88"/>
+    <p:sldId id="404" r:id="rId89"/>
   </p:sldIdLst>
   <p:sldSz cx="12192000" cy="6858000"/>
   <p:notesSz cx="6858000" cy="9144000"/>
@@ -188,6 +200,523 @@
     </p:ext>
   </p:extLst>
 </p:presentation>
+</file>
+
+<file path=ppt/notesMasters/notesMaster1.xml><?xml version="1.0" encoding="utf-8"?>
+<p:notesMaster xmlns:a="http://schemas.openxmlformats.org/drawingml/2006/main" xmlns:r="http://schemas.openxmlformats.org/officeDocument/2006/relationships" xmlns:p="http://schemas.openxmlformats.org/presentationml/2006/main">
+  <p:cSld>
+    <p:bg>
+      <p:bgRef idx="1001">
+        <a:schemeClr val="bg1"/>
+      </p:bgRef>
+    </p:bg>
+    <p:spTree>
+      <p:nvGrpSpPr>
+        <p:cNvPr id="1" name=""/>
+        <p:cNvGrpSpPr/>
+        <p:nvPr/>
+      </p:nvGrpSpPr>
+      <p:grpSpPr>
+        <a:xfrm>
+          <a:off x="0" y="0"/>
+          <a:ext cx="0" cy="0"/>
+          <a:chOff x="0" y="0"/>
+          <a:chExt cx="0" cy="0"/>
+        </a:xfrm>
+      </p:grpSpPr>
+      <p:sp>
+        <p:nvSpPr>
+          <p:cNvPr id="2" name="Header Placeholder 1"/>
+          <p:cNvSpPr>
+            <a:spLocks noGrp="1"/>
+          </p:cNvSpPr>
+          <p:nvPr>
+            <p:ph type="hdr" sz="quarter"/>
+          </p:nvPr>
+        </p:nvSpPr>
+        <p:spPr>
+          <a:xfrm>
+            <a:off x="0" y="0"/>
+            <a:ext cx="2971800" cy="458788"/>
+          </a:xfrm>
+          <a:prstGeom prst="rect">
+            <a:avLst/>
+          </a:prstGeom>
+        </p:spPr>
+        <p:txBody>
+          <a:bodyPr vert="horz" lIns="91440" tIns="45720" rIns="91440" bIns="45720" rtlCol="0"/>
+          <a:lstStyle>
+            <a:lvl1pPr algn="l">
+              <a:defRPr sz="1200"/>
+            </a:lvl1pPr>
+          </a:lstStyle>
+          <a:p>
+            <a:endParaRPr lang="en-US"/>
+          </a:p>
+        </p:txBody>
+      </p:sp>
+      <p:sp>
+        <p:nvSpPr>
+          <p:cNvPr id="3" name="Date Placeholder 2"/>
+          <p:cNvSpPr>
+            <a:spLocks noGrp="1"/>
+          </p:cNvSpPr>
+          <p:nvPr>
+            <p:ph type="dt" idx="1"/>
+          </p:nvPr>
+        </p:nvSpPr>
+        <p:spPr>
+          <a:xfrm>
+            <a:off x="3884613" y="0"/>
+            <a:ext cx="2971800" cy="458788"/>
+          </a:xfrm>
+          <a:prstGeom prst="rect">
+            <a:avLst/>
+          </a:prstGeom>
+        </p:spPr>
+        <p:txBody>
+          <a:bodyPr vert="horz" lIns="91440" tIns="45720" rIns="91440" bIns="45720" rtlCol="0"/>
+          <a:lstStyle>
+            <a:lvl1pPr algn="r">
+              <a:defRPr sz="1200"/>
+            </a:lvl1pPr>
+          </a:lstStyle>
+          <a:p>
+            <a:fld id="{8BA1D20D-199F-4440-8434-C0238867D8D2}" type="datetimeFigureOut">
+              <a:rPr lang="en-US" smtClean="0"/>
+              <a:t>2/9/21</a:t>
+            </a:fld>
+            <a:endParaRPr lang="en-US"/>
+          </a:p>
+        </p:txBody>
+      </p:sp>
+      <p:sp>
+        <p:nvSpPr>
+          <p:cNvPr id="4" name="Slide Image Placeholder 3"/>
+          <p:cNvSpPr>
+            <a:spLocks noGrp="1" noRot="1" noChangeAspect="1"/>
+          </p:cNvSpPr>
+          <p:nvPr>
+            <p:ph type="sldImg" idx="2"/>
+          </p:nvPr>
+        </p:nvSpPr>
+        <p:spPr>
+          <a:xfrm>
+            <a:off x="685800" y="1143000"/>
+            <a:ext cx="5486400" cy="3086100"/>
+          </a:xfrm>
+          <a:prstGeom prst="rect">
+            <a:avLst/>
+          </a:prstGeom>
+          <a:noFill/>
+          <a:ln w="12700">
+            <a:solidFill>
+              <a:prstClr val="black"/>
+            </a:solidFill>
+          </a:ln>
+        </p:spPr>
+        <p:txBody>
+          <a:bodyPr vert="horz" lIns="91440" tIns="45720" rIns="91440" bIns="45720" rtlCol="0" anchor="ctr"/>
+          <a:lstStyle/>
+          <a:p>
+            <a:endParaRPr lang="en-US"/>
+          </a:p>
+        </p:txBody>
+      </p:sp>
+      <p:sp>
+        <p:nvSpPr>
+          <p:cNvPr id="5" name="Notes Placeholder 4"/>
+          <p:cNvSpPr>
+            <a:spLocks noGrp="1"/>
+          </p:cNvSpPr>
+          <p:nvPr>
+            <p:ph type="body" sz="quarter" idx="3"/>
+          </p:nvPr>
+        </p:nvSpPr>
+        <p:spPr>
+          <a:xfrm>
+            <a:off x="685800" y="4400550"/>
+            <a:ext cx="5486400" cy="3600450"/>
+          </a:xfrm>
+          <a:prstGeom prst="rect">
+            <a:avLst/>
+          </a:prstGeom>
+        </p:spPr>
+        <p:txBody>
+          <a:bodyPr vert="horz" lIns="91440" tIns="45720" rIns="91440" bIns="45720" rtlCol="0"/>
+          <a:lstStyle/>
+          <a:p>
+            <a:pPr lvl="0"/>
+            <a:r>
+              <a:rPr lang="en-US"/>
+              <a:t>Click to edit Master text styles</a:t>
+            </a:r>
+          </a:p>
+          <a:p>
+            <a:pPr lvl="1"/>
+            <a:r>
+              <a:rPr lang="en-US"/>
+              <a:t>Second level</a:t>
+            </a:r>
+          </a:p>
+          <a:p>
+            <a:pPr lvl="2"/>
+            <a:r>
+              <a:rPr lang="en-US"/>
+              <a:t>Third level</a:t>
+            </a:r>
+          </a:p>
+          <a:p>
+            <a:pPr lvl="3"/>
+            <a:r>
+              <a:rPr lang="en-US"/>
+              <a:t>Fourth level</a:t>
+            </a:r>
+          </a:p>
+          <a:p>
+            <a:pPr lvl="4"/>
+            <a:r>
+              <a:rPr lang="en-US"/>
+              <a:t>Fifth level</a:t>
+            </a:r>
+          </a:p>
+        </p:txBody>
+      </p:sp>
+      <p:sp>
+        <p:nvSpPr>
+          <p:cNvPr id="6" name="Footer Placeholder 5"/>
+          <p:cNvSpPr>
+            <a:spLocks noGrp="1"/>
+          </p:cNvSpPr>
+          <p:nvPr>
+            <p:ph type="ftr" sz="quarter" idx="4"/>
+          </p:nvPr>
+        </p:nvSpPr>
+        <p:spPr>
+          <a:xfrm>
+            <a:off x="0" y="8685213"/>
+            <a:ext cx="2971800" cy="458787"/>
+          </a:xfrm>
+          <a:prstGeom prst="rect">
+            <a:avLst/>
+          </a:prstGeom>
+        </p:spPr>
+        <p:txBody>
+          <a:bodyPr vert="horz" lIns="91440" tIns="45720" rIns="91440" bIns="45720" rtlCol="0" anchor="b"/>
+          <a:lstStyle>
+            <a:lvl1pPr algn="l">
+              <a:defRPr sz="1200"/>
+            </a:lvl1pPr>
+          </a:lstStyle>
+          <a:p>
+            <a:endParaRPr lang="en-US"/>
+          </a:p>
+        </p:txBody>
+      </p:sp>
+      <p:sp>
+        <p:nvSpPr>
+          <p:cNvPr id="7" name="Slide Number Placeholder 6"/>
+          <p:cNvSpPr>
+            <a:spLocks noGrp="1"/>
+          </p:cNvSpPr>
+          <p:nvPr>
+            <p:ph type="sldNum" sz="quarter" idx="5"/>
+          </p:nvPr>
+        </p:nvSpPr>
+        <p:spPr>
+          <a:xfrm>
+            <a:off x="3884613" y="8685213"/>
+            <a:ext cx="2971800" cy="458787"/>
+          </a:xfrm>
+          <a:prstGeom prst="rect">
+            <a:avLst/>
+          </a:prstGeom>
+        </p:spPr>
+        <p:txBody>
+          <a:bodyPr vert="horz" lIns="91440" tIns="45720" rIns="91440" bIns="45720" rtlCol="0" anchor="b"/>
+          <a:lstStyle>
+            <a:lvl1pPr algn="r">
+              <a:defRPr sz="1200"/>
+            </a:lvl1pPr>
+          </a:lstStyle>
+          <a:p>
+            <a:fld id="{D7025829-B655-5D40-8730-28695651CA22}" type="slidenum">
+              <a:rPr lang="en-US" smtClean="0"/>
+              <a:t>‹#›</a:t>
+            </a:fld>
+            <a:endParaRPr lang="en-US"/>
+          </a:p>
+        </p:txBody>
+      </p:sp>
+    </p:spTree>
+    <p:extLst>
+      <p:ext uri="{BB962C8B-B14F-4D97-AF65-F5344CB8AC3E}">
+        <p14:creationId xmlns:p14="http://schemas.microsoft.com/office/powerpoint/2010/main" val="1264806426"/>
+      </p:ext>
+    </p:extLst>
+  </p:cSld>
+  <p:clrMap bg1="lt1" tx1="dk1" bg2="lt2" tx2="dk2" accent1="accent1" accent2="accent2" accent3="accent3" accent4="accent4" accent5="accent5" accent6="accent6" hlink="hlink" folHlink="folHlink"/>
+  <p:notesStyle>
+    <a:lvl1pPr marL="0" algn="l" defTabSz="914400" rtl="0" eaLnBrk="1" latinLnBrk="0" hangingPunct="1">
+      <a:defRPr sz="1200" kern="1200">
+        <a:solidFill>
+          <a:schemeClr val="tx1"/>
+        </a:solidFill>
+        <a:latin typeface="+mn-lt"/>
+        <a:ea typeface="+mn-ea"/>
+        <a:cs typeface="+mn-cs"/>
+      </a:defRPr>
+    </a:lvl1pPr>
+    <a:lvl2pPr marL="457200" algn="l" defTabSz="914400" rtl="0" eaLnBrk="1" latinLnBrk="0" hangingPunct="1">
+      <a:defRPr sz="1200" kern="1200">
+        <a:solidFill>
+          <a:schemeClr val="tx1"/>
+        </a:solidFill>
+        <a:latin typeface="+mn-lt"/>
+        <a:ea typeface="+mn-ea"/>
+        <a:cs typeface="+mn-cs"/>
+      </a:defRPr>
+    </a:lvl2pPr>
+    <a:lvl3pPr marL="914400" algn="l" defTabSz="914400" rtl="0" eaLnBrk="1" latinLnBrk="0" hangingPunct="1">
+      <a:defRPr sz="1200" kern="1200">
+        <a:solidFill>
+          <a:schemeClr val="tx1"/>
+        </a:solidFill>
+        <a:latin typeface="+mn-lt"/>
+        <a:ea typeface="+mn-ea"/>
+        <a:cs typeface="+mn-cs"/>
+      </a:defRPr>
+    </a:lvl3pPr>
+    <a:lvl4pPr marL="1371600" algn="l" defTabSz="914400" rtl="0" eaLnBrk="1" latinLnBrk="0" hangingPunct="1">
+      <a:defRPr sz="1200" kern="1200">
+        <a:solidFill>
+          <a:schemeClr val="tx1"/>
+        </a:solidFill>
+        <a:latin typeface="+mn-lt"/>
+        <a:ea typeface="+mn-ea"/>
+        <a:cs typeface="+mn-cs"/>
+      </a:defRPr>
+    </a:lvl4pPr>
+    <a:lvl5pPr marL="1828800" algn="l" defTabSz="914400" rtl="0" eaLnBrk="1" latinLnBrk="0" hangingPunct="1">
+      <a:defRPr sz="1200" kern="1200">
+        <a:solidFill>
+          <a:schemeClr val="tx1"/>
+        </a:solidFill>
+        <a:latin typeface="+mn-lt"/>
+        <a:ea typeface="+mn-ea"/>
+        <a:cs typeface="+mn-cs"/>
+      </a:defRPr>
+    </a:lvl5pPr>
+    <a:lvl6pPr marL="2286000" algn="l" defTabSz="914400" rtl="0" eaLnBrk="1" latinLnBrk="0" hangingPunct="1">
+      <a:defRPr sz="1200" kern="1200">
+        <a:solidFill>
+          <a:schemeClr val="tx1"/>
+        </a:solidFill>
+        <a:latin typeface="+mn-lt"/>
+        <a:ea typeface="+mn-ea"/>
+        <a:cs typeface="+mn-cs"/>
+      </a:defRPr>
+    </a:lvl6pPr>
+    <a:lvl7pPr marL="2743200" algn="l" defTabSz="914400" rtl="0" eaLnBrk="1" latinLnBrk="0" hangingPunct="1">
+      <a:defRPr sz="1200" kern="1200">
+        <a:solidFill>
+          <a:schemeClr val="tx1"/>
+        </a:solidFill>
+        <a:latin typeface="+mn-lt"/>
+        <a:ea typeface="+mn-ea"/>
+        <a:cs typeface="+mn-cs"/>
+      </a:defRPr>
+    </a:lvl7pPr>
+    <a:lvl8pPr marL="3200400" algn="l" defTabSz="914400" rtl="0" eaLnBrk="1" latinLnBrk="0" hangingPunct="1">
+      <a:defRPr sz="1200" kern="1200">
+        <a:solidFill>
+          <a:schemeClr val="tx1"/>
+        </a:solidFill>
+        <a:latin typeface="+mn-lt"/>
+        <a:ea typeface="+mn-ea"/>
+        <a:cs typeface="+mn-cs"/>
+      </a:defRPr>
+    </a:lvl8pPr>
+    <a:lvl9pPr marL="3657600" algn="l" defTabSz="914400" rtl="0" eaLnBrk="1" latinLnBrk="0" hangingPunct="1">
+      <a:defRPr sz="1200" kern="1200">
+        <a:solidFill>
+          <a:schemeClr val="tx1"/>
+        </a:solidFill>
+        <a:latin typeface="+mn-lt"/>
+        <a:ea typeface="+mn-ea"/>
+        <a:cs typeface="+mn-cs"/>
+      </a:defRPr>
+    </a:lvl9pPr>
+  </p:notesStyle>
+</p:notesMaster>
+</file>
+
+<file path=ppt/notesSlides/notesSlide1.xml><?xml version="1.0" encoding="utf-8"?>
+<p:notes xmlns:a="http://schemas.openxmlformats.org/drawingml/2006/main" xmlns:r="http://schemas.openxmlformats.org/officeDocument/2006/relationships" xmlns:p="http://schemas.openxmlformats.org/presentationml/2006/main">
+  <p:cSld>
+    <p:spTree>
+      <p:nvGrpSpPr>
+        <p:cNvPr id="1" name=""/>
+        <p:cNvGrpSpPr/>
+        <p:nvPr/>
+      </p:nvGrpSpPr>
+      <p:grpSpPr>
+        <a:xfrm>
+          <a:off x="0" y="0"/>
+          <a:ext cx="0" cy="0"/>
+          <a:chOff x="0" y="0"/>
+          <a:chExt cx="0" cy="0"/>
+        </a:xfrm>
+      </p:grpSpPr>
+      <p:sp>
+        <p:nvSpPr>
+          <p:cNvPr id="2" name="Slide Image Placeholder 1"/>
+          <p:cNvSpPr>
+            <a:spLocks noGrp="1" noRot="1" noChangeAspect="1"/>
+          </p:cNvSpPr>
+          <p:nvPr>
+            <p:ph type="sldImg"/>
+          </p:nvPr>
+        </p:nvSpPr>
+        <p:spPr/>
+      </p:sp>
+      <p:sp>
+        <p:nvSpPr>
+          <p:cNvPr id="3" name="Notes Placeholder 2"/>
+          <p:cNvSpPr>
+            <a:spLocks noGrp="1"/>
+          </p:cNvSpPr>
+          <p:nvPr>
+            <p:ph type="body" idx="1"/>
+          </p:nvPr>
+        </p:nvSpPr>
+        <p:spPr/>
+        <p:txBody>
+          <a:bodyPr/>
+          <a:lstStyle/>
+          <a:p>
+            <a:endParaRPr lang="en-US" dirty="0"/>
+          </a:p>
+        </p:txBody>
+      </p:sp>
+      <p:sp>
+        <p:nvSpPr>
+          <p:cNvPr id="4" name="Slide Number Placeholder 3"/>
+          <p:cNvSpPr>
+            <a:spLocks noGrp="1"/>
+          </p:cNvSpPr>
+          <p:nvPr>
+            <p:ph type="sldNum" sz="quarter" idx="5"/>
+          </p:nvPr>
+        </p:nvSpPr>
+        <p:spPr/>
+        <p:txBody>
+          <a:bodyPr/>
+          <a:lstStyle/>
+          <a:p>
+            <a:fld id="{D7025829-B655-5D40-8730-28695651CA22}" type="slidenum">
+              <a:rPr lang="en-US" smtClean="0"/>
+              <a:t>80</a:t>
+            </a:fld>
+            <a:endParaRPr lang="en-US"/>
+          </a:p>
+        </p:txBody>
+      </p:sp>
+    </p:spTree>
+    <p:extLst>
+      <p:ext uri="{BB962C8B-B14F-4D97-AF65-F5344CB8AC3E}">
+        <p14:creationId xmlns:p14="http://schemas.microsoft.com/office/powerpoint/2010/main" val="4148478181"/>
+      </p:ext>
+    </p:extLst>
+  </p:cSld>
+  <p:clrMapOvr>
+    <a:masterClrMapping/>
+  </p:clrMapOvr>
+</p:notes>
+</file>
+
+<file path=ppt/notesSlides/notesSlide2.xml><?xml version="1.0" encoding="utf-8"?>
+<p:notes xmlns:a="http://schemas.openxmlformats.org/drawingml/2006/main" xmlns:r="http://schemas.openxmlformats.org/officeDocument/2006/relationships" xmlns:p="http://schemas.openxmlformats.org/presentationml/2006/main">
+  <p:cSld>
+    <p:spTree>
+      <p:nvGrpSpPr>
+        <p:cNvPr id="1" name=""/>
+        <p:cNvGrpSpPr/>
+        <p:nvPr/>
+      </p:nvGrpSpPr>
+      <p:grpSpPr>
+        <a:xfrm>
+          <a:off x="0" y="0"/>
+          <a:ext cx="0" cy="0"/>
+          <a:chOff x="0" y="0"/>
+          <a:chExt cx="0" cy="0"/>
+        </a:xfrm>
+      </p:grpSpPr>
+      <p:sp>
+        <p:nvSpPr>
+          <p:cNvPr id="2" name="Slide Image Placeholder 1"/>
+          <p:cNvSpPr>
+            <a:spLocks noGrp="1" noRot="1" noChangeAspect="1"/>
+          </p:cNvSpPr>
+          <p:nvPr>
+            <p:ph type="sldImg"/>
+          </p:nvPr>
+        </p:nvSpPr>
+        <p:spPr/>
+      </p:sp>
+      <p:sp>
+        <p:nvSpPr>
+          <p:cNvPr id="3" name="Notes Placeholder 2"/>
+          <p:cNvSpPr>
+            <a:spLocks noGrp="1"/>
+          </p:cNvSpPr>
+          <p:nvPr>
+            <p:ph type="body" idx="1"/>
+          </p:nvPr>
+        </p:nvSpPr>
+        <p:spPr/>
+        <p:txBody>
+          <a:bodyPr/>
+          <a:lstStyle/>
+          <a:p>
+            <a:endParaRPr lang="en-US" dirty="0"/>
+          </a:p>
+        </p:txBody>
+      </p:sp>
+      <p:sp>
+        <p:nvSpPr>
+          <p:cNvPr id="4" name="Slide Number Placeholder 3"/>
+          <p:cNvSpPr>
+            <a:spLocks noGrp="1"/>
+          </p:cNvSpPr>
+          <p:nvPr>
+            <p:ph type="sldNum" sz="quarter" idx="5"/>
+          </p:nvPr>
+        </p:nvSpPr>
+        <p:spPr/>
+        <p:txBody>
+          <a:bodyPr/>
+          <a:lstStyle/>
+          <a:p>
+            <a:fld id="{D7025829-B655-5D40-8730-28695651CA22}" type="slidenum">
+              <a:rPr lang="en-US" smtClean="0"/>
+              <a:t>81</a:t>
+            </a:fld>
+            <a:endParaRPr lang="en-US"/>
+          </a:p>
+        </p:txBody>
+      </p:sp>
+    </p:spTree>
+    <p:extLst>
+      <p:ext uri="{BB962C8B-B14F-4D97-AF65-F5344CB8AC3E}">
+        <p14:creationId xmlns:p14="http://schemas.microsoft.com/office/powerpoint/2010/main" val="2356754781"/>
+      </p:ext>
+    </p:extLst>
+  </p:cSld>
+  <p:clrMapOvr>
+    <a:masterClrMapping/>
+  </p:clrMapOvr>
+</p:notes>
 </file>
 
 <file path=ppt/slideLayouts/slideLayout1.xml><?xml version="1.0" encoding="utf-8"?>
@@ -37869,7 +38398,7 @@
         <p:spPr>
           <a:xfrm>
             <a:off x="6182634" y="6216760"/>
-            <a:ext cx="4642746" cy="523220"/>
+            <a:ext cx="3370923" cy="523220"/>
           </a:xfrm>
           <a:prstGeom prst="rect">
             <a:avLst/>
@@ -37884,7 +38413,7 @@
           <a:p>
             <a:r>
               <a:rPr lang="en-US" sz="2800" dirty="0"/>
-              <a:t>cross-validated across subjects</a:t>
+              <a:t>Trained on target hits</a:t>
             </a:r>
           </a:p>
         </p:txBody>
@@ -38308,44 +38837,6 @@
       </p:sp>
       <p:sp>
         <p:nvSpPr>
-          <p:cNvPr id="9" name="TextBox 8">
-            <a:extLst>
-              <a:ext uri="{FF2B5EF4-FFF2-40B4-BE49-F238E27FC236}">
-                <a16:creationId xmlns:a16="http://schemas.microsoft.com/office/drawing/2014/main" id="{C8506752-3B36-1F40-8588-B1638D09536F}"/>
-              </a:ext>
-            </a:extLst>
-          </p:cNvPr>
-          <p:cNvSpPr txBox="1"/>
-          <p:nvPr/>
-        </p:nvSpPr>
-        <p:spPr>
-          <a:xfrm>
-            <a:off x="5587720" y="6037618"/>
-            <a:ext cx="1016560" cy="523220"/>
-          </a:xfrm>
-          <a:prstGeom prst="rect">
-            <a:avLst/>
-          </a:prstGeom>
-          <a:noFill/>
-        </p:spPr>
-        <p:txBody>
-          <a:bodyPr wrap="none" rtlCol="0">
-            <a:spAutoFit/>
-          </a:bodyPr>
-          <a:lstStyle/>
-          <a:p>
-            <a:r>
-              <a:rPr lang="en-US" sz="2800" b="1" dirty="0">
-                <a:latin typeface="Arial" panose="020B0604020202020204" pitchFamily="34" charset="0"/>
-                <a:cs typeface="Arial" panose="020B0604020202020204" pitchFamily="34" charset="0"/>
-              </a:rPr>
-              <a:t>Time</a:t>
-            </a:r>
-          </a:p>
-        </p:txBody>
-      </p:sp>
-      <p:sp>
-        <p:nvSpPr>
           <p:cNvPr id="17" name="Rectangle 16">
             <a:extLst>
               <a:ext uri="{FF2B5EF4-FFF2-40B4-BE49-F238E27FC236}">
@@ -38497,6 +38988,44 @@
           <a:p>
             <a:pPr algn="ctr"/>
             <a:endParaRPr lang="en-US"/>
+          </a:p>
+        </p:txBody>
+      </p:sp>
+      <p:sp>
+        <p:nvSpPr>
+          <p:cNvPr id="10" name="TextBox 9">
+            <a:extLst>
+              <a:ext uri="{FF2B5EF4-FFF2-40B4-BE49-F238E27FC236}">
+                <a16:creationId xmlns:a16="http://schemas.microsoft.com/office/drawing/2014/main" id="{43B7D924-5C8A-2441-9CB2-75781CFAD90C}"/>
+              </a:ext>
+            </a:extLst>
+          </p:cNvPr>
+          <p:cNvSpPr txBox="1"/>
+          <p:nvPr/>
+        </p:nvSpPr>
+        <p:spPr>
+          <a:xfrm>
+            <a:off x="3752219" y="6131343"/>
+            <a:ext cx="5514587" cy="523220"/>
+          </a:xfrm>
+          <a:prstGeom prst="rect">
+            <a:avLst/>
+          </a:prstGeom>
+          <a:noFill/>
+        </p:spPr>
+        <p:txBody>
+          <a:bodyPr wrap="none" rtlCol="0">
+            <a:spAutoFit/>
+          </a:bodyPr>
+          <a:lstStyle/>
+          <a:p>
+            <a:r>
+              <a:rPr lang="en-US" sz="2800" b="1" dirty="0">
+                <a:latin typeface="Arial" panose="020B0604020202020204" pitchFamily="34" charset="0"/>
+                <a:cs typeface="Arial" panose="020B0604020202020204" pitchFamily="34" charset="0"/>
+              </a:rPr>
+              <a:t>Time relative to target onset (s)</a:t>
+            </a:r>
           </a:p>
         </p:txBody>
       </p:sp>
@@ -38596,44 +39125,6 @@
       </p:sp>
       <p:sp>
         <p:nvSpPr>
-          <p:cNvPr id="9" name="TextBox 8">
-            <a:extLst>
-              <a:ext uri="{FF2B5EF4-FFF2-40B4-BE49-F238E27FC236}">
-                <a16:creationId xmlns:a16="http://schemas.microsoft.com/office/drawing/2014/main" id="{C8506752-3B36-1F40-8588-B1638D09536F}"/>
-              </a:ext>
-            </a:extLst>
-          </p:cNvPr>
-          <p:cNvSpPr txBox="1"/>
-          <p:nvPr/>
-        </p:nvSpPr>
-        <p:spPr>
-          <a:xfrm>
-            <a:off x="5587720" y="6037618"/>
-            <a:ext cx="1016560" cy="523220"/>
-          </a:xfrm>
-          <a:prstGeom prst="rect">
-            <a:avLst/>
-          </a:prstGeom>
-          <a:noFill/>
-        </p:spPr>
-        <p:txBody>
-          <a:bodyPr wrap="none" rtlCol="0">
-            <a:spAutoFit/>
-          </a:bodyPr>
-          <a:lstStyle/>
-          <a:p>
-            <a:r>
-              <a:rPr lang="en-US" sz="2800" b="1" dirty="0">
-                <a:latin typeface="Arial" panose="020B0604020202020204" pitchFamily="34" charset="0"/>
-                <a:cs typeface="Arial" panose="020B0604020202020204" pitchFamily="34" charset="0"/>
-              </a:rPr>
-              <a:t>Time</a:t>
-            </a:r>
-          </a:p>
-        </p:txBody>
-      </p:sp>
-      <p:sp>
-        <p:nvSpPr>
           <p:cNvPr id="17" name="Rectangle 16">
             <a:extLst>
               <a:ext uri="{FF2B5EF4-FFF2-40B4-BE49-F238E27FC236}">
@@ -38733,6 +39224,44 @@
           <a:p>
             <a:pPr algn="ctr"/>
             <a:endParaRPr lang="en-US"/>
+          </a:p>
+        </p:txBody>
+      </p:sp>
+      <p:sp>
+        <p:nvSpPr>
+          <p:cNvPr id="8" name="TextBox 7">
+            <a:extLst>
+              <a:ext uri="{FF2B5EF4-FFF2-40B4-BE49-F238E27FC236}">
+                <a16:creationId xmlns:a16="http://schemas.microsoft.com/office/drawing/2014/main" id="{A85F3220-EAB9-084A-B354-4F18E101915A}"/>
+              </a:ext>
+            </a:extLst>
+          </p:cNvPr>
+          <p:cNvSpPr txBox="1"/>
+          <p:nvPr/>
+        </p:nvSpPr>
+        <p:spPr>
+          <a:xfrm>
+            <a:off x="3752219" y="6131343"/>
+            <a:ext cx="5514587" cy="523220"/>
+          </a:xfrm>
+          <a:prstGeom prst="rect">
+            <a:avLst/>
+          </a:prstGeom>
+          <a:noFill/>
+        </p:spPr>
+        <p:txBody>
+          <a:bodyPr wrap="none" rtlCol="0">
+            <a:spAutoFit/>
+          </a:bodyPr>
+          <a:lstStyle/>
+          <a:p>
+            <a:r>
+              <a:rPr lang="en-US" sz="2800" b="1" dirty="0">
+                <a:latin typeface="Arial" panose="020B0604020202020204" pitchFamily="34" charset="0"/>
+                <a:cs typeface="Arial" panose="020B0604020202020204" pitchFamily="34" charset="0"/>
+              </a:rPr>
+              <a:t>Time relative to target onset (s)</a:t>
+            </a:r>
           </a:p>
         </p:txBody>
       </p:sp>
@@ -38832,44 +39361,6 @@
       </p:sp>
       <p:sp>
         <p:nvSpPr>
-          <p:cNvPr id="9" name="TextBox 8">
-            <a:extLst>
-              <a:ext uri="{FF2B5EF4-FFF2-40B4-BE49-F238E27FC236}">
-                <a16:creationId xmlns:a16="http://schemas.microsoft.com/office/drawing/2014/main" id="{C8506752-3B36-1F40-8588-B1638D09536F}"/>
-              </a:ext>
-            </a:extLst>
-          </p:cNvPr>
-          <p:cNvSpPr txBox="1"/>
-          <p:nvPr/>
-        </p:nvSpPr>
-        <p:spPr>
-          <a:xfrm>
-            <a:off x="5587720" y="6037618"/>
-            <a:ext cx="1016560" cy="523220"/>
-          </a:xfrm>
-          <a:prstGeom prst="rect">
-            <a:avLst/>
-          </a:prstGeom>
-          <a:noFill/>
-        </p:spPr>
-        <p:txBody>
-          <a:bodyPr wrap="none" rtlCol="0">
-            <a:spAutoFit/>
-          </a:bodyPr>
-          <a:lstStyle/>
-          <a:p>
-            <a:r>
-              <a:rPr lang="en-US" sz="2800" b="1" dirty="0">
-                <a:latin typeface="Arial" panose="020B0604020202020204" pitchFamily="34" charset="0"/>
-                <a:cs typeface="Arial" panose="020B0604020202020204" pitchFamily="34" charset="0"/>
-              </a:rPr>
-              <a:t>Time</a:t>
-            </a:r>
-          </a:p>
-        </p:txBody>
-      </p:sp>
-      <p:sp>
-        <p:nvSpPr>
           <p:cNvPr id="17" name="Rectangle 16">
             <a:extLst>
               <a:ext uri="{FF2B5EF4-FFF2-40B4-BE49-F238E27FC236}">
@@ -39029,6 +39520,44 @@
                 <a:cs typeface="Arial" panose="020B0604020202020204" pitchFamily="34" charset="0"/>
               </a:rPr>
               <a:t>Decoding</a:t>
+            </a:r>
+          </a:p>
+        </p:txBody>
+      </p:sp>
+      <p:sp>
+        <p:nvSpPr>
+          <p:cNvPr id="11" name="TextBox 10">
+            <a:extLst>
+              <a:ext uri="{FF2B5EF4-FFF2-40B4-BE49-F238E27FC236}">
+                <a16:creationId xmlns:a16="http://schemas.microsoft.com/office/drawing/2014/main" id="{1C11C841-E670-D64C-BDCE-232531FA2A1F}"/>
+              </a:ext>
+            </a:extLst>
+          </p:cNvPr>
+          <p:cNvSpPr txBox="1"/>
+          <p:nvPr/>
+        </p:nvSpPr>
+        <p:spPr>
+          <a:xfrm>
+            <a:off x="3752219" y="6131343"/>
+            <a:ext cx="5514587" cy="523220"/>
+          </a:xfrm>
+          <a:prstGeom prst="rect">
+            <a:avLst/>
+          </a:prstGeom>
+          <a:noFill/>
+        </p:spPr>
+        <p:txBody>
+          <a:bodyPr wrap="none" rtlCol="0">
+            <a:spAutoFit/>
+          </a:bodyPr>
+          <a:lstStyle/>
+          <a:p>
+            <a:r>
+              <a:rPr lang="en-US" sz="2800" b="1" dirty="0">
+                <a:latin typeface="Arial" panose="020B0604020202020204" pitchFamily="34" charset="0"/>
+                <a:cs typeface="Arial" panose="020B0604020202020204" pitchFamily="34" charset="0"/>
+              </a:rPr>
+              <a:t>Time relative to target onset (s)</a:t>
             </a:r>
           </a:p>
         </p:txBody>
@@ -39129,44 +39658,6 @@
       </p:sp>
       <p:sp>
         <p:nvSpPr>
-          <p:cNvPr id="9" name="TextBox 8">
-            <a:extLst>
-              <a:ext uri="{FF2B5EF4-FFF2-40B4-BE49-F238E27FC236}">
-                <a16:creationId xmlns:a16="http://schemas.microsoft.com/office/drawing/2014/main" id="{C8506752-3B36-1F40-8588-B1638D09536F}"/>
-              </a:ext>
-            </a:extLst>
-          </p:cNvPr>
-          <p:cNvSpPr txBox="1"/>
-          <p:nvPr/>
-        </p:nvSpPr>
-        <p:spPr>
-          <a:xfrm>
-            <a:off x="5587720" y="6037618"/>
-            <a:ext cx="1016560" cy="523220"/>
-          </a:xfrm>
-          <a:prstGeom prst="rect">
-            <a:avLst/>
-          </a:prstGeom>
-          <a:noFill/>
-        </p:spPr>
-        <p:txBody>
-          <a:bodyPr wrap="none" rtlCol="0">
-            <a:spAutoFit/>
-          </a:bodyPr>
-          <a:lstStyle/>
-          <a:p>
-            <a:r>
-              <a:rPr lang="en-US" sz="2800" b="1" dirty="0">
-                <a:latin typeface="Arial" panose="020B0604020202020204" pitchFamily="34" charset="0"/>
-                <a:cs typeface="Arial" panose="020B0604020202020204" pitchFamily="34" charset="0"/>
-              </a:rPr>
-              <a:t>Time</a:t>
-            </a:r>
-          </a:p>
-        </p:txBody>
-      </p:sp>
-      <p:sp>
-        <p:nvSpPr>
           <p:cNvPr id="17" name="Rectangle 16">
             <a:extLst>
               <a:ext uri="{FF2B5EF4-FFF2-40B4-BE49-F238E27FC236}">
@@ -39387,6 +39878,44 @@
                 <a:cs typeface="Arial" panose="020B0604020202020204" pitchFamily="34" charset="0"/>
               </a:rPr>
               <a:t>Decoding</a:t>
+            </a:r>
+          </a:p>
+        </p:txBody>
+      </p:sp>
+      <p:sp>
+        <p:nvSpPr>
+          <p:cNvPr id="12" name="TextBox 11">
+            <a:extLst>
+              <a:ext uri="{FF2B5EF4-FFF2-40B4-BE49-F238E27FC236}">
+                <a16:creationId xmlns:a16="http://schemas.microsoft.com/office/drawing/2014/main" id="{A90AC396-5FDF-1E4C-92D9-32EE459B25EE}"/>
+              </a:ext>
+            </a:extLst>
+          </p:cNvPr>
+          <p:cNvSpPr txBox="1"/>
+          <p:nvPr/>
+        </p:nvSpPr>
+        <p:spPr>
+          <a:xfrm>
+            <a:off x="3752219" y="6131343"/>
+            <a:ext cx="5514587" cy="523220"/>
+          </a:xfrm>
+          <a:prstGeom prst="rect">
+            <a:avLst/>
+          </a:prstGeom>
+          <a:noFill/>
+        </p:spPr>
+        <p:txBody>
+          <a:bodyPr wrap="none" rtlCol="0">
+            <a:spAutoFit/>
+          </a:bodyPr>
+          <a:lstStyle/>
+          <a:p>
+            <a:r>
+              <a:rPr lang="en-US" sz="2800" b="1" dirty="0">
+                <a:latin typeface="Arial" panose="020B0604020202020204" pitchFamily="34" charset="0"/>
+                <a:cs typeface="Arial" panose="020B0604020202020204" pitchFamily="34" charset="0"/>
+              </a:rPr>
+              <a:t>Time relative to target onset (s)</a:t>
             </a:r>
           </a:p>
         </p:txBody>
@@ -39744,44 +40273,6 @@
       </p:sp>
       <p:sp>
         <p:nvSpPr>
-          <p:cNvPr id="9" name="TextBox 8">
-            <a:extLst>
-              <a:ext uri="{FF2B5EF4-FFF2-40B4-BE49-F238E27FC236}">
-                <a16:creationId xmlns:a16="http://schemas.microsoft.com/office/drawing/2014/main" id="{C8506752-3B36-1F40-8588-B1638D09536F}"/>
-              </a:ext>
-            </a:extLst>
-          </p:cNvPr>
-          <p:cNvSpPr txBox="1"/>
-          <p:nvPr/>
-        </p:nvSpPr>
-        <p:spPr>
-          <a:xfrm>
-            <a:off x="5587720" y="6037618"/>
-            <a:ext cx="1016560" cy="523220"/>
-          </a:xfrm>
-          <a:prstGeom prst="rect">
-            <a:avLst/>
-          </a:prstGeom>
-          <a:noFill/>
-        </p:spPr>
-        <p:txBody>
-          <a:bodyPr wrap="none" rtlCol="0">
-            <a:spAutoFit/>
-          </a:bodyPr>
-          <a:lstStyle/>
-          <a:p>
-            <a:r>
-              <a:rPr lang="en-US" sz="2800" b="1" dirty="0">
-                <a:latin typeface="Arial" panose="020B0604020202020204" pitchFamily="34" charset="0"/>
-                <a:cs typeface="Arial" panose="020B0604020202020204" pitchFamily="34" charset="0"/>
-              </a:rPr>
-              <a:t>Time</a:t>
-            </a:r>
-          </a:p>
-        </p:txBody>
-      </p:sp>
-      <p:sp>
-        <p:nvSpPr>
           <p:cNvPr id="17" name="Rectangle 16">
             <a:extLst>
               <a:ext uri="{FF2B5EF4-FFF2-40B4-BE49-F238E27FC236}">
@@ -39950,6 +40441,44 @@
                 <a:cs typeface="Arial" panose="020B0604020202020204" pitchFamily="34" charset="0"/>
               </a:rPr>
               <a:t>Decoding</a:t>
+            </a:r>
+          </a:p>
+        </p:txBody>
+      </p:sp>
+      <p:sp>
+        <p:nvSpPr>
+          <p:cNvPr id="11" name="TextBox 10">
+            <a:extLst>
+              <a:ext uri="{FF2B5EF4-FFF2-40B4-BE49-F238E27FC236}">
+                <a16:creationId xmlns:a16="http://schemas.microsoft.com/office/drawing/2014/main" id="{9B09BA11-C7BD-6D47-949D-01831418F6E9}"/>
+              </a:ext>
+            </a:extLst>
+          </p:cNvPr>
+          <p:cNvSpPr txBox="1"/>
+          <p:nvPr/>
+        </p:nvSpPr>
+        <p:spPr>
+          <a:xfrm>
+            <a:off x="3752219" y="6131343"/>
+            <a:ext cx="5514587" cy="523220"/>
+          </a:xfrm>
+          <a:prstGeom prst="rect">
+            <a:avLst/>
+          </a:prstGeom>
+          <a:noFill/>
+        </p:spPr>
+        <p:txBody>
+          <a:bodyPr wrap="none" rtlCol="0">
+            <a:spAutoFit/>
+          </a:bodyPr>
+          <a:lstStyle/>
+          <a:p>
+            <a:r>
+              <a:rPr lang="en-US" sz="2800" b="1" dirty="0">
+                <a:latin typeface="Arial" panose="020B0604020202020204" pitchFamily="34" charset="0"/>
+                <a:cs typeface="Arial" panose="020B0604020202020204" pitchFamily="34" charset="0"/>
+              </a:rPr>
+              <a:t>Time relative to target onset (s)</a:t>
             </a:r>
           </a:p>
         </p:txBody>
@@ -40050,44 +40579,6 @@
       </p:sp>
       <p:sp>
         <p:nvSpPr>
-          <p:cNvPr id="9" name="TextBox 8">
-            <a:extLst>
-              <a:ext uri="{FF2B5EF4-FFF2-40B4-BE49-F238E27FC236}">
-                <a16:creationId xmlns:a16="http://schemas.microsoft.com/office/drawing/2014/main" id="{C8506752-3B36-1F40-8588-B1638D09536F}"/>
-              </a:ext>
-            </a:extLst>
-          </p:cNvPr>
-          <p:cNvSpPr txBox="1"/>
-          <p:nvPr/>
-        </p:nvSpPr>
-        <p:spPr>
-          <a:xfrm>
-            <a:off x="5587720" y="6037618"/>
-            <a:ext cx="1016560" cy="523220"/>
-          </a:xfrm>
-          <a:prstGeom prst="rect">
-            <a:avLst/>
-          </a:prstGeom>
-          <a:noFill/>
-        </p:spPr>
-        <p:txBody>
-          <a:bodyPr wrap="none" rtlCol="0">
-            <a:spAutoFit/>
-          </a:bodyPr>
-          <a:lstStyle/>
-          <a:p>
-            <a:r>
-              <a:rPr lang="en-US" sz="2800" b="1" dirty="0">
-                <a:latin typeface="Arial" panose="020B0604020202020204" pitchFamily="34" charset="0"/>
-                <a:cs typeface="Arial" panose="020B0604020202020204" pitchFamily="34" charset="0"/>
-              </a:rPr>
-              <a:t>Time</a:t>
-            </a:r>
-          </a:p>
-        </p:txBody>
-      </p:sp>
-      <p:sp>
-        <p:nvSpPr>
           <p:cNvPr id="17" name="Rectangle 16">
             <a:extLst>
               <a:ext uri="{FF2B5EF4-FFF2-40B4-BE49-F238E27FC236}">
@@ -40297,6 +40788,44 @@
                 <a:cs typeface="Arial" panose="020B0604020202020204" pitchFamily="34" charset="0"/>
               </a:rPr>
               <a:t>Decoding</a:t>
+            </a:r>
+          </a:p>
+        </p:txBody>
+      </p:sp>
+      <p:sp>
+        <p:nvSpPr>
+          <p:cNvPr id="11" name="TextBox 10">
+            <a:extLst>
+              <a:ext uri="{FF2B5EF4-FFF2-40B4-BE49-F238E27FC236}">
+                <a16:creationId xmlns:a16="http://schemas.microsoft.com/office/drawing/2014/main" id="{9883A2C8-B035-6A43-8621-FC3FF4F3812D}"/>
+              </a:ext>
+            </a:extLst>
+          </p:cNvPr>
+          <p:cNvSpPr txBox="1"/>
+          <p:nvPr/>
+        </p:nvSpPr>
+        <p:spPr>
+          <a:xfrm>
+            <a:off x="3752219" y="6131343"/>
+            <a:ext cx="5514587" cy="523220"/>
+          </a:xfrm>
+          <a:prstGeom prst="rect">
+            <a:avLst/>
+          </a:prstGeom>
+          <a:noFill/>
+        </p:spPr>
+        <p:txBody>
+          <a:bodyPr wrap="none" rtlCol="0">
+            <a:spAutoFit/>
+          </a:bodyPr>
+          <a:lstStyle/>
+          <a:p>
+            <a:r>
+              <a:rPr lang="en-US" sz="2800" b="1" dirty="0">
+                <a:latin typeface="Arial" panose="020B0604020202020204" pitchFamily="34" charset="0"/>
+                <a:cs typeface="Arial" panose="020B0604020202020204" pitchFamily="34" charset="0"/>
+              </a:rPr>
+              <a:t>Time relative to target onset (s)</a:t>
             </a:r>
           </a:p>
         </p:txBody>
@@ -40397,44 +40926,6 @@
       </p:sp>
       <p:sp>
         <p:nvSpPr>
-          <p:cNvPr id="9" name="TextBox 8">
-            <a:extLst>
-              <a:ext uri="{FF2B5EF4-FFF2-40B4-BE49-F238E27FC236}">
-                <a16:creationId xmlns:a16="http://schemas.microsoft.com/office/drawing/2014/main" id="{C8506752-3B36-1F40-8588-B1638D09536F}"/>
-              </a:ext>
-            </a:extLst>
-          </p:cNvPr>
-          <p:cNvSpPr txBox="1"/>
-          <p:nvPr/>
-        </p:nvSpPr>
-        <p:spPr>
-          <a:xfrm>
-            <a:off x="5587720" y="6037618"/>
-            <a:ext cx="1016560" cy="523220"/>
-          </a:xfrm>
-          <a:prstGeom prst="rect">
-            <a:avLst/>
-          </a:prstGeom>
-          <a:noFill/>
-        </p:spPr>
-        <p:txBody>
-          <a:bodyPr wrap="none" rtlCol="0">
-            <a:spAutoFit/>
-          </a:bodyPr>
-          <a:lstStyle/>
-          <a:p>
-            <a:r>
-              <a:rPr lang="en-US" sz="2800" b="1" dirty="0">
-                <a:latin typeface="Arial" panose="020B0604020202020204" pitchFamily="34" charset="0"/>
-                <a:cs typeface="Arial" panose="020B0604020202020204" pitchFamily="34" charset="0"/>
-              </a:rPr>
-              <a:t>Time</a:t>
-            </a:r>
-          </a:p>
-        </p:txBody>
-      </p:sp>
-      <p:sp>
-        <p:nvSpPr>
           <p:cNvPr id="17" name="Rectangle 16">
             <a:extLst>
               <a:ext uri="{FF2B5EF4-FFF2-40B4-BE49-F238E27FC236}">
@@ -40685,6 +41176,44 @@
                 <a:cs typeface="Arial" panose="020B0604020202020204" pitchFamily="34" charset="0"/>
               </a:rPr>
               <a:t>Decoding</a:t>
+            </a:r>
+          </a:p>
+        </p:txBody>
+      </p:sp>
+      <p:sp>
+        <p:nvSpPr>
+          <p:cNvPr id="12" name="TextBox 11">
+            <a:extLst>
+              <a:ext uri="{FF2B5EF4-FFF2-40B4-BE49-F238E27FC236}">
+                <a16:creationId xmlns:a16="http://schemas.microsoft.com/office/drawing/2014/main" id="{F14A457C-F321-4343-B412-D3B02E1691F2}"/>
+              </a:ext>
+            </a:extLst>
+          </p:cNvPr>
+          <p:cNvSpPr txBox="1"/>
+          <p:nvPr/>
+        </p:nvSpPr>
+        <p:spPr>
+          <a:xfrm>
+            <a:off x="3752219" y="6131343"/>
+            <a:ext cx="5514587" cy="523220"/>
+          </a:xfrm>
+          <a:prstGeom prst="rect">
+            <a:avLst/>
+          </a:prstGeom>
+          <a:noFill/>
+        </p:spPr>
+        <p:txBody>
+          <a:bodyPr wrap="none" rtlCol="0">
+            <a:spAutoFit/>
+          </a:bodyPr>
+          <a:lstStyle/>
+          <a:p>
+            <a:r>
+              <a:rPr lang="en-US" sz="2800" b="1" dirty="0">
+                <a:latin typeface="Arial" panose="020B0604020202020204" pitchFamily="34" charset="0"/>
+                <a:cs typeface="Arial" panose="020B0604020202020204" pitchFamily="34" charset="0"/>
+              </a:rPr>
+              <a:t>Time relative to target onset (s)</a:t>
             </a:r>
           </a:p>
         </p:txBody>
@@ -40785,44 +41314,6 @@
       </p:sp>
       <p:sp>
         <p:nvSpPr>
-          <p:cNvPr id="9" name="TextBox 8">
-            <a:extLst>
-              <a:ext uri="{FF2B5EF4-FFF2-40B4-BE49-F238E27FC236}">
-                <a16:creationId xmlns:a16="http://schemas.microsoft.com/office/drawing/2014/main" id="{C8506752-3B36-1F40-8588-B1638D09536F}"/>
-              </a:ext>
-            </a:extLst>
-          </p:cNvPr>
-          <p:cNvSpPr txBox="1"/>
-          <p:nvPr/>
-        </p:nvSpPr>
-        <p:spPr>
-          <a:xfrm>
-            <a:off x="5587720" y="6037618"/>
-            <a:ext cx="1016560" cy="523220"/>
-          </a:xfrm>
-          <a:prstGeom prst="rect">
-            <a:avLst/>
-          </a:prstGeom>
-          <a:noFill/>
-        </p:spPr>
-        <p:txBody>
-          <a:bodyPr wrap="none" rtlCol="0">
-            <a:spAutoFit/>
-          </a:bodyPr>
-          <a:lstStyle/>
-          <a:p>
-            <a:r>
-              <a:rPr lang="en-US" sz="2800" b="1" dirty="0">
-                <a:latin typeface="Arial" panose="020B0604020202020204" pitchFamily="34" charset="0"/>
-                <a:cs typeface="Arial" panose="020B0604020202020204" pitchFamily="34" charset="0"/>
-              </a:rPr>
-              <a:t>Time</a:t>
-            </a:r>
-          </a:p>
-        </p:txBody>
-      </p:sp>
-      <p:sp>
-        <p:nvSpPr>
           <p:cNvPr id="17" name="Rectangle 16">
             <a:extLst>
               <a:ext uri="{FF2B5EF4-FFF2-40B4-BE49-F238E27FC236}">
@@ -41073,6 +41564,44 @@
                 <a:cs typeface="Arial" panose="020B0604020202020204" pitchFamily="34" charset="0"/>
               </a:rPr>
               <a:t>Decoding</a:t>
+            </a:r>
+          </a:p>
+        </p:txBody>
+      </p:sp>
+      <p:sp>
+        <p:nvSpPr>
+          <p:cNvPr id="12" name="TextBox 11">
+            <a:extLst>
+              <a:ext uri="{FF2B5EF4-FFF2-40B4-BE49-F238E27FC236}">
+                <a16:creationId xmlns:a16="http://schemas.microsoft.com/office/drawing/2014/main" id="{DFEFE385-620B-6246-B4DA-C81A6A326C80}"/>
+              </a:ext>
+            </a:extLst>
+          </p:cNvPr>
+          <p:cNvSpPr txBox="1"/>
+          <p:nvPr/>
+        </p:nvSpPr>
+        <p:spPr>
+          <a:xfrm>
+            <a:off x="3752219" y="6131343"/>
+            <a:ext cx="5514587" cy="523220"/>
+          </a:xfrm>
+          <a:prstGeom prst="rect">
+            <a:avLst/>
+          </a:prstGeom>
+          <a:noFill/>
+        </p:spPr>
+        <p:txBody>
+          <a:bodyPr wrap="none" rtlCol="0">
+            <a:spAutoFit/>
+          </a:bodyPr>
+          <a:lstStyle/>
+          <a:p>
+            <a:r>
+              <a:rPr lang="en-US" sz="2800" b="1" dirty="0">
+                <a:latin typeface="Arial" panose="020B0604020202020204" pitchFamily="34" charset="0"/>
+                <a:cs typeface="Arial" panose="020B0604020202020204" pitchFamily="34" charset="0"/>
+              </a:rPr>
+              <a:t>Time relative to target onset (s)</a:t>
             </a:r>
           </a:p>
         </p:txBody>
@@ -41173,44 +41702,6 @@
       </p:sp>
       <p:sp>
         <p:nvSpPr>
-          <p:cNvPr id="9" name="TextBox 8">
-            <a:extLst>
-              <a:ext uri="{FF2B5EF4-FFF2-40B4-BE49-F238E27FC236}">
-                <a16:creationId xmlns:a16="http://schemas.microsoft.com/office/drawing/2014/main" id="{C8506752-3B36-1F40-8588-B1638D09536F}"/>
-              </a:ext>
-            </a:extLst>
-          </p:cNvPr>
-          <p:cNvSpPr txBox="1"/>
-          <p:nvPr/>
-        </p:nvSpPr>
-        <p:spPr>
-          <a:xfrm>
-            <a:off x="5587720" y="6037618"/>
-            <a:ext cx="1016560" cy="523220"/>
-          </a:xfrm>
-          <a:prstGeom prst="rect">
-            <a:avLst/>
-          </a:prstGeom>
-          <a:noFill/>
-        </p:spPr>
-        <p:txBody>
-          <a:bodyPr wrap="none" rtlCol="0">
-            <a:spAutoFit/>
-          </a:bodyPr>
-          <a:lstStyle/>
-          <a:p>
-            <a:r>
-              <a:rPr lang="en-US" sz="2800" b="1" dirty="0">
-                <a:latin typeface="Arial" panose="020B0604020202020204" pitchFamily="34" charset="0"/>
-                <a:cs typeface="Arial" panose="020B0604020202020204" pitchFamily="34" charset="0"/>
-              </a:rPr>
-              <a:t>Time</a:t>
-            </a:r>
-          </a:p>
-        </p:txBody>
-      </p:sp>
-      <p:sp>
-        <p:nvSpPr>
           <p:cNvPr id="5" name="TextBox 4">
             <a:extLst>
               <a:ext uri="{FF2B5EF4-FFF2-40B4-BE49-F238E27FC236}">
@@ -41409,6 +41900,44 @@
                 <a:cs typeface="Arial" panose="020B0604020202020204" pitchFamily="34" charset="0"/>
               </a:rPr>
               <a:t>Decoding</a:t>
+            </a:r>
+          </a:p>
+        </p:txBody>
+      </p:sp>
+      <p:sp>
+        <p:nvSpPr>
+          <p:cNvPr id="12" name="TextBox 11">
+            <a:extLst>
+              <a:ext uri="{FF2B5EF4-FFF2-40B4-BE49-F238E27FC236}">
+                <a16:creationId xmlns:a16="http://schemas.microsoft.com/office/drawing/2014/main" id="{D68A81BF-9E7A-FB44-97D0-554CECE73CEB}"/>
+              </a:ext>
+            </a:extLst>
+          </p:cNvPr>
+          <p:cNvSpPr txBox="1"/>
+          <p:nvPr/>
+        </p:nvSpPr>
+        <p:spPr>
+          <a:xfrm>
+            <a:off x="3752219" y="6131343"/>
+            <a:ext cx="5514587" cy="523220"/>
+          </a:xfrm>
+          <a:prstGeom prst="rect">
+            <a:avLst/>
+          </a:prstGeom>
+          <a:noFill/>
+        </p:spPr>
+        <p:txBody>
+          <a:bodyPr wrap="none" rtlCol="0">
+            <a:spAutoFit/>
+          </a:bodyPr>
+          <a:lstStyle/>
+          <a:p>
+            <a:r>
+              <a:rPr lang="en-US" sz="2800" b="1" dirty="0">
+                <a:latin typeface="Arial" panose="020B0604020202020204" pitchFamily="34" charset="0"/>
+                <a:cs typeface="Arial" panose="020B0604020202020204" pitchFamily="34" charset="0"/>
+              </a:rPr>
+              <a:t>Time relative to target onset (s)</a:t>
             </a:r>
           </a:p>
         </p:txBody>
@@ -41509,44 +42038,6 @@
       </p:sp>
       <p:sp>
         <p:nvSpPr>
-          <p:cNvPr id="9" name="TextBox 8">
-            <a:extLst>
-              <a:ext uri="{FF2B5EF4-FFF2-40B4-BE49-F238E27FC236}">
-                <a16:creationId xmlns:a16="http://schemas.microsoft.com/office/drawing/2014/main" id="{C8506752-3B36-1F40-8588-B1638D09536F}"/>
-              </a:ext>
-            </a:extLst>
-          </p:cNvPr>
-          <p:cNvSpPr txBox="1"/>
-          <p:nvPr/>
-        </p:nvSpPr>
-        <p:spPr>
-          <a:xfrm>
-            <a:off x="5587720" y="6037618"/>
-            <a:ext cx="1016560" cy="523220"/>
-          </a:xfrm>
-          <a:prstGeom prst="rect">
-            <a:avLst/>
-          </a:prstGeom>
-          <a:noFill/>
-        </p:spPr>
-        <p:txBody>
-          <a:bodyPr wrap="none" rtlCol="0">
-            <a:spAutoFit/>
-          </a:bodyPr>
-          <a:lstStyle/>
-          <a:p>
-            <a:r>
-              <a:rPr lang="en-US" sz="2800" b="1" dirty="0">
-                <a:latin typeface="Arial" panose="020B0604020202020204" pitchFamily="34" charset="0"/>
-                <a:cs typeface="Arial" panose="020B0604020202020204" pitchFamily="34" charset="0"/>
-              </a:rPr>
-              <a:t>Time</a:t>
-            </a:r>
-          </a:p>
-        </p:txBody>
-      </p:sp>
-      <p:sp>
-        <p:nvSpPr>
           <p:cNvPr id="5" name="TextBox 4">
             <a:extLst>
               <a:ext uri="{FF2B5EF4-FFF2-40B4-BE49-F238E27FC236}">
@@ -41862,6 +42353,44 @@
                 <a:cs typeface="Arial" panose="020B0604020202020204" pitchFamily="34" charset="0"/>
               </a:rPr>
               <a:t>Decoding</a:t>
+            </a:r>
+          </a:p>
+        </p:txBody>
+      </p:sp>
+      <p:sp>
+        <p:nvSpPr>
+          <p:cNvPr id="15" name="TextBox 14">
+            <a:extLst>
+              <a:ext uri="{FF2B5EF4-FFF2-40B4-BE49-F238E27FC236}">
+                <a16:creationId xmlns:a16="http://schemas.microsoft.com/office/drawing/2014/main" id="{F22BDD84-A661-1B4E-A657-359326058AFB}"/>
+              </a:ext>
+            </a:extLst>
+          </p:cNvPr>
+          <p:cNvSpPr txBox="1"/>
+          <p:nvPr/>
+        </p:nvSpPr>
+        <p:spPr>
+          <a:xfrm>
+            <a:off x="3752219" y="6131343"/>
+            <a:ext cx="5514587" cy="523220"/>
+          </a:xfrm>
+          <a:prstGeom prst="rect">
+            <a:avLst/>
+          </a:prstGeom>
+          <a:noFill/>
+        </p:spPr>
+        <p:txBody>
+          <a:bodyPr wrap="none" rtlCol="0">
+            <a:spAutoFit/>
+          </a:bodyPr>
+          <a:lstStyle/>
+          <a:p>
+            <a:r>
+              <a:rPr lang="en-US" sz="2800" b="1" dirty="0">
+                <a:latin typeface="Arial" panose="020B0604020202020204" pitchFamily="34" charset="0"/>
+                <a:cs typeface="Arial" panose="020B0604020202020204" pitchFamily="34" charset="0"/>
+              </a:rPr>
+              <a:t>Time relative to target onset (s)</a:t>
             </a:r>
           </a:p>
         </p:txBody>
@@ -41948,7 +42477,12 @@
             <p:ph type="title"/>
           </p:nvPr>
         </p:nvSpPr>
-        <p:spPr/>
+        <p:spPr>
+          <a:xfrm>
+            <a:off x="838200" y="161928"/>
+            <a:ext cx="10515600" cy="1325563"/>
+          </a:xfrm>
+        </p:spPr>
         <p:txBody>
           <a:bodyPr/>
           <a:lstStyle/>
@@ -42007,10 +42541,62 @@
           </a:p>
         </p:txBody>
       </p:sp>
+      <p:sp>
+        <p:nvSpPr>
+          <p:cNvPr id="7" name="Rectangle 6">
+            <a:extLst>
+              <a:ext uri="{FF2B5EF4-FFF2-40B4-BE49-F238E27FC236}">
+                <a16:creationId xmlns:a16="http://schemas.microsoft.com/office/drawing/2014/main" id="{A710659E-4D33-1442-98D3-694702763A55}"/>
+              </a:ext>
+            </a:extLst>
+          </p:cNvPr>
+          <p:cNvSpPr/>
+          <p:nvPr/>
+        </p:nvSpPr>
+        <p:spPr>
+          <a:xfrm>
+            <a:off x="4888433" y="1690687"/>
+            <a:ext cx="5804040" cy="5043941"/>
+          </a:xfrm>
+          <a:prstGeom prst="rect">
+            <a:avLst/>
+          </a:prstGeom>
+          <a:solidFill>
+            <a:schemeClr val="bg1"/>
+          </a:solidFill>
+          <a:ln>
+            <a:noFill/>
+          </a:ln>
+        </p:spPr>
+        <p:style>
+          <a:lnRef idx="2">
+            <a:schemeClr val="accent1">
+              <a:shade val="50000"/>
+            </a:schemeClr>
+          </a:lnRef>
+          <a:fillRef idx="1">
+            <a:schemeClr val="accent1"/>
+          </a:fillRef>
+          <a:effectRef idx="0">
+            <a:schemeClr val="accent1"/>
+          </a:effectRef>
+          <a:fontRef idx="minor">
+            <a:schemeClr val="lt1"/>
+          </a:fontRef>
+        </p:style>
+        <p:txBody>
+          <a:bodyPr rtlCol="0" anchor="ctr"/>
+          <a:lstStyle/>
+          <a:p>
+            <a:pPr algn="ctr"/>
+            <a:endParaRPr lang="en-US"/>
+          </a:p>
+        </p:txBody>
+      </p:sp>
     </p:spTree>
     <p:extLst>
       <p:ext uri="{BB962C8B-B14F-4D97-AF65-F5344CB8AC3E}">
-        <p14:creationId xmlns:p14="http://schemas.microsoft.com/office/powerpoint/2010/main" val="522851543"/>
+        <p14:creationId xmlns:p14="http://schemas.microsoft.com/office/powerpoint/2010/main" val="1971415880"/>
       </p:ext>
     </p:extLst>
   </p:cSld>
@@ -42037,12 +42623,48 @@
           <a:chExt cx="0" cy="0"/>
         </a:xfrm>
       </p:grpSpPr>
+      <p:pic>
+        <p:nvPicPr>
+          <p:cNvPr id="15" name="Graphic 14">
+            <a:extLst>
+              <a:ext uri="{FF2B5EF4-FFF2-40B4-BE49-F238E27FC236}">
+                <a16:creationId xmlns:a16="http://schemas.microsoft.com/office/drawing/2014/main" id="{86189E6D-FEE6-C049-886F-3D0C3C33C97D}"/>
+              </a:ext>
+            </a:extLst>
+          </p:cNvPr>
+          <p:cNvPicPr>
+            <a:picLocks noChangeAspect="1"/>
+          </p:cNvPicPr>
+          <p:nvPr/>
+        </p:nvPicPr>
+        <p:blipFill>
+          <a:blip r:embed="rId2">
+            <a:extLst>
+              <a:ext uri="{96DAC541-7B7A-43D3-8B79-37D633B846F1}">
+                <asvg:svgBlip xmlns:asvg="http://schemas.microsoft.com/office/drawing/2016/SVG/main" r:embed="rId3"/>
+              </a:ext>
+            </a:extLst>
+          </a:blip>
+          <a:stretch>
+            <a:fillRect/>
+          </a:stretch>
+        </p:blipFill>
+        <p:spPr>
+          <a:xfrm>
+            <a:off x="2382983" y="1328016"/>
+            <a:ext cx="8294976" cy="5529984"/>
+          </a:xfrm>
+          <a:prstGeom prst="rect">
+            <a:avLst/>
+          </a:prstGeom>
+        </p:spPr>
+      </p:pic>
       <p:sp>
         <p:nvSpPr>
           <p:cNvPr id="2" name="Title 1">
             <a:extLst>
               <a:ext uri="{FF2B5EF4-FFF2-40B4-BE49-F238E27FC236}">
-                <a16:creationId xmlns:a16="http://schemas.microsoft.com/office/drawing/2014/main" id="{B7F0EFC4-8545-9740-8524-1A2E331E93C5}"/>
+                <a16:creationId xmlns:a16="http://schemas.microsoft.com/office/drawing/2014/main" id="{BC192DC9-F67F-4E4C-AACE-92C1990BABB8}"/>
               </a:ext>
             </a:extLst>
           </p:cNvPr>
@@ -42053,39 +42675,173 @@
             <p:ph type="title"/>
           </p:nvPr>
         </p:nvSpPr>
-        <p:spPr/>
+        <p:spPr>
+          <a:xfrm>
+            <a:off x="838200" y="161928"/>
+            <a:ext cx="10515600" cy="1325563"/>
+          </a:xfrm>
+        </p:spPr>
         <p:txBody>
           <a:bodyPr/>
           <a:lstStyle/>
           <a:p>
             <a:r>
               <a:rPr lang="en-US" dirty="0"/>
-              <a:t>TODO: decode vs. target time</a:t>
-            </a:r>
-          </a:p>
-        </p:txBody>
-      </p:sp>
-      <p:sp>
-        <p:nvSpPr>
-          <p:cNvPr id="3" name="Content Placeholder 2">
-            <a:extLst>
-              <a:ext uri="{FF2B5EF4-FFF2-40B4-BE49-F238E27FC236}">
-                <a16:creationId xmlns:a16="http://schemas.microsoft.com/office/drawing/2014/main" id="{C18674DB-8F90-0D49-882A-91C4252E2EA2}"/>
-              </a:ext>
-            </a:extLst>
-          </p:cNvPr>
-          <p:cNvSpPr>
-            <a:spLocks noGrp="1"/>
-          </p:cNvSpPr>
-          <p:nvPr>
-            <p:ph idx="1"/>
-          </p:nvPr>
-        </p:nvSpPr>
-        <p:spPr/>
-        <p:txBody>
-          <a:bodyPr/>
-          <a:lstStyle/>
-          <a:p>
+              <a:t>Attention signal is similar across conditions</a:t>
+            </a:r>
+          </a:p>
+        </p:txBody>
+      </p:sp>
+      <p:sp>
+        <p:nvSpPr>
+          <p:cNvPr id="13" name="TextBox 12">
+            <a:extLst>
+              <a:ext uri="{FF2B5EF4-FFF2-40B4-BE49-F238E27FC236}">
+                <a16:creationId xmlns:a16="http://schemas.microsoft.com/office/drawing/2014/main" id="{87B44A55-759C-1244-A908-B60D1480665D}"/>
+              </a:ext>
+            </a:extLst>
+          </p:cNvPr>
+          <p:cNvSpPr txBox="1"/>
+          <p:nvPr/>
+        </p:nvSpPr>
+        <p:spPr>
+          <a:xfrm>
+            <a:off x="7587953" y="1690688"/>
+            <a:ext cx="636713" cy="461665"/>
+          </a:xfrm>
+          <a:prstGeom prst="rect">
+            <a:avLst/>
+          </a:prstGeom>
+          <a:noFill/>
+        </p:spPr>
+        <p:txBody>
+          <a:bodyPr wrap="none" rtlCol="0">
+            <a:spAutoFit/>
+          </a:bodyPr>
+          <a:lstStyle/>
+          <a:p>
+            <a:r>
+              <a:rPr lang="en-US" sz="2400" dirty="0" err="1">
+                <a:solidFill>
+                  <a:srgbClr val="FF0000"/>
+                </a:solidFill>
+              </a:rPr>
+              <a:t>n.s</a:t>
+            </a:r>
+            <a:r>
+              <a:rPr lang="en-US" sz="2400" dirty="0">
+                <a:solidFill>
+                  <a:srgbClr val="FF0000"/>
+                </a:solidFill>
+              </a:rPr>
+              <a:t>.</a:t>
+            </a:r>
+          </a:p>
+        </p:txBody>
+      </p:sp>
+      <p:sp>
+        <p:nvSpPr>
+          <p:cNvPr id="5" name="TextBox 4">
+            <a:extLst>
+              <a:ext uri="{FF2B5EF4-FFF2-40B4-BE49-F238E27FC236}">
+                <a16:creationId xmlns:a16="http://schemas.microsoft.com/office/drawing/2014/main" id="{AE25AA59-8EA8-054C-A340-2A750A765BEB}"/>
+              </a:ext>
+            </a:extLst>
+          </p:cNvPr>
+          <p:cNvSpPr txBox="1"/>
+          <p:nvPr/>
+        </p:nvSpPr>
+        <p:spPr>
+          <a:xfrm>
+            <a:off x="1363806" y="1215851"/>
+            <a:ext cx="2306657" cy="830997"/>
+          </a:xfrm>
+          <a:prstGeom prst="rect">
+            <a:avLst/>
+          </a:prstGeom>
+          <a:noFill/>
+        </p:spPr>
+        <p:txBody>
+          <a:bodyPr wrap="none" rtlCol="0">
+            <a:spAutoFit/>
+          </a:bodyPr>
+          <a:lstStyle/>
+          <a:p>
+            <a:pPr algn="r"/>
+            <a:r>
+              <a:rPr lang="en-US" sz="2400" dirty="0">
+                <a:solidFill>
+                  <a:srgbClr val="4472C4"/>
+                </a:solidFill>
+                <a:latin typeface="Arial" panose="020B0604020202020204" pitchFamily="34" charset="0"/>
+                <a:cs typeface="Arial" panose="020B0604020202020204" pitchFamily="34" charset="0"/>
+              </a:rPr>
+              <a:t>Target Focused</a:t>
+            </a:r>
+          </a:p>
+          <a:p>
+            <a:pPr algn="r"/>
+            <a:r>
+              <a:rPr lang="en-US" sz="2400" dirty="0">
+                <a:solidFill>
+                  <a:srgbClr val="4472C4"/>
+                </a:solidFill>
+                <a:latin typeface="Arial" panose="020B0604020202020204" pitchFamily="34" charset="0"/>
+                <a:cs typeface="Arial" panose="020B0604020202020204" pitchFamily="34" charset="0"/>
+              </a:rPr>
+              <a:t>Attention</a:t>
+            </a:r>
+          </a:p>
+        </p:txBody>
+      </p:sp>
+      <p:sp>
+        <p:nvSpPr>
+          <p:cNvPr id="7" name="Rectangle 6">
+            <a:extLst>
+              <a:ext uri="{FF2B5EF4-FFF2-40B4-BE49-F238E27FC236}">
+                <a16:creationId xmlns:a16="http://schemas.microsoft.com/office/drawing/2014/main" id="{A710659E-4D33-1442-98D3-694702763A55}"/>
+              </a:ext>
+            </a:extLst>
+          </p:cNvPr>
+          <p:cNvSpPr/>
+          <p:nvPr/>
+        </p:nvSpPr>
+        <p:spPr>
+          <a:xfrm>
+            <a:off x="4888433" y="1690687"/>
+            <a:ext cx="5804040" cy="5043941"/>
+          </a:xfrm>
+          <a:prstGeom prst="rect">
+            <a:avLst/>
+          </a:prstGeom>
+          <a:solidFill>
+            <a:schemeClr val="bg1"/>
+          </a:solidFill>
+          <a:ln>
+            <a:noFill/>
+          </a:ln>
+        </p:spPr>
+        <p:style>
+          <a:lnRef idx="2">
+            <a:schemeClr val="accent1">
+              <a:shade val="50000"/>
+            </a:schemeClr>
+          </a:lnRef>
+          <a:fillRef idx="1">
+            <a:schemeClr val="accent1"/>
+          </a:fillRef>
+          <a:effectRef idx="0">
+            <a:schemeClr val="accent1"/>
+          </a:effectRef>
+          <a:fontRef idx="minor">
+            <a:schemeClr val="lt1"/>
+          </a:fontRef>
+        </p:style>
+        <p:txBody>
+          <a:bodyPr rtlCol="0" anchor="ctr"/>
+          <a:lstStyle/>
+          <a:p>
+            <a:pPr algn="ctr"/>
             <a:endParaRPr lang="en-US"/>
           </a:p>
         </p:txBody>
@@ -42093,7 +42849,7 @@
     </p:spTree>
     <p:extLst>
       <p:ext uri="{BB962C8B-B14F-4D97-AF65-F5344CB8AC3E}">
-        <p14:creationId xmlns:p14="http://schemas.microsoft.com/office/powerpoint/2010/main" val="1502206246"/>
+        <p14:creationId xmlns:p14="http://schemas.microsoft.com/office/powerpoint/2010/main" val="3538728663"/>
       </p:ext>
     </p:extLst>
   </p:cSld>
@@ -42120,12 +42876,48 @@
           <a:chExt cx="0" cy="0"/>
         </a:xfrm>
       </p:grpSpPr>
+      <p:pic>
+        <p:nvPicPr>
+          <p:cNvPr id="15" name="Graphic 14">
+            <a:extLst>
+              <a:ext uri="{FF2B5EF4-FFF2-40B4-BE49-F238E27FC236}">
+                <a16:creationId xmlns:a16="http://schemas.microsoft.com/office/drawing/2014/main" id="{86189E6D-FEE6-C049-886F-3D0C3C33C97D}"/>
+              </a:ext>
+            </a:extLst>
+          </p:cNvPr>
+          <p:cNvPicPr>
+            <a:picLocks noChangeAspect="1"/>
+          </p:cNvPicPr>
+          <p:nvPr/>
+        </p:nvPicPr>
+        <p:blipFill>
+          <a:blip r:embed="rId2">
+            <a:extLst>
+              <a:ext uri="{96DAC541-7B7A-43D3-8B79-37D633B846F1}">
+                <asvg:svgBlip xmlns:asvg="http://schemas.microsoft.com/office/drawing/2016/SVG/main" r:embed="rId3"/>
+              </a:ext>
+            </a:extLst>
+          </a:blip>
+          <a:stretch>
+            <a:fillRect/>
+          </a:stretch>
+        </p:blipFill>
+        <p:spPr>
+          <a:xfrm>
+            <a:off x="2382983" y="1328016"/>
+            <a:ext cx="8294976" cy="5529984"/>
+          </a:xfrm>
+          <a:prstGeom prst="rect">
+            <a:avLst/>
+          </a:prstGeom>
+        </p:spPr>
+      </p:pic>
       <p:sp>
         <p:nvSpPr>
           <p:cNvPr id="2" name="Title 1">
             <a:extLst>
               <a:ext uri="{FF2B5EF4-FFF2-40B4-BE49-F238E27FC236}">
-                <a16:creationId xmlns:a16="http://schemas.microsoft.com/office/drawing/2014/main" id="{B7F0EFC4-8545-9740-8524-1A2E331E93C5}"/>
+                <a16:creationId xmlns:a16="http://schemas.microsoft.com/office/drawing/2014/main" id="{BC192DC9-F67F-4E4C-AACE-92C1990BABB8}"/>
               </a:ext>
             </a:extLst>
           </p:cNvPr>
@@ -42136,39 +42928,228 @@
             <p:ph type="title"/>
           </p:nvPr>
         </p:nvSpPr>
-        <p:spPr/>
+        <p:spPr>
+          <a:xfrm>
+            <a:off x="838200" y="161928"/>
+            <a:ext cx="10515600" cy="1325563"/>
+          </a:xfrm>
+        </p:spPr>
         <p:txBody>
           <a:bodyPr/>
           <a:lstStyle/>
           <a:p>
             <a:r>
               <a:rPr lang="en-US" dirty="0"/>
-              <a:t>TODO: decode vs. target salience</a:t>
-            </a:r>
-          </a:p>
-        </p:txBody>
-      </p:sp>
-      <p:sp>
-        <p:nvSpPr>
-          <p:cNvPr id="3" name="Content Placeholder 2">
-            <a:extLst>
-              <a:ext uri="{FF2B5EF4-FFF2-40B4-BE49-F238E27FC236}">
-                <a16:creationId xmlns:a16="http://schemas.microsoft.com/office/drawing/2014/main" id="{C18674DB-8F90-0D49-882A-91C4252E2EA2}"/>
-              </a:ext>
-            </a:extLst>
-          </p:cNvPr>
-          <p:cNvSpPr>
-            <a:spLocks noGrp="1"/>
-          </p:cNvSpPr>
-          <p:nvPr>
-            <p:ph idx="1"/>
-          </p:nvPr>
-        </p:nvSpPr>
-        <p:spPr/>
-        <p:txBody>
-          <a:bodyPr/>
-          <a:lstStyle/>
-          <a:p>
+              <a:t>Attention signal is similar across conditions</a:t>
+            </a:r>
+          </a:p>
+        </p:txBody>
+      </p:sp>
+      <p:sp>
+        <p:nvSpPr>
+          <p:cNvPr id="13" name="TextBox 12">
+            <a:extLst>
+              <a:ext uri="{FF2B5EF4-FFF2-40B4-BE49-F238E27FC236}">
+                <a16:creationId xmlns:a16="http://schemas.microsoft.com/office/drawing/2014/main" id="{87B44A55-759C-1244-A908-B60D1480665D}"/>
+              </a:ext>
+            </a:extLst>
+          </p:cNvPr>
+          <p:cNvSpPr txBox="1"/>
+          <p:nvPr/>
+        </p:nvSpPr>
+        <p:spPr>
+          <a:xfrm>
+            <a:off x="7587953" y="1690688"/>
+            <a:ext cx="636713" cy="461665"/>
+          </a:xfrm>
+          <a:prstGeom prst="rect">
+            <a:avLst/>
+          </a:prstGeom>
+          <a:noFill/>
+        </p:spPr>
+        <p:txBody>
+          <a:bodyPr wrap="none" rtlCol="0">
+            <a:spAutoFit/>
+          </a:bodyPr>
+          <a:lstStyle/>
+          <a:p>
+            <a:r>
+              <a:rPr lang="en-US" sz="2400" dirty="0" err="1">
+                <a:solidFill>
+                  <a:srgbClr val="FF0000"/>
+                </a:solidFill>
+              </a:rPr>
+              <a:t>n.s</a:t>
+            </a:r>
+            <a:r>
+              <a:rPr lang="en-US" sz="2400" dirty="0">
+                <a:solidFill>
+                  <a:srgbClr val="FF0000"/>
+                </a:solidFill>
+              </a:rPr>
+              <a:t>.</a:t>
+            </a:r>
+          </a:p>
+        </p:txBody>
+      </p:sp>
+      <p:sp>
+        <p:nvSpPr>
+          <p:cNvPr id="5" name="TextBox 4">
+            <a:extLst>
+              <a:ext uri="{FF2B5EF4-FFF2-40B4-BE49-F238E27FC236}">
+                <a16:creationId xmlns:a16="http://schemas.microsoft.com/office/drawing/2014/main" id="{AE25AA59-8EA8-054C-A340-2A750A765BEB}"/>
+              </a:ext>
+            </a:extLst>
+          </p:cNvPr>
+          <p:cNvSpPr txBox="1"/>
+          <p:nvPr/>
+        </p:nvSpPr>
+        <p:spPr>
+          <a:xfrm>
+            <a:off x="1363806" y="1215851"/>
+            <a:ext cx="2306657" cy="830997"/>
+          </a:xfrm>
+          <a:prstGeom prst="rect">
+            <a:avLst/>
+          </a:prstGeom>
+          <a:noFill/>
+        </p:spPr>
+        <p:txBody>
+          <a:bodyPr wrap="none" rtlCol="0">
+            <a:spAutoFit/>
+          </a:bodyPr>
+          <a:lstStyle/>
+          <a:p>
+            <a:pPr algn="r"/>
+            <a:r>
+              <a:rPr lang="en-US" sz="2400" dirty="0">
+                <a:solidFill>
+                  <a:srgbClr val="4472C4"/>
+                </a:solidFill>
+                <a:latin typeface="Arial" panose="020B0604020202020204" pitchFamily="34" charset="0"/>
+                <a:cs typeface="Arial" panose="020B0604020202020204" pitchFamily="34" charset="0"/>
+              </a:rPr>
+              <a:t>Target Focused</a:t>
+            </a:r>
+          </a:p>
+          <a:p>
+            <a:pPr algn="r"/>
+            <a:r>
+              <a:rPr lang="en-US" sz="2400" dirty="0">
+                <a:solidFill>
+                  <a:srgbClr val="4472C4"/>
+                </a:solidFill>
+                <a:latin typeface="Arial" panose="020B0604020202020204" pitchFamily="34" charset="0"/>
+                <a:cs typeface="Arial" panose="020B0604020202020204" pitchFamily="34" charset="0"/>
+              </a:rPr>
+              <a:t>Attention</a:t>
+            </a:r>
+          </a:p>
+        </p:txBody>
+      </p:sp>
+      <p:sp>
+        <p:nvSpPr>
+          <p:cNvPr id="6" name="TextBox 5">
+            <a:extLst>
+              <a:ext uri="{FF2B5EF4-FFF2-40B4-BE49-F238E27FC236}">
+                <a16:creationId xmlns:a16="http://schemas.microsoft.com/office/drawing/2014/main" id="{A52BD08A-6051-DB44-B2BE-E0754F0FF6A2}"/>
+              </a:ext>
+            </a:extLst>
+          </p:cNvPr>
+          <p:cNvSpPr txBox="1"/>
+          <p:nvPr/>
+        </p:nvSpPr>
+        <p:spPr>
+          <a:xfrm>
+            <a:off x="1002681" y="5187057"/>
+            <a:ext cx="2667782" cy="830997"/>
+          </a:xfrm>
+          <a:prstGeom prst="rect">
+            <a:avLst/>
+          </a:prstGeom>
+          <a:noFill/>
+        </p:spPr>
+        <p:txBody>
+          <a:bodyPr wrap="none" rtlCol="0">
+            <a:spAutoFit/>
+          </a:bodyPr>
+          <a:lstStyle/>
+          <a:p>
+            <a:pPr algn="r"/>
+            <a:r>
+              <a:rPr lang="en-US" sz="2400" dirty="0">
+                <a:solidFill>
+                  <a:srgbClr val="508888"/>
+                </a:solidFill>
+                <a:latin typeface="Arial" panose="020B0604020202020204" pitchFamily="34" charset="0"/>
+                <a:cs typeface="Arial" panose="020B0604020202020204" pitchFamily="34" charset="0"/>
+              </a:rPr>
+              <a:t>Evenly Distributed</a:t>
+            </a:r>
+          </a:p>
+          <a:p>
+            <a:pPr algn="r"/>
+            <a:r>
+              <a:rPr lang="en-US" sz="2400" dirty="0">
+                <a:solidFill>
+                  <a:srgbClr val="508888"/>
+                </a:solidFill>
+                <a:latin typeface="Arial" panose="020B0604020202020204" pitchFamily="34" charset="0"/>
+                <a:cs typeface="Arial" panose="020B0604020202020204" pitchFamily="34" charset="0"/>
+              </a:rPr>
+              <a:t>Attention</a:t>
+            </a:r>
+          </a:p>
+        </p:txBody>
+      </p:sp>
+      <p:sp>
+        <p:nvSpPr>
+          <p:cNvPr id="7" name="Rectangle 6">
+            <a:extLst>
+              <a:ext uri="{FF2B5EF4-FFF2-40B4-BE49-F238E27FC236}">
+                <a16:creationId xmlns:a16="http://schemas.microsoft.com/office/drawing/2014/main" id="{A710659E-4D33-1442-98D3-694702763A55}"/>
+              </a:ext>
+            </a:extLst>
+          </p:cNvPr>
+          <p:cNvSpPr/>
+          <p:nvPr/>
+        </p:nvSpPr>
+        <p:spPr>
+          <a:xfrm>
+            <a:off x="4888433" y="1690687"/>
+            <a:ext cx="5804040" cy="5043941"/>
+          </a:xfrm>
+          <a:prstGeom prst="rect">
+            <a:avLst/>
+          </a:prstGeom>
+          <a:solidFill>
+            <a:schemeClr val="bg1"/>
+          </a:solidFill>
+          <a:ln>
+            <a:noFill/>
+          </a:ln>
+        </p:spPr>
+        <p:style>
+          <a:lnRef idx="2">
+            <a:schemeClr val="accent1">
+              <a:shade val="50000"/>
+            </a:schemeClr>
+          </a:lnRef>
+          <a:fillRef idx="1">
+            <a:schemeClr val="accent1"/>
+          </a:fillRef>
+          <a:effectRef idx="0">
+            <a:schemeClr val="accent1"/>
+          </a:effectRef>
+          <a:fontRef idx="minor">
+            <a:schemeClr val="lt1"/>
+          </a:fontRef>
+        </p:style>
+        <p:txBody>
+          <a:bodyPr rtlCol="0" anchor="ctr"/>
+          <a:lstStyle/>
+          <a:p>
+            <a:pPr algn="ctr"/>
             <a:endParaRPr lang="en-US"/>
           </a:p>
         </p:txBody>
@@ -42176,7 +43157,7 @@
     </p:spTree>
     <p:extLst>
       <p:ext uri="{BB962C8B-B14F-4D97-AF65-F5344CB8AC3E}">
-        <p14:creationId xmlns:p14="http://schemas.microsoft.com/office/powerpoint/2010/main" val="3156154449"/>
+        <p14:creationId xmlns:p14="http://schemas.microsoft.com/office/powerpoint/2010/main" val="1283037684"/>
       </p:ext>
     </p:extLst>
   </p:cSld>
@@ -42203,12 +43184,48 @@
           <a:chExt cx="0" cy="0"/>
         </a:xfrm>
       </p:grpSpPr>
+      <p:pic>
+        <p:nvPicPr>
+          <p:cNvPr id="15" name="Graphic 14">
+            <a:extLst>
+              <a:ext uri="{FF2B5EF4-FFF2-40B4-BE49-F238E27FC236}">
+                <a16:creationId xmlns:a16="http://schemas.microsoft.com/office/drawing/2014/main" id="{86189E6D-FEE6-C049-886F-3D0C3C33C97D}"/>
+              </a:ext>
+            </a:extLst>
+          </p:cNvPr>
+          <p:cNvPicPr>
+            <a:picLocks noChangeAspect="1"/>
+          </p:cNvPicPr>
+          <p:nvPr/>
+        </p:nvPicPr>
+        <p:blipFill>
+          <a:blip r:embed="rId2">
+            <a:extLst>
+              <a:ext uri="{96DAC541-7B7A-43D3-8B79-37D633B846F1}">
+                <asvg:svgBlip xmlns:asvg="http://schemas.microsoft.com/office/drawing/2016/SVG/main" r:embed="rId3"/>
+              </a:ext>
+            </a:extLst>
+          </a:blip>
+          <a:stretch>
+            <a:fillRect/>
+          </a:stretch>
+        </p:blipFill>
+        <p:spPr>
+          <a:xfrm>
+            <a:off x="2382983" y="1328016"/>
+            <a:ext cx="8294976" cy="5529984"/>
+          </a:xfrm>
+          <a:prstGeom prst="rect">
+            <a:avLst/>
+          </a:prstGeom>
+        </p:spPr>
+      </p:pic>
       <p:sp>
         <p:nvSpPr>
           <p:cNvPr id="2" name="Title 1">
             <a:extLst>
               <a:ext uri="{FF2B5EF4-FFF2-40B4-BE49-F238E27FC236}">
-                <a16:creationId xmlns:a16="http://schemas.microsoft.com/office/drawing/2014/main" id="{636E71C4-5D8A-4440-B72C-C3BA927EA477}"/>
+                <a16:creationId xmlns:a16="http://schemas.microsoft.com/office/drawing/2014/main" id="{BC192DC9-F67F-4E4C-AACE-92C1990BABB8}"/>
               </a:ext>
             </a:extLst>
           </p:cNvPr>
@@ -42219,47 +43236,222 @@
             <p:ph type="title"/>
           </p:nvPr>
         </p:nvSpPr>
-        <p:spPr/>
+        <p:spPr>
+          <a:xfrm>
+            <a:off x="838200" y="161928"/>
+            <a:ext cx="10515600" cy="1325563"/>
+          </a:xfrm>
+        </p:spPr>
         <p:txBody>
           <a:bodyPr/>
           <a:lstStyle/>
           <a:p>
             <a:r>
               <a:rPr lang="en-US" dirty="0"/>
-              <a:t>Conclusions</a:t>
-            </a:r>
-          </a:p>
-        </p:txBody>
-      </p:sp>
-      <p:sp>
-        <p:nvSpPr>
-          <p:cNvPr id="3" name="Content Placeholder 2">
-            <a:extLst>
-              <a:ext uri="{FF2B5EF4-FFF2-40B4-BE49-F238E27FC236}">
-                <a16:creationId xmlns:a16="http://schemas.microsoft.com/office/drawing/2014/main" id="{C20ADD72-AC77-1A4B-AAB3-46C2CBFC6054}"/>
-              </a:ext>
-            </a:extLst>
-          </p:cNvPr>
-          <p:cNvSpPr>
-            <a:spLocks noGrp="1"/>
-          </p:cNvSpPr>
-          <p:nvPr>
-            <p:ph idx="1"/>
-          </p:nvPr>
-        </p:nvSpPr>
-        <p:spPr/>
-        <p:txBody>
-          <a:bodyPr/>
-          <a:lstStyle/>
-          <a:p>
-            <a:endParaRPr lang="en-US" dirty="0"/>
+              <a:t>Attention signal is similar across conditions</a:t>
+            </a:r>
+          </a:p>
+        </p:txBody>
+      </p:sp>
+      <p:sp>
+        <p:nvSpPr>
+          <p:cNvPr id="13" name="TextBox 12">
+            <a:extLst>
+              <a:ext uri="{FF2B5EF4-FFF2-40B4-BE49-F238E27FC236}">
+                <a16:creationId xmlns:a16="http://schemas.microsoft.com/office/drawing/2014/main" id="{87B44A55-759C-1244-A908-B60D1480665D}"/>
+              </a:ext>
+            </a:extLst>
+          </p:cNvPr>
+          <p:cNvSpPr txBox="1"/>
+          <p:nvPr/>
+        </p:nvSpPr>
+        <p:spPr>
+          <a:xfrm>
+            <a:off x="7587953" y="1690688"/>
+            <a:ext cx="636713" cy="461665"/>
+          </a:xfrm>
+          <a:prstGeom prst="rect">
+            <a:avLst/>
+          </a:prstGeom>
+          <a:noFill/>
+        </p:spPr>
+        <p:txBody>
+          <a:bodyPr wrap="none" rtlCol="0">
+            <a:spAutoFit/>
+          </a:bodyPr>
+          <a:lstStyle/>
+          <a:p>
+            <a:r>
+              <a:rPr lang="en-US" sz="2400" dirty="0" err="1">
+                <a:solidFill>
+                  <a:srgbClr val="FF0000"/>
+                </a:solidFill>
+              </a:rPr>
+              <a:t>n.s</a:t>
+            </a:r>
+            <a:r>
+              <a:rPr lang="en-US" sz="2400" dirty="0">
+                <a:solidFill>
+                  <a:srgbClr val="FF0000"/>
+                </a:solidFill>
+              </a:rPr>
+              <a:t>.</a:t>
+            </a:r>
+          </a:p>
+        </p:txBody>
+      </p:sp>
+      <p:sp>
+        <p:nvSpPr>
+          <p:cNvPr id="7" name="TextBox 6">
+            <a:extLst>
+              <a:ext uri="{FF2B5EF4-FFF2-40B4-BE49-F238E27FC236}">
+                <a16:creationId xmlns:a16="http://schemas.microsoft.com/office/drawing/2014/main" id="{2DDD9627-D0AA-FD44-B235-6E881C437A79}"/>
+              </a:ext>
+            </a:extLst>
+          </p:cNvPr>
+          <p:cNvSpPr txBox="1"/>
+          <p:nvPr/>
+        </p:nvSpPr>
+        <p:spPr>
+          <a:xfrm>
+            <a:off x="1363806" y="1215851"/>
+            <a:ext cx="2306657" cy="830997"/>
+          </a:xfrm>
+          <a:prstGeom prst="rect">
+            <a:avLst/>
+          </a:prstGeom>
+          <a:noFill/>
+        </p:spPr>
+        <p:txBody>
+          <a:bodyPr wrap="none" rtlCol="0">
+            <a:spAutoFit/>
+          </a:bodyPr>
+          <a:lstStyle/>
+          <a:p>
+            <a:pPr algn="r"/>
+            <a:r>
+              <a:rPr lang="en-US" sz="2400" dirty="0">
+                <a:solidFill>
+                  <a:srgbClr val="4472C4"/>
+                </a:solidFill>
+                <a:latin typeface="Arial" panose="020B0604020202020204" pitchFamily="34" charset="0"/>
+                <a:cs typeface="Arial" panose="020B0604020202020204" pitchFamily="34" charset="0"/>
+              </a:rPr>
+              <a:t>Target Focused</a:t>
+            </a:r>
+          </a:p>
+          <a:p>
+            <a:pPr algn="r"/>
+            <a:r>
+              <a:rPr lang="en-US" sz="2400" dirty="0">
+                <a:solidFill>
+                  <a:srgbClr val="4472C4"/>
+                </a:solidFill>
+                <a:latin typeface="Arial" panose="020B0604020202020204" pitchFamily="34" charset="0"/>
+                <a:cs typeface="Arial" panose="020B0604020202020204" pitchFamily="34" charset="0"/>
+              </a:rPr>
+              <a:t>Attention</a:t>
+            </a:r>
+          </a:p>
+        </p:txBody>
+      </p:sp>
+      <p:sp>
+        <p:nvSpPr>
+          <p:cNvPr id="8" name="TextBox 7">
+            <a:extLst>
+              <a:ext uri="{FF2B5EF4-FFF2-40B4-BE49-F238E27FC236}">
+                <a16:creationId xmlns:a16="http://schemas.microsoft.com/office/drawing/2014/main" id="{2BF06D6F-A06F-0A4B-8C8B-1CA068A7E1E6}"/>
+              </a:ext>
+            </a:extLst>
+          </p:cNvPr>
+          <p:cNvSpPr txBox="1"/>
+          <p:nvPr/>
+        </p:nvSpPr>
+        <p:spPr>
+          <a:xfrm>
+            <a:off x="1002681" y="5187057"/>
+            <a:ext cx="2667782" cy="830997"/>
+          </a:xfrm>
+          <a:prstGeom prst="rect">
+            <a:avLst/>
+          </a:prstGeom>
+          <a:noFill/>
+        </p:spPr>
+        <p:txBody>
+          <a:bodyPr wrap="none" rtlCol="0">
+            <a:spAutoFit/>
+          </a:bodyPr>
+          <a:lstStyle/>
+          <a:p>
+            <a:pPr algn="r"/>
+            <a:r>
+              <a:rPr lang="en-US" sz="2400" dirty="0">
+                <a:solidFill>
+                  <a:srgbClr val="508888"/>
+                </a:solidFill>
+                <a:latin typeface="Arial" panose="020B0604020202020204" pitchFamily="34" charset="0"/>
+                <a:cs typeface="Arial" panose="020B0604020202020204" pitchFamily="34" charset="0"/>
+              </a:rPr>
+              <a:t>Evenly Distributed</a:t>
+            </a:r>
+          </a:p>
+          <a:p>
+            <a:pPr algn="r"/>
+            <a:r>
+              <a:rPr lang="en-US" sz="2400" dirty="0">
+                <a:solidFill>
+                  <a:srgbClr val="508888"/>
+                </a:solidFill>
+                <a:latin typeface="Arial" panose="020B0604020202020204" pitchFamily="34" charset="0"/>
+                <a:cs typeface="Arial" panose="020B0604020202020204" pitchFamily="34" charset="0"/>
+              </a:rPr>
+              <a:t>Attention</a:t>
+            </a:r>
+          </a:p>
+        </p:txBody>
+      </p:sp>
+      <p:sp>
+        <p:nvSpPr>
+          <p:cNvPr id="3" name="TextBox 2">
+            <a:extLst>
+              <a:ext uri="{FF2B5EF4-FFF2-40B4-BE49-F238E27FC236}">
+                <a16:creationId xmlns:a16="http://schemas.microsoft.com/office/drawing/2014/main" id="{29F5EF76-9D1D-7E40-92A5-F310BCEFAF9E}"/>
+              </a:ext>
+            </a:extLst>
+          </p:cNvPr>
+          <p:cNvSpPr txBox="1"/>
+          <p:nvPr/>
+        </p:nvSpPr>
+        <p:spPr>
+          <a:xfrm>
+            <a:off x="7428295" y="6187366"/>
+            <a:ext cx="625492" cy="523220"/>
+          </a:xfrm>
+          <a:prstGeom prst="rect">
+            <a:avLst/>
+          </a:prstGeom>
+          <a:noFill/>
+        </p:spPr>
+        <p:txBody>
+          <a:bodyPr wrap="none" rtlCol="0">
+            <a:spAutoFit/>
+          </a:bodyPr>
+          <a:lstStyle/>
+          <a:p>
+            <a:r>
+              <a:rPr lang="en-US" sz="2800" b="1" dirty="0">
+                <a:latin typeface="Arial" panose="020B0604020202020204" pitchFamily="34" charset="0"/>
+                <a:cs typeface="Arial" panose="020B0604020202020204" pitchFamily="34" charset="0"/>
+              </a:rPr>
+              <a:t>(s)</a:t>
+            </a:r>
           </a:p>
         </p:txBody>
       </p:sp>
     </p:spTree>
     <p:extLst>
       <p:ext uri="{BB962C8B-B14F-4D97-AF65-F5344CB8AC3E}">
-        <p14:creationId xmlns:p14="http://schemas.microsoft.com/office/powerpoint/2010/main" val="936309154"/>
+        <p14:creationId xmlns:p14="http://schemas.microsoft.com/office/powerpoint/2010/main" val="1813770263"/>
       </p:ext>
     </p:extLst>
   </p:cSld>
@@ -42613,6 +43805,1798 @@
     <p:extLst>
       <p:ext uri="{BB962C8B-B14F-4D97-AF65-F5344CB8AC3E}">
         <p14:creationId xmlns:p14="http://schemas.microsoft.com/office/powerpoint/2010/main" val="3718770186"/>
+      </p:ext>
+    </p:extLst>
+  </p:cSld>
+  <p:clrMapOvr>
+    <a:masterClrMapping/>
+  </p:clrMapOvr>
+</p:sld>
+</file>
+
+<file path=ppt/slides/slide80.xml><?xml version="1.0" encoding="utf-8"?>
+<p:sld xmlns:a="http://schemas.openxmlformats.org/drawingml/2006/main" xmlns:r="http://schemas.openxmlformats.org/officeDocument/2006/relationships" xmlns:p="http://schemas.openxmlformats.org/presentationml/2006/main">
+  <p:cSld>
+    <p:spTree>
+      <p:nvGrpSpPr>
+        <p:cNvPr id="1" name=""/>
+        <p:cNvGrpSpPr/>
+        <p:nvPr/>
+      </p:nvGrpSpPr>
+      <p:grpSpPr>
+        <a:xfrm>
+          <a:off x="0" y="0"/>
+          <a:ext cx="0" cy="0"/>
+          <a:chOff x="0" y="0"/>
+          <a:chExt cx="0" cy="0"/>
+        </a:xfrm>
+      </p:grpSpPr>
+      <p:sp>
+        <p:nvSpPr>
+          <p:cNvPr id="2" name="Title 1">
+            <a:extLst>
+              <a:ext uri="{FF2B5EF4-FFF2-40B4-BE49-F238E27FC236}">
+                <a16:creationId xmlns:a16="http://schemas.microsoft.com/office/drawing/2014/main" id="{B7F0EFC4-8545-9740-8524-1A2E331E93C5}"/>
+              </a:ext>
+            </a:extLst>
+          </p:cNvPr>
+          <p:cNvSpPr>
+            <a:spLocks noGrp="1"/>
+          </p:cNvSpPr>
+          <p:nvPr>
+            <p:ph type="title"/>
+          </p:nvPr>
+        </p:nvSpPr>
+        <p:spPr/>
+        <p:txBody>
+          <a:bodyPr/>
+          <a:lstStyle/>
+          <a:p>
+            <a:r>
+              <a:rPr lang="en-US" dirty="0"/>
+              <a:t>Later target = Better decoding</a:t>
+            </a:r>
+          </a:p>
+        </p:txBody>
+      </p:sp>
+      <p:pic>
+        <p:nvPicPr>
+          <p:cNvPr id="5" name="Content Placeholder 4">
+            <a:extLst>
+              <a:ext uri="{FF2B5EF4-FFF2-40B4-BE49-F238E27FC236}">
+                <a16:creationId xmlns:a16="http://schemas.microsoft.com/office/drawing/2014/main" id="{6F5C98F4-0B10-1A4E-A710-8DF8481E009F}"/>
+              </a:ext>
+            </a:extLst>
+          </p:cNvPr>
+          <p:cNvPicPr>
+            <a:picLocks noGrp="1" noChangeAspect="1"/>
+          </p:cNvPicPr>
+          <p:nvPr>
+            <p:ph idx="1"/>
+          </p:nvPr>
+        </p:nvPicPr>
+        <p:blipFill>
+          <a:blip r:embed="rId3">
+            <a:extLst>
+              <a:ext uri="{96DAC541-7B7A-43D3-8B79-37D633B846F1}">
+                <asvg:svgBlip xmlns:asvg="http://schemas.microsoft.com/office/drawing/2016/SVG/main" r:embed="rId4"/>
+              </a:ext>
+            </a:extLst>
+          </a:blip>
+          <a:stretch>
+            <a:fillRect/>
+          </a:stretch>
+        </p:blipFill>
+        <p:spPr>
+          <a:xfrm>
+            <a:off x="1908810" y="1846164"/>
+            <a:ext cx="8374380" cy="5126136"/>
+          </a:xfrm>
+        </p:spPr>
+      </p:pic>
+      <p:sp>
+        <p:nvSpPr>
+          <p:cNvPr id="6" name="TextBox 5">
+            <a:extLst>
+              <a:ext uri="{FF2B5EF4-FFF2-40B4-BE49-F238E27FC236}">
+                <a16:creationId xmlns:a16="http://schemas.microsoft.com/office/drawing/2014/main" id="{DA568133-A29D-DE4A-8E99-EEE1A018D93E}"/>
+              </a:ext>
+            </a:extLst>
+          </p:cNvPr>
+          <p:cNvSpPr txBox="1"/>
+          <p:nvPr/>
+        </p:nvSpPr>
+        <p:spPr>
+          <a:xfrm>
+            <a:off x="1908810" y="1449704"/>
+            <a:ext cx="1487908" cy="830997"/>
+          </a:xfrm>
+          <a:prstGeom prst="rect">
+            <a:avLst/>
+          </a:prstGeom>
+          <a:noFill/>
+        </p:spPr>
+        <p:txBody>
+          <a:bodyPr wrap="none" rtlCol="0">
+            <a:spAutoFit/>
+          </a:bodyPr>
+          <a:lstStyle/>
+          <a:p>
+            <a:pPr algn="r"/>
+            <a:r>
+              <a:rPr lang="en-US" sz="2400" dirty="0">
+                <a:solidFill>
+                  <a:schemeClr val="tx1">
+                    <a:lumMod val="50000"/>
+                    <a:lumOff val="50000"/>
+                  </a:schemeClr>
+                </a:solidFill>
+                <a:latin typeface="Arial" panose="020B0604020202020204" pitchFamily="34" charset="0"/>
+                <a:cs typeface="Arial" panose="020B0604020202020204" pitchFamily="34" charset="0"/>
+              </a:rPr>
+              <a:t>Better </a:t>
+            </a:r>
+          </a:p>
+          <a:p>
+            <a:pPr algn="r"/>
+            <a:r>
+              <a:rPr lang="en-US" sz="2400" dirty="0">
+                <a:solidFill>
+                  <a:schemeClr val="tx1">
+                    <a:lumMod val="50000"/>
+                    <a:lumOff val="50000"/>
+                  </a:schemeClr>
+                </a:solidFill>
+                <a:latin typeface="Arial" panose="020B0604020202020204" pitchFamily="34" charset="0"/>
+                <a:cs typeface="Arial" panose="020B0604020202020204" pitchFamily="34" charset="0"/>
+              </a:rPr>
+              <a:t>Decoding</a:t>
+            </a:r>
+          </a:p>
+        </p:txBody>
+      </p:sp>
+      <p:sp>
+        <p:nvSpPr>
+          <p:cNvPr id="7" name="TextBox 6">
+            <a:extLst>
+              <a:ext uri="{FF2B5EF4-FFF2-40B4-BE49-F238E27FC236}">
+                <a16:creationId xmlns:a16="http://schemas.microsoft.com/office/drawing/2014/main" id="{C9079BE3-605D-D645-80E7-FB700B105D84}"/>
+              </a:ext>
+            </a:extLst>
+          </p:cNvPr>
+          <p:cNvSpPr txBox="1"/>
+          <p:nvPr/>
+        </p:nvSpPr>
+        <p:spPr>
+          <a:xfrm>
+            <a:off x="1908810" y="5530925"/>
+            <a:ext cx="1487908" cy="830997"/>
+          </a:xfrm>
+          <a:prstGeom prst="rect">
+            <a:avLst/>
+          </a:prstGeom>
+          <a:noFill/>
+        </p:spPr>
+        <p:txBody>
+          <a:bodyPr wrap="none" rtlCol="0">
+            <a:spAutoFit/>
+          </a:bodyPr>
+          <a:lstStyle/>
+          <a:p>
+            <a:pPr algn="r"/>
+            <a:r>
+              <a:rPr lang="en-US" sz="2400" dirty="0">
+                <a:solidFill>
+                  <a:schemeClr val="tx1">
+                    <a:lumMod val="50000"/>
+                    <a:lumOff val="50000"/>
+                  </a:schemeClr>
+                </a:solidFill>
+                <a:latin typeface="Arial" panose="020B0604020202020204" pitchFamily="34" charset="0"/>
+                <a:cs typeface="Arial" panose="020B0604020202020204" pitchFamily="34" charset="0"/>
+              </a:rPr>
+              <a:t>Worse </a:t>
+            </a:r>
+          </a:p>
+          <a:p>
+            <a:pPr algn="r"/>
+            <a:r>
+              <a:rPr lang="en-US" sz="2400" dirty="0">
+                <a:solidFill>
+                  <a:schemeClr val="tx1">
+                    <a:lumMod val="50000"/>
+                    <a:lumOff val="50000"/>
+                  </a:schemeClr>
+                </a:solidFill>
+                <a:latin typeface="Arial" panose="020B0604020202020204" pitchFamily="34" charset="0"/>
+                <a:cs typeface="Arial" panose="020B0604020202020204" pitchFamily="34" charset="0"/>
+              </a:rPr>
+              <a:t>Decoding</a:t>
+            </a:r>
+          </a:p>
+        </p:txBody>
+      </p:sp>
+    </p:spTree>
+    <p:extLst>
+      <p:ext uri="{BB962C8B-B14F-4D97-AF65-F5344CB8AC3E}">
+        <p14:creationId xmlns:p14="http://schemas.microsoft.com/office/powerpoint/2010/main" val="1502206246"/>
+      </p:ext>
+    </p:extLst>
+  </p:cSld>
+  <p:clrMapOvr>
+    <a:masterClrMapping/>
+  </p:clrMapOvr>
+</p:sld>
+</file>
+
+<file path=ppt/slides/slide81.xml><?xml version="1.0" encoding="utf-8"?>
+<p:sld xmlns:a="http://schemas.openxmlformats.org/drawingml/2006/main" xmlns:r="http://schemas.openxmlformats.org/officeDocument/2006/relationships" xmlns:p="http://schemas.openxmlformats.org/presentationml/2006/main">
+  <p:cSld>
+    <p:spTree>
+      <p:nvGrpSpPr>
+        <p:cNvPr id="1" name=""/>
+        <p:cNvGrpSpPr/>
+        <p:nvPr/>
+      </p:nvGrpSpPr>
+      <p:grpSpPr>
+        <a:xfrm>
+          <a:off x="0" y="0"/>
+          <a:ext cx="0" cy="0"/>
+          <a:chOff x="0" y="0"/>
+          <a:chExt cx="0" cy="0"/>
+        </a:xfrm>
+      </p:grpSpPr>
+      <p:sp>
+        <p:nvSpPr>
+          <p:cNvPr id="2" name="Title 1">
+            <a:extLst>
+              <a:ext uri="{FF2B5EF4-FFF2-40B4-BE49-F238E27FC236}">
+                <a16:creationId xmlns:a16="http://schemas.microsoft.com/office/drawing/2014/main" id="{B7F0EFC4-8545-9740-8524-1A2E331E93C5}"/>
+              </a:ext>
+            </a:extLst>
+          </p:cNvPr>
+          <p:cNvSpPr>
+            <a:spLocks noGrp="1"/>
+          </p:cNvSpPr>
+          <p:nvPr>
+            <p:ph type="title"/>
+          </p:nvPr>
+        </p:nvSpPr>
+        <p:spPr/>
+        <p:txBody>
+          <a:bodyPr/>
+          <a:lstStyle/>
+          <a:p>
+            <a:r>
+              <a:rPr lang="en-US" dirty="0"/>
+              <a:t>Later target = Better decoding</a:t>
+            </a:r>
+          </a:p>
+        </p:txBody>
+      </p:sp>
+      <p:pic>
+        <p:nvPicPr>
+          <p:cNvPr id="5" name="Content Placeholder 4">
+            <a:extLst>
+              <a:ext uri="{FF2B5EF4-FFF2-40B4-BE49-F238E27FC236}">
+                <a16:creationId xmlns:a16="http://schemas.microsoft.com/office/drawing/2014/main" id="{6F5C98F4-0B10-1A4E-A710-8DF8481E009F}"/>
+              </a:ext>
+            </a:extLst>
+          </p:cNvPr>
+          <p:cNvPicPr>
+            <a:picLocks noGrp="1" noChangeAspect="1"/>
+          </p:cNvPicPr>
+          <p:nvPr>
+            <p:ph idx="1"/>
+          </p:nvPr>
+        </p:nvPicPr>
+        <p:blipFill>
+          <a:blip r:embed="rId3">
+            <a:extLst>
+              <a:ext uri="{96DAC541-7B7A-43D3-8B79-37D633B846F1}">
+                <asvg:svgBlip xmlns:asvg="http://schemas.microsoft.com/office/drawing/2016/SVG/main" r:embed="rId4"/>
+              </a:ext>
+            </a:extLst>
+          </a:blip>
+          <a:stretch>
+            <a:fillRect/>
+          </a:stretch>
+        </p:blipFill>
+        <p:spPr>
+          <a:xfrm>
+            <a:off x="1908810" y="1846164"/>
+            <a:ext cx="8374380" cy="5126136"/>
+          </a:xfrm>
+        </p:spPr>
+      </p:pic>
+      <p:sp>
+        <p:nvSpPr>
+          <p:cNvPr id="6" name="TextBox 5">
+            <a:extLst>
+              <a:ext uri="{FF2B5EF4-FFF2-40B4-BE49-F238E27FC236}">
+                <a16:creationId xmlns:a16="http://schemas.microsoft.com/office/drawing/2014/main" id="{DA568133-A29D-DE4A-8E99-EEE1A018D93E}"/>
+              </a:ext>
+            </a:extLst>
+          </p:cNvPr>
+          <p:cNvSpPr txBox="1"/>
+          <p:nvPr/>
+        </p:nvSpPr>
+        <p:spPr>
+          <a:xfrm>
+            <a:off x="1908810" y="1449704"/>
+            <a:ext cx="1487908" cy="830997"/>
+          </a:xfrm>
+          <a:prstGeom prst="rect">
+            <a:avLst/>
+          </a:prstGeom>
+          <a:noFill/>
+        </p:spPr>
+        <p:txBody>
+          <a:bodyPr wrap="none" rtlCol="0">
+            <a:spAutoFit/>
+          </a:bodyPr>
+          <a:lstStyle/>
+          <a:p>
+            <a:pPr algn="r"/>
+            <a:r>
+              <a:rPr lang="en-US" sz="2400" dirty="0">
+                <a:solidFill>
+                  <a:schemeClr val="tx1">
+                    <a:lumMod val="50000"/>
+                    <a:lumOff val="50000"/>
+                  </a:schemeClr>
+                </a:solidFill>
+                <a:latin typeface="Arial" panose="020B0604020202020204" pitchFamily="34" charset="0"/>
+                <a:cs typeface="Arial" panose="020B0604020202020204" pitchFamily="34" charset="0"/>
+              </a:rPr>
+              <a:t>Better </a:t>
+            </a:r>
+          </a:p>
+          <a:p>
+            <a:pPr algn="r"/>
+            <a:r>
+              <a:rPr lang="en-US" sz="2400" dirty="0">
+                <a:solidFill>
+                  <a:schemeClr val="tx1">
+                    <a:lumMod val="50000"/>
+                    <a:lumOff val="50000"/>
+                  </a:schemeClr>
+                </a:solidFill>
+                <a:latin typeface="Arial" panose="020B0604020202020204" pitchFamily="34" charset="0"/>
+                <a:cs typeface="Arial" panose="020B0604020202020204" pitchFamily="34" charset="0"/>
+              </a:rPr>
+              <a:t>Decoding</a:t>
+            </a:r>
+          </a:p>
+        </p:txBody>
+      </p:sp>
+      <p:sp>
+        <p:nvSpPr>
+          <p:cNvPr id="7" name="TextBox 6">
+            <a:extLst>
+              <a:ext uri="{FF2B5EF4-FFF2-40B4-BE49-F238E27FC236}">
+                <a16:creationId xmlns:a16="http://schemas.microsoft.com/office/drawing/2014/main" id="{C9079BE3-605D-D645-80E7-FB700B105D84}"/>
+              </a:ext>
+            </a:extLst>
+          </p:cNvPr>
+          <p:cNvSpPr txBox="1"/>
+          <p:nvPr/>
+        </p:nvSpPr>
+        <p:spPr>
+          <a:xfrm>
+            <a:off x="1908810" y="5530925"/>
+            <a:ext cx="1487908" cy="830997"/>
+          </a:xfrm>
+          <a:prstGeom prst="rect">
+            <a:avLst/>
+          </a:prstGeom>
+          <a:noFill/>
+        </p:spPr>
+        <p:txBody>
+          <a:bodyPr wrap="none" rtlCol="0">
+            <a:spAutoFit/>
+          </a:bodyPr>
+          <a:lstStyle/>
+          <a:p>
+            <a:pPr algn="r"/>
+            <a:r>
+              <a:rPr lang="en-US" sz="2400" dirty="0">
+                <a:solidFill>
+                  <a:schemeClr val="tx1">
+                    <a:lumMod val="50000"/>
+                    <a:lumOff val="50000"/>
+                  </a:schemeClr>
+                </a:solidFill>
+                <a:latin typeface="Arial" panose="020B0604020202020204" pitchFamily="34" charset="0"/>
+                <a:cs typeface="Arial" panose="020B0604020202020204" pitchFamily="34" charset="0"/>
+              </a:rPr>
+              <a:t>Worse </a:t>
+            </a:r>
+          </a:p>
+          <a:p>
+            <a:pPr algn="r"/>
+            <a:r>
+              <a:rPr lang="en-US" sz="2400" dirty="0">
+                <a:solidFill>
+                  <a:schemeClr val="tx1">
+                    <a:lumMod val="50000"/>
+                    <a:lumOff val="50000"/>
+                  </a:schemeClr>
+                </a:solidFill>
+                <a:latin typeface="Arial" panose="020B0604020202020204" pitchFamily="34" charset="0"/>
+                <a:cs typeface="Arial" panose="020B0604020202020204" pitchFamily="34" charset="0"/>
+              </a:rPr>
+              <a:t>Decoding</a:t>
+            </a:r>
+          </a:p>
+        </p:txBody>
+      </p:sp>
+      <p:sp>
+        <p:nvSpPr>
+          <p:cNvPr id="8" name="TextBox 7">
+            <a:extLst>
+              <a:ext uri="{FF2B5EF4-FFF2-40B4-BE49-F238E27FC236}">
+                <a16:creationId xmlns:a16="http://schemas.microsoft.com/office/drawing/2014/main" id="{3052259E-C878-8E46-A442-DC81B527D1C6}"/>
+              </a:ext>
+            </a:extLst>
+          </p:cNvPr>
+          <p:cNvSpPr txBox="1"/>
+          <p:nvPr/>
+        </p:nvSpPr>
+        <p:spPr>
+          <a:xfrm>
+            <a:off x="7315200" y="4178399"/>
+            <a:ext cx="646331" cy="461665"/>
+          </a:xfrm>
+          <a:prstGeom prst="rect">
+            <a:avLst/>
+          </a:prstGeom>
+          <a:noFill/>
+        </p:spPr>
+        <p:txBody>
+          <a:bodyPr wrap="none" rtlCol="0">
+            <a:spAutoFit/>
+          </a:bodyPr>
+          <a:lstStyle/>
+          <a:p>
+            <a:r>
+              <a:rPr lang="en-US" sz="2400" dirty="0">
+                <a:solidFill>
+                  <a:srgbClr val="FF0000"/>
+                </a:solidFill>
+              </a:rPr>
+              <a:t>***</a:t>
+            </a:r>
+          </a:p>
+        </p:txBody>
+      </p:sp>
+    </p:spTree>
+    <p:extLst>
+      <p:ext uri="{BB962C8B-B14F-4D97-AF65-F5344CB8AC3E}">
+        <p14:creationId xmlns:p14="http://schemas.microsoft.com/office/powerpoint/2010/main" val="2151981386"/>
+      </p:ext>
+    </p:extLst>
+  </p:cSld>
+  <p:clrMapOvr>
+    <a:masterClrMapping/>
+  </p:clrMapOvr>
+</p:sld>
+</file>
+
+<file path=ppt/slides/slide82.xml><?xml version="1.0" encoding="utf-8"?>
+<p:sld xmlns:a="http://schemas.openxmlformats.org/drawingml/2006/main" xmlns:r="http://schemas.openxmlformats.org/officeDocument/2006/relationships" xmlns:p="http://schemas.openxmlformats.org/presentationml/2006/main">
+  <p:cSld>
+    <p:spTree>
+      <p:nvGrpSpPr>
+        <p:cNvPr id="1" name=""/>
+        <p:cNvGrpSpPr/>
+        <p:nvPr/>
+      </p:nvGrpSpPr>
+      <p:grpSpPr>
+        <a:xfrm>
+          <a:off x="0" y="0"/>
+          <a:ext cx="0" cy="0"/>
+          <a:chOff x="0" y="0"/>
+          <a:chExt cx="0" cy="0"/>
+        </a:xfrm>
+      </p:grpSpPr>
+      <p:sp>
+        <p:nvSpPr>
+          <p:cNvPr id="2" name="Title 1">
+            <a:extLst>
+              <a:ext uri="{FF2B5EF4-FFF2-40B4-BE49-F238E27FC236}">
+                <a16:creationId xmlns:a16="http://schemas.microsoft.com/office/drawing/2014/main" id="{B7F0EFC4-8545-9740-8524-1A2E331E93C5}"/>
+              </a:ext>
+            </a:extLst>
+          </p:cNvPr>
+          <p:cNvSpPr>
+            <a:spLocks noGrp="1"/>
+          </p:cNvSpPr>
+          <p:nvPr>
+            <p:ph type="title"/>
+          </p:nvPr>
+        </p:nvSpPr>
+        <p:spPr/>
+        <p:txBody>
+          <a:bodyPr/>
+          <a:lstStyle/>
+          <a:p>
+            <a:r>
+              <a:rPr lang="en-US" dirty="0"/>
+              <a:t>Later target = More focused attention</a:t>
+            </a:r>
+          </a:p>
+        </p:txBody>
+      </p:sp>
+      <p:pic>
+        <p:nvPicPr>
+          <p:cNvPr id="5" name="Content Placeholder 4">
+            <a:extLst>
+              <a:ext uri="{FF2B5EF4-FFF2-40B4-BE49-F238E27FC236}">
+                <a16:creationId xmlns:a16="http://schemas.microsoft.com/office/drawing/2014/main" id="{911B4929-FD9E-B449-A47D-94B272419E6F}"/>
+              </a:ext>
+            </a:extLst>
+          </p:cNvPr>
+          <p:cNvPicPr>
+            <a:picLocks noGrp="1" noChangeAspect="1"/>
+          </p:cNvPicPr>
+          <p:nvPr>
+            <p:ph idx="1"/>
+          </p:nvPr>
+        </p:nvPicPr>
+        <p:blipFill>
+          <a:blip r:embed="rId2">
+            <a:extLst>
+              <a:ext uri="{96DAC541-7B7A-43D3-8B79-37D633B846F1}">
+                <asvg:svgBlip xmlns:asvg="http://schemas.microsoft.com/office/drawing/2016/SVG/main" r:embed="rId3"/>
+              </a:ext>
+            </a:extLst>
+          </a:blip>
+          <a:stretch>
+            <a:fillRect/>
+          </a:stretch>
+        </p:blipFill>
+        <p:spPr>
+          <a:xfrm>
+            <a:off x="2094177" y="2055813"/>
+            <a:ext cx="8003645" cy="4802187"/>
+          </a:xfrm>
+        </p:spPr>
+      </p:pic>
+      <p:sp>
+        <p:nvSpPr>
+          <p:cNvPr id="6" name="TextBox 5">
+            <a:extLst>
+              <a:ext uri="{FF2B5EF4-FFF2-40B4-BE49-F238E27FC236}">
+                <a16:creationId xmlns:a16="http://schemas.microsoft.com/office/drawing/2014/main" id="{28E5A8A9-B4EA-D849-A992-CEBC78C249F8}"/>
+              </a:ext>
+            </a:extLst>
+          </p:cNvPr>
+          <p:cNvSpPr txBox="1"/>
+          <p:nvPr/>
+        </p:nvSpPr>
+        <p:spPr>
+          <a:xfrm>
+            <a:off x="1363806" y="1580976"/>
+            <a:ext cx="2306657" cy="830997"/>
+          </a:xfrm>
+          <a:prstGeom prst="rect">
+            <a:avLst/>
+          </a:prstGeom>
+          <a:noFill/>
+        </p:spPr>
+        <p:txBody>
+          <a:bodyPr wrap="none" rtlCol="0">
+            <a:spAutoFit/>
+          </a:bodyPr>
+          <a:lstStyle/>
+          <a:p>
+            <a:pPr algn="r"/>
+            <a:r>
+              <a:rPr lang="en-US" sz="2400" dirty="0">
+                <a:solidFill>
+                  <a:srgbClr val="4472C4"/>
+                </a:solidFill>
+                <a:latin typeface="Arial" panose="020B0604020202020204" pitchFamily="34" charset="0"/>
+                <a:cs typeface="Arial" panose="020B0604020202020204" pitchFamily="34" charset="0"/>
+              </a:rPr>
+              <a:t>Target Focused</a:t>
+            </a:r>
+          </a:p>
+          <a:p>
+            <a:pPr algn="r"/>
+            <a:r>
+              <a:rPr lang="en-US" sz="2400" dirty="0">
+                <a:solidFill>
+                  <a:srgbClr val="4472C4"/>
+                </a:solidFill>
+                <a:latin typeface="Arial" panose="020B0604020202020204" pitchFamily="34" charset="0"/>
+                <a:cs typeface="Arial" panose="020B0604020202020204" pitchFamily="34" charset="0"/>
+              </a:rPr>
+              <a:t>Attention</a:t>
+            </a:r>
+          </a:p>
+        </p:txBody>
+      </p:sp>
+      <p:sp>
+        <p:nvSpPr>
+          <p:cNvPr id="7" name="TextBox 6">
+            <a:extLst>
+              <a:ext uri="{FF2B5EF4-FFF2-40B4-BE49-F238E27FC236}">
+                <a16:creationId xmlns:a16="http://schemas.microsoft.com/office/drawing/2014/main" id="{176D984D-CBFD-2142-B293-C31236F1F80E}"/>
+              </a:ext>
+            </a:extLst>
+          </p:cNvPr>
+          <p:cNvSpPr txBox="1"/>
+          <p:nvPr/>
+        </p:nvSpPr>
+        <p:spPr>
+          <a:xfrm>
+            <a:off x="1449920" y="5552182"/>
+            <a:ext cx="2220543" cy="830997"/>
+          </a:xfrm>
+          <a:prstGeom prst="rect">
+            <a:avLst/>
+          </a:prstGeom>
+          <a:noFill/>
+        </p:spPr>
+        <p:txBody>
+          <a:bodyPr wrap="none" rtlCol="0">
+            <a:spAutoFit/>
+          </a:bodyPr>
+          <a:lstStyle/>
+          <a:p>
+            <a:pPr algn="r"/>
+            <a:r>
+              <a:rPr lang="en-US" sz="2400" dirty="0">
+                <a:solidFill>
+                  <a:srgbClr val="A0D26C"/>
+                </a:solidFill>
+                <a:latin typeface="Arial" panose="020B0604020202020204" pitchFamily="34" charset="0"/>
+                <a:cs typeface="Arial" panose="020B0604020202020204" pitchFamily="34" charset="0"/>
+              </a:rPr>
+              <a:t>Other Focused</a:t>
+            </a:r>
+          </a:p>
+          <a:p>
+            <a:pPr algn="r"/>
+            <a:r>
+              <a:rPr lang="en-US" sz="2400" dirty="0">
+                <a:solidFill>
+                  <a:srgbClr val="A0D26C"/>
+                </a:solidFill>
+                <a:latin typeface="Arial" panose="020B0604020202020204" pitchFamily="34" charset="0"/>
+                <a:cs typeface="Arial" panose="020B0604020202020204" pitchFamily="34" charset="0"/>
+              </a:rPr>
+              <a:t>Attention</a:t>
+            </a:r>
+          </a:p>
+        </p:txBody>
+      </p:sp>
+    </p:spTree>
+    <p:extLst>
+      <p:ext uri="{BB962C8B-B14F-4D97-AF65-F5344CB8AC3E}">
+        <p14:creationId xmlns:p14="http://schemas.microsoft.com/office/powerpoint/2010/main" val="3156154449"/>
+      </p:ext>
+    </p:extLst>
+  </p:cSld>
+  <p:clrMapOvr>
+    <a:masterClrMapping/>
+  </p:clrMapOvr>
+</p:sld>
+</file>
+
+<file path=ppt/slides/slide83.xml><?xml version="1.0" encoding="utf-8"?>
+<p:sld xmlns:a="http://schemas.openxmlformats.org/drawingml/2006/main" xmlns:r="http://schemas.openxmlformats.org/officeDocument/2006/relationships" xmlns:p="http://schemas.openxmlformats.org/presentationml/2006/main">
+  <p:cSld>
+    <p:spTree>
+      <p:nvGrpSpPr>
+        <p:cNvPr id="1" name=""/>
+        <p:cNvGrpSpPr/>
+        <p:nvPr/>
+      </p:nvGrpSpPr>
+      <p:grpSpPr>
+        <a:xfrm>
+          <a:off x="0" y="0"/>
+          <a:ext cx="0" cy="0"/>
+          <a:chOff x="0" y="0"/>
+          <a:chExt cx="0" cy="0"/>
+        </a:xfrm>
+      </p:grpSpPr>
+      <p:sp>
+        <p:nvSpPr>
+          <p:cNvPr id="2" name="Title 1">
+            <a:extLst>
+              <a:ext uri="{FF2B5EF4-FFF2-40B4-BE49-F238E27FC236}">
+                <a16:creationId xmlns:a16="http://schemas.microsoft.com/office/drawing/2014/main" id="{B7F0EFC4-8545-9740-8524-1A2E331E93C5}"/>
+              </a:ext>
+            </a:extLst>
+          </p:cNvPr>
+          <p:cNvSpPr>
+            <a:spLocks noGrp="1"/>
+          </p:cNvSpPr>
+          <p:nvPr>
+            <p:ph type="title"/>
+          </p:nvPr>
+        </p:nvSpPr>
+        <p:spPr/>
+        <p:txBody>
+          <a:bodyPr/>
+          <a:lstStyle/>
+          <a:p>
+            <a:r>
+              <a:rPr lang="en-US" dirty="0"/>
+              <a:t>Later target = More focused attention</a:t>
+            </a:r>
+          </a:p>
+        </p:txBody>
+      </p:sp>
+      <p:pic>
+        <p:nvPicPr>
+          <p:cNvPr id="5" name="Content Placeholder 4">
+            <a:extLst>
+              <a:ext uri="{FF2B5EF4-FFF2-40B4-BE49-F238E27FC236}">
+                <a16:creationId xmlns:a16="http://schemas.microsoft.com/office/drawing/2014/main" id="{911B4929-FD9E-B449-A47D-94B272419E6F}"/>
+              </a:ext>
+            </a:extLst>
+          </p:cNvPr>
+          <p:cNvPicPr>
+            <a:picLocks noGrp="1" noChangeAspect="1"/>
+          </p:cNvPicPr>
+          <p:nvPr>
+            <p:ph idx="1"/>
+          </p:nvPr>
+        </p:nvPicPr>
+        <p:blipFill>
+          <a:blip r:embed="rId2">
+            <a:extLst>
+              <a:ext uri="{96DAC541-7B7A-43D3-8B79-37D633B846F1}">
+                <asvg:svgBlip xmlns:asvg="http://schemas.microsoft.com/office/drawing/2016/SVG/main" r:embed="rId3"/>
+              </a:ext>
+            </a:extLst>
+          </a:blip>
+          <a:stretch>
+            <a:fillRect/>
+          </a:stretch>
+        </p:blipFill>
+        <p:spPr>
+          <a:xfrm>
+            <a:off x="2094177" y="2055813"/>
+            <a:ext cx="8003645" cy="4802187"/>
+          </a:xfrm>
+        </p:spPr>
+      </p:pic>
+      <p:sp>
+        <p:nvSpPr>
+          <p:cNvPr id="6" name="TextBox 5">
+            <a:extLst>
+              <a:ext uri="{FF2B5EF4-FFF2-40B4-BE49-F238E27FC236}">
+                <a16:creationId xmlns:a16="http://schemas.microsoft.com/office/drawing/2014/main" id="{28E5A8A9-B4EA-D849-A992-CEBC78C249F8}"/>
+              </a:ext>
+            </a:extLst>
+          </p:cNvPr>
+          <p:cNvSpPr txBox="1"/>
+          <p:nvPr/>
+        </p:nvSpPr>
+        <p:spPr>
+          <a:xfrm>
+            <a:off x="1363806" y="1580976"/>
+            <a:ext cx="2306657" cy="830997"/>
+          </a:xfrm>
+          <a:prstGeom prst="rect">
+            <a:avLst/>
+          </a:prstGeom>
+          <a:noFill/>
+        </p:spPr>
+        <p:txBody>
+          <a:bodyPr wrap="none" rtlCol="0">
+            <a:spAutoFit/>
+          </a:bodyPr>
+          <a:lstStyle/>
+          <a:p>
+            <a:pPr algn="r"/>
+            <a:r>
+              <a:rPr lang="en-US" sz="2400" dirty="0">
+                <a:solidFill>
+                  <a:srgbClr val="4472C4"/>
+                </a:solidFill>
+                <a:latin typeface="Arial" panose="020B0604020202020204" pitchFamily="34" charset="0"/>
+                <a:cs typeface="Arial" panose="020B0604020202020204" pitchFamily="34" charset="0"/>
+              </a:rPr>
+              <a:t>Target Focused</a:t>
+            </a:r>
+          </a:p>
+          <a:p>
+            <a:pPr algn="r"/>
+            <a:r>
+              <a:rPr lang="en-US" sz="2400" dirty="0">
+                <a:solidFill>
+                  <a:srgbClr val="4472C4"/>
+                </a:solidFill>
+                <a:latin typeface="Arial" panose="020B0604020202020204" pitchFamily="34" charset="0"/>
+                <a:cs typeface="Arial" panose="020B0604020202020204" pitchFamily="34" charset="0"/>
+              </a:rPr>
+              <a:t>Attention</a:t>
+            </a:r>
+          </a:p>
+        </p:txBody>
+      </p:sp>
+      <p:sp>
+        <p:nvSpPr>
+          <p:cNvPr id="7" name="TextBox 6">
+            <a:extLst>
+              <a:ext uri="{FF2B5EF4-FFF2-40B4-BE49-F238E27FC236}">
+                <a16:creationId xmlns:a16="http://schemas.microsoft.com/office/drawing/2014/main" id="{176D984D-CBFD-2142-B293-C31236F1F80E}"/>
+              </a:ext>
+            </a:extLst>
+          </p:cNvPr>
+          <p:cNvSpPr txBox="1"/>
+          <p:nvPr/>
+        </p:nvSpPr>
+        <p:spPr>
+          <a:xfrm>
+            <a:off x="1449920" y="5552182"/>
+            <a:ext cx="2220543" cy="830997"/>
+          </a:xfrm>
+          <a:prstGeom prst="rect">
+            <a:avLst/>
+          </a:prstGeom>
+          <a:noFill/>
+        </p:spPr>
+        <p:txBody>
+          <a:bodyPr wrap="none" rtlCol="0">
+            <a:spAutoFit/>
+          </a:bodyPr>
+          <a:lstStyle/>
+          <a:p>
+            <a:pPr algn="r"/>
+            <a:r>
+              <a:rPr lang="en-US" sz="2400" dirty="0">
+                <a:solidFill>
+                  <a:srgbClr val="A0D26C"/>
+                </a:solidFill>
+                <a:latin typeface="Arial" panose="020B0604020202020204" pitchFamily="34" charset="0"/>
+                <a:cs typeface="Arial" panose="020B0604020202020204" pitchFamily="34" charset="0"/>
+              </a:rPr>
+              <a:t>Other Focused</a:t>
+            </a:r>
+          </a:p>
+          <a:p>
+            <a:pPr algn="r"/>
+            <a:r>
+              <a:rPr lang="en-US" sz="2400" dirty="0">
+                <a:solidFill>
+                  <a:srgbClr val="A0D26C"/>
+                </a:solidFill>
+                <a:latin typeface="Arial" panose="020B0604020202020204" pitchFamily="34" charset="0"/>
+                <a:cs typeface="Arial" panose="020B0604020202020204" pitchFamily="34" charset="0"/>
+              </a:rPr>
+              <a:t>Attention</a:t>
+            </a:r>
+          </a:p>
+        </p:txBody>
+      </p:sp>
+      <p:sp>
+        <p:nvSpPr>
+          <p:cNvPr id="8" name="TextBox 7">
+            <a:extLst>
+              <a:ext uri="{FF2B5EF4-FFF2-40B4-BE49-F238E27FC236}">
+                <a16:creationId xmlns:a16="http://schemas.microsoft.com/office/drawing/2014/main" id="{6DF40059-9B74-0A4D-B5F8-3B45D1676B90}"/>
+              </a:ext>
+            </a:extLst>
+          </p:cNvPr>
+          <p:cNvSpPr txBox="1"/>
+          <p:nvPr/>
+        </p:nvSpPr>
+        <p:spPr>
+          <a:xfrm>
+            <a:off x="7373257" y="3995241"/>
+            <a:ext cx="646331" cy="461665"/>
+          </a:xfrm>
+          <a:prstGeom prst="rect">
+            <a:avLst/>
+          </a:prstGeom>
+          <a:noFill/>
+        </p:spPr>
+        <p:txBody>
+          <a:bodyPr wrap="none" rtlCol="0">
+            <a:spAutoFit/>
+          </a:bodyPr>
+          <a:lstStyle/>
+          <a:p>
+            <a:r>
+              <a:rPr lang="en-US" sz="2400" dirty="0">
+                <a:solidFill>
+                  <a:srgbClr val="FF0000"/>
+                </a:solidFill>
+              </a:rPr>
+              <a:t>***</a:t>
+            </a:r>
+          </a:p>
+        </p:txBody>
+      </p:sp>
+    </p:spTree>
+    <p:extLst>
+      <p:ext uri="{BB962C8B-B14F-4D97-AF65-F5344CB8AC3E}">
+        <p14:creationId xmlns:p14="http://schemas.microsoft.com/office/powerpoint/2010/main" val="4063049687"/>
+      </p:ext>
+    </p:extLst>
+  </p:cSld>
+  <p:clrMapOvr>
+    <a:masterClrMapping/>
+  </p:clrMapOvr>
+</p:sld>
+</file>
+
+<file path=ppt/slides/slide84.xml><?xml version="1.0" encoding="utf-8"?>
+<p:sld xmlns:a="http://schemas.openxmlformats.org/drawingml/2006/main" xmlns:r="http://schemas.openxmlformats.org/officeDocument/2006/relationships" xmlns:p="http://schemas.openxmlformats.org/presentationml/2006/main">
+  <p:cSld>
+    <p:spTree>
+      <p:nvGrpSpPr>
+        <p:cNvPr id="1" name=""/>
+        <p:cNvGrpSpPr/>
+        <p:nvPr/>
+      </p:nvGrpSpPr>
+      <p:grpSpPr>
+        <a:xfrm>
+          <a:off x="0" y="0"/>
+          <a:ext cx="0" cy="0"/>
+          <a:chOff x="0" y="0"/>
+          <a:chExt cx="0" cy="0"/>
+        </a:xfrm>
+      </p:grpSpPr>
+      <p:sp>
+        <p:nvSpPr>
+          <p:cNvPr id="2" name="Title 1">
+            <a:extLst>
+              <a:ext uri="{FF2B5EF4-FFF2-40B4-BE49-F238E27FC236}">
+                <a16:creationId xmlns:a16="http://schemas.microsoft.com/office/drawing/2014/main" id="{9E853A5C-873B-BE44-A6A5-3AB236B941BD}"/>
+              </a:ext>
+            </a:extLst>
+          </p:cNvPr>
+          <p:cNvSpPr>
+            <a:spLocks noGrp="1"/>
+          </p:cNvSpPr>
+          <p:nvPr>
+            <p:ph type="title"/>
+          </p:nvPr>
+        </p:nvSpPr>
+        <p:spPr/>
+        <p:txBody>
+          <a:bodyPr/>
+          <a:lstStyle/>
+          <a:p>
+            <a:r>
+              <a:rPr lang="en-US" dirty="0"/>
+              <a:t>Conclusions</a:t>
+            </a:r>
+          </a:p>
+        </p:txBody>
+      </p:sp>
+    </p:spTree>
+    <p:extLst>
+      <p:ext uri="{BB962C8B-B14F-4D97-AF65-F5344CB8AC3E}">
+        <p14:creationId xmlns:p14="http://schemas.microsoft.com/office/powerpoint/2010/main" val="2784779740"/>
+      </p:ext>
+    </p:extLst>
+  </p:cSld>
+  <p:clrMapOvr>
+    <a:masterClrMapping/>
+  </p:clrMapOvr>
+</p:sld>
+</file>
+
+<file path=ppt/slides/slide85.xml><?xml version="1.0" encoding="utf-8"?>
+<p:sld xmlns:a="http://schemas.openxmlformats.org/drawingml/2006/main" xmlns:r="http://schemas.openxmlformats.org/officeDocument/2006/relationships" xmlns:p="http://schemas.openxmlformats.org/presentationml/2006/main">
+  <p:cSld>
+    <p:spTree>
+      <p:nvGrpSpPr>
+        <p:cNvPr id="1" name=""/>
+        <p:cNvGrpSpPr/>
+        <p:nvPr/>
+      </p:nvGrpSpPr>
+      <p:grpSpPr>
+        <a:xfrm>
+          <a:off x="0" y="0"/>
+          <a:ext cx="0" cy="0"/>
+          <a:chOff x="0" y="0"/>
+          <a:chExt cx="0" cy="0"/>
+        </a:xfrm>
+      </p:grpSpPr>
+      <p:sp>
+        <p:nvSpPr>
+          <p:cNvPr id="2" name="Title 1">
+            <a:extLst>
+              <a:ext uri="{FF2B5EF4-FFF2-40B4-BE49-F238E27FC236}">
+                <a16:creationId xmlns:a16="http://schemas.microsoft.com/office/drawing/2014/main" id="{9E853A5C-873B-BE44-A6A5-3AB236B941BD}"/>
+              </a:ext>
+            </a:extLst>
+          </p:cNvPr>
+          <p:cNvSpPr>
+            <a:spLocks noGrp="1"/>
+          </p:cNvSpPr>
+          <p:nvPr>
+            <p:ph type="title"/>
+          </p:nvPr>
+        </p:nvSpPr>
+        <p:spPr/>
+        <p:txBody>
+          <a:bodyPr/>
+          <a:lstStyle/>
+          <a:p>
+            <a:r>
+              <a:rPr lang="en-US" dirty="0"/>
+              <a:t>Conclusions</a:t>
+            </a:r>
+          </a:p>
+        </p:txBody>
+      </p:sp>
+      <p:sp>
+        <p:nvSpPr>
+          <p:cNvPr id="24" name="TextBox 23">
+            <a:extLst>
+              <a:ext uri="{FF2B5EF4-FFF2-40B4-BE49-F238E27FC236}">
+                <a16:creationId xmlns:a16="http://schemas.microsoft.com/office/drawing/2014/main" id="{CA21A958-C345-5147-92DD-FE5172BC4A6A}"/>
+              </a:ext>
+            </a:extLst>
+          </p:cNvPr>
+          <p:cNvSpPr txBox="1"/>
+          <p:nvPr/>
+        </p:nvSpPr>
+        <p:spPr>
+          <a:xfrm>
+            <a:off x="837185" y="1690688"/>
+            <a:ext cx="8857297" cy="523220"/>
+          </a:xfrm>
+          <a:prstGeom prst="rect">
+            <a:avLst/>
+          </a:prstGeom>
+          <a:noFill/>
+        </p:spPr>
+        <p:txBody>
+          <a:bodyPr wrap="none" rtlCol="0">
+            <a:spAutoFit/>
+          </a:bodyPr>
+          <a:lstStyle/>
+          <a:p>
+            <a:r>
+              <a:rPr lang="en-US" sz="2800" b="1" dirty="0">
+                <a:solidFill>
+                  <a:schemeClr val="accent1"/>
+                </a:solidFill>
+              </a:rPr>
+              <a:t>1. Target decoding advantage was similar across conditions</a:t>
+            </a:r>
+          </a:p>
+        </p:txBody>
+      </p:sp>
+      <p:pic>
+        <p:nvPicPr>
+          <p:cNvPr id="27" name="Graphic 26">
+            <a:extLst>
+              <a:ext uri="{FF2B5EF4-FFF2-40B4-BE49-F238E27FC236}">
+                <a16:creationId xmlns:a16="http://schemas.microsoft.com/office/drawing/2014/main" id="{D1CFC34D-2339-1649-B9C4-FCF701418F39}"/>
+              </a:ext>
+            </a:extLst>
+          </p:cNvPr>
+          <p:cNvPicPr>
+            <a:picLocks noChangeAspect="1"/>
+          </p:cNvPicPr>
+          <p:nvPr/>
+        </p:nvPicPr>
+        <p:blipFill>
+          <a:blip r:embed="rId2">
+            <a:extLst>
+              <a:ext uri="{96DAC541-7B7A-43D3-8B79-37D633B846F1}">
+                <asvg:svgBlip xmlns:asvg="http://schemas.microsoft.com/office/drawing/2016/SVG/main" r:embed="rId3"/>
+              </a:ext>
+            </a:extLst>
+          </a:blip>
+          <a:stretch>
+            <a:fillRect/>
+          </a:stretch>
+        </p:blipFill>
+        <p:spPr>
+          <a:xfrm>
+            <a:off x="837185" y="2378220"/>
+            <a:ext cx="2130993" cy="1420662"/>
+          </a:xfrm>
+          <a:prstGeom prst="rect">
+            <a:avLst/>
+          </a:prstGeom>
+        </p:spPr>
+      </p:pic>
+    </p:spTree>
+    <p:extLst>
+      <p:ext uri="{BB962C8B-B14F-4D97-AF65-F5344CB8AC3E}">
+        <p14:creationId xmlns:p14="http://schemas.microsoft.com/office/powerpoint/2010/main" val="1744282113"/>
+      </p:ext>
+    </p:extLst>
+  </p:cSld>
+  <p:clrMapOvr>
+    <a:masterClrMapping/>
+  </p:clrMapOvr>
+</p:sld>
+</file>
+
+<file path=ppt/slides/slide86.xml><?xml version="1.0" encoding="utf-8"?>
+<p:sld xmlns:a="http://schemas.openxmlformats.org/drawingml/2006/main" xmlns:r="http://schemas.openxmlformats.org/officeDocument/2006/relationships" xmlns:p="http://schemas.openxmlformats.org/presentationml/2006/main">
+  <p:cSld>
+    <p:spTree>
+      <p:nvGrpSpPr>
+        <p:cNvPr id="1" name=""/>
+        <p:cNvGrpSpPr/>
+        <p:nvPr/>
+      </p:nvGrpSpPr>
+      <p:grpSpPr>
+        <a:xfrm>
+          <a:off x="0" y="0"/>
+          <a:ext cx="0" cy="0"/>
+          <a:chOff x="0" y="0"/>
+          <a:chExt cx="0" cy="0"/>
+        </a:xfrm>
+      </p:grpSpPr>
+      <p:sp>
+        <p:nvSpPr>
+          <p:cNvPr id="2" name="Title 1">
+            <a:extLst>
+              <a:ext uri="{FF2B5EF4-FFF2-40B4-BE49-F238E27FC236}">
+                <a16:creationId xmlns:a16="http://schemas.microsoft.com/office/drawing/2014/main" id="{9E853A5C-873B-BE44-A6A5-3AB236B941BD}"/>
+              </a:ext>
+            </a:extLst>
+          </p:cNvPr>
+          <p:cNvSpPr>
+            <a:spLocks noGrp="1"/>
+          </p:cNvSpPr>
+          <p:nvPr>
+            <p:ph type="title"/>
+          </p:nvPr>
+        </p:nvSpPr>
+        <p:spPr/>
+        <p:txBody>
+          <a:bodyPr/>
+          <a:lstStyle/>
+          <a:p>
+            <a:r>
+              <a:rPr lang="en-US" dirty="0"/>
+              <a:t>Conclusions</a:t>
+            </a:r>
+          </a:p>
+        </p:txBody>
+      </p:sp>
+      <p:sp>
+        <p:nvSpPr>
+          <p:cNvPr id="24" name="TextBox 23">
+            <a:extLst>
+              <a:ext uri="{FF2B5EF4-FFF2-40B4-BE49-F238E27FC236}">
+                <a16:creationId xmlns:a16="http://schemas.microsoft.com/office/drawing/2014/main" id="{CA21A958-C345-5147-92DD-FE5172BC4A6A}"/>
+              </a:ext>
+            </a:extLst>
+          </p:cNvPr>
+          <p:cNvSpPr txBox="1"/>
+          <p:nvPr/>
+        </p:nvSpPr>
+        <p:spPr>
+          <a:xfrm>
+            <a:off x="837185" y="1690688"/>
+            <a:ext cx="8857297" cy="523220"/>
+          </a:xfrm>
+          <a:prstGeom prst="rect">
+            <a:avLst/>
+          </a:prstGeom>
+          <a:noFill/>
+        </p:spPr>
+        <p:txBody>
+          <a:bodyPr wrap="none" rtlCol="0">
+            <a:spAutoFit/>
+          </a:bodyPr>
+          <a:lstStyle/>
+          <a:p>
+            <a:r>
+              <a:rPr lang="en-US" sz="2800" b="1" dirty="0">
+                <a:solidFill>
+                  <a:schemeClr val="accent1"/>
+                </a:solidFill>
+              </a:rPr>
+              <a:t>1. Target decoding advantage was similar across conditions</a:t>
+            </a:r>
+          </a:p>
+        </p:txBody>
+      </p:sp>
+      <p:pic>
+        <p:nvPicPr>
+          <p:cNvPr id="27" name="Graphic 26">
+            <a:extLst>
+              <a:ext uri="{FF2B5EF4-FFF2-40B4-BE49-F238E27FC236}">
+                <a16:creationId xmlns:a16="http://schemas.microsoft.com/office/drawing/2014/main" id="{D1CFC34D-2339-1649-B9C4-FCF701418F39}"/>
+              </a:ext>
+            </a:extLst>
+          </p:cNvPr>
+          <p:cNvPicPr>
+            <a:picLocks noChangeAspect="1"/>
+          </p:cNvPicPr>
+          <p:nvPr/>
+        </p:nvPicPr>
+        <p:blipFill>
+          <a:blip r:embed="rId2">
+            <a:extLst>
+              <a:ext uri="{96DAC541-7B7A-43D3-8B79-37D633B846F1}">
+                <asvg:svgBlip xmlns:asvg="http://schemas.microsoft.com/office/drawing/2016/SVG/main" r:embed="rId3"/>
+              </a:ext>
+            </a:extLst>
+          </a:blip>
+          <a:stretch>
+            <a:fillRect/>
+          </a:stretch>
+        </p:blipFill>
+        <p:spPr>
+          <a:xfrm>
+            <a:off x="837185" y="2378220"/>
+            <a:ext cx="2130993" cy="1420662"/>
+          </a:xfrm>
+          <a:prstGeom prst="rect">
+            <a:avLst/>
+          </a:prstGeom>
+        </p:spPr>
+      </p:pic>
+      <p:sp>
+        <p:nvSpPr>
+          <p:cNvPr id="21" name="TextBox 20">
+            <a:extLst>
+              <a:ext uri="{FF2B5EF4-FFF2-40B4-BE49-F238E27FC236}">
+                <a16:creationId xmlns:a16="http://schemas.microsoft.com/office/drawing/2014/main" id="{C74F1813-C818-2747-BD37-02D8B0ED9CCB}"/>
+              </a:ext>
+            </a:extLst>
+          </p:cNvPr>
+          <p:cNvSpPr txBox="1"/>
+          <p:nvPr/>
+        </p:nvSpPr>
+        <p:spPr>
+          <a:xfrm>
+            <a:off x="3529997" y="2378220"/>
+            <a:ext cx="5596308" cy="954107"/>
+          </a:xfrm>
+          <a:prstGeom prst="rect">
+            <a:avLst/>
+          </a:prstGeom>
+          <a:noFill/>
+        </p:spPr>
+        <p:txBody>
+          <a:bodyPr wrap="square" rtlCol="0">
+            <a:spAutoFit/>
+          </a:bodyPr>
+          <a:lstStyle/>
+          <a:p>
+            <a:r>
+              <a:rPr lang="en-US" sz="2800" dirty="0"/>
+              <a:t>Additional selectivity arises following attended-stimulus enhancement</a:t>
+            </a:r>
+          </a:p>
+        </p:txBody>
+      </p:sp>
+    </p:spTree>
+    <p:extLst>
+      <p:ext uri="{BB962C8B-B14F-4D97-AF65-F5344CB8AC3E}">
+        <p14:creationId xmlns:p14="http://schemas.microsoft.com/office/powerpoint/2010/main" val="702551085"/>
+      </p:ext>
+    </p:extLst>
+  </p:cSld>
+  <p:clrMapOvr>
+    <a:masterClrMapping/>
+  </p:clrMapOvr>
+</p:sld>
+</file>
+
+<file path=ppt/slides/slide87.xml><?xml version="1.0" encoding="utf-8"?>
+<p:sld xmlns:a="http://schemas.openxmlformats.org/drawingml/2006/main" xmlns:r="http://schemas.openxmlformats.org/officeDocument/2006/relationships" xmlns:p="http://schemas.openxmlformats.org/presentationml/2006/main">
+  <p:cSld>
+    <p:spTree>
+      <p:nvGrpSpPr>
+        <p:cNvPr id="1" name=""/>
+        <p:cNvGrpSpPr/>
+        <p:nvPr/>
+      </p:nvGrpSpPr>
+      <p:grpSpPr>
+        <a:xfrm>
+          <a:off x="0" y="0"/>
+          <a:ext cx="0" cy="0"/>
+          <a:chOff x="0" y="0"/>
+          <a:chExt cx="0" cy="0"/>
+        </a:xfrm>
+      </p:grpSpPr>
+      <p:sp>
+        <p:nvSpPr>
+          <p:cNvPr id="2" name="Title 1">
+            <a:extLst>
+              <a:ext uri="{FF2B5EF4-FFF2-40B4-BE49-F238E27FC236}">
+                <a16:creationId xmlns:a16="http://schemas.microsoft.com/office/drawing/2014/main" id="{9E853A5C-873B-BE44-A6A5-3AB236B941BD}"/>
+              </a:ext>
+            </a:extLst>
+          </p:cNvPr>
+          <p:cNvSpPr>
+            <a:spLocks noGrp="1"/>
+          </p:cNvSpPr>
+          <p:nvPr>
+            <p:ph type="title"/>
+          </p:nvPr>
+        </p:nvSpPr>
+        <p:spPr/>
+        <p:txBody>
+          <a:bodyPr/>
+          <a:lstStyle/>
+          <a:p>
+            <a:r>
+              <a:rPr lang="en-US" dirty="0"/>
+              <a:t>Conclusions</a:t>
+            </a:r>
+          </a:p>
+        </p:txBody>
+      </p:sp>
+      <p:sp>
+        <p:nvSpPr>
+          <p:cNvPr id="24" name="TextBox 23">
+            <a:extLst>
+              <a:ext uri="{FF2B5EF4-FFF2-40B4-BE49-F238E27FC236}">
+                <a16:creationId xmlns:a16="http://schemas.microsoft.com/office/drawing/2014/main" id="{CA21A958-C345-5147-92DD-FE5172BC4A6A}"/>
+              </a:ext>
+            </a:extLst>
+          </p:cNvPr>
+          <p:cNvSpPr txBox="1"/>
+          <p:nvPr/>
+        </p:nvSpPr>
+        <p:spPr>
+          <a:xfrm>
+            <a:off x="837185" y="1690688"/>
+            <a:ext cx="8857297" cy="523220"/>
+          </a:xfrm>
+          <a:prstGeom prst="rect">
+            <a:avLst/>
+          </a:prstGeom>
+          <a:noFill/>
+        </p:spPr>
+        <p:txBody>
+          <a:bodyPr wrap="none" rtlCol="0">
+            <a:spAutoFit/>
+          </a:bodyPr>
+          <a:lstStyle/>
+          <a:p>
+            <a:r>
+              <a:rPr lang="en-US" sz="2800" b="1" dirty="0">
+                <a:solidFill>
+                  <a:schemeClr val="accent1"/>
+                </a:solidFill>
+              </a:rPr>
+              <a:t>1. Target decoding advantage was similar across conditions</a:t>
+            </a:r>
+          </a:p>
+        </p:txBody>
+      </p:sp>
+      <p:sp>
+        <p:nvSpPr>
+          <p:cNvPr id="26" name="TextBox 25">
+            <a:extLst>
+              <a:ext uri="{FF2B5EF4-FFF2-40B4-BE49-F238E27FC236}">
+                <a16:creationId xmlns:a16="http://schemas.microsoft.com/office/drawing/2014/main" id="{1E660E6D-4C26-894E-BB26-DDD15F7BB4B1}"/>
+              </a:ext>
+            </a:extLst>
+          </p:cNvPr>
+          <p:cNvSpPr txBox="1"/>
+          <p:nvPr/>
+        </p:nvSpPr>
+        <p:spPr>
+          <a:xfrm>
+            <a:off x="838199" y="4120873"/>
+            <a:ext cx="7641658" cy="523220"/>
+          </a:xfrm>
+          <a:prstGeom prst="rect">
+            <a:avLst/>
+          </a:prstGeom>
+          <a:noFill/>
+        </p:spPr>
+        <p:txBody>
+          <a:bodyPr wrap="square" rtlCol="0">
+            <a:spAutoFit/>
+          </a:bodyPr>
+          <a:lstStyle/>
+          <a:p>
+            <a:r>
+              <a:rPr lang="en-US" sz="2800" b="1" dirty="0">
+                <a:solidFill>
+                  <a:schemeClr val="accent1"/>
+                </a:solidFill>
+              </a:rPr>
+              <a:t>2. Target decoding advantage &gt; later in trial </a:t>
+            </a:r>
+          </a:p>
+        </p:txBody>
+      </p:sp>
+      <p:pic>
+        <p:nvPicPr>
+          <p:cNvPr id="27" name="Graphic 26">
+            <a:extLst>
+              <a:ext uri="{FF2B5EF4-FFF2-40B4-BE49-F238E27FC236}">
+                <a16:creationId xmlns:a16="http://schemas.microsoft.com/office/drawing/2014/main" id="{D1CFC34D-2339-1649-B9C4-FCF701418F39}"/>
+              </a:ext>
+            </a:extLst>
+          </p:cNvPr>
+          <p:cNvPicPr>
+            <a:picLocks noChangeAspect="1"/>
+          </p:cNvPicPr>
+          <p:nvPr/>
+        </p:nvPicPr>
+        <p:blipFill>
+          <a:blip r:embed="rId2">
+            <a:extLst>
+              <a:ext uri="{96DAC541-7B7A-43D3-8B79-37D633B846F1}">
+                <asvg:svgBlip xmlns:asvg="http://schemas.microsoft.com/office/drawing/2016/SVG/main" r:embed="rId3"/>
+              </a:ext>
+            </a:extLst>
+          </a:blip>
+          <a:stretch>
+            <a:fillRect/>
+          </a:stretch>
+        </p:blipFill>
+        <p:spPr>
+          <a:xfrm>
+            <a:off x="837185" y="2378220"/>
+            <a:ext cx="2130993" cy="1420662"/>
+          </a:xfrm>
+          <a:prstGeom prst="rect">
+            <a:avLst/>
+          </a:prstGeom>
+        </p:spPr>
+      </p:pic>
+      <p:pic>
+        <p:nvPicPr>
+          <p:cNvPr id="28" name="Content Placeholder 4">
+            <a:extLst>
+              <a:ext uri="{FF2B5EF4-FFF2-40B4-BE49-F238E27FC236}">
+                <a16:creationId xmlns:a16="http://schemas.microsoft.com/office/drawing/2014/main" id="{EE3E126D-CA79-3B47-B063-43F03FF65252}"/>
+              </a:ext>
+            </a:extLst>
+          </p:cNvPr>
+          <p:cNvPicPr>
+            <a:picLocks noGrp="1" noChangeAspect="1"/>
+          </p:cNvPicPr>
+          <p:nvPr>
+            <p:ph idx="1"/>
+          </p:nvPr>
+        </p:nvPicPr>
+        <p:blipFill>
+          <a:blip r:embed="rId4">
+            <a:extLst>
+              <a:ext uri="{96DAC541-7B7A-43D3-8B79-37D633B846F1}">
+                <asvg:svgBlip xmlns:asvg="http://schemas.microsoft.com/office/drawing/2016/SVG/main" r:embed="rId5"/>
+              </a:ext>
+            </a:extLst>
+          </a:blip>
+          <a:stretch>
+            <a:fillRect/>
+          </a:stretch>
+        </p:blipFill>
+        <p:spPr>
+          <a:xfrm>
+            <a:off x="837185" y="4905703"/>
+            <a:ext cx="2228512" cy="1337107"/>
+          </a:xfrm>
+        </p:spPr>
+      </p:pic>
+      <p:sp>
+        <p:nvSpPr>
+          <p:cNvPr id="21" name="TextBox 20">
+            <a:extLst>
+              <a:ext uri="{FF2B5EF4-FFF2-40B4-BE49-F238E27FC236}">
+                <a16:creationId xmlns:a16="http://schemas.microsoft.com/office/drawing/2014/main" id="{C74F1813-C818-2747-BD37-02D8B0ED9CCB}"/>
+              </a:ext>
+            </a:extLst>
+          </p:cNvPr>
+          <p:cNvSpPr txBox="1"/>
+          <p:nvPr/>
+        </p:nvSpPr>
+        <p:spPr>
+          <a:xfrm>
+            <a:off x="3529997" y="2378220"/>
+            <a:ext cx="5596308" cy="954107"/>
+          </a:xfrm>
+          <a:prstGeom prst="rect">
+            <a:avLst/>
+          </a:prstGeom>
+          <a:noFill/>
+        </p:spPr>
+        <p:txBody>
+          <a:bodyPr wrap="square" rtlCol="0">
+            <a:spAutoFit/>
+          </a:bodyPr>
+          <a:lstStyle/>
+          <a:p>
+            <a:r>
+              <a:rPr lang="en-US" sz="2800" dirty="0"/>
+              <a:t>Additional selectivity arises following attended-stimulus enhancement</a:t>
+            </a:r>
+          </a:p>
+        </p:txBody>
+      </p:sp>
+    </p:spTree>
+    <p:extLst>
+      <p:ext uri="{BB962C8B-B14F-4D97-AF65-F5344CB8AC3E}">
+        <p14:creationId xmlns:p14="http://schemas.microsoft.com/office/powerpoint/2010/main" val="3087661912"/>
+      </p:ext>
+    </p:extLst>
+  </p:cSld>
+  <p:clrMapOvr>
+    <a:masterClrMapping/>
+  </p:clrMapOvr>
+</p:sld>
+</file>
+
+<file path=ppt/slides/slide88.xml><?xml version="1.0" encoding="utf-8"?>
+<p:sld xmlns:a="http://schemas.openxmlformats.org/drawingml/2006/main" xmlns:r="http://schemas.openxmlformats.org/officeDocument/2006/relationships" xmlns:p="http://schemas.openxmlformats.org/presentationml/2006/main">
+  <p:cSld>
+    <p:spTree>
+      <p:nvGrpSpPr>
+        <p:cNvPr id="1" name=""/>
+        <p:cNvGrpSpPr/>
+        <p:nvPr/>
+      </p:nvGrpSpPr>
+      <p:grpSpPr>
+        <a:xfrm>
+          <a:off x="0" y="0"/>
+          <a:ext cx="0" cy="0"/>
+          <a:chOff x="0" y="0"/>
+          <a:chExt cx="0" cy="0"/>
+        </a:xfrm>
+      </p:grpSpPr>
+      <p:sp>
+        <p:nvSpPr>
+          <p:cNvPr id="2" name="Title 1">
+            <a:extLst>
+              <a:ext uri="{FF2B5EF4-FFF2-40B4-BE49-F238E27FC236}">
+                <a16:creationId xmlns:a16="http://schemas.microsoft.com/office/drawing/2014/main" id="{9E853A5C-873B-BE44-A6A5-3AB236B941BD}"/>
+              </a:ext>
+            </a:extLst>
+          </p:cNvPr>
+          <p:cNvSpPr>
+            <a:spLocks noGrp="1"/>
+          </p:cNvSpPr>
+          <p:nvPr>
+            <p:ph type="title"/>
+          </p:nvPr>
+        </p:nvSpPr>
+        <p:spPr/>
+        <p:txBody>
+          <a:bodyPr/>
+          <a:lstStyle/>
+          <a:p>
+            <a:r>
+              <a:rPr lang="en-US" dirty="0"/>
+              <a:t>Conclusions</a:t>
+            </a:r>
+          </a:p>
+        </p:txBody>
+      </p:sp>
+      <p:sp>
+        <p:nvSpPr>
+          <p:cNvPr id="24" name="TextBox 23">
+            <a:extLst>
+              <a:ext uri="{FF2B5EF4-FFF2-40B4-BE49-F238E27FC236}">
+                <a16:creationId xmlns:a16="http://schemas.microsoft.com/office/drawing/2014/main" id="{CA21A958-C345-5147-92DD-FE5172BC4A6A}"/>
+              </a:ext>
+            </a:extLst>
+          </p:cNvPr>
+          <p:cNvSpPr txBox="1"/>
+          <p:nvPr/>
+        </p:nvSpPr>
+        <p:spPr>
+          <a:xfrm>
+            <a:off x="837185" y="1690688"/>
+            <a:ext cx="8857297" cy="523220"/>
+          </a:xfrm>
+          <a:prstGeom prst="rect">
+            <a:avLst/>
+          </a:prstGeom>
+          <a:noFill/>
+        </p:spPr>
+        <p:txBody>
+          <a:bodyPr wrap="none" rtlCol="0">
+            <a:spAutoFit/>
+          </a:bodyPr>
+          <a:lstStyle/>
+          <a:p>
+            <a:r>
+              <a:rPr lang="en-US" sz="2800" b="1" dirty="0">
+                <a:solidFill>
+                  <a:schemeClr val="accent1"/>
+                </a:solidFill>
+              </a:rPr>
+              <a:t>1. Target decoding advantage was similar across conditions</a:t>
+            </a:r>
+          </a:p>
+        </p:txBody>
+      </p:sp>
+      <p:sp>
+        <p:nvSpPr>
+          <p:cNvPr id="26" name="TextBox 25">
+            <a:extLst>
+              <a:ext uri="{FF2B5EF4-FFF2-40B4-BE49-F238E27FC236}">
+                <a16:creationId xmlns:a16="http://schemas.microsoft.com/office/drawing/2014/main" id="{1E660E6D-4C26-894E-BB26-DDD15F7BB4B1}"/>
+              </a:ext>
+            </a:extLst>
+          </p:cNvPr>
+          <p:cNvSpPr txBox="1"/>
+          <p:nvPr/>
+        </p:nvSpPr>
+        <p:spPr>
+          <a:xfrm>
+            <a:off x="838199" y="4120873"/>
+            <a:ext cx="7641658" cy="523220"/>
+          </a:xfrm>
+          <a:prstGeom prst="rect">
+            <a:avLst/>
+          </a:prstGeom>
+          <a:noFill/>
+        </p:spPr>
+        <p:txBody>
+          <a:bodyPr wrap="square" rtlCol="0">
+            <a:spAutoFit/>
+          </a:bodyPr>
+          <a:lstStyle/>
+          <a:p>
+            <a:r>
+              <a:rPr lang="en-US" sz="2800" b="1" dirty="0">
+                <a:solidFill>
+                  <a:schemeClr val="accent1"/>
+                </a:solidFill>
+              </a:rPr>
+              <a:t>2. Target decoding advantage &gt; later in trial </a:t>
+            </a:r>
+          </a:p>
+        </p:txBody>
+      </p:sp>
+      <p:pic>
+        <p:nvPicPr>
+          <p:cNvPr id="27" name="Graphic 26">
+            <a:extLst>
+              <a:ext uri="{FF2B5EF4-FFF2-40B4-BE49-F238E27FC236}">
+                <a16:creationId xmlns:a16="http://schemas.microsoft.com/office/drawing/2014/main" id="{D1CFC34D-2339-1649-B9C4-FCF701418F39}"/>
+              </a:ext>
+            </a:extLst>
+          </p:cNvPr>
+          <p:cNvPicPr>
+            <a:picLocks noChangeAspect="1"/>
+          </p:cNvPicPr>
+          <p:nvPr/>
+        </p:nvPicPr>
+        <p:blipFill>
+          <a:blip r:embed="rId2">
+            <a:extLst>
+              <a:ext uri="{96DAC541-7B7A-43D3-8B79-37D633B846F1}">
+                <asvg:svgBlip xmlns:asvg="http://schemas.microsoft.com/office/drawing/2016/SVG/main" r:embed="rId3"/>
+              </a:ext>
+            </a:extLst>
+          </a:blip>
+          <a:stretch>
+            <a:fillRect/>
+          </a:stretch>
+        </p:blipFill>
+        <p:spPr>
+          <a:xfrm>
+            <a:off x="837185" y="2378220"/>
+            <a:ext cx="2130993" cy="1420662"/>
+          </a:xfrm>
+          <a:prstGeom prst="rect">
+            <a:avLst/>
+          </a:prstGeom>
+        </p:spPr>
+      </p:pic>
+      <p:pic>
+        <p:nvPicPr>
+          <p:cNvPr id="28" name="Content Placeholder 4">
+            <a:extLst>
+              <a:ext uri="{FF2B5EF4-FFF2-40B4-BE49-F238E27FC236}">
+                <a16:creationId xmlns:a16="http://schemas.microsoft.com/office/drawing/2014/main" id="{EE3E126D-CA79-3B47-B063-43F03FF65252}"/>
+              </a:ext>
+            </a:extLst>
+          </p:cNvPr>
+          <p:cNvPicPr>
+            <a:picLocks noGrp="1" noChangeAspect="1"/>
+          </p:cNvPicPr>
+          <p:nvPr>
+            <p:ph idx="1"/>
+          </p:nvPr>
+        </p:nvPicPr>
+        <p:blipFill>
+          <a:blip r:embed="rId4">
+            <a:extLst>
+              <a:ext uri="{96DAC541-7B7A-43D3-8B79-37D633B846F1}">
+                <asvg:svgBlip xmlns:asvg="http://schemas.microsoft.com/office/drawing/2016/SVG/main" r:embed="rId5"/>
+              </a:ext>
+            </a:extLst>
+          </a:blip>
+          <a:stretch>
+            <a:fillRect/>
+          </a:stretch>
+        </p:blipFill>
+        <p:spPr>
+          <a:xfrm>
+            <a:off x="837185" y="4905703"/>
+            <a:ext cx="2228512" cy="1337107"/>
+          </a:xfrm>
+        </p:spPr>
+      </p:pic>
+      <p:sp>
+        <p:nvSpPr>
+          <p:cNvPr id="21" name="TextBox 20">
+            <a:extLst>
+              <a:ext uri="{FF2B5EF4-FFF2-40B4-BE49-F238E27FC236}">
+                <a16:creationId xmlns:a16="http://schemas.microsoft.com/office/drawing/2014/main" id="{C74F1813-C818-2747-BD37-02D8B0ED9CCB}"/>
+              </a:ext>
+            </a:extLst>
+          </p:cNvPr>
+          <p:cNvSpPr txBox="1"/>
+          <p:nvPr/>
+        </p:nvSpPr>
+        <p:spPr>
+          <a:xfrm>
+            <a:off x="3529997" y="2378220"/>
+            <a:ext cx="5596308" cy="954107"/>
+          </a:xfrm>
+          <a:prstGeom prst="rect">
+            <a:avLst/>
+          </a:prstGeom>
+          <a:noFill/>
+        </p:spPr>
+        <p:txBody>
+          <a:bodyPr wrap="square" rtlCol="0">
+            <a:spAutoFit/>
+          </a:bodyPr>
+          <a:lstStyle/>
+          <a:p>
+            <a:r>
+              <a:rPr lang="en-US" sz="2800" dirty="0"/>
+              <a:t>Additional selectivity arises following attended-stimulus enhancement</a:t>
+            </a:r>
+          </a:p>
+        </p:txBody>
+      </p:sp>
+      <p:sp>
+        <p:nvSpPr>
+          <p:cNvPr id="22" name="TextBox 21">
+            <a:extLst>
+              <a:ext uri="{FF2B5EF4-FFF2-40B4-BE49-F238E27FC236}">
+                <a16:creationId xmlns:a16="http://schemas.microsoft.com/office/drawing/2014/main" id="{D80DC057-6A1C-0E4C-BEB8-4209582993AD}"/>
+              </a:ext>
+            </a:extLst>
+          </p:cNvPr>
+          <p:cNvSpPr txBox="1"/>
+          <p:nvPr/>
+        </p:nvSpPr>
+        <p:spPr>
+          <a:xfrm>
+            <a:off x="3529997" y="4983916"/>
+            <a:ext cx="5596308" cy="954107"/>
+          </a:xfrm>
+          <a:prstGeom prst="rect">
+            <a:avLst/>
+          </a:prstGeom>
+          <a:noFill/>
+        </p:spPr>
+        <p:txBody>
+          <a:bodyPr wrap="square" rtlCol="0">
+            <a:spAutoFit/>
+          </a:bodyPr>
+          <a:lstStyle/>
+          <a:p>
+            <a:r>
+              <a:rPr lang="en-US" sz="2800" dirty="0"/>
+              <a:t>Attended-stimulus enhancement rapidly tunes to scene dynamics</a:t>
+            </a:r>
+          </a:p>
+        </p:txBody>
+      </p:sp>
+    </p:spTree>
+    <p:extLst>
+      <p:ext uri="{BB962C8B-B14F-4D97-AF65-F5344CB8AC3E}">
+        <p14:creationId xmlns:p14="http://schemas.microsoft.com/office/powerpoint/2010/main" val="4039322175"/>
       </p:ext>
     </p:extLst>
   </p:cSld>
@@ -43333,4 +46317,299 @@
     </a:ext>
   </a:extLst>
 </a:theme>
+</file>
+
+<file path=ppt/theme/theme2.xml><?xml version="1.0" encoding="utf-8"?>
+<a:theme xmlns:a="http://schemas.openxmlformats.org/drawingml/2006/main" name="Office Theme">
+  <a:themeElements>
+    <a:clrScheme name="Office">
+      <a:dk1>
+        <a:sysClr val="windowText" lastClr="000000"/>
+      </a:dk1>
+      <a:lt1>
+        <a:sysClr val="window" lastClr="FFFFFF"/>
+      </a:lt1>
+      <a:dk2>
+        <a:srgbClr val="44546A"/>
+      </a:dk2>
+      <a:lt2>
+        <a:srgbClr val="E7E6E6"/>
+      </a:lt2>
+      <a:accent1>
+        <a:srgbClr val="4472C4"/>
+      </a:accent1>
+      <a:accent2>
+        <a:srgbClr val="ED7D31"/>
+      </a:accent2>
+      <a:accent3>
+        <a:srgbClr val="A5A5A5"/>
+      </a:accent3>
+      <a:accent4>
+        <a:srgbClr val="FFC000"/>
+      </a:accent4>
+      <a:accent5>
+        <a:srgbClr val="5B9BD5"/>
+      </a:accent5>
+      <a:accent6>
+        <a:srgbClr val="70AD47"/>
+      </a:accent6>
+      <a:hlink>
+        <a:srgbClr val="0563C1"/>
+      </a:hlink>
+      <a:folHlink>
+        <a:srgbClr val="954F72"/>
+      </a:folHlink>
+    </a:clrScheme>
+    <a:fontScheme name="Office">
+      <a:majorFont>
+        <a:latin typeface="Calibri Light" panose="020F0302020204030204"/>
+        <a:ea typeface=""/>
+        <a:cs typeface=""/>
+        <a:font script="Jpan" typeface="游ゴシック Light"/>
+        <a:font script="Hang" typeface="맑은 고딕"/>
+        <a:font script="Hans" typeface="等线 Light"/>
+        <a:font script="Hant" typeface="新細明體"/>
+        <a:font script="Arab" typeface="Times New Roman"/>
+        <a:font script="Hebr" typeface="Times New Roman"/>
+        <a:font script="Thai" typeface="Angsana New"/>
+        <a:font script="Ethi" typeface="Nyala"/>
+        <a:font script="Beng" typeface="Vrinda"/>
+        <a:font script="Gujr" typeface="Shruti"/>
+        <a:font script="Khmr" typeface="MoolBoran"/>
+        <a:font script="Knda" typeface="Tunga"/>
+        <a:font script="Guru" typeface="Raavi"/>
+        <a:font script="Cans" typeface="Euphemia"/>
+        <a:font script="Cher" typeface="Plantagenet Cherokee"/>
+        <a:font script="Yiii" typeface="Microsoft Yi Baiti"/>
+        <a:font script="Tibt" typeface="Microsoft Himalaya"/>
+        <a:font script="Thaa" typeface="MV Boli"/>
+        <a:font script="Deva" typeface="Mangal"/>
+        <a:font script="Telu" typeface="Gautami"/>
+        <a:font script="Taml" typeface="Latha"/>
+        <a:font script="Syrc" typeface="Estrangelo Edessa"/>
+        <a:font script="Orya" typeface="Kalinga"/>
+        <a:font script="Mlym" typeface="Kartika"/>
+        <a:font script="Laoo" typeface="DokChampa"/>
+        <a:font script="Sinh" typeface="Iskoola Pota"/>
+        <a:font script="Mong" typeface="Mongolian Baiti"/>
+        <a:font script="Viet" typeface="Times New Roman"/>
+        <a:font script="Uigh" typeface="Microsoft Uighur"/>
+        <a:font script="Geor" typeface="Sylfaen"/>
+        <a:font script="Armn" typeface="Arial"/>
+        <a:font script="Bugi" typeface="Leelawadee UI"/>
+        <a:font script="Bopo" typeface="Microsoft JhengHei"/>
+        <a:font script="Java" typeface="Javanese Text"/>
+        <a:font script="Lisu" typeface="Segoe UI"/>
+        <a:font script="Mymr" typeface="Myanmar Text"/>
+        <a:font script="Nkoo" typeface="Ebrima"/>
+        <a:font script="Olck" typeface="Nirmala UI"/>
+        <a:font script="Osma" typeface="Ebrima"/>
+        <a:font script="Phag" typeface="Phagspa"/>
+        <a:font script="Syrn" typeface="Estrangelo Edessa"/>
+        <a:font script="Syrj" typeface="Estrangelo Edessa"/>
+        <a:font script="Syre" typeface="Estrangelo Edessa"/>
+        <a:font script="Sora" typeface="Nirmala UI"/>
+        <a:font script="Tale" typeface="Microsoft Tai Le"/>
+        <a:font script="Talu" typeface="Microsoft New Tai Lue"/>
+        <a:font script="Tfng" typeface="Ebrima"/>
+      </a:majorFont>
+      <a:minorFont>
+        <a:latin typeface="Calibri" panose="020F0502020204030204"/>
+        <a:ea typeface=""/>
+        <a:cs typeface=""/>
+        <a:font script="Jpan" typeface="游ゴシック"/>
+        <a:font script="Hang" typeface="맑은 고딕"/>
+        <a:font script="Hans" typeface="等线"/>
+        <a:font script="Hant" typeface="新細明體"/>
+        <a:font script="Arab" typeface="Arial"/>
+        <a:font script="Hebr" typeface="Arial"/>
+        <a:font script="Thai" typeface="Cordia New"/>
+        <a:font script="Ethi" typeface="Nyala"/>
+        <a:font script="Beng" typeface="Vrinda"/>
+        <a:font script="Gujr" typeface="Shruti"/>
+        <a:font script="Khmr" typeface="DaunPenh"/>
+        <a:font script="Knda" typeface="Tunga"/>
+        <a:font script="Guru" typeface="Raavi"/>
+        <a:font script="Cans" typeface="Euphemia"/>
+        <a:font script="Cher" typeface="Plantagenet Cherokee"/>
+        <a:font script="Yiii" typeface="Microsoft Yi Baiti"/>
+        <a:font script="Tibt" typeface="Microsoft Himalaya"/>
+        <a:font script="Thaa" typeface="MV Boli"/>
+        <a:font script="Deva" typeface="Mangal"/>
+        <a:font script="Telu" typeface="Gautami"/>
+        <a:font script="Taml" typeface="Latha"/>
+        <a:font script="Syrc" typeface="Estrangelo Edessa"/>
+        <a:font script="Orya" typeface="Kalinga"/>
+        <a:font script="Mlym" typeface="Kartika"/>
+        <a:font script="Laoo" typeface="DokChampa"/>
+        <a:font script="Sinh" typeface="Iskoola Pota"/>
+        <a:font script="Mong" typeface="Mongolian Baiti"/>
+        <a:font script="Viet" typeface="Arial"/>
+        <a:font script="Uigh" typeface="Microsoft Uighur"/>
+        <a:font script="Geor" typeface="Sylfaen"/>
+        <a:font script="Armn" typeface="Arial"/>
+        <a:font script="Bugi" typeface="Leelawadee UI"/>
+        <a:font script="Bopo" typeface="Microsoft JhengHei"/>
+        <a:font script="Java" typeface="Javanese Text"/>
+        <a:font script="Lisu" typeface="Segoe UI"/>
+        <a:font script="Mymr" typeface="Myanmar Text"/>
+        <a:font script="Nkoo" typeface="Ebrima"/>
+        <a:font script="Olck" typeface="Nirmala UI"/>
+        <a:font script="Osma" typeface="Ebrima"/>
+        <a:font script="Phag" typeface="Phagspa"/>
+        <a:font script="Syrn" typeface="Estrangelo Edessa"/>
+        <a:font script="Syrj" typeface="Estrangelo Edessa"/>
+        <a:font script="Syre" typeface="Estrangelo Edessa"/>
+        <a:font script="Sora" typeface="Nirmala UI"/>
+        <a:font script="Tale" typeface="Microsoft Tai Le"/>
+        <a:font script="Talu" typeface="Microsoft New Tai Lue"/>
+        <a:font script="Tfng" typeface="Ebrima"/>
+      </a:minorFont>
+    </a:fontScheme>
+    <a:fmtScheme name="Office">
+      <a:fillStyleLst>
+        <a:solidFill>
+          <a:schemeClr val="phClr"/>
+        </a:solidFill>
+        <a:gradFill rotWithShape="1">
+          <a:gsLst>
+            <a:gs pos="0">
+              <a:schemeClr val="phClr">
+                <a:lumMod val="110000"/>
+                <a:satMod val="105000"/>
+                <a:tint val="67000"/>
+              </a:schemeClr>
+            </a:gs>
+            <a:gs pos="50000">
+              <a:schemeClr val="phClr">
+                <a:lumMod val="105000"/>
+                <a:satMod val="103000"/>
+                <a:tint val="73000"/>
+              </a:schemeClr>
+            </a:gs>
+            <a:gs pos="100000">
+              <a:schemeClr val="phClr">
+                <a:lumMod val="105000"/>
+                <a:satMod val="109000"/>
+                <a:tint val="81000"/>
+              </a:schemeClr>
+            </a:gs>
+          </a:gsLst>
+          <a:lin ang="5400000" scaled="0"/>
+        </a:gradFill>
+        <a:gradFill rotWithShape="1">
+          <a:gsLst>
+            <a:gs pos="0">
+              <a:schemeClr val="phClr">
+                <a:satMod val="103000"/>
+                <a:lumMod val="102000"/>
+                <a:tint val="94000"/>
+              </a:schemeClr>
+            </a:gs>
+            <a:gs pos="50000">
+              <a:schemeClr val="phClr">
+                <a:satMod val="110000"/>
+                <a:lumMod val="100000"/>
+                <a:shade val="100000"/>
+              </a:schemeClr>
+            </a:gs>
+            <a:gs pos="100000">
+              <a:schemeClr val="phClr">
+                <a:lumMod val="99000"/>
+                <a:satMod val="120000"/>
+                <a:shade val="78000"/>
+              </a:schemeClr>
+            </a:gs>
+          </a:gsLst>
+          <a:lin ang="5400000" scaled="0"/>
+        </a:gradFill>
+      </a:fillStyleLst>
+      <a:lnStyleLst>
+        <a:ln w="6350" cap="flat" cmpd="sng" algn="ctr">
+          <a:solidFill>
+            <a:schemeClr val="phClr"/>
+          </a:solidFill>
+          <a:prstDash val="solid"/>
+          <a:miter lim="800000"/>
+        </a:ln>
+        <a:ln w="12700" cap="flat" cmpd="sng" algn="ctr">
+          <a:solidFill>
+            <a:schemeClr val="phClr"/>
+          </a:solidFill>
+          <a:prstDash val="solid"/>
+          <a:miter lim="800000"/>
+        </a:ln>
+        <a:ln w="19050" cap="flat" cmpd="sng" algn="ctr">
+          <a:solidFill>
+            <a:schemeClr val="phClr"/>
+          </a:solidFill>
+          <a:prstDash val="solid"/>
+          <a:miter lim="800000"/>
+        </a:ln>
+      </a:lnStyleLst>
+      <a:effectStyleLst>
+        <a:effectStyle>
+          <a:effectLst/>
+        </a:effectStyle>
+        <a:effectStyle>
+          <a:effectLst/>
+        </a:effectStyle>
+        <a:effectStyle>
+          <a:effectLst>
+            <a:outerShdw blurRad="57150" dist="19050" dir="5400000" algn="ctr" rotWithShape="0">
+              <a:srgbClr val="000000">
+                <a:alpha val="63000"/>
+              </a:srgbClr>
+            </a:outerShdw>
+          </a:effectLst>
+        </a:effectStyle>
+      </a:effectStyleLst>
+      <a:bgFillStyleLst>
+        <a:solidFill>
+          <a:schemeClr val="phClr"/>
+        </a:solidFill>
+        <a:solidFill>
+          <a:schemeClr val="phClr">
+            <a:tint val="95000"/>
+            <a:satMod val="170000"/>
+          </a:schemeClr>
+        </a:solidFill>
+        <a:gradFill rotWithShape="1">
+          <a:gsLst>
+            <a:gs pos="0">
+              <a:schemeClr val="phClr">
+                <a:tint val="93000"/>
+                <a:satMod val="150000"/>
+                <a:shade val="98000"/>
+                <a:lumMod val="102000"/>
+              </a:schemeClr>
+            </a:gs>
+            <a:gs pos="50000">
+              <a:schemeClr val="phClr">
+                <a:tint val="98000"/>
+                <a:satMod val="130000"/>
+                <a:shade val="90000"/>
+                <a:lumMod val="103000"/>
+              </a:schemeClr>
+            </a:gs>
+            <a:gs pos="100000">
+              <a:schemeClr val="phClr">
+                <a:shade val="63000"/>
+                <a:satMod val="120000"/>
+              </a:schemeClr>
+            </a:gs>
+          </a:gsLst>
+          <a:lin ang="5400000" scaled="0"/>
+        </a:gradFill>
+      </a:bgFillStyleLst>
+    </a:fmtScheme>
+  </a:themeElements>
+  <a:objectDefaults/>
+  <a:extraClrSchemeLst/>
+  <a:extLst>
+    <a:ext uri="{05A4C25C-085E-4340-85A3-A5531E510DB2}">
+      <thm15:themeFamily xmlns:thm15="http://schemas.microsoft.com/office/thememl/2012/main" name="Office Theme" id="{62F939B6-93AF-4DB8-9C6B-D6C7DFDC589F}" vid="{4A3C46E8-61CC-4603-A589-7422A47A8E4A}"/>
+    </a:ext>
+  </a:extLst>
+</a:theme>
 </file>
--- a/presentations/ARO_2021/adapting_auditory_attention.pptx
+++ b/presentations/ARO_2021/adapting_auditory_attention.pptx
@@ -5,7 +5,7 @@
     <p:sldMasterId id="2147483648" r:id="rId1"/>
   </p:sldMasterIdLst>
   <p:notesMasterIdLst>
-    <p:notesMasterId r:id="rId90"/>
+    <p:notesMasterId r:id="rId91"/>
   </p:notesMasterIdLst>
   <p:sldIdLst>
     <p:sldId id="256" r:id="rId2"/>
@@ -30,72 +30,73 @@
     <p:sldId id="365" r:id="rId21"/>
     <p:sldId id="263" r:id="rId22"/>
     <p:sldId id="265" r:id="rId23"/>
-    <p:sldId id="269" r:id="rId24"/>
-    <p:sldId id="274" r:id="rId25"/>
-    <p:sldId id="333" r:id="rId26"/>
-    <p:sldId id="332" r:id="rId27"/>
-    <p:sldId id="331" r:id="rId28"/>
-    <p:sldId id="329" r:id="rId29"/>
-    <p:sldId id="314" r:id="rId30"/>
-    <p:sldId id="322" r:id="rId31"/>
-    <p:sldId id="321" r:id="rId32"/>
-    <p:sldId id="319" r:id="rId33"/>
-    <p:sldId id="317" r:id="rId34"/>
-    <p:sldId id="316" r:id="rId35"/>
-    <p:sldId id="324" r:id="rId36"/>
-    <p:sldId id="325" r:id="rId37"/>
-    <p:sldId id="315" r:id="rId38"/>
-    <p:sldId id="327" r:id="rId39"/>
-    <p:sldId id="326" r:id="rId40"/>
-    <p:sldId id="328" r:id="rId41"/>
-    <p:sldId id="276" r:id="rId42"/>
-    <p:sldId id="277" r:id="rId43"/>
-    <p:sldId id="278" r:id="rId44"/>
-    <p:sldId id="279" r:id="rId45"/>
-    <p:sldId id="280" r:id="rId46"/>
-    <p:sldId id="281" r:id="rId47"/>
-    <p:sldId id="293" r:id="rId48"/>
-    <p:sldId id="340" r:id="rId49"/>
-    <p:sldId id="349" r:id="rId50"/>
-    <p:sldId id="348" r:id="rId51"/>
-    <p:sldId id="347" r:id="rId52"/>
-    <p:sldId id="346" r:id="rId53"/>
-    <p:sldId id="345" r:id="rId54"/>
-    <p:sldId id="344" r:id="rId55"/>
-    <p:sldId id="343" r:id="rId56"/>
-    <p:sldId id="342" r:id="rId57"/>
-    <p:sldId id="374" r:id="rId58"/>
-    <p:sldId id="373" r:id="rId59"/>
-    <p:sldId id="372" r:id="rId60"/>
-    <p:sldId id="371" r:id="rId61"/>
-    <p:sldId id="370" r:id="rId62"/>
-    <p:sldId id="368" r:id="rId63"/>
-    <p:sldId id="363" r:id="rId64"/>
-    <p:sldId id="367" r:id="rId65"/>
-    <p:sldId id="384" r:id="rId66"/>
-    <p:sldId id="387" r:id="rId67"/>
-    <p:sldId id="385" r:id="rId68"/>
-    <p:sldId id="389" r:id="rId69"/>
-    <p:sldId id="390" r:id="rId70"/>
-    <p:sldId id="383" r:id="rId71"/>
-    <p:sldId id="386" r:id="rId72"/>
-    <p:sldId id="382" r:id="rId73"/>
-    <p:sldId id="381" r:id="rId74"/>
-    <p:sldId id="380" r:id="rId75"/>
-    <p:sldId id="379" r:id="rId76"/>
-    <p:sldId id="394" r:id="rId77"/>
-    <p:sldId id="397" r:id="rId78"/>
-    <p:sldId id="396" r:id="rId79"/>
-    <p:sldId id="395" r:id="rId80"/>
-    <p:sldId id="391" r:id="rId81"/>
-    <p:sldId id="398" r:id="rId82"/>
-    <p:sldId id="392" r:id="rId83"/>
-    <p:sldId id="399" r:id="rId84"/>
-    <p:sldId id="403" r:id="rId85"/>
-    <p:sldId id="407" r:id="rId86"/>
-    <p:sldId id="406" r:id="rId87"/>
-    <p:sldId id="405" r:id="rId88"/>
-    <p:sldId id="404" r:id="rId89"/>
+    <p:sldId id="408" r:id="rId24"/>
+    <p:sldId id="269" r:id="rId25"/>
+    <p:sldId id="274" r:id="rId26"/>
+    <p:sldId id="333" r:id="rId27"/>
+    <p:sldId id="332" r:id="rId28"/>
+    <p:sldId id="331" r:id="rId29"/>
+    <p:sldId id="329" r:id="rId30"/>
+    <p:sldId id="314" r:id="rId31"/>
+    <p:sldId id="322" r:id="rId32"/>
+    <p:sldId id="321" r:id="rId33"/>
+    <p:sldId id="319" r:id="rId34"/>
+    <p:sldId id="317" r:id="rId35"/>
+    <p:sldId id="316" r:id="rId36"/>
+    <p:sldId id="324" r:id="rId37"/>
+    <p:sldId id="325" r:id="rId38"/>
+    <p:sldId id="315" r:id="rId39"/>
+    <p:sldId id="327" r:id="rId40"/>
+    <p:sldId id="326" r:id="rId41"/>
+    <p:sldId id="328" r:id="rId42"/>
+    <p:sldId id="276" r:id="rId43"/>
+    <p:sldId id="277" r:id="rId44"/>
+    <p:sldId id="278" r:id="rId45"/>
+    <p:sldId id="279" r:id="rId46"/>
+    <p:sldId id="280" r:id="rId47"/>
+    <p:sldId id="281" r:id="rId48"/>
+    <p:sldId id="293" r:id="rId49"/>
+    <p:sldId id="340" r:id="rId50"/>
+    <p:sldId id="349" r:id="rId51"/>
+    <p:sldId id="348" r:id="rId52"/>
+    <p:sldId id="347" r:id="rId53"/>
+    <p:sldId id="346" r:id="rId54"/>
+    <p:sldId id="345" r:id="rId55"/>
+    <p:sldId id="344" r:id="rId56"/>
+    <p:sldId id="343" r:id="rId57"/>
+    <p:sldId id="342" r:id="rId58"/>
+    <p:sldId id="374" r:id="rId59"/>
+    <p:sldId id="373" r:id="rId60"/>
+    <p:sldId id="372" r:id="rId61"/>
+    <p:sldId id="371" r:id="rId62"/>
+    <p:sldId id="370" r:id="rId63"/>
+    <p:sldId id="368" r:id="rId64"/>
+    <p:sldId id="363" r:id="rId65"/>
+    <p:sldId id="367" r:id="rId66"/>
+    <p:sldId id="384" r:id="rId67"/>
+    <p:sldId id="387" r:id="rId68"/>
+    <p:sldId id="385" r:id="rId69"/>
+    <p:sldId id="389" r:id="rId70"/>
+    <p:sldId id="390" r:id="rId71"/>
+    <p:sldId id="383" r:id="rId72"/>
+    <p:sldId id="386" r:id="rId73"/>
+    <p:sldId id="382" r:id="rId74"/>
+    <p:sldId id="381" r:id="rId75"/>
+    <p:sldId id="380" r:id="rId76"/>
+    <p:sldId id="379" r:id="rId77"/>
+    <p:sldId id="394" r:id="rId78"/>
+    <p:sldId id="397" r:id="rId79"/>
+    <p:sldId id="396" r:id="rId80"/>
+    <p:sldId id="395" r:id="rId81"/>
+    <p:sldId id="391" r:id="rId82"/>
+    <p:sldId id="398" r:id="rId83"/>
+    <p:sldId id="392" r:id="rId84"/>
+    <p:sldId id="399" r:id="rId85"/>
+    <p:sldId id="403" r:id="rId86"/>
+    <p:sldId id="407" r:id="rId87"/>
+    <p:sldId id="406" r:id="rId88"/>
+    <p:sldId id="405" r:id="rId89"/>
+    <p:sldId id="404" r:id="rId90"/>
   </p:sldIdLst>
   <p:sldSz cx="12192000" cy="6858000"/>
   <p:notesSz cx="6858000" cy="9144000"/>
@@ -616,7 +617,7 @@
           <a:p>
             <a:fld id="{D7025829-B655-5D40-8730-28695651CA22}" type="slidenum">
               <a:rPr lang="en-US" smtClean="0"/>
-              <a:t>80</a:t>
+              <a:t>81</a:t>
             </a:fld>
             <a:endParaRPr lang="en-US"/>
           </a:p>
@@ -700,7 +701,7 @@
           <a:p>
             <a:fld id="{D7025829-B655-5D40-8730-28695651CA22}" type="slidenum">
               <a:rPr lang="en-US" smtClean="0"/>
-              <a:t>81</a:t>
+              <a:t>82</a:t>
             </a:fld>
             <a:endParaRPr lang="en-US"/>
           </a:p>
@@ -4046,7 +4047,7 @@
             <a:pPr algn="l"/>
             <a:r>
               <a:rPr lang="en-US" dirty="0"/>
-              <a:t>Laboratory for Computation Auditory Perception</a:t>
+              <a:t>Laboratory for Computational Auditory Perception</a:t>
             </a:r>
           </a:p>
         </p:txBody>
@@ -4071,6 +4072,9 @@
           <a:prstGeom prst="rect">
             <a:avLst/>
           </a:prstGeom>
+          <a:ln>
+            <a:noFill/>
+          </a:ln>
         </p:spPr>
         <p:style>
           <a:lnRef idx="2">
@@ -4180,7 +4184,7 @@
           <a:p>
             <a:r>
               <a:rPr lang="en-US" dirty="0"/>
-              <a:t>Decoding can find the attention locus in a stable auditory scene</a:t>
+              <a:t>Decoding can estimate attentional locus in stable auditory scenes</a:t>
             </a:r>
           </a:p>
         </p:txBody>
@@ -6084,45 +6088,6 @@
           </a:extLst>
         </p:spPr>
       </p:pic>
-      <p:sp>
-        <p:nvSpPr>
-          <p:cNvPr id="6" name="TextBox 5">
-            <a:extLst>
-              <a:ext uri="{FF2B5EF4-FFF2-40B4-BE49-F238E27FC236}">
-                <a16:creationId xmlns:a16="http://schemas.microsoft.com/office/drawing/2014/main" id="{57BB3171-D690-9249-8430-058B2083A691}"/>
-              </a:ext>
-            </a:extLst>
-          </p:cNvPr>
-          <p:cNvSpPr txBox="1"/>
-          <p:nvPr/>
-        </p:nvSpPr>
-        <p:spPr>
-          <a:xfrm>
-            <a:off x="7154382" y="118904"/>
-            <a:ext cx="4718151" cy="707886"/>
-          </a:xfrm>
-          <a:prstGeom prst="rect">
-            <a:avLst/>
-          </a:prstGeom>
-          <a:noFill/>
-        </p:spPr>
-        <p:txBody>
-          <a:bodyPr wrap="none" rtlCol="0">
-            <a:spAutoFit/>
-          </a:bodyPr>
-          <a:lstStyle/>
-          <a:p>
-            <a:r>
-              <a:rPr lang="en-US" sz="4000" b="1" dirty="0"/>
-              <a:t>Task: </a:t>
-            </a:r>
-            <a:r>
-              <a:rPr lang="en-US" sz="4000" dirty="0"/>
-              <a:t>Target detection</a:t>
-            </a:r>
-          </a:p>
-        </p:txBody>
-      </p:sp>
     </p:spTree>
     <p:extLst>
       <p:ext uri="{BB962C8B-B14F-4D97-AF65-F5344CB8AC3E}">
@@ -6294,45 +6259,6 @@
           </a:p>
         </p:txBody>
       </p:sp>
-      <p:sp>
-        <p:nvSpPr>
-          <p:cNvPr id="7" name="TextBox 6">
-            <a:extLst>
-              <a:ext uri="{FF2B5EF4-FFF2-40B4-BE49-F238E27FC236}">
-                <a16:creationId xmlns:a16="http://schemas.microsoft.com/office/drawing/2014/main" id="{A6171CAA-5795-5F48-BE2E-472CD051FC3F}"/>
-              </a:ext>
-            </a:extLst>
-          </p:cNvPr>
-          <p:cNvSpPr txBox="1"/>
-          <p:nvPr/>
-        </p:nvSpPr>
-        <p:spPr>
-          <a:xfrm>
-            <a:off x="7154382" y="118904"/>
-            <a:ext cx="4718151" cy="707886"/>
-          </a:xfrm>
-          <a:prstGeom prst="rect">
-            <a:avLst/>
-          </a:prstGeom>
-          <a:noFill/>
-        </p:spPr>
-        <p:txBody>
-          <a:bodyPr wrap="none" rtlCol="0">
-            <a:spAutoFit/>
-          </a:bodyPr>
-          <a:lstStyle/>
-          <a:p>
-            <a:r>
-              <a:rPr lang="en-US" sz="4000" b="1" dirty="0"/>
-              <a:t>Task: </a:t>
-            </a:r>
-            <a:r>
-              <a:rPr lang="en-US" sz="4000" dirty="0"/>
-              <a:t>Target detection</a:t>
-            </a:r>
-          </a:p>
-        </p:txBody>
-      </p:sp>
     </p:spTree>
     <p:extLst>
       <p:ext uri="{BB962C8B-B14F-4D97-AF65-F5344CB8AC3E}">
@@ -6504,45 +6430,6 @@
           </a:p>
         </p:txBody>
       </p:sp>
-      <p:sp>
-        <p:nvSpPr>
-          <p:cNvPr id="8" name="TextBox 7">
-            <a:extLst>
-              <a:ext uri="{FF2B5EF4-FFF2-40B4-BE49-F238E27FC236}">
-                <a16:creationId xmlns:a16="http://schemas.microsoft.com/office/drawing/2014/main" id="{595AD010-E3AD-FB4D-9F0E-35FAF2039050}"/>
-              </a:ext>
-            </a:extLst>
-          </p:cNvPr>
-          <p:cNvSpPr txBox="1"/>
-          <p:nvPr/>
-        </p:nvSpPr>
-        <p:spPr>
-          <a:xfrm>
-            <a:off x="7154382" y="118904"/>
-            <a:ext cx="4718151" cy="707886"/>
-          </a:xfrm>
-          <a:prstGeom prst="rect">
-            <a:avLst/>
-          </a:prstGeom>
-          <a:noFill/>
-        </p:spPr>
-        <p:txBody>
-          <a:bodyPr wrap="none" rtlCol="0">
-            <a:spAutoFit/>
-          </a:bodyPr>
-          <a:lstStyle/>
-          <a:p>
-            <a:r>
-              <a:rPr lang="en-US" sz="4000" b="1" dirty="0"/>
-              <a:t>Task: </a:t>
-            </a:r>
-            <a:r>
-              <a:rPr lang="en-US" sz="4000" dirty="0"/>
-              <a:t>Target detection</a:t>
-            </a:r>
-          </a:p>
-        </p:txBody>
-      </p:sp>
     </p:spTree>
     <p:extLst>
       <p:ext uri="{BB962C8B-B14F-4D97-AF65-F5344CB8AC3E}">
@@ -6578,7 +6465,7 @@
           <p:cNvPr id="2" name="Title 1">
             <a:extLst>
               <a:ext uri="{FF2B5EF4-FFF2-40B4-BE49-F238E27FC236}">
-                <a16:creationId xmlns:a16="http://schemas.microsoft.com/office/drawing/2014/main" id="{5CF51F8C-0976-C148-B8D1-62050E306184}"/>
+                <a16:creationId xmlns:a16="http://schemas.microsoft.com/office/drawing/2014/main" id="{37F31AD7-86C7-7E4B-B09E-D7CB236F47BE}"/>
               </a:ext>
             </a:extLst>
           </p:cNvPr>
@@ -6596,7 +6483,159 @@
           <a:p>
             <a:r>
               <a:rPr lang="en-US" dirty="0"/>
-              <a:t>Listening Conditions</a:t>
+              <a:t>Stimulus</a:t>
+            </a:r>
+          </a:p>
+        </p:txBody>
+      </p:sp>
+      <p:pic>
+        <p:nvPicPr>
+          <p:cNvPr id="7" name="Picture 6">
+            <a:extLst>
+              <a:ext uri="{FF2B5EF4-FFF2-40B4-BE49-F238E27FC236}">
+                <a16:creationId xmlns:a16="http://schemas.microsoft.com/office/drawing/2014/main" id="{3938C858-1CB3-C24D-90A3-A7F55AC31BA8}"/>
+              </a:ext>
+            </a:extLst>
+          </p:cNvPr>
+          <p:cNvPicPr>
+            <a:picLocks noChangeAspect="1"/>
+          </p:cNvPicPr>
+          <p:nvPr/>
+        </p:nvPicPr>
+        <p:blipFill>
+          <a:blip r:embed="rId2"/>
+          <a:stretch>
+            <a:fillRect/>
+          </a:stretch>
+        </p:blipFill>
+        <p:spPr>
+          <a:xfrm>
+            <a:off x="1249679" y="1690689"/>
+            <a:ext cx="9183387" cy="4572952"/>
+          </a:xfrm>
+          <a:prstGeom prst="rect">
+            <a:avLst/>
+          </a:prstGeom>
+        </p:spPr>
+      </p:pic>
+      <p:pic>
+        <p:nvPicPr>
+          <p:cNvPr id="5" name="Picture 2" descr="80+ Free Headset &amp; Headphones Vectors - Pixabay">
+            <a:extLst>
+              <a:ext uri="{FF2B5EF4-FFF2-40B4-BE49-F238E27FC236}">
+                <a16:creationId xmlns:a16="http://schemas.microsoft.com/office/drawing/2014/main" id="{FA590AD2-1429-3546-86DF-87D3C3BF6A9A}"/>
+              </a:ext>
+            </a:extLst>
+          </p:cNvPr>
+          <p:cNvPicPr>
+            <a:picLocks noChangeAspect="1" noChangeArrowheads="1"/>
+          </p:cNvPicPr>
+          <p:nvPr/>
+        </p:nvPicPr>
+        <p:blipFill>
+          <a:blip r:embed="rId3">
+            <a:extLst>
+              <a:ext uri="{28A0092B-C50C-407E-A947-70E740481C1C}">
+                <a14:useLocalDpi xmlns:a14="http://schemas.microsoft.com/office/drawing/2010/main" val="0"/>
+              </a:ext>
+            </a:extLst>
+          </a:blip>
+          <a:srcRect/>
+          <a:stretch>
+            <a:fillRect/>
+          </a:stretch>
+        </p:blipFill>
+        <p:spPr bwMode="auto">
+          <a:xfrm>
+            <a:off x="1437526" y="4372431"/>
+            <a:ext cx="642816" cy="654364"/>
+          </a:xfrm>
+          <a:prstGeom prst="rect">
+            <a:avLst/>
+          </a:prstGeom>
+          <a:noFill/>
+          <a:extLst>
+            <a:ext uri="{909E8E84-426E-40DD-AFC4-6F175D3DCCD1}">
+              <a14:hiddenFill xmlns:a14="http://schemas.microsoft.com/office/drawing/2010/main">
+                <a:solidFill>
+                  <a:srgbClr val="FFFFFF"/>
+                </a:solidFill>
+              </a14:hiddenFill>
+            </a:ext>
+          </a:extLst>
+        </p:spPr>
+      </p:pic>
+      <p:sp>
+        <p:nvSpPr>
+          <p:cNvPr id="6" name="TextBox 5">
+            <a:extLst>
+              <a:ext uri="{FF2B5EF4-FFF2-40B4-BE49-F238E27FC236}">
+                <a16:creationId xmlns:a16="http://schemas.microsoft.com/office/drawing/2014/main" id="{E8418D09-BFE1-4244-8D01-6C2A347A4D01}"/>
+              </a:ext>
+            </a:extLst>
+          </p:cNvPr>
+          <p:cNvSpPr txBox="1"/>
+          <p:nvPr/>
+        </p:nvSpPr>
+        <p:spPr>
+          <a:xfrm>
+            <a:off x="5969143" y="6246653"/>
+            <a:ext cx="6222857" cy="492443"/>
+          </a:xfrm>
+          <a:prstGeom prst="rect">
+            <a:avLst/>
+          </a:prstGeom>
+          <a:noFill/>
+        </p:spPr>
+        <p:txBody>
+          <a:bodyPr wrap="none" rtlCol="0">
+            <a:spAutoFit/>
+          </a:bodyPr>
+          <a:lstStyle/>
+          <a:p>
+            <a:pPr algn="r"/>
+            <a:r>
+              <a:rPr lang="en-US" sz="2600" dirty="0"/>
+              <a:t>German Sentences to Non-German Speakers </a:t>
+            </a:r>
+          </a:p>
+        </p:txBody>
+      </p:sp>
+      <p:sp>
+        <p:nvSpPr>
+          <p:cNvPr id="8" name="TextBox 7">
+            <a:extLst>
+              <a:ext uri="{FF2B5EF4-FFF2-40B4-BE49-F238E27FC236}">
+                <a16:creationId xmlns:a16="http://schemas.microsoft.com/office/drawing/2014/main" id="{595AD010-E3AD-FB4D-9F0E-35FAF2039050}"/>
+              </a:ext>
+            </a:extLst>
+          </p:cNvPr>
+          <p:cNvSpPr txBox="1"/>
+          <p:nvPr/>
+        </p:nvSpPr>
+        <p:spPr>
+          <a:xfrm>
+            <a:off x="7154382" y="118904"/>
+            <a:ext cx="4718151" cy="707886"/>
+          </a:xfrm>
+          <a:prstGeom prst="rect">
+            <a:avLst/>
+          </a:prstGeom>
+          <a:noFill/>
+        </p:spPr>
+        <p:txBody>
+          <a:bodyPr wrap="none" rtlCol="0">
+            <a:spAutoFit/>
+          </a:bodyPr>
+          <a:lstStyle/>
+          <a:p>
+            <a:r>
+              <a:rPr lang="en-US" sz="4000" b="1" dirty="0"/>
+              <a:t>Task: </a:t>
+            </a:r>
+            <a:r>
+              <a:rPr lang="en-US" sz="4000" dirty="0"/>
+              <a:t>Target detection</a:t>
             </a:r>
           </a:p>
         </p:txBody>
@@ -6604,7 +6643,7 @@
     </p:spTree>
     <p:extLst>
       <p:ext uri="{BB962C8B-B14F-4D97-AF65-F5344CB8AC3E}">
-        <p14:creationId xmlns:p14="http://schemas.microsoft.com/office/powerpoint/2010/main" val="2283601963"/>
+        <p14:creationId xmlns:p14="http://schemas.microsoft.com/office/powerpoint/2010/main" val="562877044"/>
       </p:ext>
     </p:extLst>
   </p:cSld>
@@ -6659,6 +6698,64 @@
           </a:p>
         </p:txBody>
       </p:sp>
+    </p:spTree>
+    <p:extLst>
+      <p:ext uri="{BB962C8B-B14F-4D97-AF65-F5344CB8AC3E}">
+        <p14:creationId xmlns:p14="http://schemas.microsoft.com/office/powerpoint/2010/main" val="2283601963"/>
+      </p:ext>
+    </p:extLst>
+  </p:cSld>
+  <p:clrMapOvr>
+    <a:masterClrMapping/>
+  </p:clrMapOvr>
+</p:sld>
+</file>
+
+<file path=ppt/slides/slide25.xml><?xml version="1.0" encoding="utf-8"?>
+<p:sld xmlns:a="http://schemas.openxmlformats.org/drawingml/2006/main" xmlns:r="http://schemas.openxmlformats.org/officeDocument/2006/relationships" xmlns:p="http://schemas.openxmlformats.org/presentationml/2006/main">
+  <p:cSld>
+    <p:spTree>
+      <p:nvGrpSpPr>
+        <p:cNvPr id="1" name=""/>
+        <p:cNvGrpSpPr/>
+        <p:nvPr/>
+      </p:nvGrpSpPr>
+      <p:grpSpPr>
+        <a:xfrm>
+          <a:off x="0" y="0"/>
+          <a:ext cx="0" cy="0"/>
+          <a:chOff x="0" y="0"/>
+          <a:chExt cx="0" cy="0"/>
+        </a:xfrm>
+      </p:grpSpPr>
+      <p:sp>
+        <p:nvSpPr>
+          <p:cNvPr id="2" name="Title 1">
+            <a:extLst>
+              <a:ext uri="{FF2B5EF4-FFF2-40B4-BE49-F238E27FC236}">
+                <a16:creationId xmlns:a16="http://schemas.microsoft.com/office/drawing/2014/main" id="{5CF51F8C-0976-C148-B8D1-62050E306184}"/>
+              </a:ext>
+            </a:extLst>
+          </p:cNvPr>
+          <p:cNvSpPr>
+            <a:spLocks noGrp="1"/>
+          </p:cNvSpPr>
+          <p:nvPr>
+            <p:ph type="title"/>
+          </p:nvPr>
+        </p:nvSpPr>
+        <p:spPr/>
+        <p:txBody>
+          <a:bodyPr/>
+          <a:lstStyle/>
+          <a:p>
+            <a:r>
+              <a:rPr lang="en-US" dirty="0"/>
+              <a:t>Listening Conditions</a:t>
+            </a:r>
+          </a:p>
+        </p:txBody>
+      </p:sp>
       <p:pic>
         <p:nvPicPr>
           <p:cNvPr id="4" name="Picture 3">
@@ -6702,7 +6799,7 @@
 </p:sld>
 </file>
 
-<file path=ppt/slides/slide25.xml><?xml version="1.0" encoding="utf-8"?>
+<file path=ppt/slides/slide26.xml><?xml version="1.0" encoding="utf-8"?>
 <p:sld xmlns:a="http://schemas.openxmlformats.org/drawingml/2006/main" xmlns:r="http://schemas.openxmlformats.org/officeDocument/2006/relationships" xmlns:p="http://schemas.openxmlformats.org/presentationml/2006/main">
   <p:cSld>
     <p:spTree>
@@ -6918,7 +7015,7 @@
 </p:sld>
 </file>
 
-<file path=ppt/slides/slide26.xml><?xml version="1.0" encoding="utf-8"?>
+<file path=ppt/slides/slide27.xml><?xml version="1.0" encoding="utf-8"?>
 <p:sld xmlns:a="http://schemas.openxmlformats.org/drawingml/2006/main" xmlns:r="http://schemas.openxmlformats.org/officeDocument/2006/relationships" xmlns:p="http://schemas.openxmlformats.org/presentationml/2006/main">
   <p:cSld>
     <p:spTree>
@@ -7292,7 +7389,7 @@
 </p:sld>
 </file>
 
-<file path=ppt/slides/slide27.xml><?xml version="1.0" encoding="utf-8"?>
+<file path=ppt/slides/slide28.xml><?xml version="1.0" encoding="utf-8"?>
 <p:sld xmlns:a="http://schemas.openxmlformats.org/drawingml/2006/main" xmlns:r="http://schemas.openxmlformats.org/officeDocument/2006/relationships" xmlns:p="http://schemas.openxmlformats.org/presentationml/2006/main">
   <p:cSld>
     <p:spTree>
@@ -7773,7 +7870,7 @@
 </p:sld>
 </file>
 
-<file path=ppt/slides/slide28.xml><?xml version="1.0" encoding="utf-8"?>
+<file path=ppt/slides/slide29.xml><?xml version="1.0" encoding="utf-8"?>
 <p:sld xmlns:a="http://schemas.openxmlformats.org/drawingml/2006/main" xmlns:r="http://schemas.openxmlformats.org/officeDocument/2006/relationships" xmlns:p="http://schemas.openxmlformats.org/presentationml/2006/main">
   <p:cSld>
     <p:spTree>
@@ -8415,69 +8512,6 @@
 </p:sld>
 </file>
 
-<file path=ppt/slides/slide29.xml><?xml version="1.0" encoding="utf-8"?>
-<p:sld xmlns:a="http://schemas.openxmlformats.org/drawingml/2006/main" xmlns:r="http://schemas.openxmlformats.org/officeDocument/2006/relationships" xmlns:p="http://schemas.openxmlformats.org/presentationml/2006/main">
-  <p:cSld>
-    <p:spTree>
-      <p:nvGrpSpPr>
-        <p:cNvPr id="1" name=""/>
-        <p:cNvGrpSpPr/>
-        <p:nvPr/>
-      </p:nvGrpSpPr>
-      <p:grpSpPr>
-        <a:xfrm>
-          <a:off x="0" y="0"/>
-          <a:ext cx="0" cy="0"/>
-          <a:chOff x="0" y="0"/>
-          <a:chExt cx="0" cy="0"/>
-        </a:xfrm>
-      </p:grpSpPr>
-      <p:sp>
-        <p:nvSpPr>
-          <p:cNvPr id="2" name="Title 1">
-            <a:extLst>
-              <a:ext uri="{FF2B5EF4-FFF2-40B4-BE49-F238E27FC236}">
-                <a16:creationId xmlns:a16="http://schemas.microsoft.com/office/drawing/2014/main" id="{5CF51F8C-0976-C148-B8D1-62050E306184}"/>
-              </a:ext>
-            </a:extLst>
-          </p:cNvPr>
-          <p:cNvSpPr>
-            <a:spLocks noGrp="1"/>
-          </p:cNvSpPr>
-          <p:nvPr>
-            <p:ph type="title"/>
-          </p:nvPr>
-        </p:nvSpPr>
-        <p:spPr>
-          <a:xfrm>
-            <a:off x="844526" y="132689"/>
-            <a:ext cx="10515600" cy="1325563"/>
-          </a:xfrm>
-        </p:spPr>
-        <p:txBody>
-          <a:bodyPr/>
-          <a:lstStyle/>
-          <a:p>
-            <a:r>
-              <a:rPr lang="en-US" dirty="0"/>
-              <a:t>Target meaning changes across conditions</a:t>
-            </a:r>
-          </a:p>
-        </p:txBody>
-      </p:sp>
-    </p:spTree>
-    <p:extLst>
-      <p:ext uri="{BB962C8B-B14F-4D97-AF65-F5344CB8AC3E}">
-        <p14:creationId xmlns:p14="http://schemas.microsoft.com/office/powerpoint/2010/main" val="1155761017"/>
-      </p:ext>
-    </p:extLst>
-  </p:cSld>
-  <p:clrMapOvr>
-    <a:masterClrMapping/>
-  </p:clrMapOvr>
-</p:sld>
-</file>
-
 <file path=ppt/slides/slide3.xml><?xml version="1.0" encoding="utf-8"?>
 <p:sld xmlns:a="http://schemas.openxmlformats.org/drawingml/2006/main" xmlns:r="http://schemas.openxmlformats.org/officeDocument/2006/relationships" xmlns:p="http://schemas.openxmlformats.org/presentationml/2006/main">
   <p:cSld>
@@ -8666,6 +8700,69 @@
 </file>
 
 <file path=ppt/slides/slide30.xml><?xml version="1.0" encoding="utf-8"?>
+<p:sld xmlns:a="http://schemas.openxmlformats.org/drawingml/2006/main" xmlns:r="http://schemas.openxmlformats.org/officeDocument/2006/relationships" xmlns:p="http://schemas.openxmlformats.org/presentationml/2006/main">
+  <p:cSld>
+    <p:spTree>
+      <p:nvGrpSpPr>
+        <p:cNvPr id="1" name=""/>
+        <p:cNvGrpSpPr/>
+        <p:nvPr/>
+      </p:nvGrpSpPr>
+      <p:grpSpPr>
+        <a:xfrm>
+          <a:off x="0" y="0"/>
+          <a:ext cx="0" cy="0"/>
+          <a:chOff x="0" y="0"/>
+          <a:chExt cx="0" cy="0"/>
+        </a:xfrm>
+      </p:grpSpPr>
+      <p:sp>
+        <p:nvSpPr>
+          <p:cNvPr id="2" name="Title 1">
+            <a:extLst>
+              <a:ext uri="{FF2B5EF4-FFF2-40B4-BE49-F238E27FC236}">
+                <a16:creationId xmlns:a16="http://schemas.microsoft.com/office/drawing/2014/main" id="{5CF51F8C-0976-C148-B8D1-62050E306184}"/>
+              </a:ext>
+            </a:extLst>
+          </p:cNvPr>
+          <p:cNvSpPr>
+            <a:spLocks noGrp="1"/>
+          </p:cNvSpPr>
+          <p:nvPr>
+            <p:ph type="title"/>
+          </p:nvPr>
+        </p:nvSpPr>
+        <p:spPr>
+          <a:xfrm>
+            <a:off x="844526" y="132689"/>
+            <a:ext cx="10515600" cy="1325563"/>
+          </a:xfrm>
+        </p:spPr>
+        <p:txBody>
+          <a:bodyPr/>
+          <a:lstStyle/>
+          <a:p>
+            <a:r>
+              <a:rPr lang="en-US" dirty="0"/>
+              <a:t>Target meaning changes across conditions</a:t>
+            </a:r>
+          </a:p>
+        </p:txBody>
+      </p:sp>
+    </p:spTree>
+    <p:extLst>
+      <p:ext uri="{BB962C8B-B14F-4D97-AF65-F5344CB8AC3E}">
+        <p14:creationId xmlns:p14="http://schemas.microsoft.com/office/powerpoint/2010/main" val="1155761017"/>
+      </p:ext>
+    </p:extLst>
+  </p:cSld>
+  <p:clrMapOvr>
+    <a:masterClrMapping/>
+  </p:clrMapOvr>
+</p:sld>
+</file>
+
+<file path=ppt/slides/slide31.xml><?xml version="1.0" encoding="utf-8"?>
 <p:sld xmlns:a="http://schemas.openxmlformats.org/drawingml/2006/main" xmlns:r="http://schemas.openxmlformats.org/officeDocument/2006/relationships" xmlns:p="http://schemas.openxmlformats.org/presentationml/2006/main">
   <p:cSld>
     <p:spTree>
@@ -8844,7 +8941,7 @@
 </p:sld>
 </file>
 
-<file path=ppt/slides/slide31.xml><?xml version="1.0" encoding="utf-8"?>
+<file path=ppt/slides/slide32.xml><?xml version="1.0" encoding="utf-8"?>
 <p:sld xmlns:a="http://schemas.openxmlformats.org/drawingml/2006/main" xmlns:r="http://schemas.openxmlformats.org/officeDocument/2006/relationships" xmlns:p="http://schemas.openxmlformats.org/presentationml/2006/main">
   <p:cSld>
     <p:spTree>
@@ -9341,7 +9438,7 @@
 </p:sld>
 </file>
 
-<file path=ppt/slides/slide32.xml><?xml version="1.0" encoding="utf-8"?>
+<file path=ppt/slides/slide33.xml><?xml version="1.0" encoding="utf-8"?>
 <p:sld xmlns:a="http://schemas.openxmlformats.org/drawingml/2006/main" xmlns:r="http://schemas.openxmlformats.org/officeDocument/2006/relationships" xmlns:p="http://schemas.openxmlformats.org/presentationml/2006/main">
   <p:cSld>
     <p:spTree>
@@ -9964,7 +10061,7 @@
 </p:sld>
 </file>
 
-<file path=ppt/slides/slide33.xml><?xml version="1.0" encoding="utf-8"?>
+<file path=ppt/slides/slide34.xml><?xml version="1.0" encoding="utf-8"?>
 <p:sld xmlns:a="http://schemas.openxmlformats.org/drawingml/2006/main" xmlns:r="http://schemas.openxmlformats.org/officeDocument/2006/relationships" xmlns:p="http://schemas.openxmlformats.org/presentationml/2006/main">
   <p:cSld>
     <p:spTree>
@@ -10712,7 +10809,7 @@
 </p:sld>
 </file>
 
-<file path=ppt/slides/slide34.xml><?xml version="1.0" encoding="utf-8"?>
+<file path=ppt/slides/slide35.xml><?xml version="1.0" encoding="utf-8"?>
 <p:sld xmlns:a="http://schemas.openxmlformats.org/drawingml/2006/main" xmlns:r="http://schemas.openxmlformats.org/officeDocument/2006/relationships" xmlns:p="http://schemas.openxmlformats.org/presentationml/2006/main">
   <p:cSld>
     <p:spTree>
@@ -11616,7 +11713,7 @@
 </p:sld>
 </file>
 
-<file path=ppt/slides/slide35.xml><?xml version="1.0" encoding="utf-8"?>
+<file path=ppt/slides/slide36.xml><?xml version="1.0" encoding="utf-8"?>
 <p:sld xmlns:a="http://schemas.openxmlformats.org/drawingml/2006/main" xmlns:r="http://schemas.openxmlformats.org/officeDocument/2006/relationships" xmlns:p="http://schemas.openxmlformats.org/presentationml/2006/main">
   <p:cSld>
     <p:spTree>
@@ -12604,7 +12701,7 @@
 </p:sld>
 </file>
 
-<file path=ppt/slides/slide36.xml><?xml version="1.0" encoding="utf-8"?>
+<file path=ppt/slides/slide37.xml><?xml version="1.0" encoding="utf-8"?>
 <p:sld xmlns:a="http://schemas.openxmlformats.org/drawingml/2006/main" xmlns:r="http://schemas.openxmlformats.org/officeDocument/2006/relationships" xmlns:p="http://schemas.openxmlformats.org/presentationml/2006/main">
   <p:cSld>
     <p:spTree>
@@ -13641,7 +13738,7 @@
 </p:sld>
 </file>
 
-<file path=ppt/slides/slide37.xml><?xml version="1.0" encoding="utf-8"?>
+<file path=ppt/slides/slide38.xml><?xml version="1.0" encoding="utf-8"?>
 <p:sld xmlns:a="http://schemas.openxmlformats.org/drawingml/2006/main" xmlns:r="http://schemas.openxmlformats.org/officeDocument/2006/relationships" xmlns:p="http://schemas.openxmlformats.org/presentationml/2006/main">
   <p:cSld>
     <p:spTree>
@@ -14956,7 +15053,7 @@
 </p:sld>
 </file>
 
-<file path=ppt/slides/slide38.xml><?xml version="1.0" encoding="utf-8"?>
+<file path=ppt/slides/slide39.xml><?xml version="1.0" encoding="utf-8"?>
 <p:sld xmlns:a="http://schemas.openxmlformats.org/drawingml/2006/main" xmlns:r="http://schemas.openxmlformats.org/officeDocument/2006/relationships" xmlns:p="http://schemas.openxmlformats.org/presentationml/2006/main">
   <p:cSld>
     <p:spTree>
@@ -16427,7 +16524,301 @@
 </p:sld>
 </file>
 
-<file path=ppt/slides/slide39.xml><?xml version="1.0" encoding="utf-8"?>
+<file path=ppt/slides/slide4.xml><?xml version="1.0" encoding="utf-8"?>
+<p:sld xmlns:a="http://schemas.openxmlformats.org/drawingml/2006/main" xmlns:r="http://schemas.openxmlformats.org/officeDocument/2006/relationships" xmlns:p="http://schemas.openxmlformats.org/presentationml/2006/main">
+  <p:cSld>
+    <p:spTree>
+      <p:nvGrpSpPr>
+        <p:cNvPr id="1" name=""/>
+        <p:cNvGrpSpPr/>
+        <p:nvPr/>
+      </p:nvGrpSpPr>
+      <p:grpSpPr>
+        <a:xfrm>
+          <a:off x="0" y="0"/>
+          <a:ext cx="0" cy="0"/>
+          <a:chOff x="0" y="0"/>
+          <a:chExt cx="0" cy="0"/>
+        </a:xfrm>
+      </p:grpSpPr>
+      <p:sp>
+        <p:nvSpPr>
+          <p:cNvPr id="2" name="Title 1">
+            <a:extLst>
+              <a:ext uri="{FF2B5EF4-FFF2-40B4-BE49-F238E27FC236}">
+                <a16:creationId xmlns:a16="http://schemas.microsoft.com/office/drawing/2014/main" id="{7B9F7CC6-3227-C842-A87C-B716C533D732}"/>
+              </a:ext>
+            </a:extLst>
+          </p:cNvPr>
+          <p:cNvSpPr>
+            <a:spLocks noGrp="1"/>
+          </p:cNvSpPr>
+          <p:nvPr>
+            <p:ph type="title"/>
+          </p:nvPr>
+        </p:nvSpPr>
+        <p:spPr/>
+        <p:txBody>
+          <a:bodyPr/>
+          <a:lstStyle/>
+          <a:p>
+            <a:r>
+              <a:rPr lang="en-US" dirty="0"/>
+              <a:t>EEG Decoding</a:t>
+            </a:r>
+          </a:p>
+        </p:txBody>
+      </p:sp>
+      <p:pic>
+        <p:nvPicPr>
+          <p:cNvPr id="16" name="Graphic 15">
+            <a:extLst>
+              <a:ext uri="{FF2B5EF4-FFF2-40B4-BE49-F238E27FC236}">
+                <a16:creationId xmlns:a16="http://schemas.microsoft.com/office/drawing/2014/main" id="{58BF9826-DA3C-E442-ABF5-4F63E078B080}"/>
+              </a:ext>
+            </a:extLst>
+          </p:cNvPr>
+          <p:cNvPicPr>
+            <a:picLocks noChangeAspect="1"/>
+          </p:cNvPicPr>
+          <p:nvPr/>
+        </p:nvPicPr>
+        <p:blipFill>
+          <a:blip r:embed="rId2">
+            <a:extLst>
+              <a:ext uri="{96DAC541-7B7A-43D3-8B79-37D633B846F1}">
+                <asvg:svgBlip xmlns:asvg="http://schemas.microsoft.com/office/drawing/2016/SVG/main" r:embed="rId3"/>
+              </a:ext>
+            </a:extLst>
+          </a:blip>
+          <a:stretch>
+            <a:fillRect/>
+          </a:stretch>
+        </p:blipFill>
+        <p:spPr>
+          <a:xfrm>
+            <a:off x="838200" y="2169578"/>
+            <a:ext cx="2811494" cy="2518844"/>
+          </a:xfrm>
+          <a:prstGeom prst="rect">
+            <a:avLst/>
+          </a:prstGeom>
+        </p:spPr>
+      </p:pic>
+      <p:sp>
+        <p:nvSpPr>
+          <p:cNvPr id="17" name="Rectangle 16">
+            <a:extLst>
+              <a:ext uri="{FF2B5EF4-FFF2-40B4-BE49-F238E27FC236}">
+                <a16:creationId xmlns:a16="http://schemas.microsoft.com/office/drawing/2014/main" id="{033CA8C1-3789-8B4C-8798-49C063851739}"/>
+              </a:ext>
+            </a:extLst>
+          </p:cNvPr>
+          <p:cNvSpPr/>
+          <p:nvPr/>
+        </p:nvSpPr>
+        <p:spPr>
+          <a:xfrm>
+            <a:off x="4862019" y="2799289"/>
+            <a:ext cx="1878677" cy="1259422"/>
+          </a:xfrm>
+          <a:prstGeom prst="rect">
+            <a:avLst/>
+          </a:prstGeom>
+        </p:spPr>
+        <p:style>
+          <a:lnRef idx="2">
+            <a:schemeClr val="accent1">
+              <a:shade val="50000"/>
+            </a:schemeClr>
+          </a:lnRef>
+          <a:fillRef idx="1">
+            <a:schemeClr val="accent1"/>
+          </a:fillRef>
+          <a:effectRef idx="0">
+            <a:schemeClr val="accent1"/>
+          </a:effectRef>
+          <a:fontRef idx="minor">
+            <a:schemeClr val="lt1"/>
+          </a:fontRef>
+        </p:style>
+        <p:txBody>
+          <a:bodyPr rtlCol="0" anchor="ctr"/>
+          <a:lstStyle/>
+          <a:p>
+            <a:pPr algn="ctr"/>
+            <a:r>
+              <a:rPr lang="en-US" sz="2800" dirty="0"/>
+              <a:t>Decoder</a:t>
+            </a:r>
+          </a:p>
+        </p:txBody>
+      </p:sp>
+      <p:sp>
+        <p:nvSpPr>
+          <p:cNvPr id="18" name="TextBox 17">
+            <a:extLst>
+              <a:ext uri="{FF2B5EF4-FFF2-40B4-BE49-F238E27FC236}">
+                <a16:creationId xmlns:a16="http://schemas.microsoft.com/office/drawing/2014/main" id="{1A37AA7C-398A-6A4A-AA39-972E3D75FF8D}"/>
+              </a:ext>
+            </a:extLst>
+          </p:cNvPr>
+          <p:cNvSpPr txBox="1"/>
+          <p:nvPr/>
+        </p:nvSpPr>
+        <p:spPr>
+          <a:xfrm>
+            <a:off x="8202745" y="1952601"/>
+            <a:ext cx="3151055" cy="584775"/>
+          </a:xfrm>
+          <a:prstGeom prst="rect">
+            <a:avLst/>
+          </a:prstGeom>
+          <a:noFill/>
+        </p:spPr>
+        <p:txBody>
+          <a:bodyPr wrap="none" rtlCol="0">
+            <a:spAutoFit/>
+          </a:bodyPr>
+          <a:lstStyle/>
+          <a:p>
+            <a:r>
+              <a:rPr lang="en-US" sz="3200" dirty="0"/>
+              <a:t>Stimulus Features</a:t>
+            </a:r>
+          </a:p>
+        </p:txBody>
+      </p:sp>
+      <p:pic>
+        <p:nvPicPr>
+          <p:cNvPr id="21" name="Picture 20">
+            <a:extLst>
+              <a:ext uri="{FF2B5EF4-FFF2-40B4-BE49-F238E27FC236}">
+                <a16:creationId xmlns:a16="http://schemas.microsoft.com/office/drawing/2014/main" id="{FB46B68B-A835-B441-BA77-1F012938AA28}"/>
+              </a:ext>
+            </a:extLst>
+          </p:cNvPr>
+          <p:cNvPicPr>
+            <a:picLocks noChangeAspect="1"/>
+          </p:cNvPicPr>
+          <p:nvPr/>
+        </p:nvPicPr>
+        <p:blipFill>
+          <a:blip r:embed="rId4"/>
+          <a:stretch>
+            <a:fillRect/>
+          </a:stretch>
+        </p:blipFill>
+        <p:spPr>
+          <a:xfrm>
+            <a:off x="7953022" y="2799289"/>
+            <a:ext cx="3650499" cy="1259422"/>
+          </a:xfrm>
+          <a:prstGeom prst="rect">
+            <a:avLst/>
+          </a:prstGeom>
+        </p:spPr>
+      </p:pic>
+      <p:cxnSp>
+        <p:nvCxnSpPr>
+          <p:cNvPr id="24" name="Straight Arrow Connector 23">
+            <a:extLst>
+              <a:ext uri="{FF2B5EF4-FFF2-40B4-BE49-F238E27FC236}">
+                <a16:creationId xmlns:a16="http://schemas.microsoft.com/office/drawing/2014/main" id="{09102B58-132D-CD4C-86CC-BFC5878C15AC}"/>
+              </a:ext>
+            </a:extLst>
+          </p:cNvPr>
+          <p:cNvCxnSpPr>
+            <a:endCxn id="17" idx="1"/>
+          </p:cNvCxnSpPr>
+          <p:nvPr/>
+        </p:nvCxnSpPr>
+        <p:spPr>
+          <a:xfrm>
+            <a:off x="3773978" y="3429000"/>
+            <a:ext cx="1088041" cy="0"/>
+          </a:xfrm>
+          <a:prstGeom prst="straightConnector1">
+            <a:avLst/>
+          </a:prstGeom>
+          <a:ln w="127000">
+            <a:solidFill>
+              <a:schemeClr val="accent3"/>
+            </a:solidFill>
+            <a:tailEnd type="triangle"/>
+          </a:ln>
+        </p:spPr>
+        <p:style>
+          <a:lnRef idx="1">
+            <a:schemeClr val="accent1"/>
+          </a:lnRef>
+          <a:fillRef idx="0">
+            <a:schemeClr val="accent1"/>
+          </a:fillRef>
+          <a:effectRef idx="0">
+            <a:schemeClr val="accent1"/>
+          </a:effectRef>
+          <a:fontRef idx="minor">
+            <a:schemeClr val="tx1"/>
+          </a:fontRef>
+        </p:style>
+      </p:cxnSp>
+      <p:cxnSp>
+        <p:nvCxnSpPr>
+          <p:cNvPr id="25" name="Straight Arrow Connector 24">
+            <a:extLst>
+              <a:ext uri="{FF2B5EF4-FFF2-40B4-BE49-F238E27FC236}">
+                <a16:creationId xmlns:a16="http://schemas.microsoft.com/office/drawing/2014/main" id="{E42898D0-1A27-E24C-9182-23C7A83652BA}"/>
+              </a:ext>
+            </a:extLst>
+          </p:cNvPr>
+          <p:cNvCxnSpPr/>
+          <p:nvPr/>
+        </p:nvCxnSpPr>
+        <p:spPr>
+          <a:xfrm>
+            <a:off x="6740696" y="3429000"/>
+            <a:ext cx="1088041" cy="0"/>
+          </a:xfrm>
+          <a:prstGeom prst="straightConnector1">
+            <a:avLst/>
+          </a:prstGeom>
+          <a:ln w="127000">
+            <a:solidFill>
+              <a:schemeClr val="accent3"/>
+            </a:solidFill>
+            <a:tailEnd type="triangle"/>
+          </a:ln>
+        </p:spPr>
+        <p:style>
+          <a:lnRef idx="1">
+            <a:schemeClr val="accent1"/>
+          </a:lnRef>
+          <a:fillRef idx="0">
+            <a:schemeClr val="accent1"/>
+          </a:fillRef>
+          <a:effectRef idx="0">
+            <a:schemeClr val="accent1"/>
+          </a:effectRef>
+          <a:fontRef idx="minor">
+            <a:schemeClr val="tx1"/>
+          </a:fontRef>
+        </p:style>
+      </p:cxnSp>
+    </p:spTree>
+    <p:extLst>
+      <p:ext uri="{BB962C8B-B14F-4D97-AF65-F5344CB8AC3E}">
+        <p14:creationId xmlns:p14="http://schemas.microsoft.com/office/powerpoint/2010/main" val="2454037695"/>
+      </p:ext>
+    </p:extLst>
+  </p:cSld>
+  <p:clrMapOvr>
+    <a:masterClrMapping/>
+  </p:clrMapOvr>
+</p:sld>
+</file>
+
+<file path=ppt/slides/slide40.xml><?xml version="1.0" encoding="utf-8"?>
 <p:sld xmlns:a="http://schemas.openxmlformats.org/drawingml/2006/main" xmlns:r="http://schemas.openxmlformats.org/officeDocument/2006/relationships" xmlns:p="http://schemas.openxmlformats.org/presentationml/2006/main">
   <p:cSld>
     <p:spTree>
@@ -17982,301 +18373,7 @@
 </p:sld>
 </file>
 
-<file path=ppt/slides/slide4.xml><?xml version="1.0" encoding="utf-8"?>
-<p:sld xmlns:a="http://schemas.openxmlformats.org/drawingml/2006/main" xmlns:r="http://schemas.openxmlformats.org/officeDocument/2006/relationships" xmlns:p="http://schemas.openxmlformats.org/presentationml/2006/main">
-  <p:cSld>
-    <p:spTree>
-      <p:nvGrpSpPr>
-        <p:cNvPr id="1" name=""/>
-        <p:cNvGrpSpPr/>
-        <p:nvPr/>
-      </p:nvGrpSpPr>
-      <p:grpSpPr>
-        <a:xfrm>
-          <a:off x="0" y="0"/>
-          <a:ext cx="0" cy="0"/>
-          <a:chOff x="0" y="0"/>
-          <a:chExt cx="0" cy="0"/>
-        </a:xfrm>
-      </p:grpSpPr>
-      <p:sp>
-        <p:nvSpPr>
-          <p:cNvPr id="2" name="Title 1">
-            <a:extLst>
-              <a:ext uri="{FF2B5EF4-FFF2-40B4-BE49-F238E27FC236}">
-                <a16:creationId xmlns:a16="http://schemas.microsoft.com/office/drawing/2014/main" id="{7B9F7CC6-3227-C842-A87C-B716C533D732}"/>
-              </a:ext>
-            </a:extLst>
-          </p:cNvPr>
-          <p:cNvSpPr>
-            <a:spLocks noGrp="1"/>
-          </p:cNvSpPr>
-          <p:nvPr>
-            <p:ph type="title"/>
-          </p:nvPr>
-        </p:nvSpPr>
-        <p:spPr/>
-        <p:txBody>
-          <a:bodyPr/>
-          <a:lstStyle/>
-          <a:p>
-            <a:r>
-              <a:rPr lang="en-US" dirty="0"/>
-              <a:t>EEG Decoding</a:t>
-            </a:r>
-          </a:p>
-        </p:txBody>
-      </p:sp>
-      <p:pic>
-        <p:nvPicPr>
-          <p:cNvPr id="16" name="Graphic 15">
-            <a:extLst>
-              <a:ext uri="{FF2B5EF4-FFF2-40B4-BE49-F238E27FC236}">
-                <a16:creationId xmlns:a16="http://schemas.microsoft.com/office/drawing/2014/main" id="{58BF9826-DA3C-E442-ABF5-4F63E078B080}"/>
-              </a:ext>
-            </a:extLst>
-          </p:cNvPr>
-          <p:cNvPicPr>
-            <a:picLocks noChangeAspect="1"/>
-          </p:cNvPicPr>
-          <p:nvPr/>
-        </p:nvPicPr>
-        <p:blipFill>
-          <a:blip r:embed="rId2">
-            <a:extLst>
-              <a:ext uri="{96DAC541-7B7A-43D3-8B79-37D633B846F1}">
-                <asvg:svgBlip xmlns:asvg="http://schemas.microsoft.com/office/drawing/2016/SVG/main" r:embed="rId3"/>
-              </a:ext>
-            </a:extLst>
-          </a:blip>
-          <a:stretch>
-            <a:fillRect/>
-          </a:stretch>
-        </p:blipFill>
-        <p:spPr>
-          <a:xfrm>
-            <a:off x="838200" y="2169578"/>
-            <a:ext cx="2811494" cy="2518844"/>
-          </a:xfrm>
-          <a:prstGeom prst="rect">
-            <a:avLst/>
-          </a:prstGeom>
-        </p:spPr>
-      </p:pic>
-      <p:sp>
-        <p:nvSpPr>
-          <p:cNvPr id="17" name="Rectangle 16">
-            <a:extLst>
-              <a:ext uri="{FF2B5EF4-FFF2-40B4-BE49-F238E27FC236}">
-                <a16:creationId xmlns:a16="http://schemas.microsoft.com/office/drawing/2014/main" id="{033CA8C1-3789-8B4C-8798-49C063851739}"/>
-              </a:ext>
-            </a:extLst>
-          </p:cNvPr>
-          <p:cNvSpPr/>
-          <p:nvPr/>
-        </p:nvSpPr>
-        <p:spPr>
-          <a:xfrm>
-            <a:off x="4862019" y="2799289"/>
-            <a:ext cx="1878677" cy="1259422"/>
-          </a:xfrm>
-          <a:prstGeom prst="rect">
-            <a:avLst/>
-          </a:prstGeom>
-        </p:spPr>
-        <p:style>
-          <a:lnRef idx="2">
-            <a:schemeClr val="accent1">
-              <a:shade val="50000"/>
-            </a:schemeClr>
-          </a:lnRef>
-          <a:fillRef idx="1">
-            <a:schemeClr val="accent1"/>
-          </a:fillRef>
-          <a:effectRef idx="0">
-            <a:schemeClr val="accent1"/>
-          </a:effectRef>
-          <a:fontRef idx="minor">
-            <a:schemeClr val="lt1"/>
-          </a:fontRef>
-        </p:style>
-        <p:txBody>
-          <a:bodyPr rtlCol="0" anchor="ctr"/>
-          <a:lstStyle/>
-          <a:p>
-            <a:pPr algn="ctr"/>
-            <a:r>
-              <a:rPr lang="en-US" sz="2800" dirty="0"/>
-              <a:t>Decoder</a:t>
-            </a:r>
-          </a:p>
-        </p:txBody>
-      </p:sp>
-      <p:sp>
-        <p:nvSpPr>
-          <p:cNvPr id="18" name="TextBox 17">
-            <a:extLst>
-              <a:ext uri="{FF2B5EF4-FFF2-40B4-BE49-F238E27FC236}">
-                <a16:creationId xmlns:a16="http://schemas.microsoft.com/office/drawing/2014/main" id="{1A37AA7C-398A-6A4A-AA39-972E3D75FF8D}"/>
-              </a:ext>
-            </a:extLst>
-          </p:cNvPr>
-          <p:cNvSpPr txBox="1"/>
-          <p:nvPr/>
-        </p:nvSpPr>
-        <p:spPr>
-          <a:xfrm>
-            <a:off x="8202745" y="1952601"/>
-            <a:ext cx="3151055" cy="584775"/>
-          </a:xfrm>
-          <a:prstGeom prst="rect">
-            <a:avLst/>
-          </a:prstGeom>
-          <a:noFill/>
-        </p:spPr>
-        <p:txBody>
-          <a:bodyPr wrap="none" rtlCol="0">
-            <a:spAutoFit/>
-          </a:bodyPr>
-          <a:lstStyle/>
-          <a:p>
-            <a:r>
-              <a:rPr lang="en-US" sz="3200" dirty="0"/>
-              <a:t>Stimulus Features</a:t>
-            </a:r>
-          </a:p>
-        </p:txBody>
-      </p:sp>
-      <p:pic>
-        <p:nvPicPr>
-          <p:cNvPr id="21" name="Picture 20">
-            <a:extLst>
-              <a:ext uri="{FF2B5EF4-FFF2-40B4-BE49-F238E27FC236}">
-                <a16:creationId xmlns:a16="http://schemas.microsoft.com/office/drawing/2014/main" id="{FB46B68B-A835-B441-BA77-1F012938AA28}"/>
-              </a:ext>
-            </a:extLst>
-          </p:cNvPr>
-          <p:cNvPicPr>
-            <a:picLocks noChangeAspect="1"/>
-          </p:cNvPicPr>
-          <p:nvPr/>
-        </p:nvPicPr>
-        <p:blipFill>
-          <a:blip r:embed="rId4"/>
-          <a:stretch>
-            <a:fillRect/>
-          </a:stretch>
-        </p:blipFill>
-        <p:spPr>
-          <a:xfrm>
-            <a:off x="7953022" y="2799289"/>
-            <a:ext cx="3650499" cy="1259422"/>
-          </a:xfrm>
-          <a:prstGeom prst="rect">
-            <a:avLst/>
-          </a:prstGeom>
-        </p:spPr>
-      </p:pic>
-      <p:cxnSp>
-        <p:nvCxnSpPr>
-          <p:cNvPr id="24" name="Straight Arrow Connector 23">
-            <a:extLst>
-              <a:ext uri="{FF2B5EF4-FFF2-40B4-BE49-F238E27FC236}">
-                <a16:creationId xmlns:a16="http://schemas.microsoft.com/office/drawing/2014/main" id="{09102B58-132D-CD4C-86CC-BFC5878C15AC}"/>
-              </a:ext>
-            </a:extLst>
-          </p:cNvPr>
-          <p:cNvCxnSpPr>
-            <a:endCxn id="17" idx="1"/>
-          </p:cNvCxnSpPr>
-          <p:nvPr/>
-        </p:nvCxnSpPr>
-        <p:spPr>
-          <a:xfrm>
-            <a:off x="3773978" y="3429000"/>
-            <a:ext cx="1088041" cy="0"/>
-          </a:xfrm>
-          <a:prstGeom prst="straightConnector1">
-            <a:avLst/>
-          </a:prstGeom>
-          <a:ln w="127000">
-            <a:solidFill>
-              <a:schemeClr val="accent3"/>
-            </a:solidFill>
-            <a:tailEnd type="triangle"/>
-          </a:ln>
-        </p:spPr>
-        <p:style>
-          <a:lnRef idx="1">
-            <a:schemeClr val="accent1"/>
-          </a:lnRef>
-          <a:fillRef idx="0">
-            <a:schemeClr val="accent1"/>
-          </a:fillRef>
-          <a:effectRef idx="0">
-            <a:schemeClr val="accent1"/>
-          </a:effectRef>
-          <a:fontRef idx="minor">
-            <a:schemeClr val="tx1"/>
-          </a:fontRef>
-        </p:style>
-      </p:cxnSp>
-      <p:cxnSp>
-        <p:nvCxnSpPr>
-          <p:cNvPr id="25" name="Straight Arrow Connector 24">
-            <a:extLst>
-              <a:ext uri="{FF2B5EF4-FFF2-40B4-BE49-F238E27FC236}">
-                <a16:creationId xmlns:a16="http://schemas.microsoft.com/office/drawing/2014/main" id="{E42898D0-1A27-E24C-9182-23C7A83652BA}"/>
-              </a:ext>
-            </a:extLst>
-          </p:cNvPr>
-          <p:cNvCxnSpPr/>
-          <p:nvPr/>
-        </p:nvCxnSpPr>
-        <p:spPr>
-          <a:xfrm>
-            <a:off x="6740696" y="3429000"/>
-            <a:ext cx="1088041" cy="0"/>
-          </a:xfrm>
-          <a:prstGeom prst="straightConnector1">
-            <a:avLst/>
-          </a:prstGeom>
-          <a:ln w="127000">
-            <a:solidFill>
-              <a:schemeClr val="accent3"/>
-            </a:solidFill>
-            <a:tailEnd type="triangle"/>
-          </a:ln>
-        </p:spPr>
-        <p:style>
-          <a:lnRef idx="1">
-            <a:schemeClr val="accent1"/>
-          </a:lnRef>
-          <a:fillRef idx="0">
-            <a:schemeClr val="accent1"/>
-          </a:fillRef>
-          <a:effectRef idx="0">
-            <a:schemeClr val="accent1"/>
-          </a:effectRef>
-          <a:fontRef idx="minor">
-            <a:schemeClr val="tx1"/>
-          </a:fontRef>
-        </p:style>
-      </p:cxnSp>
-    </p:spTree>
-    <p:extLst>
-      <p:ext uri="{BB962C8B-B14F-4D97-AF65-F5344CB8AC3E}">
-        <p14:creationId xmlns:p14="http://schemas.microsoft.com/office/powerpoint/2010/main" val="2454037695"/>
-      </p:ext>
-    </p:extLst>
-  </p:cSld>
-  <p:clrMapOvr>
-    <a:masterClrMapping/>
-  </p:clrMapOvr>
-</p:sld>
-</file>
-
-<file path=ppt/slides/slide40.xml><?xml version="1.0" encoding="utf-8"?>
+<file path=ppt/slides/slide41.xml><?xml version="1.0" encoding="utf-8"?>
 <p:sld xmlns:a="http://schemas.openxmlformats.org/drawingml/2006/main" xmlns:r="http://schemas.openxmlformats.org/officeDocument/2006/relationships" xmlns:p="http://schemas.openxmlformats.org/presentationml/2006/main">
   <p:cSld>
     <p:spTree>
@@ -19880,7 +19977,7 @@
 </p:sld>
 </file>
 
-<file path=ppt/slides/slide41.xml><?xml version="1.0" encoding="utf-8"?>
+<file path=ppt/slides/slide42.xml><?xml version="1.0" encoding="utf-8"?>
 <p:sld xmlns:a="http://schemas.openxmlformats.org/drawingml/2006/main" xmlns:r="http://schemas.openxmlformats.org/officeDocument/2006/relationships" xmlns:p="http://schemas.openxmlformats.org/presentationml/2006/main">
   <p:cSld>
     <p:spTree>
@@ -20383,7 +20480,7 @@
 </p:sld>
 </file>
 
-<file path=ppt/slides/slide42.xml><?xml version="1.0" encoding="utf-8"?>
+<file path=ppt/slides/slide43.xml><?xml version="1.0" encoding="utf-8"?>
 <p:sld xmlns:a="http://schemas.openxmlformats.org/drawingml/2006/main" xmlns:r="http://schemas.openxmlformats.org/officeDocument/2006/relationships" xmlns:p="http://schemas.openxmlformats.org/presentationml/2006/main">
   <p:cSld>
     <p:spTree>
@@ -20891,7 +20988,7 @@
 </p:sld>
 </file>
 
-<file path=ppt/slides/slide43.xml><?xml version="1.0" encoding="utf-8"?>
+<file path=ppt/slides/slide44.xml><?xml version="1.0" encoding="utf-8"?>
 <p:sld xmlns:a="http://schemas.openxmlformats.org/drawingml/2006/main" xmlns:r="http://schemas.openxmlformats.org/officeDocument/2006/relationships" xmlns:p="http://schemas.openxmlformats.org/presentationml/2006/main">
   <p:cSld>
     <p:spTree>
@@ -21369,7 +21466,7 @@
 </p:sld>
 </file>
 
-<file path=ppt/slides/slide44.xml><?xml version="1.0" encoding="utf-8"?>
+<file path=ppt/slides/slide45.xml><?xml version="1.0" encoding="utf-8"?>
 <p:sld xmlns:a="http://schemas.openxmlformats.org/drawingml/2006/main" xmlns:r="http://schemas.openxmlformats.org/officeDocument/2006/relationships" xmlns:p="http://schemas.openxmlformats.org/presentationml/2006/main">
   <p:cSld>
     <p:spTree>
@@ -21817,7 +21914,7 @@
 </p:sld>
 </file>
 
-<file path=ppt/slides/slide45.xml><?xml version="1.0" encoding="utf-8"?>
+<file path=ppt/slides/slide46.xml><?xml version="1.0" encoding="utf-8"?>
 <p:sld xmlns:a="http://schemas.openxmlformats.org/drawingml/2006/main" xmlns:r="http://schemas.openxmlformats.org/officeDocument/2006/relationships" xmlns:p="http://schemas.openxmlformats.org/presentationml/2006/main">
   <p:cSld>
     <p:spTree>
@@ -22183,7 +22280,7 @@
 </p:sld>
 </file>
 
-<file path=ppt/slides/slide46.xml><?xml version="1.0" encoding="utf-8"?>
+<file path=ppt/slides/slide47.xml><?xml version="1.0" encoding="utf-8"?>
 <p:sld xmlns:a="http://schemas.openxmlformats.org/drawingml/2006/main" xmlns:r="http://schemas.openxmlformats.org/officeDocument/2006/relationships" xmlns:p="http://schemas.openxmlformats.org/presentationml/2006/main">
   <p:cSld>
     <p:spTree>
@@ -22683,114 +22780,6 @@
 </p:sld>
 </file>
 
-<file path=ppt/slides/slide47.xml><?xml version="1.0" encoding="utf-8"?>
-<p:sld xmlns:a="http://schemas.openxmlformats.org/drawingml/2006/main" xmlns:r="http://schemas.openxmlformats.org/officeDocument/2006/relationships" xmlns:p="http://schemas.openxmlformats.org/presentationml/2006/main">
-  <p:cSld>
-    <p:spTree>
-      <p:nvGrpSpPr>
-        <p:cNvPr id="1" name=""/>
-        <p:cNvGrpSpPr/>
-        <p:nvPr/>
-      </p:nvGrpSpPr>
-      <p:grpSpPr>
-        <a:xfrm>
-          <a:off x="0" y="0"/>
-          <a:ext cx="0" cy="0"/>
-          <a:chOff x="0" y="0"/>
-          <a:chExt cx="0" cy="0"/>
-        </a:xfrm>
-      </p:grpSpPr>
-      <p:sp>
-        <p:nvSpPr>
-          <p:cNvPr id="2" name="Title 1">
-            <a:extLst>
-              <a:ext uri="{FF2B5EF4-FFF2-40B4-BE49-F238E27FC236}">
-                <a16:creationId xmlns:a16="http://schemas.microsoft.com/office/drawing/2014/main" id="{76E4B717-C718-3542-9C2B-574A69D0DBEA}"/>
-              </a:ext>
-            </a:extLst>
-          </p:cNvPr>
-          <p:cNvSpPr>
-            <a:spLocks noGrp="1"/>
-          </p:cNvSpPr>
-          <p:nvPr>
-            <p:ph type="title"/>
-          </p:nvPr>
-        </p:nvSpPr>
-        <p:spPr/>
-        <p:txBody>
-          <a:bodyPr/>
-          <a:lstStyle/>
-          <a:p>
-            <a:r>
-              <a:rPr lang="en-US" dirty="0"/>
-              <a:t>Decoder Training</a:t>
-            </a:r>
-          </a:p>
-        </p:txBody>
-      </p:sp>
-      <p:sp>
-        <p:nvSpPr>
-          <p:cNvPr id="22" name="TextBox 21">
-            <a:extLst>
-              <a:ext uri="{FF2B5EF4-FFF2-40B4-BE49-F238E27FC236}">
-                <a16:creationId xmlns:a16="http://schemas.microsoft.com/office/drawing/2014/main" id="{85F16F3C-E043-EE44-A64F-528C8301FC22}"/>
-              </a:ext>
-            </a:extLst>
-          </p:cNvPr>
-          <p:cNvSpPr txBox="1"/>
-          <p:nvPr/>
-        </p:nvSpPr>
-        <p:spPr>
-          <a:xfrm>
-            <a:off x="9055274" y="6404"/>
-            <a:ext cx="3276023" cy="230832"/>
-          </a:xfrm>
-          <a:prstGeom prst="rect">
-            <a:avLst/>
-          </a:prstGeom>
-          <a:noFill/>
-        </p:spPr>
-        <p:txBody>
-          <a:bodyPr wrap="square" rtlCol="0">
-            <a:spAutoFit/>
-          </a:bodyPr>
-          <a:lstStyle/>
-          <a:p>
-            <a:r>
-              <a:rPr lang="en-US" sz="900" dirty="0"/>
-              <a:t>EEG image courtesy of </a:t>
-            </a:r>
-            <a:r>
-              <a:rPr lang="en-US" sz="900" dirty="0" err="1"/>
-              <a:t>wikimedia</a:t>
-            </a:r>
-            <a:r>
-              <a:rPr lang="en-US" sz="900" dirty="0"/>
-              <a:t> commons: </a:t>
-            </a:r>
-            <a:r>
-              <a:rPr lang="en-US" sz="900" dirty="0">
-                <a:hlinkClick r:id="rId2" tooltip="User:Blacknick (page does not exist)"/>
-              </a:rPr>
-              <a:t>Andrii Cherninskyi</a:t>
-            </a:r>
-            <a:endParaRPr lang="en-US" sz="900" dirty="0"/>
-          </a:p>
-        </p:txBody>
-      </p:sp>
-    </p:spTree>
-    <p:extLst>
-      <p:ext uri="{BB962C8B-B14F-4D97-AF65-F5344CB8AC3E}">
-        <p14:creationId xmlns:p14="http://schemas.microsoft.com/office/powerpoint/2010/main" val="271814715"/>
-      </p:ext>
-    </p:extLst>
-  </p:cSld>
-  <p:clrMapOvr>
-    <a:masterClrMapping/>
-  </p:clrMapOvr>
-</p:sld>
-</file>
-
 <file path=ppt/slides/slide48.xml><?xml version="1.0" encoding="utf-8"?>
 <p:sld xmlns:a="http://schemas.openxmlformats.org/drawingml/2006/main" xmlns:r="http://schemas.openxmlformats.org/officeDocument/2006/relationships" xmlns:p="http://schemas.openxmlformats.org/presentationml/2006/main">
   <p:cSld>
@@ -22838,54 +22827,6 @@
       </p:sp>
       <p:sp>
         <p:nvSpPr>
-          <p:cNvPr id="10" name="TextBox 9">
-            <a:extLst>
-              <a:ext uri="{FF2B5EF4-FFF2-40B4-BE49-F238E27FC236}">
-                <a16:creationId xmlns:a16="http://schemas.microsoft.com/office/drawing/2014/main" id="{8F4BD1EE-DC3E-5649-92F6-AF42E7598BD4}"/>
-              </a:ext>
-            </a:extLst>
-          </p:cNvPr>
-          <p:cNvSpPr txBox="1"/>
-          <p:nvPr/>
-        </p:nvSpPr>
-        <p:spPr>
-          <a:xfrm>
-            <a:off x="227581" y="1592891"/>
-            <a:ext cx="3525507" cy="861774"/>
-          </a:xfrm>
-          <a:prstGeom prst="rect">
-            <a:avLst/>
-          </a:prstGeom>
-          <a:noFill/>
-        </p:spPr>
-        <p:txBody>
-          <a:bodyPr wrap="square" rtlCol="0">
-            <a:spAutoFit/>
-          </a:bodyPr>
-          <a:lstStyle/>
-          <a:p>
-            <a:r>
-              <a:rPr lang="en-US" sz="3200" dirty="0"/>
-              <a:t>Raw EEG Data </a:t>
-            </a:r>
-          </a:p>
-          <a:p>
-            <a:r>
-              <a:rPr lang="en-US" dirty="0">
-                <a:solidFill>
-                  <a:schemeClr val="tx1">
-                    <a:lumMod val="50000"/>
-                    <a:lumOff val="50000"/>
-                  </a:schemeClr>
-                </a:solidFill>
-              </a:rPr>
-              <a:t>64-channels (N = 24)</a:t>
-            </a:r>
-          </a:p>
-        </p:txBody>
-      </p:sp>
-      <p:sp>
-        <p:nvSpPr>
           <p:cNvPr id="22" name="TextBox 21">
             <a:extLst>
               <a:ext uri="{FF2B5EF4-FFF2-40B4-BE49-F238E27FC236}">
@@ -22934,114 +22875,10 @@
           </a:p>
         </p:txBody>
       </p:sp>
-      <p:sp>
-        <p:nvSpPr>
-          <p:cNvPr id="91" name="Rectangle 90">
-            <a:extLst>
-              <a:ext uri="{FF2B5EF4-FFF2-40B4-BE49-F238E27FC236}">
-                <a16:creationId xmlns:a16="http://schemas.microsoft.com/office/drawing/2014/main" id="{C952C920-3DC6-414A-922E-BA0D55F287C5}"/>
-              </a:ext>
-            </a:extLst>
-          </p:cNvPr>
-          <p:cNvSpPr/>
-          <p:nvPr/>
-        </p:nvSpPr>
-        <p:spPr>
-          <a:xfrm>
-            <a:off x="274083" y="4467484"/>
-            <a:ext cx="1663906" cy="743114"/>
-          </a:xfrm>
-          <a:prstGeom prst="rect">
-            <a:avLst/>
-          </a:prstGeom>
-          <a:solidFill>
-            <a:schemeClr val="bg1"/>
-          </a:solidFill>
-          <a:ln>
-            <a:noFill/>
-          </a:ln>
-        </p:spPr>
-        <p:style>
-          <a:lnRef idx="2">
-            <a:schemeClr val="accent1">
-              <a:shade val="50000"/>
-            </a:schemeClr>
-          </a:lnRef>
-          <a:fillRef idx="1">
-            <a:schemeClr val="accent1"/>
-          </a:fillRef>
-          <a:effectRef idx="0">
-            <a:schemeClr val="accent1"/>
-          </a:effectRef>
-          <a:fontRef idx="minor">
-            <a:schemeClr val="lt1"/>
-          </a:fontRef>
-        </p:style>
-        <p:txBody>
-          <a:bodyPr rtlCol="0" anchor="ctr"/>
-          <a:lstStyle/>
-          <a:p>
-            <a:pPr algn="ctr"/>
-            <a:endParaRPr lang="en-US" dirty="0"/>
-          </a:p>
-        </p:txBody>
-      </p:sp>
-      <p:sp>
-        <p:nvSpPr>
-          <p:cNvPr id="92" name="Rectangle 91">
-            <a:extLst>
-              <a:ext uri="{FF2B5EF4-FFF2-40B4-BE49-F238E27FC236}">
-                <a16:creationId xmlns:a16="http://schemas.microsoft.com/office/drawing/2014/main" id="{2050C0CA-3AC0-354A-BB4A-10C78C00695F}"/>
-              </a:ext>
-            </a:extLst>
-          </p:cNvPr>
-          <p:cNvSpPr/>
-          <p:nvPr/>
-        </p:nvSpPr>
-        <p:spPr>
-          <a:xfrm>
-            <a:off x="1821652" y="4526216"/>
-            <a:ext cx="1983181" cy="496765"/>
-          </a:xfrm>
-          <a:prstGeom prst="rect">
-            <a:avLst/>
-          </a:prstGeom>
-          <a:solidFill>
-            <a:schemeClr val="bg1"/>
-          </a:solidFill>
-          <a:ln>
-            <a:noFill/>
-          </a:ln>
-        </p:spPr>
-        <p:style>
-          <a:lnRef idx="2">
-            <a:schemeClr val="accent1">
-              <a:shade val="50000"/>
-            </a:schemeClr>
-          </a:lnRef>
-          <a:fillRef idx="1">
-            <a:schemeClr val="accent1"/>
-          </a:fillRef>
-          <a:effectRef idx="0">
-            <a:schemeClr val="accent1"/>
-          </a:effectRef>
-          <a:fontRef idx="minor">
-            <a:schemeClr val="lt1"/>
-          </a:fontRef>
-        </p:style>
-        <p:txBody>
-          <a:bodyPr rtlCol="0" anchor="ctr"/>
-          <a:lstStyle/>
-          <a:p>
-            <a:pPr algn="ctr"/>
-            <a:endParaRPr lang="en-US" dirty="0"/>
-          </a:p>
-        </p:txBody>
-      </p:sp>
     </p:spTree>
     <p:extLst>
       <p:ext uri="{BB962C8B-B14F-4D97-AF65-F5344CB8AC3E}">
-        <p14:creationId xmlns:p14="http://schemas.microsoft.com/office/powerpoint/2010/main" val="2615476878"/>
+        <p14:creationId xmlns:p14="http://schemas.microsoft.com/office/powerpoint/2010/main" val="271814715"/>
       </p:ext>
     </p:extLst>
   </p:cSld>
@@ -23146,10 +22983,60 @@
       </p:sp>
       <p:sp>
         <p:nvSpPr>
-          <p:cNvPr id="23" name="Rectangle 22">
-            <a:extLst>
-              <a:ext uri="{FF2B5EF4-FFF2-40B4-BE49-F238E27FC236}">
-                <a16:creationId xmlns:a16="http://schemas.microsoft.com/office/drawing/2014/main" id="{0045687F-6BF8-174E-AAD0-1340D097E566}"/>
+          <p:cNvPr id="22" name="TextBox 21">
+            <a:extLst>
+              <a:ext uri="{FF2B5EF4-FFF2-40B4-BE49-F238E27FC236}">
+                <a16:creationId xmlns:a16="http://schemas.microsoft.com/office/drawing/2014/main" id="{85F16F3C-E043-EE44-A64F-528C8301FC22}"/>
+              </a:ext>
+            </a:extLst>
+          </p:cNvPr>
+          <p:cNvSpPr txBox="1"/>
+          <p:nvPr/>
+        </p:nvSpPr>
+        <p:spPr>
+          <a:xfrm>
+            <a:off x="9055274" y="6404"/>
+            <a:ext cx="3276023" cy="230832"/>
+          </a:xfrm>
+          <a:prstGeom prst="rect">
+            <a:avLst/>
+          </a:prstGeom>
+          <a:noFill/>
+        </p:spPr>
+        <p:txBody>
+          <a:bodyPr wrap="square" rtlCol="0">
+            <a:spAutoFit/>
+          </a:bodyPr>
+          <a:lstStyle/>
+          <a:p>
+            <a:r>
+              <a:rPr lang="en-US" sz="900" dirty="0"/>
+              <a:t>EEG image courtesy of </a:t>
+            </a:r>
+            <a:r>
+              <a:rPr lang="en-US" sz="900" dirty="0" err="1"/>
+              <a:t>wikimedia</a:t>
+            </a:r>
+            <a:r>
+              <a:rPr lang="en-US" sz="900" dirty="0"/>
+              <a:t> commons: </a:t>
+            </a:r>
+            <a:r>
+              <a:rPr lang="en-US" sz="900" dirty="0">
+                <a:hlinkClick r:id="rId2" tooltip="User:Blacknick (page does not exist)"/>
+              </a:rPr>
+              <a:t>Andrii Cherninskyi</a:t>
+            </a:r>
+            <a:endParaRPr lang="en-US" sz="900" dirty="0"/>
+          </a:p>
+        </p:txBody>
+      </p:sp>
+      <p:sp>
+        <p:nvSpPr>
+          <p:cNvPr id="91" name="Rectangle 90">
+            <a:extLst>
+              <a:ext uri="{FF2B5EF4-FFF2-40B4-BE49-F238E27FC236}">
+                <a16:creationId xmlns:a16="http://schemas.microsoft.com/office/drawing/2014/main" id="{C952C920-3DC6-414A-922E-BA0D55F287C5}"/>
               </a:ext>
             </a:extLst>
           </p:cNvPr>
@@ -23158,12 +23045,18 @@
         </p:nvSpPr>
         <p:spPr>
           <a:xfrm>
-            <a:off x="274081" y="3730803"/>
-            <a:ext cx="5061881" cy="537126"/>
-          </a:xfrm>
-          <a:prstGeom prst="rect">
-            <a:avLst/>
-          </a:prstGeom>
+            <a:off x="274083" y="4467484"/>
+            <a:ext cx="1663906" cy="743114"/>
+          </a:xfrm>
+          <a:prstGeom prst="rect">
+            <a:avLst/>
+          </a:prstGeom>
+          <a:solidFill>
+            <a:schemeClr val="bg1"/>
+          </a:solidFill>
+          <a:ln>
+            <a:noFill/>
+          </a:ln>
         </p:spPr>
         <p:style>
           <a:lnRef idx="2">
@@ -23186,69 +23079,16 @@
           <a:lstStyle/>
           <a:p>
             <a:pPr algn="ctr"/>
-            <a:r>
-              <a:rPr lang="en-US" dirty="0"/>
-              <a:t>MCCA</a:t>
-            </a:r>
-          </a:p>
-        </p:txBody>
-      </p:sp>
-      <p:sp>
-        <p:nvSpPr>
-          <p:cNvPr id="22" name="TextBox 21">
-            <a:extLst>
-              <a:ext uri="{FF2B5EF4-FFF2-40B4-BE49-F238E27FC236}">
-                <a16:creationId xmlns:a16="http://schemas.microsoft.com/office/drawing/2014/main" id="{85F16F3C-E043-EE44-A64F-528C8301FC22}"/>
-              </a:ext>
-            </a:extLst>
-          </p:cNvPr>
-          <p:cNvSpPr txBox="1"/>
-          <p:nvPr/>
-        </p:nvSpPr>
-        <p:spPr>
-          <a:xfrm>
-            <a:off x="9055274" y="6404"/>
-            <a:ext cx="3276023" cy="230832"/>
-          </a:xfrm>
-          <a:prstGeom prst="rect">
-            <a:avLst/>
-          </a:prstGeom>
-          <a:noFill/>
-        </p:spPr>
-        <p:txBody>
-          <a:bodyPr wrap="square" rtlCol="0">
-            <a:spAutoFit/>
-          </a:bodyPr>
-          <a:lstStyle/>
-          <a:p>
-            <a:r>
-              <a:rPr lang="en-US" sz="900" dirty="0"/>
-              <a:t>EEG image courtesy of </a:t>
-            </a:r>
-            <a:r>
-              <a:rPr lang="en-US" sz="900" dirty="0" err="1"/>
-              <a:t>wikimedia</a:t>
-            </a:r>
-            <a:r>
-              <a:rPr lang="en-US" sz="900" dirty="0"/>
-              <a:t> commons: </a:t>
-            </a:r>
-            <a:r>
-              <a:rPr lang="en-US" sz="900" dirty="0">
-                <a:hlinkClick r:id="rId2" tooltip="User:Blacknick (page does not exist)"/>
-              </a:rPr>
-              <a:t>Andrii Cherninskyi</a:t>
-            </a:r>
-            <a:endParaRPr lang="en-US" sz="900" dirty="0"/>
-          </a:p>
-        </p:txBody>
-      </p:sp>
-      <p:sp>
-        <p:nvSpPr>
-          <p:cNvPr id="91" name="Rectangle 90">
-            <a:extLst>
-              <a:ext uri="{FF2B5EF4-FFF2-40B4-BE49-F238E27FC236}">
-                <a16:creationId xmlns:a16="http://schemas.microsoft.com/office/drawing/2014/main" id="{C952C920-3DC6-414A-922E-BA0D55F287C5}"/>
+            <a:endParaRPr lang="en-US" dirty="0"/>
+          </a:p>
+        </p:txBody>
+      </p:sp>
+      <p:sp>
+        <p:nvSpPr>
+          <p:cNvPr id="92" name="Rectangle 91">
+            <a:extLst>
+              <a:ext uri="{FF2B5EF4-FFF2-40B4-BE49-F238E27FC236}">
+                <a16:creationId xmlns:a16="http://schemas.microsoft.com/office/drawing/2014/main" id="{2050C0CA-3AC0-354A-BB4A-10C78C00695F}"/>
               </a:ext>
             </a:extLst>
           </p:cNvPr>
@@ -23257,8 +23097,8 @@
         </p:nvSpPr>
         <p:spPr>
           <a:xfrm>
-            <a:off x="274083" y="4467484"/>
-            <a:ext cx="1663906" cy="743114"/>
+            <a:off x="1821652" y="4526216"/>
+            <a:ext cx="1983181" cy="496765"/>
           </a:xfrm>
           <a:prstGeom prst="rect">
             <a:avLst/>
@@ -23295,62 +23135,10 @@
           </a:p>
         </p:txBody>
       </p:sp>
-      <p:sp>
-        <p:nvSpPr>
-          <p:cNvPr id="92" name="Rectangle 91">
-            <a:extLst>
-              <a:ext uri="{FF2B5EF4-FFF2-40B4-BE49-F238E27FC236}">
-                <a16:creationId xmlns:a16="http://schemas.microsoft.com/office/drawing/2014/main" id="{2050C0CA-3AC0-354A-BB4A-10C78C00695F}"/>
-              </a:ext>
-            </a:extLst>
-          </p:cNvPr>
-          <p:cNvSpPr/>
-          <p:nvPr/>
-        </p:nvSpPr>
-        <p:spPr>
-          <a:xfrm>
-            <a:off x="1821652" y="4526216"/>
-            <a:ext cx="1983181" cy="496765"/>
-          </a:xfrm>
-          <a:prstGeom prst="rect">
-            <a:avLst/>
-          </a:prstGeom>
-          <a:solidFill>
-            <a:schemeClr val="bg1"/>
-          </a:solidFill>
-          <a:ln>
-            <a:noFill/>
-          </a:ln>
-        </p:spPr>
-        <p:style>
-          <a:lnRef idx="2">
-            <a:schemeClr val="accent1">
-              <a:shade val="50000"/>
-            </a:schemeClr>
-          </a:lnRef>
-          <a:fillRef idx="1">
-            <a:schemeClr val="accent1"/>
-          </a:fillRef>
-          <a:effectRef idx="0">
-            <a:schemeClr val="accent1"/>
-          </a:effectRef>
-          <a:fontRef idx="minor">
-            <a:schemeClr val="lt1"/>
-          </a:fontRef>
-        </p:style>
-        <p:txBody>
-          <a:bodyPr rtlCol="0" anchor="ctr"/>
-          <a:lstStyle/>
-          <a:p>
-            <a:pPr algn="ctr"/>
-            <a:endParaRPr lang="en-US" dirty="0"/>
-          </a:p>
-        </p:txBody>
-      </p:sp>
     </p:spTree>
     <p:extLst>
       <p:ext uri="{BB962C8B-B14F-4D97-AF65-F5344CB8AC3E}">
-        <p14:creationId xmlns:p14="http://schemas.microsoft.com/office/powerpoint/2010/main" val="2953490387"/>
+        <p14:creationId xmlns:p14="http://schemas.microsoft.com/office/powerpoint/2010/main" val="2615476878"/>
       </p:ext>
     </p:extLst>
   </p:cSld>
@@ -23734,42 +23522,6 @@
           </a:p>
         </p:txBody>
       </p:sp>
-      <p:pic>
-        <p:nvPicPr>
-          <p:cNvPr id="9" name="Graphic 8">
-            <a:extLst>
-              <a:ext uri="{FF2B5EF4-FFF2-40B4-BE49-F238E27FC236}">
-                <a16:creationId xmlns:a16="http://schemas.microsoft.com/office/drawing/2014/main" id="{FB73FFC4-83AB-CC44-82F0-E14ABDB70FD1}"/>
-              </a:ext>
-            </a:extLst>
-          </p:cNvPr>
-          <p:cNvPicPr>
-            <a:picLocks noChangeAspect="1"/>
-          </p:cNvPicPr>
-          <p:nvPr/>
-        </p:nvPicPr>
-        <p:blipFill>
-          <a:blip r:embed="rId2">
-            <a:extLst>
-              <a:ext uri="{96DAC541-7B7A-43D3-8B79-37D633B846F1}">
-                <asvg:svgBlip xmlns:asvg="http://schemas.microsoft.com/office/drawing/2016/SVG/main" r:embed="rId3"/>
-              </a:ext>
-            </a:extLst>
-          </a:blip>
-          <a:stretch>
-            <a:fillRect/>
-          </a:stretch>
-        </p:blipFill>
-        <p:spPr>
-          <a:xfrm>
-            <a:off x="413844" y="2542907"/>
-            <a:ext cx="691177" cy="619232"/>
-          </a:xfrm>
-          <a:prstGeom prst="rect">
-            <a:avLst/>
-          </a:prstGeom>
-        </p:spPr>
-      </p:pic>
       <p:sp>
         <p:nvSpPr>
           <p:cNvPr id="10" name="TextBox 9">
@@ -23909,7 +23661,7 @@
             </a:r>
             <a:r>
               <a:rPr lang="en-US" sz="900" dirty="0">
-                <a:hlinkClick r:id="rId4" tooltip="User:Blacknick (page does not exist)"/>
+                <a:hlinkClick r:id="rId2" tooltip="User:Blacknick (page does not exist)"/>
               </a:rPr>
               <a:t>Andrii Cherninskyi</a:t>
             </a:r>
@@ -23917,50 +23669,6 @@
           </a:p>
         </p:txBody>
       </p:sp>
-      <p:cxnSp>
-        <p:nvCxnSpPr>
-          <p:cNvPr id="77" name="Straight Arrow Connector 76">
-            <a:extLst>
-              <a:ext uri="{FF2B5EF4-FFF2-40B4-BE49-F238E27FC236}">
-                <a16:creationId xmlns:a16="http://schemas.microsoft.com/office/drawing/2014/main" id="{B1499C81-652A-8345-A155-0C371C752EDB}"/>
-              </a:ext>
-            </a:extLst>
-          </p:cNvPr>
-          <p:cNvCxnSpPr>
-            <a:cxnSpLocks/>
-          </p:cNvCxnSpPr>
-          <p:nvPr/>
-        </p:nvCxnSpPr>
-        <p:spPr>
-          <a:xfrm>
-            <a:off x="759432" y="3201953"/>
-            <a:ext cx="0" cy="539393"/>
-          </a:xfrm>
-          <a:prstGeom prst="straightConnector1">
-            <a:avLst/>
-          </a:prstGeom>
-          <a:ln w="63500">
-            <a:solidFill>
-              <a:schemeClr val="tx1"/>
-            </a:solidFill>
-            <a:tailEnd type="triangle"/>
-          </a:ln>
-        </p:spPr>
-        <p:style>
-          <a:lnRef idx="1">
-            <a:schemeClr val="accent1"/>
-          </a:lnRef>
-          <a:fillRef idx="0">
-            <a:schemeClr val="accent1"/>
-          </a:fillRef>
-          <a:effectRef idx="0">
-            <a:schemeClr val="accent1"/>
-          </a:effectRef>
-          <a:fontRef idx="minor">
-            <a:schemeClr val="tx1"/>
-          </a:fontRef>
-        </p:style>
-      </p:cxnSp>
       <p:sp>
         <p:nvSpPr>
           <p:cNvPr id="91" name="Rectangle 90">
@@ -24068,7 +23776,7 @@
     </p:spTree>
     <p:extLst>
       <p:ext uri="{BB962C8B-B14F-4D97-AF65-F5344CB8AC3E}">
-        <p14:creationId xmlns:p14="http://schemas.microsoft.com/office/powerpoint/2010/main" val="3730458076"/>
+        <p14:creationId xmlns:p14="http://schemas.microsoft.com/office/powerpoint/2010/main" val="2953490387"/>
       </p:ext>
     </p:extLst>
   </p:cSld>
@@ -24306,42 +24014,6 @@
           </a:p>
         </p:txBody>
       </p:sp>
-      <p:pic>
-        <p:nvPicPr>
-          <p:cNvPr id="70" name="Graphic 69">
-            <a:extLst>
-              <a:ext uri="{FF2B5EF4-FFF2-40B4-BE49-F238E27FC236}">
-                <a16:creationId xmlns:a16="http://schemas.microsoft.com/office/drawing/2014/main" id="{DBF9FBAC-7C81-564B-9F30-FBA1C1481FCA}"/>
-              </a:ext>
-            </a:extLst>
-          </p:cNvPr>
-          <p:cNvPicPr>
-            <a:picLocks noChangeAspect="1"/>
-          </p:cNvPicPr>
-          <p:nvPr/>
-        </p:nvPicPr>
-        <p:blipFill>
-          <a:blip r:embed="rId2">
-            <a:extLst>
-              <a:ext uri="{96DAC541-7B7A-43D3-8B79-37D633B846F1}">
-                <asvg:svgBlip xmlns:asvg="http://schemas.microsoft.com/office/drawing/2016/SVG/main" r:embed="rId3"/>
-              </a:ext>
-            </a:extLst>
-          </a:blip>
-          <a:stretch>
-            <a:fillRect/>
-          </a:stretch>
-        </p:blipFill>
-        <p:spPr>
-          <a:xfrm>
-            <a:off x="1791386" y="2553450"/>
-            <a:ext cx="691177" cy="619232"/>
-          </a:xfrm>
-          <a:prstGeom prst="rect">
-            <a:avLst/>
-          </a:prstGeom>
-        </p:spPr>
-      </p:pic>
       <p:cxnSp>
         <p:nvCxnSpPr>
           <p:cNvPr id="77" name="Straight Arrow Connector 76">
@@ -24359,50 +24031,6 @@
         <p:spPr>
           <a:xfrm>
             <a:off x="759432" y="3201953"/>
-            <a:ext cx="0" cy="539393"/>
-          </a:xfrm>
-          <a:prstGeom prst="straightConnector1">
-            <a:avLst/>
-          </a:prstGeom>
-          <a:ln w="63500">
-            <a:solidFill>
-              <a:schemeClr val="tx1"/>
-            </a:solidFill>
-            <a:tailEnd type="triangle"/>
-          </a:ln>
-        </p:spPr>
-        <p:style>
-          <a:lnRef idx="1">
-            <a:schemeClr val="accent1"/>
-          </a:lnRef>
-          <a:fillRef idx="0">
-            <a:schemeClr val="accent1"/>
-          </a:fillRef>
-          <a:effectRef idx="0">
-            <a:schemeClr val="accent1"/>
-          </a:effectRef>
-          <a:fontRef idx="minor">
-            <a:schemeClr val="tx1"/>
-          </a:fontRef>
-        </p:style>
-      </p:cxnSp>
-      <p:cxnSp>
-        <p:nvCxnSpPr>
-          <p:cNvPr id="79" name="Straight Arrow Connector 78">
-            <a:extLst>
-              <a:ext uri="{FF2B5EF4-FFF2-40B4-BE49-F238E27FC236}">
-                <a16:creationId xmlns:a16="http://schemas.microsoft.com/office/drawing/2014/main" id="{E13F1FD2-CEA7-DF44-9A7A-761B9ABB5407}"/>
-              </a:ext>
-            </a:extLst>
-          </p:cNvPr>
-          <p:cNvCxnSpPr>
-            <a:cxnSpLocks/>
-          </p:cNvCxnSpPr>
-          <p:nvPr/>
-        </p:nvCxnSpPr>
-        <p:spPr>
-          <a:xfrm>
-            <a:off x="2132541" y="3195209"/>
             <a:ext cx="0" cy="539393"/>
           </a:xfrm>
           <a:prstGeom prst="straightConnector1">
@@ -24537,7 +24165,7 @@
     </p:spTree>
     <p:extLst>
       <p:ext uri="{BB962C8B-B14F-4D97-AF65-F5344CB8AC3E}">
-        <p14:creationId xmlns:p14="http://schemas.microsoft.com/office/powerpoint/2010/main" val="764217564"/>
+        <p14:creationId xmlns:p14="http://schemas.microsoft.com/office/powerpoint/2010/main" val="3730458076"/>
       </p:ext>
     </p:extLst>
   </p:cSld>
@@ -24811,42 +24439,6 @@
           </a:prstGeom>
         </p:spPr>
       </p:pic>
-      <p:pic>
-        <p:nvPicPr>
-          <p:cNvPr id="72" name="Graphic 71">
-            <a:extLst>
-              <a:ext uri="{FF2B5EF4-FFF2-40B4-BE49-F238E27FC236}">
-                <a16:creationId xmlns:a16="http://schemas.microsoft.com/office/drawing/2014/main" id="{0A7CBBE2-C53D-B249-B0A4-2A92B151C522}"/>
-              </a:ext>
-            </a:extLst>
-          </p:cNvPr>
-          <p:cNvPicPr>
-            <a:picLocks noChangeAspect="1"/>
-          </p:cNvPicPr>
-          <p:nvPr/>
-        </p:nvPicPr>
-        <p:blipFill>
-          <a:blip r:embed="rId2">
-            <a:extLst>
-              <a:ext uri="{96DAC541-7B7A-43D3-8B79-37D633B846F1}">
-                <asvg:svgBlip xmlns:asvg="http://schemas.microsoft.com/office/drawing/2016/SVG/main" r:embed="rId3"/>
-              </a:ext>
-            </a:extLst>
-          </a:blip>
-          <a:stretch>
-            <a:fillRect/>
-          </a:stretch>
-        </p:blipFill>
-        <p:spPr>
-          <a:xfrm>
-            <a:off x="4419212" y="2560223"/>
-            <a:ext cx="691177" cy="619232"/>
-          </a:xfrm>
-          <a:prstGeom prst="rect">
-            <a:avLst/>
-          </a:prstGeom>
-        </p:spPr>
-      </p:pic>
       <p:cxnSp>
         <p:nvCxnSpPr>
           <p:cNvPr id="77" name="Straight Arrow Connector 76">
@@ -24935,50 +24527,6 @@
           </a:fontRef>
         </p:style>
       </p:cxnSp>
-      <p:cxnSp>
-        <p:nvCxnSpPr>
-          <p:cNvPr id="81" name="Straight Arrow Connector 80">
-            <a:extLst>
-              <a:ext uri="{FF2B5EF4-FFF2-40B4-BE49-F238E27FC236}">
-                <a16:creationId xmlns:a16="http://schemas.microsoft.com/office/drawing/2014/main" id="{600A0EC2-7E86-634B-8D9E-A0769C96D609}"/>
-              </a:ext>
-            </a:extLst>
-          </p:cNvPr>
-          <p:cNvCxnSpPr>
-            <a:cxnSpLocks/>
-          </p:cNvCxnSpPr>
-          <p:nvPr/>
-        </p:nvCxnSpPr>
-        <p:spPr>
-          <a:xfrm>
-            <a:off x="4764800" y="3195207"/>
-            <a:ext cx="0" cy="539393"/>
-          </a:xfrm>
-          <a:prstGeom prst="straightConnector1">
-            <a:avLst/>
-          </a:prstGeom>
-          <a:ln w="63500">
-            <a:solidFill>
-              <a:schemeClr val="tx1"/>
-            </a:solidFill>
-            <a:tailEnd type="triangle"/>
-          </a:ln>
-        </p:spPr>
-        <p:style>
-          <a:lnRef idx="1">
-            <a:schemeClr val="accent1"/>
-          </a:lnRef>
-          <a:fillRef idx="0">
-            <a:schemeClr val="accent1"/>
-          </a:fillRef>
-          <a:effectRef idx="0">
-            <a:schemeClr val="accent1"/>
-          </a:effectRef>
-          <a:fontRef idx="minor">
-            <a:schemeClr val="tx1"/>
-          </a:fontRef>
-        </p:style>
-      </p:cxnSp>
       <p:sp>
         <p:nvSpPr>
           <p:cNvPr id="91" name="Rectangle 90">
@@ -25083,45 +24631,10 @@
           </a:p>
         </p:txBody>
       </p:sp>
-      <p:sp>
-        <p:nvSpPr>
-          <p:cNvPr id="17" name="TextBox 16">
-            <a:extLst>
-              <a:ext uri="{FF2B5EF4-FFF2-40B4-BE49-F238E27FC236}">
-                <a16:creationId xmlns:a16="http://schemas.microsoft.com/office/drawing/2014/main" id="{713AEBF0-D353-1D4B-876C-ABDEB3FB9EA6}"/>
-              </a:ext>
-            </a:extLst>
-          </p:cNvPr>
-          <p:cNvSpPr txBox="1"/>
-          <p:nvPr/>
-        </p:nvSpPr>
-        <p:spPr>
-          <a:xfrm>
-            <a:off x="3163623" y="2300666"/>
-            <a:ext cx="833033" cy="861774"/>
-          </a:xfrm>
-          <a:prstGeom prst="rect">
-            <a:avLst/>
-          </a:prstGeom>
-          <a:noFill/>
-        </p:spPr>
-        <p:txBody>
-          <a:bodyPr wrap="square" rtlCol="0">
-            <a:spAutoFit/>
-          </a:bodyPr>
-          <a:lstStyle/>
-          <a:p>
-            <a:r>
-              <a:rPr lang="en-US" sz="5000" dirty="0"/>
-              <a:t>…</a:t>
-            </a:r>
-          </a:p>
-        </p:txBody>
-      </p:sp>
     </p:spTree>
     <p:extLst>
       <p:ext uri="{BB962C8B-B14F-4D97-AF65-F5344CB8AC3E}">
-        <p14:creationId xmlns:p14="http://schemas.microsoft.com/office/powerpoint/2010/main" val="3624207976"/>
+        <p14:creationId xmlns:p14="http://schemas.microsoft.com/office/powerpoint/2010/main" val="764217564"/>
       </p:ext>
     </p:extLst>
   </p:cSld>
@@ -25669,10 +25182,10 @@
       </p:sp>
       <p:sp>
         <p:nvSpPr>
-          <p:cNvPr id="73" name="TextBox 72">
-            <a:extLst>
-              <a:ext uri="{FF2B5EF4-FFF2-40B4-BE49-F238E27FC236}">
-                <a16:creationId xmlns:a16="http://schemas.microsoft.com/office/drawing/2014/main" id="{A02A9793-489B-E14E-AD8E-34A5D1F65887}"/>
+          <p:cNvPr id="17" name="TextBox 16">
+            <a:extLst>
+              <a:ext uri="{FF2B5EF4-FFF2-40B4-BE49-F238E27FC236}">
+                <a16:creationId xmlns:a16="http://schemas.microsoft.com/office/drawing/2014/main" id="{713AEBF0-D353-1D4B-876C-ABDEB3FB9EA6}"/>
               </a:ext>
             </a:extLst>
           </p:cNvPr>
@@ -25681,8 +25194,8 @@
         </p:nvSpPr>
         <p:spPr>
           <a:xfrm>
-            <a:off x="141988" y="4405251"/>
-            <a:ext cx="3583775" cy="870768"/>
+            <a:off x="3163623" y="2300666"/>
+            <a:ext cx="833033" cy="861774"/>
           </a:xfrm>
           <a:prstGeom prst="rect">
             <a:avLst/>
@@ -25696,54 +25209,6 @@
           <a:lstStyle/>
           <a:p>
             <a:r>
-              <a:rPr lang="en-US" sz="3200" dirty="0"/>
-              <a:t>MCCA Components</a:t>
-            </a:r>
-          </a:p>
-          <a:p>
-            <a:r>
-              <a:rPr lang="en-US" dirty="0">
-                <a:solidFill>
-                  <a:schemeClr val="tx1">
-                    <a:lumMod val="50000"/>
-                    <a:lumOff val="50000"/>
-                  </a:schemeClr>
-                </a:solidFill>
-              </a:rPr>
-              <a:t>shared subspace</a:t>
-            </a:r>
-          </a:p>
-        </p:txBody>
-      </p:sp>
-      <p:sp>
-        <p:nvSpPr>
-          <p:cNvPr id="17" name="TextBox 16">
-            <a:extLst>
-              <a:ext uri="{FF2B5EF4-FFF2-40B4-BE49-F238E27FC236}">
-                <a16:creationId xmlns:a16="http://schemas.microsoft.com/office/drawing/2014/main" id="{713AEBF0-D353-1D4B-876C-ABDEB3FB9EA6}"/>
-              </a:ext>
-            </a:extLst>
-          </p:cNvPr>
-          <p:cNvSpPr txBox="1"/>
-          <p:nvPr/>
-        </p:nvSpPr>
-        <p:spPr>
-          <a:xfrm>
-            <a:off x="3163623" y="2300666"/>
-            <a:ext cx="833033" cy="861774"/>
-          </a:xfrm>
-          <a:prstGeom prst="rect">
-            <a:avLst/>
-          </a:prstGeom>
-          <a:noFill/>
-        </p:spPr>
-        <p:txBody>
-          <a:bodyPr wrap="square" rtlCol="0">
-            <a:spAutoFit/>
-          </a:bodyPr>
-          <a:lstStyle/>
-          <a:p>
-            <a:r>
               <a:rPr lang="en-US" sz="5000" dirty="0"/>
               <a:t>…</a:t>
             </a:r>
@@ -25753,7 +25218,7 @@
     </p:spTree>
     <p:extLst>
       <p:ext uri="{BB962C8B-B14F-4D97-AF65-F5344CB8AC3E}">
-        <p14:creationId xmlns:p14="http://schemas.microsoft.com/office/powerpoint/2010/main" val="427597985"/>
+        <p14:creationId xmlns:p14="http://schemas.microsoft.com/office/powerpoint/2010/main" val="3624207976"/>
       </p:ext>
     </p:extLst>
   </p:cSld>
@@ -25943,55 +25408,6 @@
       </p:sp>
       <p:sp>
         <p:nvSpPr>
-          <p:cNvPr id="24" name="Rectangle 23">
-            <a:extLst>
-              <a:ext uri="{FF2B5EF4-FFF2-40B4-BE49-F238E27FC236}">
-                <a16:creationId xmlns:a16="http://schemas.microsoft.com/office/drawing/2014/main" id="{ACDA6A77-4BDD-464E-A1E9-8E2A3F482CAF}"/>
-              </a:ext>
-            </a:extLst>
-          </p:cNvPr>
-          <p:cNvSpPr/>
-          <p:nvPr/>
-        </p:nvSpPr>
-        <p:spPr>
-          <a:xfrm>
-            <a:off x="236207" y="5527618"/>
-            <a:ext cx="1055957" cy="656415"/>
-          </a:xfrm>
-          <a:prstGeom prst="rect">
-            <a:avLst/>
-          </a:prstGeom>
-        </p:spPr>
-        <p:style>
-          <a:lnRef idx="2">
-            <a:schemeClr val="accent1">
-              <a:shade val="50000"/>
-            </a:schemeClr>
-          </a:lnRef>
-          <a:fillRef idx="1">
-            <a:schemeClr val="accent1"/>
-          </a:fillRef>
-          <a:effectRef idx="0">
-            <a:schemeClr val="accent1"/>
-          </a:effectRef>
-          <a:fontRef idx="minor">
-            <a:schemeClr val="lt1"/>
-          </a:fontRef>
-        </p:style>
-        <p:txBody>
-          <a:bodyPr rtlCol="0" anchor="ctr"/>
-          <a:lstStyle/>
-          <a:p>
-            <a:pPr algn="ctr"/>
-            <a:r>
-              <a:rPr lang="en-US" dirty="0"/>
-              <a:t>MCCA Comp.</a:t>
-            </a:r>
-          </a:p>
-        </p:txBody>
-      </p:sp>
-      <p:sp>
-        <p:nvSpPr>
           <p:cNvPr id="22" name="TextBox 21">
             <a:extLst>
               <a:ext uri="{FF2B5EF4-FFF2-40B4-BE49-F238E27FC236}">
@@ -26244,51 +25660,6 @@
           </a:fontRef>
         </p:style>
       </p:cxnSp>
-      <p:cxnSp>
-        <p:nvCxnSpPr>
-          <p:cNvPr id="85" name="Straight Arrow Connector 84">
-            <a:extLst>
-              <a:ext uri="{FF2B5EF4-FFF2-40B4-BE49-F238E27FC236}">
-                <a16:creationId xmlns:a16="http://schemas.microsoft.com/office/drawing/2014/main" id="{D082B698-7DE4-7C47-A674-9DD8E5B72123}"/>
-              </a:ext>
-            </a:extLst>
-          </p:cNvPr>
-          <p:cNvCxnSpPr>
-            <a:cxnSpLocks/>
-            <a:endCxn id="24" idx="0"/>
-          </p:cNvCxnSpPr>
-          <p:nvPr/>
-        </p:nvCxnSpPr>
-        <p:spPr>
-          <a:xfrm>
-            <a:off x="764186" y="4310010"/>
-            <a:ext cx="0" cy="1217608"/>
-          </a:xfrm>
-          <a:prstGeom prst="straightConnector1">
-            <a:avLst/>
-          </a:prstGeom>
-          <a:ln w="63500">
-            <a:solidFill>
-              <a:schemeClr val="tx1"/>
-            </a:solidFill>
-            <a:tailEnd type="triangle"/>
-          </a:ln>
-        </p:spPr>
-        <p:style>
-          <a:lnRef idx="1">
-            <a:schemeClr val="accent1"/>
-          </a:lnRef>
-          <a:fillRef idx="0">
-            <a:schemeClr val="accent1"/>
-          </a:fillRef>
-          <a:effectRef idx="0">
-            <a:schemeClr val="accent1"/>
-          </a:effectRef>
-          <a:fontRef idx="minor">
-            <a:schemeClr val="tx1"/>
-          </a:fontRef>
-        </p:style>
-      </p:cxnSp>
       <p:sp>
         <p:nvSpPr>
           <p:cNvPr id="91" name="Rectangle 90">
@@ -26479,7 +25850,7 @@
     </p:spTree>
     <p:extLst>
       <p:ext uri="{BB962C8B-B14F-4D97-AF65-F5344CB8AC3E}">
-        <p14:creationId xmlns:p14="http://schemas.microsoft.com/office/powerpoint/2010/main" val="957721439"/>
+        <p14:creationId xmlns:p14="http://schemas.microsoft.com/office/powerpoint/2010/main" val="427597985"/>
       </p:ext>
     </p:extLst>
   </p:cSld>
@@ -26838,55 +26209,6 @@
           </a:prstGeom>
         </p:spPr>
       </p:pic>
-      <p:sp>
-        <p:nvSpPr>
-          <p:cNvPr id="74" name="Rectangle 73">
-            <a:extLst>
-              <a:ext uri="{FF2B5EF4-FFF2-40B4-BE49-F238E27FC236}">
-                <a16:creationId xmlns:a16="http://schemas.microsoft.com/office/drawing/2014/main" id="{92B13150-63AA-6541-AF0A-DC8AC78293CC}"/>
-              </a:ext>
-            </a:extLst>
-          </p:cNvPr>
-          <p:cNvSpPr/>
-          <p:nvPr/>
-        </p:nvSpPr>
-        <p:spPr>
-          <a:xfrm>
-            <a:off x="1604563" y="5527618"/>
-            <a:ext cx="1055957" cy="656415"/>
-          </a:xfrm>
-          <a:prstGeom prst="rect">
-            <a:avLst/>
-          </a:prstGeom>
-        </p:spPr>
-        <p:style>
-          <a:lnRef idx="2">
-            <a:schemeClr val="accent1">
-              <a:shade val="50000"/>
-            </a:schemeClr>
-          </a:lnRef>
-          <a:fillRef idx="1">
-            <a:schemeClr val="accent1"/>
-          </a:fillRef>
-          <a:effectRef idx="0">
-            <a:schemeClr val="accent1"/>
-          </a:effectRef>
-          <a:fontRef idx="minor">
-            <a:schemeClr val="lt1"/>
-          </a:fontRef>
-        </p:style>
-        <p:txBody>
-          <a:bodyPr rtlCol="0" anchor="ctr"/>
-          <a:lstStyle/>
-          <a:p>
-            <a:pPr algn="ctr"/>
-            <a:r>
-              <a:rPr lang="en-US" dirty="0"/>
-              <a:t>MCCA Comp.</a:t>
-            </a:r>
-          </a:p>
-        </p:txBody>
-      </p:sp>
       <p:cxnSp>
         <p:nvCxnSpPr>
           <p:cNvPr id="77" name="Straight Arrow Connector 76">
@@ -27064,50 +26386,6 @@
           </a:fontRef>
         </p:style>
       </p:cxnSp>
-      <p:cxnSp>
-        <p:nvCxnSpPr>
-          <p:cNvPr id="86" name="Straight Arrow Connector 85">
-            <a:extLst>
-              <a:ext uri="{FF2B5EF4-FFF2-40B4-BE49-F238E27FC236}">
-                <a16:creationId xmlns:a16="http://schemas.microsoft.com/office/drawing/2014/main" id="{AC59F7AA-4C64-B04B-AD91-6A7912FB4544}"/>
-              </a:ext>
-            </a:extLst>
-          </p:cNvPr>
-          <p:cNvCxnSpPr>
-            <a:cxnSpLocks/>
-          </p:cNvCxnSpPr>
-          <p:nvPr/>
-        </p:nvCxnSpPr>
-        <p:spPr>
-          <a:xfrm>
-            <a:off x="2132541" y="4310010"/>
-            <a:ext cx="0" cy="1217608"/>
-          </a:xfrm>
-          <a:prstGeom prst="straightConnector1">
-            <a:avLst/>
-          </a:prstGeom>
-          <a:ln w="63500">
-            <a:solidFill>
-              <a:schemeClr val="tx1"/>
-            </a:solidFill>
-            <a:tailEnd type="triangle"/>
-          </a:ln>
-        </p:spPr>
-        <p:style>
-          <a:lnRef idx="1">
-            <a:schemeClr val="accent1"/>
-          </a:lnRef>
-          <a:fillRef idx="0">
-            <a:schemeClr val="accent1"/>
-          </a:fillRef>
-          <a:effectRef idx="0">
-            <a:schemeClr val="accent1"/>
-          </a:effectRef>
-          <a:fontRef idx="minor">
-            <a:schemeClr val="tx1"/>
-          </a:fontRef>
-        </p:style>
-      </p:cxnSp>
       <p:sp>
         <p:nvSpPr>
           <p:cNvPr id="91" name="Rectangle 90">
@@ -27295,45 +26573,10 @@
           </a:p>
         </p:txBody>
       </p:sp>
-      <p:sp>
-        <p:nvSpPr>
-          <p:cNvPr id="93" name="TextBox 92">
-            <a:extLst>
-              <a:ext uri="{FF2B5EF4-FFF2-40B4-BE49-F238E27FC236}">
-                <a16:creationId xmlns:a16="http://schemas.microsoft.com/office/drawing/2014/main" id="{B7C57E70-43BA-0344-959A-85762A738E92}"/>
-              </a:ext>
-            </a:extLst>
-          </p:cNvPr>
-          <p:cNvSpPr txBox="1"/>
-          <p:nvPr/>
-        </p:nvSpPr>
-        <p:spPr>
-          <a:xfrm>
-            <a:off x="3115165" y="5096731"/>
-            <a:ext cx="833033" cy="861774"/>
-          </a:xfrm>
-          <a:prstGeom prst="rect">
-            <a:avLst/>
-          </a:prstGeom>
-          <a:noFill/>
-        </p:spPr>
-        <p:txBody>
-          <a:bodyPr wrap="square" rtlCol="0">
-            <a:spAutoFit/>
-          </a:bodyPr>
-          <a:lstStyle/>
-          <a:p>
-            <a:r>
-              <a:rPr lang="en-US" sz="5000" dirty="0"/>
-              <a:t>…</a:t>
-            </a:r>
-          </a:p>
-        </p:txBody>
-      </p:sp>
     </p:spTree>
     <p:extLst>
       <p:ext uri="{BB962C8B-B14F-4D97-AF65-F5344CB8AC3E}">
-        <p14:creationId xmlns:p14="http://schemas.microsoft.com/office/powerpoint/2010/main" val="991921949"/>
+        <p14:creationId xmlns:p14="http://schemas.microsoft.com/office/powerpoint/2010/main" val="957721439"/>
       </p:ext>
     </p:extLst>
   </p:cSld>
@@ -27741,55 +26984,6 @@
           </a:p>
         </p:txBody>
       </p:sp>
-      <p:sp>
-        <p:nvSpPr>
-          <p:cNvPr id="76" name="Rectangle 75">
-            <a:extLst>
-              <a:ext uri="{FF2B5EF4-FFF2-40B4-BE49-F238E27FC236}">
-                <a16:creationId xmlns:a16="http://schemas.microsoft.com/office/drawing/2014/main" id="{062B35F7-E73B-1A4D-AB02-2E26C7C71BF0}"/>
-              </a:ext>
-            </a:extLst>
-          </p:cNvPr>
-          <p:cNvSpPr/>
-          <p:nvPr/>
-        </p:nvSpPr>
-        <p:spPr>
-          <a:xfrm>
-            <a:off x="4242131" y="5527618"/>
-            <a:ext cx="1055957" cy="656415"/>
-          </a:xfrm>
-          <a:prstGeom prst="rect">
-            <a:avLst/>
-          </a:prstGeom>
-        </p:spPr>
-        <p:style>
-          <a:lnRef idx="2">
-            <a:schemeClr val="accent1">
-              <a:shade val="50000"/>
-            </a:schemeClr>
-          </a:lnRef>
-          <a:fillRef idx="1">
-            <a:schemeClr val="accent1"/>
-          </a:fillRef>
-          <a:effectRef idx="0">
-            <a:schemeClr val="accent1"/>
-          </a:effectRef>
-          <a:fontRef idx="minor">
-            <a:schemeClr val="lt1"/>
-          </a:fontRef>
-        </p:style>
-        <p:txBody>
-          <a:bodyPr rtlCol="0" anchor="ctr"/>
-          <a:lstStyle/>
-          <a:p>
-            <a:pPr algn="ctr"/>
-            <a:r>
-              <a:rPr lang="en-US" dirty="0"/>
-              <a:t>MCCA Comp.</a:t>
-            </a:r>
-          </a:p>
-        </p:txBody>
-      </p:sp>
       <p:cxnSp>
         <p:nvCxnSpPr>
           <p:cNvPr id="77" name="Straight Arrow Connector 76">
@@ -28011,50 +27205,6 @@
           </a:fontRef>
         </p:style>
       </p:cxnSp>
-      <p:cxnSp>
-        <p:nvCxnSpPr>
-          <p:cNvPr id="89" name="Straight Arrow Connector 88">
-            <a:extLst>
-              <a:ext uri="{FF2B5EF4-FFF2-40B4-BE49-F238E27FC236}">
-                <a16:creationId xmlns:a16="http://schemas.microsoft.com/office/drawing/2014/main" id="{DBA9C6B6-C9D5-CA4F-833B-94339B762505}"/>
-              </a:ext>
-            </a:extLst>
-          </p:cNvPr>
-          <p:cNvCxnSpPr>
-            <a:cxnSpLocks/>
-          </p:cNvCxnSpPr>
-          <p:nvPr/>
-        </p:nvCxnSpPr>
-        <p:spPr>
-          <a:xfrm>
-            <a:off x="4764800" y="4300200"/>
-            <a:ext cx="0" cy="1217608"/>
-          </a:xfrm>
-          <a:prstGeom prst="straightConnector1">
-            <a:avLst/>
-          </a:prstGeom>
-          <a:ln w="63500">
-            <a:solidFill>
-              <a:schemeClr val="tx1"/>
-            </a:solidFill>
-            <a:tailEnd type="triangle"/>
-          </a:ln>
-        </p:spPr>
-        <p:style>
-          <a:lnRef idx="1">
-            <a:schemeClr val="accent1"/>
-          </a:lnRef>
-          <a:fillRef idx="0">
-            <a:schemeClr val="accent1"/>
-          </a:fillRef>
-          <a:effectRef idx="0">
-            <a:schemeClr val="accent1"/>
-          </a:effectRef>
-          <a:fontRef idx="minor">
-            <a:schemeClr val="tx1"/>
-          </a:fontRef>
-        </p:style>
-      </p:cxnSp>
       <p:sp>
         <p:nvSpPr>
           <p:cNvPr id="91" name="Rectangle 90">
@@ -28280,7 +27430,7 @@
     </p:spTree>
     <p:extLst>
       <p:ext uri="{BB962C8B-B14F-4D97-AF65-F5344CB8AC3E}">
-        <p14:creationId xmlns:p14="http://schemas.microsoft.com/office/powerpoint/2010/main" val="2534842175"/>
+        <p14:creationId xmlns:p14="http://schemas.microsoft.com/office/powerpoint/2010/main" val="991921949"/>
       </p:ext>
     </p:extLst>
   </p:cSld>
@@ -29224,89 +28374,10 @@
           </a:p>
         </p:txBody>
       </p:sp>
-      <p:cxnSp>
-        <p:nvCxnSpPr>
-          <p:cNvPr id="34" name="Curved Connector 33">
-            <a:extLst>
-              <a:ext uri="{FF2B5EF4-FFF2-40B4-BE49-F238E27FC236}">
-                <a16:creationId xmlns:a16="http://schemas.microsoft.com/office/drawing/2014/main" id="{119C51BB-E4C9-2E4D-BA30-A2B2E5D32D78}"/>
-              </a:ext>
-            </a:extLst>
-          </p:cNvPr>
-          <p:cNvCxnSpPr>
-            <a:cxnSpLocks/>
-            <a:stCxn id="76" idx="2"/>
-            <a:endCxn id="48" idx="1"/>
-          </p:cNvCxnSpPr>
-          <p:nvPr/>
-        </p:nvCxnSpPr>
-        <p:spPr>
-          <a:xfrm rot="5400000" flipH="1" flipV="1">
-            <a:off x="4428836" y="3564589"/>
-            <a:ext cx="2960717" cy="2278171"/>
-          </a:xfrm>
-          <a:prstGeom prst="curvedConnector4">
-            <a:avLst>
-              <a:gd name="adj1" fmla="val -11090"/>
-              <a:gd name="adj2" fmla="val 61588"/>
-            </a:avLst>
-          </a:prstGeom>
-          <a:ln w="63500">
-            <a:solidFill>
-              <a:schemeClr val="tx1"/>
-            </a:solidFill>
-            <a:tailEnd type="triangle"/>
-          </a:ln>
-        </p:spPr>
-        <p:style>
-          <a:lnRef idx="1">
-            <a:schemeClr val="accent1"/>
-          </a:lnRef>
-          <a:fillRef idx="0">
-            <a:schemeClr val="accent1"/>
-          </a:fillRef>
-          <a:effectRef idx="0">
-            <a:schemeClr val="accent1"/>
-          </a:effectRef>
-          <a:fontRef idx="minor">
-            <a:schemeClr val="tx1"/>
-          </a:fontRef>
-        </p:style>
-      </p:cxnSp>
-      <p:pic>
-        <p:nvPicPr>
-          <p:cNvPr id="48" name="Picture 47">
-            <a:extLst>
-              <a:ext uri="{FF2B5EF4-FFF2-40B4-BE49-F238E27FC236}">
-                <a16:creationId xmlns:a16="http://schemas.microsoft.com/office/drawing/2014/main" id="{95E2EAA0-2856-AC43-BEE9-0397A0C798D6}"/>
-              </a:ext>
-            </a:extLst>
-          </p:cNvPr>
-          <p:cNvPicPr>
-            <a:picLocks noChangeAspect="1"/>
-          </p:cNvPicPr>
-          <p:nvPr/>
-        </p:nvPicPr>
-        <p:blipFill>
-          <a:blip r:embed="rId5"/>
-          <a:stretch>
-            <a:fillRect/>
-          </a:stretch>
-        </p:blipFill>
-        <p:spPr>
-          <a:xfrm>
-            <a:off x="7048281" y="2560534"/>
-            <a:ext cx="3020131" cy="1325563"/>
-          </a:xfrm>
-          <a:prstGeom prst="rect">
-            <a:avLst/>
-          </a:prstGeom>
-        </p:spPr>
-      </p:pic>
     </p:spTree>
     <p:extLst>
       <p:ext uri="{BB962C8B-B14F-4D97-AF65-F5344CB8AC3E}">
-        <p14:creationId xmlns:p14="http://schemas.microsoft.com/office/powerpoint/2010/main" val="2657453996"/>
+        <p14:creationId xmlns:p14="http://schemas.microsoft.com/office/powerpoint/2010/main" val="2534842175"/>
       </p:ext>
     </p:extLst>
   </p:cSld>
@@ -30329,40 +29400,10 @@
           </a:prstGeom>
         </p:spPr>
       </p:pic>
-      <p:pic>
-        <p:nvPicPr>
-          <p:cNvPr id="15" name="Picture 14">
-            <a:extLst>
-              <a:ext uri="{FF2B5EF4-FFF2-40B4-BE49-F238E27FC236}">
-                <a16:creationId xmlns:a16="http://schemas.microsoft.com/office/drawing/2014/main" id="{E4583E93-D7EC-794A-AC7D-FA54FE62BD6F}"/>
-              </a:ext>
-            </a:extLst>
-          </p:cNvPr>
-          <p:cNvPicPr>
-            <a:picLocks noChangeAspect="1"/>
-          </p:cNvPicPr>
-          <p:nvPr/>
-        </p:nvPicPr>
-        <p:blipFill>
-          <a:blip r:embed="rId6"/>
-          <a:stretch>
-            <a:fillRect/>
-          </a:stretch>
-        </p:blipFill>
-        <p:spPr>
-          <a:xfrm>
-            <a:off x="6988396" y="1101674"/>
-            <a:ext cx="3073400" cy="914400"/>
-          </a:xfrm>
-          <a:prstGeom prst="rect">
-            <a:avLst/>
-          </a:prstGeom>
-        </p:spPr>
-      </p:pic>
     </p:spTree>
     <p:extLst>
       <p:ext uri="{BB962C8B-B14F-4D97-AF65-F5344CB8AC3E}">
-        <p14:creationId xmlns:p14="http://schemas.microsoft.com/office/powerpoint/2010/main" val="3656766745"/>
+        <p14:creationId xmlns:p14="http://schemas.microsoft.com/office/powerpoint/2010/main" val="2657453996"/>
       </p:ext>
     </p:extLst>
   </p:cSld>
@@ -31385,43 +30426,6 @@
           </a:prstGeom>
         </p:spPr>
       </p:pic>
-      <p:sp>
-        <p:nvSpPr>
-          <p:cNvPr id="50" name="TextBox 49">
-            <a:extLst>
-              <a:ext uri="{FF2B5EF4-FFF2-40B4-BE49-F238E27FC236}">
-                <a16:creationId xmlns:a16="http://schemas.microsoft.com/office/drawing/2014/main" id="{1C4B78EA-56BC-B541-A43B-0691E5FB052F}"/>
-              </a:ext>
-            </a:extLst>
-          </p:cNvPr>
-          <p:cNvSpPr txBox="1"/>
-          <p:nvPr/>
-        </p:nvSpPr>
-        <p:spPr>
-          <a:xfrm rot="16200000">
-            <a:off x="6988275" y="3067643"/>
-            <a:ext cx="1899815" cy="492443"/>
-          </a:xfrm>
-          <a:prstGeom prst="rect">
-            <a:avLst/>
-          </a:prstGeom>
-          <a:solidFill>
-            <a:schemeClr val="bg1"/>
-          </a:solidFill>
-        </p:spPr>
-        <p:txBody>
-          <a:bodyPr wrap="none" rtlCol="0">
-            <a:spAutoFit/>
-          </a:bodyPr>
-          <a:lstStyle/>
-          <a:p>
-            <a:r>
-              <a:rPr lang="en-US" sz="2600" dirty="0"/>
-              <a:t>Target Onset</a:t>
-            </a:r>
-          </a:p>
-        </p:txBody>
-      </p:sp>
       <p:pic>
         <p:nvPicPr>
           <p:cNvPr id="15" name="Picture 14">
@@ -31452,54 +30456,10 @@
           </a:prstGeom>
         </p:spPr>
       </p:pic>
-      <p:cxnSp>
-        <p:nvCxnSpPr>
-          <p:cNvPr id="49" name="Straight Connector 48">
-            <a:extLst>
-              <a:ext uri="{FF2B5EF4-FFF2-40B4-BE49-F238E27FC236}">
-                <a16:creationId xmlns:a16="http://schemas.microsoft.com/office/drawing/2014/main" id="{AD3FE317-58FD-BA44-93E4-F37C1F927623}"/>
-              </a:ext>
-            </a:extLst>
-          </p:cNvPr>
-          <p:cNvCxnSpPr>
-            <a:cxnSpLocks/>
-          </p:cNvCxnSpPr>
-          <p:nvPr/>
-        </p:nvCxnSpPr>
-        <p:spPr>
-          <a:xfrm>
-            <a:off x="8267755" y="1101674"/>
-            <a:ext cx="0" cy="3000629"/>
-          </a:xfrm>
-          <a:prstGeom prst="line">
-            <a:avLst/>
-          </a:prstGeom>
-          <a:ln w="63500">
-            <a:solidFill>
-              <a:schemeClr val="tx1"/>
-            </a:solidFill>
-            <a:prstDash val="sysDash"/>
-          </a:ln>
-        </p:spPr>
-        <p:style>
-          <a:lnRef idx="1">
-            <a:schemeClr val="accent1"/>
-          </a:lnRef>
-          <a:fillRef idx="0">
-            <a:schemeClr val="accent1"/>
-          </a:fillRef>
-          <a:effectRef idx="0">
-            <a:schemeClr val="accent1"/>
-          </a:effectRef>
-          <a:fontRef idx="minor">
-            <a:schemeClr val="tx1"/>
-          </a:fontRef>
-        </p:style>
-      </p:cxnSp>
     </p:spTree>
     <p:extLst>
       <p:ext uri="{BB962C8B-B14F-4D97-AF65-F5344CB8AC3E}">
-        <p14:creationId xmlns:p14="http://schemas.microsoft.com/office/powerpoint/2010/main" val="130837747"/>
+        <p14:creationId xmlns:p14="http://schemas.microsoft.com/office/powerpoint/2010/main" val="3656766745"/>
       </p:ext>
     </p:extLst>
   </p:cSld>
@@ -31549,7 +30509,7 @@
           <a:p>
             <a:r>
               <a:rPr lang="en-US" dirty="0"/>
-              <a:t>Decoding can find the attention locus in a stable auditory scene</a:t>
+              <a:t>Decoding can estimate attentional locus in stable auditory scenes</a:t>
             </a:r>
           </a:p>
         </p:txBody>
@@ -32617,57 +31577,6 @@
           </a:p>
         </p:txBody>
       </p:sp>
-      <p:sp>
-        <p:nvSpPr>
-          <p:cNvPr id="4" name="Rectangle 3">
-            <a:extLst>
-              <a:ext uri="{FF2B5EF4-FFF2-40B4-BE49-F238E27FC236}">
-                <a16:creationId xmlns:a16="http://schemas.microsoft.com/office/drawing/2014/main" id="{2C16163A-993F-C34D-9B07-1F60091A0E2B}"/>
-              </a:ext>
-            </a:extLst>
-          </p:cNvPr>
-          <p:cNvSpPr/>
-          <p:nvPr/>
-        </p:nvSpPr>
-        <p:spPr>
-          <a:xfrm>
-            <a:off x="8267756" y="2560534"/>
-            <a:ext cx="827086" cy="1420804"/>
-          </a:xfrm>
-          <a:prstGeom prst="rect">
-            <a:avLst/>
-          </a:prstGeom>
-          <a:solidFill>
-            <a:schemeClr val="accent1">
-              <a:alpha val="46000"/>
-            </a:schemeClr>
-          </a:solidFill>
-        </p:spPr>
-        <p:style>
-          <a:lnRef idx="2">
-            <a:schemeClr val="accent1">
-              <a:shade val="50000"/>
-            </a:schemeClr>
-          </a:lnRef>
-          <a:fillRef idx="1">
-            <a:schemeClr val="accent1"/>
-          </a:fillRef>
-          <a:effectRef idx="0">
-            <a:schemeClr val="accent1"/>
-          </a:effectRef>
-          <a:fontRef idx="minor">
-            <a:schemeClr val="lt1"/>
-          </a:fontRef>
-        </p:style>
-        <p:txBody>
-          <a:bodyPr rtlCol="0" anchor="ctr"/>
-          <a:lstStyle/>
-          <a:p>
-            <a:pPr algn="ctr"/>
-            <a:endParaRPr lang="en-US"/>
-          </a:p>
-        </p:txBody>
-      </p:sp>
       <p:pic>
         <p:nvPicPr>
           <p:cNvPr id="15" name="Picture 14">
@@ -32742,45 +31651,10 @@
           </a:fontRef>
         </p:style>
       </p:cxnSp>
-      <p:sp>
-        <p:nvSpPr>
-          <p:cNvPr id="30" name="TextBox 29">
-            <a:extLst>
-              <a:ext uri="{FF2B5EF4-FFF2-40B4-BE49-F238E27FC236}">
-                <a16:creationId xmlns:a16="http://schemas.microsoft.com/office/drawing/2014/main" id="{FE1102CA-A5F1-C64A-9812-FE62A05E7E52}"/>
-              </a:ext>
-            </a:extLst>
-          </p:cNvPr>
-          <p:cNvSpPr txBox="1"/>
-          <p:nvPr/>
-        </p:nvSpPr>
-        <p:spPr>
-          <a:xfrm>
-            <a:off x="8452013" y="2151046"/>
-            <a:ext cx="460382" cy="461665"/>
-          </a:xfrm>
-          <a:prstGeom prst="rect">
-            <a:avLst/>
-          </a:prstGeom>
-          <a:noFill/>
-        </p:spPr>
-        <p:txBody>
-          <a:bodyPr wrap="none" rtlCol="0">
-            <a:spAutoFit/>
-          </a:bodyPr>
-          <a:lstStyle/>
-          <a:p>
-            <a:r>
-              <a:rPr lang="en-US" sz="2400" dirty="0"/>
-              <a:t>1s</a:t>
-            </a:r>
-          </a:p>
-        </p:txBody>
-      </p:sp>
     </p:spTree>
     <p:extLst>
       <p:ext uri="{BB962C8B-B14F-4D97-AF65-F5344CB8AC3E}">
-        <p14:creationId xmlns:p14="http://schemas.microsoft.com/office/powerpoint/2010/main" val="1271030578"/>
+        <p14:creationId xmlns:p14="http://schemas.microsoft.com/office/powerpoint/2010/main" val="130837747"/>
       </p:ext>
     </p:extLst>
   </p:cSld>
@@ -33773,12 +32647,153 @@
           </a:fontRef>
         </p:style>
       </p:cxnSp>
-      <p:sp>
-        <p:nvSpPr>
-          <p:cNvPr id="35" name="Rectangle 34">
-            <a:extLst>
-              <a:ext uri="{FF2B5EF4-FFF2-40B4-BE49-F238E27FC236}">
-                <a16:creationId xmlns:a16="http://schemas.microsoft.com/office/drawing/2014/main" id="{DD7F3435-8FAB-A04B-8194-AFD202A11512}"/>
+      <p:pic>
+        <p:nvPicPr>
+          <p:cNvPr id="48" name="Picture 47">
+            <a:extLst>
+              <a:ext uri="{FF2B5EF4-FFF2-40B4-BE49-F238E27FC236}">
+                <a16:creationId xmlns:a16="http://schemas.microsoft.com/office/drawing/2014/main" id="{95E2EAA0-2856-AC43-BEE9-0397A0C798D6}"/>
+              </a:ext>
+            </a:extLst>
+          </p:cNvPr>
+          <p:cNvPicPr>
+            <a:picLocks noChangeAspect="1"/>
+          </p:cNvPicPr>
+          <p:nvPr/>
+        </p:nvPicPr>
+        <p:blipFill>
+          <a:blip r:embed="rId5"/>
+          <a:stretch>
+            <a:fillRect/>
+          </a:stretch>
+        </p:blipFill>
+        <p:spPr>
+          <a:xfrm>
+            <a:off x="7048281" y="2560534"/>
+            <a:ext cx="3020131" cy="1325563"/>
+          </a:xfrm>
+          <a:prstGeom prst="rect">
+            <a:avLst/>
+          </a:prstGeom>
+        </p:spPr>
+      </p:pic>
+      <p:sp>
+        <p:nvSpPr>
+          <p:cNvPr id="50" name="TextBox 49">
+            <a:extLst>
+              <a:ext uri="{FF2B5EF4-FFF2-40B4-BE49-F238E27FC236}">
+                <a16:creationId xmlns:a16="http://schemas.microsoft.com/office/drawing/2014/main" id="{1C4B78EA-56BC-B541-A43B-0691E5FB052F}"/>
+              </a:ext>
+            </a:extLst>
+          </p:cNvPr>
+          <p:cNvSpPr txBox="1"/>
+          <p:nvPr/>
+        </p:nvSpPr>
+        <p:spPr>
+          <a:xfrm rot="16200000">
+            <a:off x="6988275" y="3067643"/>
+            <a:ext cx="1899815" cy="492443"/>
+          </a:xfrm>
+          <a:prstGeom prst="rect">
+            <a:avLst/>
+          </a:prstGeom>
+          <a:solidFill>
+            <a:schemeClr val="bg1"/>
+          </a:solidFill>
+        </p:spPr>
+        <p:txBody>
+          <a:bodyPr wrap="none" rtlCol="0">
+            <a:spAutoFit/>
+          </a:bodyPr>
+          <a:lstStyle/>
+          <a:p>
+            <a:r>
+              <a:rPr lang="en-US" sz="2600" dirty="0"/>
+              <a:t>Target Onset</a:t>
+            </a:r>
+          </a:p>
+        </p:txBody>
+      </p:sp>
+      <p:pic>
+        <p:nvPicPr>
+          <p:cNvPr id="15" name="Picture 14">
+            <a:extLst>
+              <a:ext uri="{FF2B5EF4-FFF2-40B4-BE49-F238E27FC236}">
+                <a16:creationId xmlns:a16="http://schemas.microsoft.com/office/drawing/2014/main" id="{E4583E93-D7EC-794A-AC7D-FA54FE62BD6F}"/>
+              </a:ext>
+            </a:extLst>
+          </p:cNvPr>
+          <p:cNvPicPr>
+            <a:picLocks noChangeAspect="1"/>
+          </p:cNvPicPr>
+          <p:nvPr/>
+        </p:nvPicPr>
+        <p:blipFill>
+          <a:blip r:embed="rId6"/>
+          <a:stretch>
+            <a:fillRect/>
+          </a:stretch>
+        </p:blipFill>
+        <p:spPr>
+          <a:xfrm>
+            <a:off x="6988396" y="1101674"/>
+            <a:ext cx="3073400" cy="914400"/>
+          </a:xfrm>
+          <a:prstGeom prst="rect">
+            <a:avLst/>
+          </a:prstGeom>
+        </p:spPr>
+      </p:pic>
+      <p:cxnSp>
+        <p:nvCxnSpPr>
+          <p:cNvPr id="49" name="Straight Connector 48">
+            <a:extLst>
+              <a:ext uri="{FF2B5EF4-FFF2-40B4-BE49-F238E27FC236}">
+                <a16:creationId xmlns:a16="http://schemas.microsoft.com/office/drawing/2014/main" id="{AD3FE317-58FD-BA44-93E4-F37C1F927623}"/>
+              </a:ext>
+            </a:extLst>
+          </p:cNvPr>
+          <p:cNvCxnSpPr>
+            <a:cxnSpLocks/>
+          </p:cNvCxnSpPr>
+          <p:nvPr/>
+        </p:nvCxnSpPr>
+        <p:spPr>
+          <a:xfrm>
+            <a:off x="8267755" y="1101674"/>
+            <a:ext cx="0" cy="3000629"/>
+          </a:xfrm>
+          <a:prstGeom prst="line">
+            <a:avLst/>
+          </a:prstGeom>
+          <a:ln w="63500">
+            <a:solidFill>
+              <a:schemeClr val="tx1"/>
+            </a:solidFill>
+            <a:prstDash val="sysDash"/>
+          </a:ln>
+        </p:spPr>
+        <p:style>
+          <a:lnRef idx="1">
+            <a:schemeClr val="accent1"/>
+          </a:lnRef>
+          <a:fillRef idx="0">
+            <a:schemeClr val="accent1"/>
+          </a:fillRef>
+          <a:effectRef idx="0">
+            <a:schemeClr val="accent1"/>
+          </a:effectRef>
+          <a:fontRef idx="minor">
+            <a:schemeClr val="tx1"/>
+          </a:fontRef>
+        </p:style>
+      </p:cxnSp>
+      <p:sp>
+        <p:nvSpPr>
+          <p:cNvPr id="31" name="Rectangle 30">
+            <a:extLst>
+              <a:ext uri="{FF2B5EF4-FFF2-40B4-BE49-F238E27FC236}">
+                <a16:creationId xmlns:a16="http://schemas.microsoft.com/office/drawing/2014/main" id="{D1765C3A-19BC-C844-BBBE-F7185493EC09}"/>
               </a:ext>
             </a:extLst>
           </p:cNvPr>
@@ -33787,12 +32802,17 @@
         </p:nvSpPr>
         <p:spPr>
           <a:xfrm>
-            <a:off x="6583360" y="4658250"/>
-            <a:ext cx="2249555" cy="876961"/>
-          </a:xfrm>
-          <a:prstGeom prst="rect">
-            <a:avLst/>
-          </a:prstGeom>
+            <a:off x="8267756" y="2560534"/>
+            <a:ext cx="460380" cy="1420804"/>
+          </a:xfrm>
+          <a:prstGeom prst="rect">
+            <a:avLst/>
+          </a:prstGeom>
+          <a:solidFill>
+            <a:schemeClr val="accent1">
+              <a:alpha val="46000"/>
+            </a:schemeClr>
+          </a:solidFill>
         </p:spPr>
         <p:style>
           <a:lnRef idx="2">
@@ -33815,49 +32835,16 @@
           <a:lstStyle/>
           <a:p>
             <a:pPr algn="ctr"/>
-            <a:r>
-              <a:rPr lang="en-US" sz="2400" dirty="0"/>
-              <a:t>Decoding: Envelope</a:t>
-            </a:r>
-          </a:p>
-        </p:txBody>
-      </p:sp>
-      <p:pic>
-        <p:nvPicPr>
-          <p:cNvPr id="48" name="Picture 47">
-            <a:extLst>
-              <a:ext uri="{FF2B5EF4-FFF2-40B4-BE49-F238E27FC236}">
-                <a16:creationId xmlns:a16="http://schemas.microsoft.com/office/drawing/2014/main" id="{95E2EAA0-2856-AC43-BEE9-0397A0C798D6}"/>
-              </a:ext>
-            </a:extLst>
-          </p:cNvPr>
-          <p:cNvPicPr>
-            <a:picLocks noChangeAspect="1"/>
-          </p:cNvPicPr>
-          <p:nvPr/>
-        </p:nvPicPr>
-        <p:blipFill>
-          <a:blip r:embed="rId5"/>
-          <a:stretch>
-            <a:fillRect/>
-          </a:stretch>
-        </p:blipFill>
-        <p:spPr>
-          <a:xfrm>
-            <a:off x="7048281" y="2560534"/>
-            <a:ext cx="3020131" cy="1325563"/>
-          </a:xfrm>
-          <a:prstGeom prst="rect">
-            <a:avLst/>
-          </a:prstGeom>
-        </p:spPr>
-      </p:pic>
-      <p:sp>
-        <p:nvSpPr>
-          <p:cNvPr id="50" name="TextBox 49">
-            <a:extLst>
-              <a:ext uri="{FF2B5EF4-FFF2-40B4-BE49-F238E27FC236}">
-                <a16:creationId xmlns:a16="http://schemas.microsoft.com/office/drawing/2014/main" id="{1C4B78EA-56BC-B541-A43B-0691E5FB052F}"/>
+            <a:endParaRPr lang="en-US"/>
+          </a:p>
+        </p:txBody>
+      </p:sp>
+      <p:sp>
+        <p:nvSpPr>
+          <p:cNvPr id="32" name="TextBox 31">
+            <a:extLst>
+              <a:ext uri="{FF2B5EF4-FFF2-40B4-BE49-F238E27FC236}">
+                <a16:creationId xmlns:a16="http://schemas.microsoft.com/office/drawing/2014/main" id="{47AA879F-3CDD-B54F-9752-E7F5DE2F3A43}"/>
               </a:ext>
             </a:extLst>
           </p:cNvPr>
@@ -33865,16 +32852,14 @@
           <p:nvPr/>
         </p:nvSpPr>
         <p:spPr>
-          <a:xfrm rot="16200000">
-            <a:off x="6988275" y="3067643"/>
-            <a:ext cx="1899815" cy="492443"/>
-          </a:xfrm>
-          <a:prstGeom prst="rect">
-            <a:avLst/>
-          </a:prstGeom>
-          <a:solidFill>
-            <a:schemeClr val="bg1"/>
-          </a:solidFill>
+          <a:xfrm>
+            <a:off x="8294905" y="2149793"/>
+            <a:ext cx="460382" cy="461665"/>
+          </a:xfrm>
+          <a:prstGeom prst="rect">
+            <a:avLst/>
+          </a:prstGeom>
+          <a:noFill/>
         </p:spPr>
         <p:txBody>
           <a:bodyPr wrap="none" rtlCol="0">
@@ -33883,211 +32868,6 @@
           <a:lstStyle/>
           <a:p>
             <a:r>
-              <a:rPr lang="en-US" sz="2600" dirty="0"/>
-              <a:t>Target Onset</a:t>
-            </a:r>
-          </a:p>
-        </p:txBody>
-      </p:sp>
-      <p:sp>
-        <p:nvSpPr>
-          <p:cNvPr id="4" name="Rectangle 3">
-            <a:extLst>
-              <a:ext uri="{FF2B5EF4-FFF2-40B4-BE49-F238E27FC236}">
-                <a16:creationId xmlns:a16="http://schemas.microsoft.com/office/drawing/2014/main" id="{2C16163A-993F-C34D-9B07-1F60091A0E2B}"/>
-              </a:ext>
-            </a:extLst>
-          </p:cNvPr>
-          <p:cNvSpPr/>
-          <p:nvPr/>
-        </p:nvSpPr>
-        <p:spPr>
-          <a:xfrm>
-            <a:off x="8267756" y="2560534"/>
-            <a:ext cx="827086" cy="1420804"/>
-          </a:xfrm>
-          <a:prstGeom prst="rect">
-            <a:avLst/>
-          </a:prstGeom>
-          <a:solidFill>
-            <a:schemeClr val="accent1">
-              <a:alpha val="46000"/>
-            </a:schemeClr>
-          </a:solidFill>
-        </p:spPr>
-        <p:style>
-          <a:lnRef idx="2">
-            <a:schemeClr val="accent1">
-              <a:shade val="50000"/>
-            </a:schemeClr>
-          </a:lnRef>
-          <a:fillRef idx="1">
-            <a:schemeClr val="accent1"/>
-          </a:fillRef>
-          <a:effectRef idx="0">
-            <a:schemeClr val="accent1"/>
-          </a:effectRef>
-          <a:fontRef idx="minor">
-            <a:schemeClr val="lt1"/>
-          </a:fontRef>
-        </p:style>
-        <p:txBody>
-          <a:bodyPr rtlCol="0" anchor="ctr"/>
-          <a:lstStyle/>
-          <a:p>
-            <a:pPr algn="ctr"/>
-            <a:endParaRPr lang="en-US"/>
-          </a:p>
-        </p:txBody>
-      </p:sp>
-      <p:cxnSp>
-        <p:nvCxnSpPr>
-          <p:cNvPr id="51" name="Straight Arrow Connector 50">
-            <a:extLst>
-              <a:ext uri="{FF2B5EF4-FFF2-40B4-BE49-F238E27FC236}">
-                <a16:creationId xmlns:a16="http://schemas.microsoft.com/office/drawing/2014/main" id="{8711965E-78CD-0441-AD82-14B254455BF3}"/>
-              </a:ext>
-            </a:extLst>
-          </p:cNvPr>
-          <p:cNvCxnSpPr>
-            <a:cxnSpLocks/>
-            <a:endCxn id="35" idx="0"/>
-          </p:cNvCxnSpPr>
-          <p:nvPr/>
-        </p:nvCxnSpPr>
-        <p:spPr>
-          <a:xfrm flipH="1">
-            <a:off x="7708138" y="3981338"/>
-            <a:ext cx="973162" cy="676912"/>
-          </a:xfrm>
-          <a:prstGeom prst="straightConnector1">
-            <a:avLst/>
-          </a:prstGeom>
-          <a:ln w="63500">
-            <a:solidFill>
-              <a:schemeClr val="tx1"/>
-            </a:solidFill>
-            <a:tailEnd type="triangle"/>
-          </a:ln>
-        </p:spPr>
-        <p:style>
-          <a:lnRef idx="1">
-            <a:schemeClr val="accent1"/>
-          </a:lnRef>
-          <a:fillRef idx="0">
-            <a:schemeClr val="accent1"/>
-          </a:fillRef>
-          <a:effectRef idx="0">
-            <a:schemeClr val="accent1"/>
-          </a:effectRef>
-          <a:fontRef idx="minor">
-            <a:schemeClr val="tx1"/>
-          </a:fontRef>
-        </p:style>
-      </p:cxnSp>
-      <p:pic>
-        <p:nvPicPr>
-          <p:cNvPr id="15" name="Picture 14">
-            <a:extLst>
-              <a:ext uri="{FF2B5EF4-FFF2-40B4-BE49-F238E27FC236}">
-                <a16:creationId xmlns:a16="http://schemas.microsoft.com/office/drawing/2014/main" id="{E4583E93-D7EC-794A-AC7D-FA54FE62BD6F}"/>
-              </a:ext>
-            </a:extLst>
-          </p:cNvPr>
-          <p:cNvPicPr>
-            <a:picLocks noChangeAspect="1"/>
-          </p:cNvPicPr>
-          <p:nvPr/>
-        </p:nvPicPr>
-        <p:blipFill>
-          <a:blip r:embed="rId6"/>
-          <a:stretch>
-            <a:fillRect/>
-          </a:stretch>
-        </p:blipFill>
-        <p:spPr>
-          <a:xfrm>
-            <a:off x="6988396" y="1101674"/>
-            <a:ext cx="3073400" cy="914400"/>
-          </a:xfrm>
-          <a:prstGeom prst="rect">
-            <a:avLst/>
-          </a:prstGeom>
-        </p:spPr>
-      </p:pic>
-      <p:cxnSp>
-        <p:nvCxnSpPr>
-          <p:cNvPr id="49" name="Straight Connector 48">
-            <a:extLst>
-              <a:ext uri="{FF2B5EF4-FFF2-40B4-BE49-F238E27FC236}">
-                <a16:creationId xmlns:a16="http://schemas.microsoft.com/office/drawing/2014/main" id="{AD3FE317-58FD-BA44-93E4-F37C1F927623}"/>
-              </a:ext>
-            </a:extLst>
-          </p:cNvPr>
-          <p:cNvCxnSpPr>
-            <a:cxnSpLocks/>
-          </p:cNvCxnSpPr>
-          <p:nvPr/>
-        </p:nvCxnSpPr>
-        <p:spPr>
-          <a:xfrm>
-            <a:off x="8267755" y="1101674"/>
-            <a:ext cx="0" cy="3000629"/>
-          </a:xfrm>
-          <a:prstGeom prst="line">
-            <a:avLst/>
-          </a:prstGeom>
-          <a:ln w="63500">
-            <a:solidFill>
-              <a:schemeClr val="tx1"/>
-            </a:solidFill>
-            <a:prstDash val="sysDash"/>
-          </a:ln>
-        </p:spPr>
-        <p:style>
-          <a:lnRef idx="1">
-            <a:schemeClr val="accent1"/>
-          </a:lnRef>
-          <a:fillRef idx="0">
-            <a:schemeClr val="accent1"/>
-          </a:fillRef>
-          <a:effectRef idx="0">
-            <a:schemeClr val="accent1"/>
-          </a:effectRef>
-          <a:fontRef idx="minor">
-            <a:schemeClr val="tx1"/>
-          </a:fontRef>
-        </p:style>
-      </p:cxnSp>
-      <p:sp>
-        <p:nvSpPr>
-          <p:cNvPr id="30" name="TextBox 29">
-            <a:extLst>
-              <a:ext uri="{FF2B5EF4-FFF2-40B4-BE49-F238E27FC236}">
-                <a16:creationId xmlns:a16="http://schemas.microsoft.com/office/drawing/2014/main" id="{FE1102CA-A5F1-C64A-9812-FE62A05E7E52}"/>
-              </a:ext>
-            </a:extLst>
-          </p:cNvPr>
-          <p:cNvSpPr txBox="1"/>
-          <p:nvPr/>
-        </p:nvSpPr>
-        <p:spPr>
-          <a:xfrm>
-            <a:off x="8452013" y="2151046"/>
-            <a:ext cx="460382" cy="461665"/>
-          </a:xfrm>
-          <a:prstGeom prst="rect">
-            <a:avLst/>
-          </a:prstGeom>
-          <a:noFill/>
-        </p:spPr>
-        <p:txBody>
-          <a:bodyPr wrap="none" rtlCol="0">
-            <a:spAutoFit/>
-          </a:bodyPr>
-          <a:lstStyle/>
-          <a:p>
-            <a:r>
               <a:rPr lang="en-US" sz="2400" dirty="0"/>
               <a:t>1s</a:t>
             </a:r>
@@ -34097,7 +32877,7 @@
     </p:spTree>
     <p:extLst>
       <p:ext uri="{BB962C8B-B14F-4D97-AF65-F5344CB8AC3E}">
-        <p14:creationId xmlns:p14="http://schemas.microsoft.com/office/powerpoint/2010/main" val="2052723153"/>
+        <p14:creationId xmlns:p14="http://schemas.microsoft.com/office/powerpoint/2010/main" val="1271030578"/>
       </p:ext>
     </p:extLst>
   </p:cSld>
@@ -35139,62 +33919,6 @@
           </a:p>
         </p:txBody>
       </p:sp>
-      <p:sp>
-        <p:nvSpPr>
-          <p:cNvPr id="37" name="Rectangle 36">
-            <a:extLst>
-              <a:ext uri="{FF2B5EF4-FFF2-40B4-BE49-F238E27FC236}">
-                <a16:creationId xmlns:a16="http://schemas.microsoft.com/office/drawing/2014/main" id="{CE722B22-DCBC-6B4D-9462-FCE25E637A92}"/>
-              </a:ext>
-            </a:extLst>
-          </p:cNvPr>
-          <p:cNvSpPr/>
-          <p:nvPr/>
-        </p:nvSpPr>
-        <p:spPr>
-          <a:xfrm>
-            <a:off x="9245570" y="4658251"/>
-            <a:ext cx="2249555" cy="876960"/>
-          </a:xfrm>
-          <a:prstGeom prst="rect">
-            <a:avLst/>
-          </a:prstGeom>
-        </p:spPr>
-        <p:style>
-          <a:lnRef idx="2">
-            <a:schemeClr val="accent1">
-              <a:shade val="50000"/>
-            </a:schemeClr>
-          </a:lnRef>
-          <a:fillRef idx="1">
-            <a:schemeClr val="accent1"/>
-          </a:fillRef>
-          <a:effectRef idx="0">
-            <a:schemeClr val="accent1"/>
-          </a:effectRef>
-          <a:fontRef idx="minor">
-            <a:schemeClr val="lt1"/>
-          </a:fontRef>
-        </p:style>
-        <p:txBody>
-          <a:bodyPr rtlCol="0" anchor="ctr"/>
-          <a:lstStyle/>
-          <a:p>
-            <a:pPr algn="ctr"/>
-            <a:r>
-              <a:rPr lang="en-US" sz="2400" dirty="0"/>
-              <a:t>Decoding: </a:t>
-            </a:r>
-          </a:p>
-          <a:p>
-            <a:pPr algn="ctr"/>
-            <a:r>
-              <a:rPr lang="en-US" sz="2400" dirty="0"/>
-              <a:t>Pitch Surprisal</a:t>
-            </a:r>
-          </a:p>
-        </p:txBody>
-      </p:sp>
       <p:pic>
         <p:nvPicPr>
           <p:cNvPr id="48" name="Picture 47">
@@ -35262,57 +33986,6 @@
           </a:p>
         </p:txBody>
       </p:sp>
-      <p:sp>
-        <p:nvSpPr>
-          <p:cNvPr id="4" name="Rectangle 3">
-            <a:extLst>
-              <a:ext uri="{FF2B5EF4-FFF2-40B4-BE49-F238E27FC236}">
-                <a16:creationId xmlns:a16="http://schemas.microsoft.com/office/drawing/2014/main" id="{2C16163A-993F-C34D-9B07-1F60091A0E2B}"/>
-              </a:ext>
-            </a:extLst>
-          </p:cNvPr>
-          <p:cNvSpPr/>
-          <p:nvPr/>
-        </p:nvSpPr>
-        <p:spPr>
-          <a:xfrm>
-            <a:off x="8267756" y="2560534"/>
-            <a:ext cx="827086" cy="1420804"/>
-          </a:xfrm>
-          <a:prstGeom prst="rect">
-            <a:avLst/>
-          </a:prstGeom>
-          <a:solidFill>
-            <a:schemeClr val="accent1">
-              <a:alpha val="46000"/>
-            </a:schemeClr>
-          </a:solidFill>
-        </p:spPr>
-        <p:style>
-          <a:lnRef idx="2">
-            <a:schemeClr val="accent1">
-              <a:shade val="50000"/>
-            </a:schemeClr>
-          </a:lnRef>
-          <a:fillRef idx="1">
-            <a:schemeClr val="accent1"/>
-          </a:fillRef>
-          <a:effectRef idx="0">
-            <a:schemeClr val="accent1"/>
-          </a:effectRef>
-          <a:fontRef idx="minor">
-            <a:schemeClr val="lt1"/>
-          </a:fontRef>
-        </p:style>
-        <p:txBody>
-          <a:bodyPr rtlCol="0" anchor="ctr"/>
-          <a:lstStyle/>
-          <a:p>
-            <a:pPr algn="ctr"/>
-            <a:endParaRPr lang="en-US"/>
-          </a:p>
-        </p:txBody>
-      </p:sp>
       <p:cxnSp>
         <p:nvCxnSpPr>
           <p:cNvPr id="51" name="Straight Arrow Connector 50">
@@ -35332,51 +34005,6 @@
           <a:xfrm flipH="1">
             <a:off x="7708138" y="3981338"/>
             <a:ext cx="973162" cy="676912"/>
-          </a:xfrm>
-          <a:prstGeom prst="straightConnector1">
-            <a:avLst/>
-          </a:prstGeom>
-          <a:ln w="63500">
-            <a:solidFill>
-              <a:schemeClr val="tx1"/>
-            </a:solidFill>
-            <a:tailEnd type="triangle"/>
-          </a:ln>
-        </p:spPr>
-        <p:style>
-          <a:lnRef idx="1">
-            <a:schemeClr val="accent1"/>
-          </a:lnRef>
-          <a:fillRef idx="0">
-            <a:schemeClr val="accent1"/>
-          </a:fillRef>
-          <a:effectRef idx="0">
-            <a:schemeClr val="accent1"/>
-          </a:effectRef>
-          <a:fontRef idx="minor">
-            <a:schemeClr val="tx1"/>
-          </a:fontRef>
-        </p:style>
-      </p:cxnSp>
-      <p:cxnSp>
-        <p:nvCxnSpPr>
-          <p:cNvPr id="52" name="Straight Arrow Connector 51">
-            <a:extLst>
-              <a:ext uri="{FF2B5EF4-FFF2-40B4-BE49-F238E27FC236}">
-                <a16:creationId xmlns:a16="http://schemas.microsoft.com/office/drawing/2014/main" id="{C5A6CF22-10DD-2E48-B0CA-6631ECCCD6F7}"/>
-              </a:ext>
-            </a:extLst>
-          </p:cNvPr>
-          <p:cNvCxnSpPr>
-            <a:cxnSpLocks/>
-            <a:endCxn id="37" idx="0"/>
-          </p:cNvCxnSpPr>
-          <p:nvPr/>
-        </p:nvCxnSpPr>
-        <p:spPr>
-          <a:xfrm>
-            <a:off x="8888718" y="3981338"/>
-            <a:ext cx="1481630" cy="676913"/>
           </a:xfrm>
           <a:prstGeom prst="straightConnector1">
             <a:avLst/>
@@ -35479,10 +34107,61 @@
       </p:cxnSp>
       <p:sp>
         <p:nvSpPr>
-          <p:cNvPr id="30" name="TextBox 29">
-            <a:extLst>
-              <a:ext uri="{FF2B5EF4-FFF2-40B4-BE49-F238E27FC236}">
-                <a16:creationId xmlns:a16="http://schemas.microsoft.com/office/drawing/2014/main" id="{FE1102CA-A5F1-C64A-9812-FE62A05E7E52}"/>
+          <p:cNvPr id="32" name="Rectangle 31">
+            <a:extLst>
+              <a:ext uri="{FF2B5EF4-FFF2-40B4-BE49-F238E27FC236}">
+                <a16:creationId xmlns:a16="http://schemas.microsoft.com/office/drawing/2014/main" id="{0582C76B-6720-F843-9ECA-C5F23BA99365}"/>
+              </a:ext>
+            </a:extLst>
+          </p:cNvPr>
+          <p:cNvSpPr/>
+          <p:nvPr/>
+        </p:nvSpPr>
+        <p:spPr>
+          <a:xfrm>
+            <a:off x="8267756" y="2560534"/>
+            <a:ext cx="460380" cy="1420804"/>
+          </a:xfrm>
+          <a:prstGeom prst="rect">
+            <a:avLst/>
+          </a:prstGeom>
+          <a:solidFill>
+            <a:schemeClr val="accent1">
+              <a:alpha val="46000"/>
+            </a:schemeClr>
+          </a:solidFill>
+        </p:spPr>
+        <p:style>
+          <a:lnRef idx="2">
+            <a:schemeClr val="accent1">
+              <a:shade val="50000"/>
+            </a:schemeClr>
+          </a:lnRef>
+          <a:fillRef idx="1">
+            <a:schemeClr val="accent1"/>
+          </a:fillRef>
+          <a:effectRef idx="0">
+            <a:schemeClr val="accent1"/>
+          </a:effectRef>
+          <a:fontRef idx="minor">
+            <a:schemeClr val="lt1"/>
+          </a:fontRef>
+        </p:style>
+        <p:txBody>
+          <a:bodyPr rtlCol="0" anchor="ctr"/>
+          <a:lstStyle/>
+          <a:p>
+            <a:pPr algn="ctr"/>
+            <a:endParaRPr lang="en-US"/>
+          </a:p>
+        </p:txBody>
+      </p:sp>
+      <p:sp>
+        <p:nvSpPr>
+          <p:cNvPr id="33" name="TextBox 32">
+            <a:extLst>
+              <a:ext uri="{FF2B5EF4-FFF2-40B4-BE49-F238E27FC236}">
+                <a16:creationId xmlns:a16="http://schemas.microsoft.com/office/drawing/2014/main" id="{76453E2D-E8D8-7042-919C-548506F7B40F}"/>
               </a:ext>
             </a:extLst>
           </p:cNvPr>
@@ -35491,7 +34170,7 @@
         </p:nvSpPr>
         <p:spPr>
           <a:xfrm>
-            <a:off x="8452013" y="2151046"/>
+            <a:off x="8294905" y="2149793"/>
             <a:ext cx="460382" cy="461665"/>
           </a:xfrm>
           <a:prstGeom prst="rect">
@@ -35515,7 +34194,7 @@
     </p:spTree>
     <p:extLst>
       <p:ext uri="{BB962C8B-B14F-4D97-AF65-F5344CB8AC3E}">
-        <p14:creationId xmlns:p14="http://schemas.microsoft.com/office/powerpoint/2010/main" val="3955203428"/>
+        <p14:creationId xmlns:p14="http://schemas.microsoft.com/office/powerpoint/2010/main" val="2052723153"/>
       </p:ext>
     </p:extLst>
   </p:cSld>
@@ -36680,57 +35359,6 @@
           </a:p>
         </p:txBody>
       </p:sp>
-      <p:sp>
-        <p:nvSpPr>
-          <p:cNvPr id="4" name="Rectangle 3">
-            <a:extLst>
-              <a:ext uri="{FF2B5EF4-FFF2-40B4-BE49-F238E27FC236}">
-                <a16:creationId xmlns:a16="http://schemas.microsoft.com/office/drawing/2014/main" id="{2C16163A-993F-C34D-9B07-1F60091A0E2B}"/>
-              </a:ext>
-            </a:extLst>
-          </p:cNvPr>
-          <p:cNvSpPr/>
-          <p:nvPr/>
-        </p:nvSpPr>
-        <p:spPr>
-          <a:xfrm>
-            <a:off x="8267756" y="2560534"/>
-            <a:ext cx="827086" cy="1420804"/>
-          </a:xfrm>
-          <a:prstGeom prst="rect">
-            <a:avLst/>
-          </a:prstGeom>
-          <a:solidFill>
-            <a:schemeClr val="accent1">
-              <a:alpha val="46000"/>
-            </a:schemeClr>
-          </a:solidFill>
-        </p:spPr>
-        <p:style>
-          <a:lnRef idx="2">
-            <a:schemeClr val="accent1">
-              <a:shade val="50000"/>
-            </a:schemeClr>
-          </a:lnRef>
-          <a:fillRef idx="1">
-            <a:schemeClr val="accent1"/>
-          </a:fillRef>
-          <a:effectRef idx="0">
-            <a:schemeClr val="accent1"/>
-          </a:effectRef>
-          <a:fontRef idx="minor">
-            <a:schemeClr val="lt1"/>
-          </a:fontRef>
-        </p:style>
-        <p:txBody>
-          <a:bodyPr rtlCol="0" anchor="ctr"/>
-          <a:lstStyle/>
-          <a:p>
-            <a:pPr algn="ctr"/>
-            <a:endParaRPr lang="en-US"/>
-          </a:p>
-        </p:txBody>
-      </p:sp>
       <p:cxnSp>
         <p:nvCxnSpPr>
           <p:cNvPr id="51" name="Straight Arrow Connector 50">
@@ -36821,41 +35449,6 @@
           </a:fontRef>
         </p:style>
       </p:cxnSp>
-      <p:sp>
-        <p:nvSpPr>
-          <p:cNvPr id="14" name="TextBox 13">
-            <a:extLst>
-              <a:ext uri="{FF2B5EF4-FFF2-40B4-BE49-F238E27FC236}">
-                <a16:creationId xmlns:a16="http://schemas.microsoft.com/office/drawing/2014/main" id="{594B2E5C-1D5A-1D43-84FE-4D67C78A36D7}"/>
-              </a:ext>
-            </a:extLst>
-          </p:cNvPr>
-          <p:cNvSpPr txBox="1"/>
-          <p:nvPr/>
-        </p:nvSpPr>
-        <p:spPr>
-          <a:xfrm>
-            <a:off x="6182634" y="5726250"/>
-            <a:ext cx="5824415" cy="523220"/>
-          </a:xfrm>
-          <a:prstGeom prst="rect">
-            <a:avLst/>
-          </a:prstGeom>
-          <a:noFill/>
-        </p:spPr>
-        <p:txBody>
-          <a:bodyPr wrap="none" rtlCol="0">
-            <a:spAutoFit/>
-          </a:bodyPr>
-          <a:lstStyle/>
-          <a:p>
-            <a:r>
-              <a:rPr lang="en-US" sz="2800" dirty="0"/>
-              <a:t>3-layer 64 hidden-unit neural network</a:t>
-            </a:r>
-          </a:p>
-        </p:txBody>
-      </p:sp>
       <p:pic>
         <p:nvPicPr>
           <p:cNvPr id="15" name="Picture 14">
@@ -36932,10 +35525,61 @@
       </p:cxnSp>
       <p:sp>
         <p:nvSpPr>
-          <p:cNvPr id="30" name="TextBox 29">
-            <a:extLst>
-              <a:ext uri="{FF2B5EF4-FFF2-40B4-BE49-F238E27FC236}">
-                <a16:creationId xmlns:a16="http://schemas.microsoft.com/office/drawing/2014/main" id="{FE1102CA-A5F1-C64A-9812-FE62A05E7E52}"/>
+          <p:cNvPr id="36" name="Rectangle 35">
+            <a:extLst>
+              <a:ext uri="{FF2B5EF4-FFF2-40B4-BE49-F238E27FC236}">
+                <a16:creationId xmlns:a16="http://schemas.microsoft.com/office/drawing/2014/main" id="{398B4315-E99D-EF4A-87CC-3C1F161DEB44}"/>
+              </a:ext>
+            </a:extLst>
+          </p:cNvPr>
+          <p:cNvSpPr/>
+          <p:nvPr/>
+        </p:nvSpPr>
+        <p:spPr>
+          <a:xfrm>
+            <a:off x="8267756" y="2560534"/>
+            <a:ext cx="460380" cy="1420804"/>
+          </a:xfrm>
+          <a:prstGeom prst="rect">
+            <a:avLst/>
+          </a:prstGeom>
+          <a:solidFill>
+            <a:schemeClr val="accent1">
+              <a:alpha val="46000"/>
+            </a:schemeClr>
+          </a:solidFill>
+        </p:spPr>
+        <p:style>
+          <a:lnRef idx="2">
+            <a:schemeClr val="accent1">
+              <a:shade val="50000"/>
+            </a:schemeClr>
+          </a:lnRef>
+          <a:fillRef idx="1">
+            <a:schemeClr val="accent1"/>
+          </a:fillRef>
+          <a:effectRef idx="0">
+            <a:schemeClr val="accent1"/>
+          </a:effectRef>
+          <a:fontRef idx="minor">
+            <a:schemeClr val="lt1"/>
+          </a:fontRef>
+        </p:style>
+        <p:txBody>
+          <a:bodyPr rtlCol="0" anchor="ctr"/>
+          <a:lstStyle/>
+          <a:p>
+            <a:pPr algn="ctr"/>
+            <a:endParaRPr lang="en-US"/>
+          </a:p>
+        </p:txBody>
+      </p:sp>
+      <p:sp>
+        <p:nvSpPr>
+          <p:cNvPr id="38" name="TextBox 37">
+            <a:extLst>
+              <a:ext uri="{FF2B5EF4-FFF2-40B4-BE49-F238E27FC236}">
+                <a16:creationId xmlns:a16="http://schemas.microsoft.com/office/drawing/2014/main" id="{1D424849-80CC-C440-83A0-BD4B730F9B0C}"/>
               </a:ext>
             </a:extLst>
           </p:cNvPr>
@@ -36944,7 +35588,7 @@
         </p:nvSpPr>
         <p:spPr>
           <a:xfrm>
-            <a:off x="8452013" y="2151046"/>
+            <a:off x="8294905" y="2149793"/>
             <a:ext cx="460382" cy="461665"/>
           </a:xfrm>
           <a:prstGeom prst="rect">
@@ -36968,7 +35612,7 @@
     </p:spTree>
     <p:extLst>
       <p:ext uri="{BB962C8B-B14F-4D97-AF65-F5344CB8AC3E}">
-        <p14:creationId xmlns:p14="http://schemas.microsoft.com/office/powerpoint/2010/main" val="2850263777"/>
+        <p14:creationId xmlns:p14="http://schemas.microsoft.com/office/powerpoint/2010/main" val="3955203428"/>
       </p:ext>
     </p:extLst>
   </p:cSld>
@@ -38133,57 +36777,6 @@
           </a:p>
         </p:txBody>
       </p:sp>
-      <p:sp>
-        <p:nvSpPr>
-          <p:cNvPr id="4" name="Rectangle 3">
-            <a:extLst>
-              <a:ext uri="{FF2B5EF4-FFF2-40B4-BE49-F238E27FC236}">
-                <a16:creationId xmlns:a16="http://schemas.microsoft.com/office/drawing/2014/main" id="{2C16163A-993F-C34D-9B07-1F60091A0E2B}"/>
-              </a:ext>
-            </a:extLst>
-          </p:cNvPr>
-          <p:cNvSpPr/>
-          <p:nvPr/>
-        </p:nvSpPr>
-        <p:spPr>
-          <a:xfrm>
-            <a:off x="8267756" y="2560534"/>
-            <a:ext cx="827086" cy="1420804"/>
-          </a:xfrm>
-          <a:prstGeom prst="rect">
-            <a:avLst/>
-          </a:prstGeom>
-          <a:solidFill>
-            <a:schemeClr val="accent1">
-              <a:alpha val="46000"/>
-            </a:schemeClr>
-          </a:solidFill>
-        </p:spPr>
-        <p:style>
-          <a:lnRef idx="2">
-            <a:schemeClr val="accent1">
-              <a:shade val="50000"/>
-            </a:schemeClr>
-          </a:lnRef>
-          <a:fillRef idx="1">
-            <a:schemeClr val="accent1"/>
-          </a:fillRef>
-          <a:effectRef idx="0">
-            <a:schemeClr val="accent1"/>
-          </a:effectRef>
-          <a:fontRef idx="minor">
-            <a:schemeClr val="lt1"/>
-          </a:fontRef>
-        </p:style>
-        <p:txBody>
-          <a:bodyPr rtlCol="0" anchor="ctr"/>
-          <a:lstStyle/>
-          <a:p>
-            <a:pPr algn="ctr"/>
-            <a:endParaRPr lang="en-US"/>
-          </a:p>
-        </p:txBody>
-      </p:sp>
       <p:cxnSp>
         <p:nvCxnSpPr>
           <p:cNvPr id="51" name="Straight Arrow Connector 50">
@@ -38385,10 +36978,61 @@
       </p:cxnSp>
       <p:sp>
         <p:nvSpPr>
-          <p:cNvPr id="61" name="TextBox 60">
-            <a:extLst>
-              <a:ext uri="{FF2B5EF4-FFF2-40B4-BE49-F238E27FC236}">
-                <a16:creationId xmlns:a16="http://schemas.microsoft.com/office/drawing/2014/main" id="{A9AA05CD-840F-4F4D-B452-755FAF3DA3F6}"/>
+          <p:cNvPr id="38" name="Rectangle 37">
+            <a:extLst>
+              <a:ext uri="{FF2B5EF4-FFF2-40B4-BE49-F238E27FC236}">
+                <a16:creationId xmlns:a16="http://schemas.microsoft.com/office/drawing/2014/main" id="{3438E08F-0177-1147-A1AB-5D32D465AACD}"/>
+              </a:ext>
+            </a:extLst>
+          </p:cNvPr>
+          <p:cNvSpPr/>
+          <p:nvPr/>
+        </p:nvSpPr>
+        <p:spPr>
+          <a:xfrm>
+            <a:off x="8267756" y="2560534"/>
+            <a:ext cx="460380" cy="1420804"/>
+          </a:xfrm>
+          <a:prstGeom prst="rect">
+            <a:avLst/>
+          </a:prstGeom>
+          <a:solidFill>
+            <a:schemeClr val="accent1">
+              <a:alpha val="46000"/>
+            </a:schemeClr>
+          </a:solidFill>
+        </p:spPr>
+        <p:style>
+          <a:lnRef idx="2">
+            <a:schemeClr val="accent1">
+              <a:shade val="50000"/>
+            </a:schemeClr>
+          </a:lnRef>
+          <a:fillRef idx="1">
+            <a:schemeClr val="accent1"/>
+          </a:fillRef>
+          <a:effectRef idx="0">
+            <a:schemeClr val="accent1"/>
+          </a:effectRef>
+          <a:fontRef idx="minor">
+            <a:schemeClr val="lt1"/>
+          </a:fontRef>
+        </p:style>
+        <p:txBody>
+          <a:bodyPr rtlCol="0" anchor="ctr"/>
+          <a:lstStyle/>
+          <a:p>
+            <a:pPr algn="ctr"/>
+            <a:endParaRPr lang="en-US"/>
+          </a:p>
+        </p:txBody>
+      </p:sp>
+      <p:sp>
+        <p:nvSpPr>
+          <p:cNvPr id="39" name="TextBox 38">
+            <a:extLst>
+              <a:ext uri="{FF2B5EF4-FFF2-40B4-BE49-F238E27FC236}">
+                <a16:creationId xmlns:a16="http://schemas.microsoft.com/office/drawing/2014/main" id="{FFF90EF0-8C1C-3A40-A9FC-085BEA1483A2}"/>
               </a:ext>
             </a:extLst>
           </p:cNvPr>
@@ -38397,8 +37041,8 @@
         </p:nvSpPr>
         <p:spPr>
           <a:xfrm>
-            <a:off x="6182634" y="6216760"/>
-            <a:ext cx="3370923" cy="523220"/>
+            <a:off x="8294905" y="2149793"/>
+            <a:ext cx="460382" cy="461665"/>
           </a:xfrm>
           <a:prstGeom prst="rect">
             <a:avLst/>
@@ -38412,41 +37056,6 @@
           <a:lstStyle/>
           <a:p>
             <a:r>
-              <a:rPr lang="en-US" sz="2800" dirty="0"/>
-              <a:t>Trained on target hits</a:t>
-            </a:r>
-          </a:p>
-        </p:txBody>
-      </p:sp>
-      <p:sp>
-        <p:nvSpPr>
-          <p:cNvPr id="30" name="TextBox 29">
-            <a:extLst>
-              <a:ext uri="{FF2B5EF4-FFF2-40B4-BE49-F238E27FC236}">
-                <a16:creationId xmlns:a16="http://schemas.microsoft.com/office/drawing/2014/main" id="{FE1102CA-A5F1-C64A-9812-FE62A05E7E52}"/>
-              </a:ext>
-            </a:extLst>
-          </p:cNvPr>
-          <p:cNvSpPr txBox="1"/>
-          <p:nvPr/>
-        </p:nvSpPr>
-        <p:spPr>
-          <a:xfrm>
-            <a:off x="8452013" y="2151046"/>
-            <a:ext cx="460382" cy="461665"/>
-          </a:xfrm>
-          <a:prstGeom prst="rect">
-            <a:avLst/>
-          </a:prstGeom>
-          <a:noFill/>
-        </p:spPr>
-        <p:txBody>
-          <a:bodyPr wrap="none" rtlCol="0">
-            <a:spAutoFit/>
-          </a:bodyPr>
-          <a:lstStyle/>
-          <a:p>
-            <a:r>
               <a:rPr lang="en-US" sz="2400" dirty="0"/>
               <a:t>1s</a:t>
             </a:r>
@@ -38456,7 +37065,7 @@
     </p:spTree>
     <p:extLst>
       <p:ext uri="{BB962C8B-B14F-4D97-AF65-F5344CB8AC3E}">
-        <p14:creationId xmlns:p14="http://schemas.microsoft.com/office/powerpoint/2010/main" val="203296460"/>
+        <p14:creationId xmlns:p14="http://schemas.microsoft.com/office/powerpoint/2010/main" val="2850263777"/>
       </p:ext>
     </p:extLst>
   </p:cSld>
@@ -38483,48 +37092,12 @@
           <a:chExt cx="0" cy="0"/>
         </a:xfrm>
       </p:grpSpPr>
-      <p:pic>
-        <p:nvPicPr>
-          <p:cNvPr id="16" name="Graphic 15">
-            <a:extLst>
-              <a:ext uri="{FF2B5EF4-FFF2-40B4-BE49-F238E27FC236}">
-                <a16:creationId xmlns:a16="http://schemas.microsoft.com/office/drawing/2014/main" id="{A1B53E1E-BF80-4E42-94EF-D04095A98976}"/>
-              </a:ext>
-            </a:extLst>
-          </p:cNvPr>
-          <p:cNvPicPr>
-            <a:picLocks noChangeAspect="1"/>
-          </p:cNvPicPr>
-          <p:nvPr/>
-        </p:nvPicPr>
-        <p:blipFill>
-          <a:blip r:embed="rId2">
-            <a:extLst>
-              <a:ext uri="{96DAC541-7B7A-43D3-8B79-37D633B846F1}">
-                <asvg:svgBlip xmlns:asvg="http://schemas.microsoft.com/office/drawing/2016/SVG/main" r:embed="rId3"/>
-              </a:ext>
-            </a:extLst>
-          </a:blip>
-          <a:stretch>
-            <a:fillRect/>
-          </a:stretch>
-        </p:blipFill>
-        <p:spPr>
-          <a:xfrm>
-            <a:off x="1519844" y="1690687"/>
-            <a:ext cx="8558016" cy="4346929"/>
-          </a:xfrm>
-          <a:prstGeom prst="rect">
-            <a:avLst/>
-          </a:prstGeom>
-        </p:spPr>
-      </p:pic>
       <p:sp>
         <p:nvSpPr>
           <p:cNvPr id="2" name="Title 1">
             <a:extLst>
               <a:ext uri="{FF2B5EF4-FFF2-40B4-BE49-F238E27FC236}">
-                <a16:creationId xmlns:a16="http://schemas.microsoft.com/office/drawing/2014/main" id="{BC192DC9-F67F-4E4C-AACE-92C1990BABB8}"/>
+                <a16:creationId xmlns:a16="http://schemas.microsoft.com/office/drawing/2014/main" id="{76E4B717-C718-3542-9C2B-574A69D0DBEA}"/>
               </a:ext>
             </a:extLst>
           </p:cNvPr>
@@ -38542,17 +37115,53 @@
           <a:p>
             <a:r>
               <a:rPr lang="en-US" dirty="0"/>
-              <a:t>Decoding reveals attention to the target</a:t>
-            </a:r>
-          </a:p>
-        </p:txBody>
-      </p:sp>
-      <p:sp>
-        <p:nvSpPr>
-          <p:cNvPr id="9" name="TextBox 8">
-            <a:extLst>
-              <a:ext uri="{FF2B5EF4-FFF2-40B4-BE49-F238E27FC236}">
-                <a16:creationId xmlns:a16="http://schemas.microsoft.com/office/drawing/2014/main" id="{C8506752-3B36-1F40-8588-B1638D09536F}"/>
+              <a:t>Decoder Training</a:t>
+            </a:r>
+          </a:p>
+        </p:txBody>
+      </p:sp>
+      <p:pic>
+        <p:nvPicPr>
+          <p:cNvPr id="9" name="Graphic 8">
+            <a:extLst>
+              <a:ext uri="{FF2B5EF4-FFF2-40B4-BE49-F238E27FC236}">
+                <a16:creationId xmlns:a16="http://schemas.microsoft.com/office/drawing/2014/main" id="{FB73FFC4-83AB-CC44-82F0-E14ABDB70FD1}"/>
+              </a:ext>
+            </a:extLst>
+          </p:cNvPr>
+          <p:cNvPicPr>
+            <a:picLocks noChangeAspect="1"/>
+          </p:cNvPicPr>
+          <p:nvPr/>
+        </p:nvPicPr>
+        <p:blipFill>
+          <a:blip r:embed="rId2">
+            <a:extLst>
+              <a:ext uri="{96DAC541-7B7A-43D3-8B79-37D633B846F1}">
+                <asvg:svgBlip xmlns:asvg="http://schemas.microsoft.com/office/drawing/2016/SVG/main" r:embed="rId3"/>
+              </a:ext>
+            </a:extLst>
+          </a:blip>
+          <a:stretch>
+            <a:fillRect/>
+          </a:stretch>
+        </p:blipFill>
+        <p:spPr>
+          <a:xfrm>
+            <a:off x="413844" y="2542907"/>
+            <a:ext cx="691177" cy="619232"/>
+          </a:xfrm>
+          <a:prstGeom prst="rect">
+            <a:avLst/>
+          </a:prstGeom>
+        </p:spPr>
+      </p:pic>
+      <p:sp>
+        <p:nvSpPr>
+          <p:cNvPr id="10" name="TextBox 9">
+            <a:extLst>
+              <a:ext uri="{FF2B5EF4-FFF2-40B4-BE49-F238E27FC236}">
+                <a16:creationId xmlns:a16="http://schemas.microsoft.com/office/drawing/2014/main" id="{8F4BD1EE-DC3E-5649-92F6-AF42E7598BD4}"/>
               </a:ext>
             </a:extLst>
           </p:cNvPr>
@@ -38561,8 +37170,8 @@
         </p:nvSpPr>
         <p:spPr>
           <a:xfrm>
-            <a:off x="5587720" y="6037618"/>
-            <a:ext cx="1016560" cy="523220"/>
+            <a:off x="227581" y="1592891"/>
+            <a:ext cx="3525507" cy="861774"/>
           </a:xfrm>
           <a:prstGeom prst="rect">
             <a:avLst/>
@@ -38570,27 +37179,37 @@
           <a:noFill/>
         </p:spPr>
         <p:txBody>
-          <a:bodyPr wrap="none" rtlCol="0">
+          <a:bodyPr wrap="square" rtlCol="0">
             <a:spAutoFit/>
           </a:bodyPr>
           <a:lstStyle/>
           <a:p>
             <a:r>
-              <a:rPr lang="en-US" sz="2800" b="1" dirty="0">
-                <a:latin typeface="Arial" panose="020B0604020202020204" pitchFamily="34" charset="0"/>
-                <a:cs typeface="Arial" panose="020B0604020202020204" pitchFamily="34" charset="0"/>
+              <a:rPr lang="en-US" sz="3200" dirty="0"/>
+              <a:t>Raw EEG Data </a:t>
+            </a:r>
+          </a:p>
+          <a:p>
+            <a:r>
+              <a:rPr lang="en-US" dirty="0">
+                <a:solidFill>
+                  <a:schemeClr val="tx1">
+                    <a:lumMod val="50000"/>
+                    <a:lumOff val="50000"/>
+                  </a:schemeClr>
+                </a:solidFill>
               </a:rPr>
-              <a:t>Time</a:t>
-            </a:r>
-          </a:p>
-        </p:txBody>
-      </p:sp>
-      <p:sp>
-        <p:nvSpPr>
-          <p:cNvPr id="17" name="Rectangle 16">
-            <a:extLst>
-              <a:ext uri="{FF2B5EF4-FFF2-40B4-BE49-F238E27FC236}">
-                <a16:creationId xmlns:a16="http://schemas.microsoft.com/office/drawing/2014/main" id="{DE97DC33-783C-C645-95C9-509CC18458E2}"/>
+              <a:t>64-channels (N = 24)</a:t>
+            </a:r>
+          </a:p>
+        </p:txBody>
+      </p:sp>
+      <p:sp>
+        <p:nvSpPr>
+          <p:cNvPr id="23" name="Rectangle 22">
+            <a:extLst>
+              <a:ext uri="{FF2B5EF4-FFF2-40B4-BE49-F238E27FC236}">
+                <a16:creationId xmlns:a16="http://schemas.microsoft.com/office/drawing/2014/main" id="{0045687F-6BF8-174E-AAD0-1340D097E566}"/>
               </a:ext>
             </a:extLst>
           </p:cNvPr>
@@ -38599,18 +37218,12 @@
         </p:nvSpPr>
         <p:spPr>
           <a:xfrm>
-            <a:off x="5369169" y="1688119"/>
-            <a:ext cx="6445481" cy="4346929"/>
-          </a:xfrm>
-          <a:prstGeom prst="rect">
-            <a:avLst/>
-          </a:prstGeom>
-          <a:solidFill>
-            <a:schemeClr val="bg1"/>
-          </a:solidFill>
-          <a:ln>
-            <a:noFill/>
-          </a:ln>
+            <a:off x="274081" y="3730803"/>
+            <a:ext cx="5061881" cy="537126"/>
+          </a:xfrm>
+          <a:prstGeom prst="rect">
+            <a:avLst/>
+          </a:prstGeom>
         </p:spPr>
         <p:style>
           <a:lnRef idx="2">
@@ -38633,16 +37246,19 @@
           <a:lstStyle/>
           <a:p>
             <a:pPr algn="ctr"/>
-            <a:endParaRPr lang="en-US"/>
-          </a:p>
-        </p:txBody>
-      </p:sp>
-      <p:sp>
-        <p:nvSpPr>
-          <p:cNvPr id="6" name="Rectangle 5">
-            <a:extLst>
-              <a:ext uri="{FF2B5EF4-FFF2-40B4-BE49-F238E27FC236}">
-                <a16:creationId xmlns:a16="http://schemas.microsoft.com/office/drawing/2014/main" id="{530CA25A-84CD-644B-BE9E-2D211828EEDB}"/>
+            <a:r>
+              <a:rPr lang="en-US" dirty="0"/>
+              <a:t>MCCA</a:t>
+            </a:r>
+          </a:p>
+        </p:txBody>
+      </p:sp>
+      <p:sp>
+        <p:nvSpPr>
+          <p:cNvPr id="24" name="Rectangle 23">
+            <a:extLst>
+              <a:ext uri="{FF2B5EF4-FFF2-40B4-BE49-F238E27FC236}">
+                <a16:creationId xmlns:a16="http://schemas.microsoft.com/office/drawing/2014/main" id="{ACDA6A77-4BDD-464E-A1E9-8E2A3F482CAF}"/>
               </a:ext>
             </a:extLst>
           </p:cNvPr>
@@ -38651,18 +37267,12 @@
         </p:nvSpPr>
         <p:spPr>
           <a:xfrm>
-            <a:off x="1266093" y="1477108"/>
-            <a:ext cx="8262558" cy="5380892"/>
-          </a:xfrm>
-          <a:prstGeom prst="rect">
-            <a:avLst/>
-          </a:prstGeom>
-          <a:solidFill>
-            <a:schemeClr val="bg1"/>
-          </a:solidFill>
-          <a:ln>
-            <a:noFill/>
-          </a:ln>
+            <a:off x="236207" y="5527618"/>
+            <a:ext cx="1055957" cy="656415"/>
+          </a:xfrm>
+          <a:prstGeom prst="rect">
+            <a:avLst/>
+          </a:prstGeom>
         </p:spPr>
         <p:style>
           <a:lnRef idx="2">
@@ -38685,16 +37295,141 @@
           <a:lstStyle/>
           <a:p>
             <a:pPr algn="ctr"/>
-            <a:endParaRPr lang="en-US"/>
-          </a:p>
-        </p:txBody>
-      </p:sp>
-      <p:sp>
-        <p:nvSpPr>
-          <p:cNvPr id="7" name="Rectangle 6">
-            <a:extLst>
-              <a:ext uri="{FF2B5EF4-FFF2-40B4-BE49-F238E27FC236}">
-                <a16:creationId xmlns:a16="http://schemas.microsoft.com/office/drawing/2014/main" id="{6C150068-F4F6-484F-B6D6-73B0A58D898A}"/>
+            <a:r>
+              <a:rPr lang="en-US" dirty="0"/>
+              <a:t>MCCA Comp.</a:t>
+            </a:r>
+          </a:p>
+        </p:txBody>
+      </p:sp>
+      <p:sp>
+        <p:nvSpPr>
+          <p:cNvPr id="22" name="TextBox 21">
+            <a:extLst>
+              <a:ext uri="{FF2B5EF4-FFF2-40B4-BE49-F238E27FC236}">
+                <a16:creationId xmlns:a16="http://schemas.microsoft.com/office/drawing/2014/main" id="{85F16F3C-E043-EE44-A64F-528C8301FC22}"/>
+              </a:ext>
+            </a:extLst>
+          </p:cNvPr>
+          <p:cNvSpPr txBox="1"/>
+          <p:nvPr/>
+        </p:nvSpPr>
+        <p:spPr>
+          <a:xfrm>
+            <a:off x="9055274" y="6404"/>
+            <a:ext cx="3276023" cy="230832"/>
+          </a:xfrm>
+          <a:prstGeom prst="rect">
+            <a:avLst/>
+          </a:prstGeom>
+          <a:noFill/>
+        </p:spPr>
+        <p:txBody>
+          <a:bodyPr wrap="square" rtlCol="0">
+            <a:spAutoFit/>
+          </a:bodyPr>
+          <a:lstStyle/>
+          <a:p>
+            <a:r>
+              <a:rPr lang="en-US" sz="900" dirty="0"/>
+              <a:t>EEG image courtesy of </a:t>
+            </a:r>
+            <a:r>
+              <a:rPr lang="en-US" sz="900" dirty="0" err="1"/>
+              <a:t>wikimedia</a:t>
+            </a:r>
+            <a:r>
+              <a:rPr lang="en-US" sz="900" dirty="0"/>
+              <a:t> commons: </a:t>
+            </a:r>
+            <a:r>
+              <a:rPr lang="en-US" sz="900" dirty="0">
+                <a:hlinkClick r:id="rId4" tooltip="User:Blacknick (page does not exist)"/>
+              </a:rPr>
+              <a:t>Andrii Cherninskyi</a:t>
+            </a:r>
+            <a:endParaRPr lang="en-US" sz="900" dirty="0"/>
+          </a:p>
+        </p:txBody>
+      </p:sp>
+      <p:pic>
+        <p:nvPicPr>
+          <p:cNvPr id="70" name="Graphic 69">
+            <a:extLst>
+              <a:ext uri="{FF2B5EF4-FFF2-40B4-BE49-F238E27FC236}">
+                <a16:creationId xmlns:a16="http://schemas.microsoft.com/office/drawing/2014/main" id="{DBF9FBAC-7C81-564B-9F30-FBA1C1481FCA}"/>
+              </a:ext>
+            </a:extLst>
+          </p:cNvPr>
+          <p:cNvPicPr>
+            <a:picLocks noChangeAspect="1"/>
+          </p:cNvPicPr>
+          <p:nvPr/>
+        </p:nvPicPr>
+        <p:blipFill>
+          <a:blip r:embed="rId2">
+            <a:extLst>
+              <a:ext uri="{96DAC541-7B7A-43D3-8B79-37D633B846F1}">
+                <asvg:svgBlip xmlns:asvg="http://schemas.microsoft.com/office/drawing/2016/SVG/main" r:embed="rId3"/>
+              </a:ext>
+            </a:extLst>
+          </a:blip>
+          <a:stretch>
+            <a:fillRect/>
+          </a:stretch>
+        </p:blipFill>
+        <p:spPr>
+          <a:xfrm>
+            <a:off x="1791386" y="2553450"/>
+            <a:ext cx="691177" cy="619232"/>
+          </a:xfrm>
+          <a:prstGeom prst="rect">
+            <a:avLst/>
+          </a:prstGeom>
+        </p:spPr>
+      </p:pic>
+      <p:pic>
+        <p:nvPicPr>
+          <p:cNvPr id="72" name="Graphic 71">
+            <a:extLst>
+              <a:ext uri="{FF2B5EF4-FFF2-40B4-BE49-F238E27FC236}">
+                <a16:creationId xmlns:a16="http://schemas.microsoft.com/office/drawing/2014/main" id="{0A7CBBE2-C53D-B249-B0A4-2A92B151C522}"/>
+              </a:ext>
+            </a:extLst>
+          </p:cNvPr>
+          <p:cNvPicPr>
+            <a:picLocks noChangeAspect="1"/>
+          </p:cNvPicPr>
+          <p:nvPr/>
+        </p:nvPicPr>
+        <p:blipFill>
+          <a:blip r:embed="rId2">
+            <a:extLst>
+              <a:ext uri="{96DAC541-7B7A-43D3-8B79-37D633B846F1}">
+                <asvg:svgBlip xmlns:asvg="http://schemas.microsoft.com/office/drawing/2016/SVG/main" r:embed="rId3"/>
+              </a:ext>
+            </a:extLst>
+          </a:blip>
+          <a:stretch>
+            <a:fillRect/>
+          </a:stretch>
+        </p:blipFill>
+        <p:spPr>
+          <a:xfrm>
+            <a:off x="4419212" y="2560223"/>
+            <a:ext cx="691177" cy="619232"/>
+          </a:xfrm>
+          <a:prstGeom prst="rect">
+            <a:avLst/>
+          </a:prstGeom>
+        </p:spPr>
+      </p:pic>
+      <p:sp>
+        <p:nvSpPr>
+          <p:cNvPr id="74" name="Rectangle 73">
+            <a:extLst>
+              <a:ext uri="{FF2B5EF4-FFF2-40B4-BE49-F238E27FC236}">
+                <a16:creationId xmlns:a16="http://schemas.microsoft.com/office/drawing/2014/main" id="{92B13150-63AA-6541-AF0A-DC8AC78293CC}"/>
               </a:ext>
             </a:extLst>
           </p:cNvPr>
@@ -38703,18 +37438,12 @@
         </p:nvSpPr>
         <p:spPr>
           <a:xfrm>
-            <a:off x="713234" y="2347411"/>
-            <a:ext cx="2285999" cy="3690205"/>
-          </a:xfrm>
-          <a:prstGeom prst="rect">
-            <a:avLst/>
-          </a:prstGeom>
-          <a:solidFill>
-            <a:schemeClr val="bg1"/>
-          </a:solidFill>
-          <a:ln>
-            <a:noFill/>
-          </a:ln>
+            <a:off x="1604563" y="5527618"/>
+            <a:ext cx="1055957" cy="656415"/>
+          </a:xfrm>
+          <a:prstGeom prst="rect">
+            <a:avLst/>
+          </a:prstGeom>
         </p:spPr>
         <p:style>
           <a:lnRef idx="2">
@@ -38737,14 +37466,1094 @@
           <a:lstStyle/>
           <a:p>
             <a:pPr algn="ctr"/>
+            <a:r>
+              <a:rPr lang="en-US" dirty="0"/>
+              <a:t>MCCA Comp.</a:t>
+            </a:r>
+          </a:p>
+        </p:txBody>
+      </p:sp>
+      <p:sp>
+        <p:nvSpPr>
+          <p:cNvPr id="76" name="Rectangle 75">
+            <a:extLst>
+              <a:ext uri="{FF2B5EF4-FFF2-40B4-BE49-F238E27FC236}">
+                <a16:creationId xmlns:a16="http://schemas.microsoft.com/office/drawing/2014/main" id="{062B35F7-E73B-1A4D-AB02-2E26C7C71BF0}"/>
+              </a:ext>
+            </a:extLst>
+          </p:cNvPr>
+          <p:cNvSpPr/>
+          <p:nvPr/>
+        </p:nvSpPr>
+        <p:spPr>
+          <a:xfrm>
+            <a:off x="4242131" y="5527618"/>
+            <a:ext cx="1055957" cy="656415"/>
+          </a:xfrm>
+          <a:prstGeom prst="rect">
+            <a:avLst/>
+          </a:prstGeom>
+        </p:spPr>
+        <p:style>
+          <a:lnRef idx="2">
+            <a:schemeClr val="accent1">
+              <a:shade val="50000"/>
+            </a:schemeClr>
+          </a:lnRef>
+          <a:fillRef idx="1">
+            <a:schemeClr val="accent1"/>
+          </a:fillRef>
+          <a:effectRef idx="0">
+            <a:schemeClr val="accent1"/>
+          </a:effectRef>
+          <a:fontRef idx="minor">
+            <a:schemeClr val="lt1"/>
+          </a:fontRef>
+        </p:style>
+        <p:txBody>
+          <a:bodyPr rtlCol="0" anchor="ctr"/>
+          <a:lstStyle/>
+          <a:p>
+            <a:pPr algn="ctr"/>
+            <a:r>
+              <a:rPr lang="en-US" dirty="0"/>
+              <a:t>MCCA Comp.</a:t>
+            </a:r>
+          </a:p>
+        </p:txBody>
+      </p:sp>
+      <p:cxnSp>
+        <p:nvCxnSpPr>
+          <p:cNvPr id="77" name="Straight Arrow Connector 76">
+            <a:extLst>
+              <a:ext uri="{FF2B5EF4-FFF2-40B4-BE49-F238E27FC236}">
+                <a16:creationId xmlns:a16="http://schemas.microsoft.com/office/drawing/2014/main" id="{B1499C81-652A-8345-A155-0C371C752EDB}"/>
+              </a:ext>
+            </a:extLst>
+          </p:cNvPr>
+          <p:cNvCxnSpPr>
+            <a:cxnSpLocks/>
+          </p:cNvCxnSpPr>
+          <p:nvPr/>
+        </p:nvCxnSpPr>
+        <p:spPr>
+          <a:xfrm>
+            <a:off x="759432" y="3201953"/>
+            <a:ext cx="0" cy="539393"/>
+          </a:xfrm>
+          <a:prstGeom prst="straightConnector1">
+            <a:avLst/>
+          </a:prstGeom>
+          <a:ln w="63500">
+            <a:solidFill>
+              <a:schemeClr val="tx1"/>
+            </a:solidFill>
+            <a:tailEnd type="triangle"/>
+          </a:ln>
+        </p:spPr>
+        <p:style>
+          <a:lnRef idx="1">
+            <a:schemeClr val="accent1"/>
+          </a:lnRef>
+          <a:fillRef idx="0">
+            <a:schemeClr val="accent1"/>
+          </a:fillRef>
+          <a:effectRef idx="0">
+            <a:schemeClr val="accent1"/>
+          </a:effectRef>
+          <a:fontRef idx="minor">
+            <a:schemeClr val="tx1"/>
+          </a:fontRef>
+        </p:style>
+      </p:cxnSp>
+      <p:cxnSp>
+        <p:nvCxnSpPr>
+          <p:cNvPr id="79" name="Straight Arrow Connector 78">
+            <a:extLst>
+              <a:ext uri="{FF2B5EF4-FFF2-40B4-BE49-F238E27FC236}">
+                <a16:creationId xmlns:a16="http://schemas.microsoft.com/office/drawing/2014/main" id="{E13F1FD2-CEA7-DF44-9A7A-761B9ABB5407}"/>
+              </a:ext>
+            </a:extLst>
+          </p:cNvPr>
+          <p:cNvCxnSpPr>
+            <a:cxnSpLocks/>
+          </p:cNvCxnSpPr>
+          <p:nvPr/>
+        </p:nvCxnSpPr>
+        <p:spPr>
+          <a:xfrm>
+            <a:off x="2132541" y="3195209"/>
+            <a:ext cx="0" cy="539393"/>
+          </a:xfrm>
+          <a:prstGeom prst="straightConnector1">
+            <a:avLst/>
+          </a:prstGeom>
+          <a:ln w="63500">
+            <a:solidFill>
+              <a:schemeClr val="tx1"/>
+            </a:solidFill>
+            <a:tailEnd type="triangle"/>
+          </a:ln>
+        </p:spPr>
+        <p:style>
+          <a:lnRef idx="1">
+            <a:schemeClr val="accent1"/>
+          </a:lnRef>
+          <a:fillRef idx="0">
+            <a:schemeClr val="accent1"/>
+          </a:fillRef>
+          <a:effectRef idx="0">
+            <a:schemeClr val="accent1"/>
+          </a:effectRef>
+          <a:fontRef idx="minor">
+            <a:schemeClr val="tx1"/>
+          </a:fontRef>
+        </p:style>
+      </p:cxnSp>
+      <p:cxnSp>
+        <p:nvCxnSpPr>
+          <p:cNvPr id="81" name="Straight Arrow Connector 80">
+            <a:extLst>
+              <a:ext uri="{FF2B5EF4-FFF2-40B4-BE49-F238E27FC236}">
+                <a16:creationId xmlns:a16="http://schemas.microsoft.com/office/drawing/2014/main" id="{600A0EC2-7E86-634B-8D9E-A0769C96D609}"/>
+              </a:ext>
+            </a:extLst>
+          </p:cNvPr>
+          <p:cNvCxnSpPr>
+            <a:cxnSpLocks/>
+          </p:cNvCxnSpPr>
+          <p:nvPr/>
+        </p:nvCxnSpPr>
+        <p:spPr>
+          <a:xfrm>
+            <a:off x="4764800" y="3195207"/>
+            <a:ext cx="0" cy="539393"/>
+          </a:xfrm>
+          <a:prstGeom prst="straightConnector1">
+            <a:avLst/>
+          </a:prstGeom>
+          <a:ln w="63500">
+            <a:solidFill>
+              <a:schemeClr val="tx1"/>
+            </a:solidFill>
+            <a:tailEnd type="triangle"/>
+          </a:ln>
+        </p:spPr>
+        <p:style>
+          <a:lnRef idx="1">
+            <a:schemeClr val="accent1"/>
+          </a:lnRef>
+          <a:fillRef idx="0">
+            <a:schemeClr val="accent1"/>
+          </a:fillRef>
+          <a:effectRef idx="0">
+            <a:schemeClr val="accent1"/>
+          </a:effectRef>
+          <a:fontRef idx="minor">
+            <a:schemeClr val="tx1"/>
+          </a:fontRef>
+        </p:style>
+      </p:cxnSp>
+      <p:cxnSp>
+        <p:nvCxnSpPr>
+          <p:cNvPr id="85" name="Straight Arrow Connector 84">
+            <a:extLst>
+              <a:ext uri="{FF2B5EF4-FFF2-40B4-BE49-F238E27FC236}">
+                <a16:creationId xmlns:a16="http://schemas.microsoft.com/office/drawing/2014/main" id="{D082B698-7DE4-7C47-A674-9DD8E5B72123}"/>
+              </a:ext>
+            </a:extLst>
+          </p:cNvPr>
+          <p:cNvCxnSpPr>
+            <a:cxnSpLocks/>
+            <a:endCxn id="24" idx="0"/>
+          </p:cNvCxnSpPr>
+          <p:nvPr/>
+        </p:nvCxnSpPr>
+        <p:spPr>
+          <a:xfrm>
+            <a:off x="764186" y="4310010"/>
+            <a:ext cx="0" cy="1217608"/>
+          </a:xfrm>
+          <a:prstGeom prst="straightConnector1">
+            <a:avLst/>
+          </a:prstGeom>
+          <a:ln w="63500">
+            <a:solidFill>
+              <a:schemeClr val="tx1"/>
+            </a:solidFill>
+            <a:tailEnd type="triangle"/>
+          </a:ln>
+        </p:spPr>
+        <p:style>
+          <a:lnRef idx="1">
+            <a:schemeClr val="accent1"/>
+          </a:lnRef>
+          <a:fillRef idx="0">
+            <a:schemeClr val="accent1"/>
+          </a:fillRef>
+          <a:effectRef idx="0">
+            <a:schemeClr val="accent1"/>
+          </a:effectRef>
+          <a:fontRef idx="minor">
+            <a:schemeClr val="tx1"/>
+          </a:fontRef>
+        </p:style>
+      </p:cxnSp>
+      <p:cxnSp>
+        <p:nvCxnSpPr>
+          <p:cNvPr id="86" name="Straight Arrow Connector 85">
+            <a:extLst>
+              <a:ext uri="{FF2B5EF4-FFF2-40B4-BE49-F238E27FC236}">
+                <a16:creationId xmlns:a16="http://schemas.microsoft.com/office/drawing/2014/main" id="{AC59F7AA-4C64-B04B-AD91-6A7912FB4544}"/>
+              </a:ext>
+            </a:extLst>
+          </p:cNvPr>
+          <p:cNvCxnSpPr>
+            <a:cxnSpLocks/>
+          </p:cNvCxnSpPr>
+          <p:nvPr/>
+        </p:nvCxnSpPr>
+        <p:spPr>
+          <a:xfrm>
+            <a:off x="2132541" y="4310010"/>
+            <a:ext cx="0" cy="1217608"/>
+          </a:xfrm>
+          <a:prstGeom prst="straightConnector1">
+            <a:avLst/>
+          </a:prstGeom>
+          <a:ln w="63500">
+            <a:solidFill>
+              <a:schemeClr val="tx1"/>
+            </a:solidFill>
+            <a:tailEnd type="triangle"/>
+          </a:ln>
+        </p:spPr>
+        <p:style>
+          <a:lnRef idx="1">
+            <a:schemeClr val="accent1"/>
+          </a:lnRef>
+          <a:fillRef idx="0">
+            <a:schemeClr val="accent1"/>
+          </a:fillRef>
+          <a:effectRef idx="0">
+            <a:schemeClr val="accent1"/>
+          </a:effectRef>
+          <a:fontRef idx="minor">
+            <a:schemeClr val="tx1"/>
+          </a:fontRef>
+        </p:style>
+      </p:cxnSp>
+      <p:cxnSp>
+        <p:nvCxnSpPr>
+          <p:cNvPr id="89" name="Straight Arrow Connector 88">
+            <a:extLst>
+              <a:ext uri="{FF2B5EF4-FFF2-40B4-BE49-F238E27FC236}">
+                <a16:creationId xmlns:a16="http://schemas.microsoft.com/office/drawing/2014/main" id="{DBA9C6B6-C9D5-CA4F-833B-94339B762505}"/>
+              </a:ext>
+            </a:extLst>
+          </p:cNvPr>
+          <p:cNvCxnSpPr>
+            <a:cxnSpLocks/>
+          </p:cNvCxnSpPr>
+          <p:nvPr/>
+        </p:nvCxnSpPr>
+        <p:spPr>
+          <a:xfrm>
+            <a:off x="4764800" y="4300200"/>
+            <a:ext cx="0" cy="1217608"/>
+          </a:xfrm>
+          <a:prstGeom prst="straightConnector1">
+            <a:avLst/>
+          </a:prstGeom>
+          <a:ln w="63500">
+            <a:solidFill>
+              <a:schemeClr val="tx1"/>
+            </a:solidFill>
+            <a:tailEnd type="triangle"/>
+          </a:ln>
+        </p:spPr>
+        <p:style>
+          <a:lnRef idx="1">
+            <a:schemeClr val="accent1"/>
+          </a:lnRef>
+          <a:fillRef idx="0">
+            <a:schemeClr val="accent1"/>
+          </a:fillRef>
+          <a:effectRef idx="0">
+            <a:schemeClr val="accent1"/>
+          </a:effectRef>
+          <a:fontRef idx="minor">
+            <a:schemeClr val="tx1"/>
+          </a:fontRef>
+        </p:style>
+      </p:cxnSp>
+      <p:sp>
+        <p:nvSpPr>
+          <p:cNvPr id="91" name="Rectangle 90">
+            <a:extLst>
+              <a:ext uri="{FF2B5EF4-FFF2-40B4-BE49-F238E27FC236}">
+                <a16:creationId xmlns:a16="http://schemas.microsoft.com/office/drawing/2014/main" id="{C952C920-3DC6-414A-922E-BA0D55F287C5}"/>
+              </a:ext>
+            </a:extLst>
+          </p:cNvPr>
+          <p:cNvSpPr/>
+          <p:nvPr/>
+        </p:nvSpPr>
+        <p:spPr>
+          <a:xfrm>
+            <a:off x="274083" y="4467484"/>
+            <a:ext cx="1663906" cy="743114"/>
+          </a:xfrm>
+          <a:prstGeom prst="rect">
+            <a:avLst/>
+          </a:prstGeom>
+          <a:solidFill>
+            <a:schemeClr val="bg1"/>
+          </a:solidFill>
+          <a:ln>
+            <a:noFill/>
+          </a:ln>
+        </p:spPr>
+        <p:style>
+          <a:lnRef idx="2">
+            <a:schemeClr val="accent1">
+              <a:shade val="50000"/>
+            </a:schemeClr>
+          </a:lnRef>
+          <a:fillRef idx="1">
+            <a:schemeClr val="accent1"/>
+          </a:fillRef>
+          <a:effectRef idx="0">
+            <a:schemeClr val="accent1"/>
+          </a:effectRef>
+          <a:fontRef idx="minor">
+            <a:schemeClr val="lt1"/>
+          </a:fontRef>
+        </p:style>
+        <p:txBody>
+          <a:bodyPr rtlCol="0" anchor="ctr"/>
+          <a:lstStyle/>
+          <a:p>
+            <a:pPr algn="ctr"/>
+            <a:endParaRPr lang="en-US" dirty="0"/>
+          </a:p>
+        </p:txBody>
+      </p:sp>
+      <p:sp>
+        <p:nvSpPr>
+          <p:cNvPr id="92" name="Rectangle 91">
+            <a:extLst>
+              <a:ext uri="{FF2B5EF4-FFF2-40B4-BE49-F238E27FC236}">
+                <a16:creationId xmlns:a16="http://schemas.microsoft.com/office/drawing/2014/main" id="{2050C0CA-3AC0-354A-BB4A-10C78C00695F}"/>
+              </a:ext>
+            </a:extLst>
+          </p:cNvPr>
+          <p:cNvSpPr/>
+          <p:nvPr/>
+        </p:nvSpPr>
+        <p:spPr>
+          <a:xfrm>
+            <a:off x="1821652" y="4526216"/>
+            <a:ext cx="1983181" cy="496765"/>
+          </a:xfrm>
+          <a:prstGeom prst="rect">
+            <a:avLst/>
+          </a:prstGeom>
+          <a:solidFill>
+            <a:schemeClr val="bg1"/>
+          </a:solidFill>
+          <a:ln>
+            <a:noFill/>
+          </a:ln>
+        </p:spPr>
+        <p:style>
+          <a:lnRef idx="2">
+            <a:schemeClr val="accent1">
+              <a:shade val="50000"/>
+            </a:schemeClr>
+          </a:lnRef>
+          <a:fillRef idx="1">
+            <a:schemeClr val="accent1"/>
+          </a:fillRef>
+          <a:effectRef idx="0">
+            <a:schemeClr val="accent1"/>
+          </a:effectRef>
+          <a:fontRef idx="minor">
+            <a:schemeClr val="lt1"/>
+          </a:fontRef>
+        </p:style>
+        <p:txBody>
+          <a:bodyPr rtlCol="0" anchor="ctr"/>
+          <a:lstStyle/>
+          <a:p>
+            <a:pPr algn="ctr"/>
+            <a:endParaRPr lang="en-US" dirty="0"/>
+          </a:p>
+        </p:txBody>
+      </p:sp>
+      <p:sp>
+        <p:nvSpPr>
+          <p:cNvPr id="73" name="TextBox 72">
+            <a:extLst>
+              <a:ext uri="{FF2B5EF4-FFF2-40B4-BE49-F238E27FC236}">
+                <a16:creationId xmlns:a16="http://schemas.microsoft.com/office/drawing/2014/main" id="{A02A9793-489B-E14E-AD8E-34A5D1F65887}"/>
+              </a:ext>
+            </a:extLst>
+          </p:cNvPr>
+          <p:cNvSpPr txBox="1"/>
+          <p:nvPr/>
+        </p:nvSpPr>
+        <p:spPr>
+          <a:xfrm>
+            <a:off x="141988" y="4405251"/>
+            <a:ext cx="3583775" cy="870768"/>
+          </a:xfrm>
+          <a:prstGeom prst="rect">
+            <a:avLst/>
+          </a:prstGeom>
+          <a:noFill/>
+        </p:spPr>
+        <p:txBody>
+          <a:bodyPr wrap="square" rtlCol="0">
+            <a:spAutoFit/>
+          </a:bodyPr>
+          <a:lstStyle/>
+          <a:p>
+            <a:r>
+              <a:rPr lang="en-US" sz="3200" dirty="0"/>
+              <a:t>MCCA Components</a:t>
+            </a:r>
+          </a:p>
+          <a:p>
+            <a:r>
+              <a:rPr lang="en-US" dirty="0">
+                <a:solidFill>
+                  <a:schemeClr val="tx1">
+                    <a:lumMod val="50000"/>
+                    <a:lumOff val="50000"/>
+                  </a:schemeClr>
+                </a:solidFill>
+              </a:rPr>
+              <a:t>shared subspace</a:t>
+            </a:r>
+          </a:p>
+        </p:txBody>
+      </p:sp>
+      <p:sp>
+        <p:nvSpPr>
+          <p:cNvPr id="17" name="TextBox 16">
+            <a:extLst>
+              <a:ext uri="{FF2B5EF4-FFF2-40B4-BE49-F238E27FC236}">
+                <a16:creationId xmlns:a16="http://schemas.microsoft.com/office/drawing/2014/main" id="{713AEBF0-D353-1D4B-876C-ABDEB3FB9EA6}"/>
+              </a:ext>
+            </a:extLst>
+          </p:cNvPr>
+          <p:cNvSpPr txBox="1"/>
+          <p:nvPr/>
+        </p:nvSpPr>
+        <p:spPr>
+          <a:xfrm>
+            <a:off x="3163623" y="2300666"/>
+            <a:ext cx="833033" cy="861774"/>
+          </a:xfrm>
+          <a:prstGeom prst="rect">
+            <a:avLst/>
+          </a:prstGeom>
+          <a:noFill/>
+        </p:spPr>
+        <p:txBody>
+          <a:bodyPr wrap="square" rtlCol="0">
+            <a:spAutoFit/>
+          </a:bodyPr>
+          <a:lstStyle/>
+          <a:p>
+            <a:r>
+              <a:rPr lang="en-US" sz="5000" dirty="0"/>
+              <a:t>…</a:t>
+            </a:r>
+          </a:p>
+        </p:txBody>
+      </p:sp>
+      <p:sp>
+        <p:nvSpPr>
+          <p:cNvPr id="93" name="TextBox 92">
+            <a:extLst>
+              <a:ext uri="{FF2B5EF4-FFF2-40B4-BE49-F238E27FC236}">
+                <a16:creationId xmlns:a16="http://schemas.microsoft.com/office/drawing/2014/main" id="{B7C57E70-43BA-0344-959A-85762A738E92}"/>
+              </a:ext>
+            </a:extLst>
+          </p:cNvPr>
+          <p:cNvSpPr txBox="1"/>
+          <p:nvPr/>
+        </p:nvSpPr>
+        <p:spPr>
+          <a:xfrm>
+            <a:off x="3115165" y="5096731"/>
+            <a:ext cx="833033" cy="861774"/>
+          </a:xfrm>
+          <a:prstGeom prst="rect">
+            <a:avLst/>
+          </a:prstGeom>
+          <a:noFill/>
+        </p:spPr>
+        <p:txBody>
+          <a:bodyPr wrap="square" rtlCol="0">
+            <a:spAutoFit/>
+          </a:bodyPr>
+          <a:lstStyle/>
+          <a:p>
+            <a:r>
+              <a:rPr lang="en-US" sz="5000" dirty="0"/>
+              <a:t>…</a:t>
+            </a:r>
+          </a:p>
+        </p:txBody>
+      </p:sp>
+      <p:cxnSp>
+        <p:nvCxnSpPr>
+          <p:cNvPr id="34" name="Curved Connector 33">
+            <a:extLst>
+              <a:ext uri="{FF2B5EF4-FFF2-40B4-BE49-F238E27FC236}">
+                <a16:creationId xmlns:a16="http://schemas.microsoft.com/office/drawing/2014/main" id="{119C51BB-E4C9-2E4D-BA30-A2B2E5D32D78}"/>
+              </a:ext>
+            </a:extLst>
+          </p:cNvPr>
+          <p:cNvCxnSpPr>
+            <a:cxnSpLocks/>
+            <a:stCxn id="76" idx="2"/>
+            <a:endCxn id="48" idx="1"/>
+          </p:cNvCxnSpPr>
+          <p:nvPr/>
+        </p:nvCxnSpPr>
+        <p:spPr>
+          <a:xfrm rot="5400000" flipH="1" flipV="1">
+            <a:off x="4428836" y="3564589"/>
+            <a:ext cx="2960717" cy="2278171"/>
+          </a:xfrm>
+          <a:prstGeom prst="curvedConnector4">
+            <a:avLst>
+              <a:gd name="adj1" fmla="val -11090"/>
+              <a:gd name="adj2" fmla="val 61588"/>
+            </a:avLst>
+          </a:prstGeom>
+          <a:ln w="63500">
+            <a:solidFill>
+              <a:schemeClr val="tx1"/>
+            </a:solidFill>
+            <a:tailEnd type="triangle"/>
+          </a:ln>
+        </p:spPr>
+        <p:style>
+          <a:lnRef idx="1">
+            <a:schemeClr val="accent1"/>
+          </a:lnRef>
+          <a:fillRef idx="0">
+            <a:schemeClr val="accent1"/>
+          </a:fillRef>
+          <a:effectRef idx="0">
+            <a:schemeClr val="accent1"/>
+          </a:effectRef>
+          <a:fontRef idx="minor">
+            <a:schemeClr val="tx1"/>
+          </a:fontRef>
+        </p:style>
+      </p:cxnSp>
+      <p:sp>
+        <p:nvSpPr>
+          <p:cNvPr id="35" name="Rectangle 34">
+            <a:extLst>
+              <a:ext uri="{FF2B5EF4-FFF2-40B4-BE49-F238E27FC236}">
+                <a16:creationId xmlns:a16="http://schemas.microsoft.com/office/drawing/2014/main" id="{DD7F3435-8FAB-A04B-8194-AFD202A11512}"/>
+              </a:ext>
+            </a:extLst>
+          </p:cNvPr>
+          <p:cNvSpPr/>
+          <p:nvPr/>
+        </p:nvSpPr>
+        <p:spPr>
+          <a:xfrm>
+            <a:off x="6583360" y="4658250"/>
+            <a:ext cx="2249555" cy="876961"/>
+          </a:xfrm>
+          <a:prstGeom prst="rect">
+            <a:avLst/>
+          </a:prstGeom>
+        </p:spPr>
+        <p:style>
+          <a:lnRef idx="2">
+            <a:schemeClr val="accent1">
+              <a:shade val="50000"/>
+            </a:schemeClr>
+          </a:lnRef>
+          <a:fillRef idx="1">
+            <a:schemeClr val="accent1"/>
+          </a:fillRef>
+          <a:effectRef idx="0">
+            <a:schemeClr val="accent1"/>
+          </a:effectRef>
+          <a:fontRef idx="minor">
+            <a:schemeClr val="lt1"/>
+          </a:fontRef>
+        </p:style>
+        <p:txBody>
+          <a:bodyPr rtlCol="0" anchor="ctr"/>
+          <a:lstStyle/>
+          <a:p>
+            <a:pPr algn="ctr"/>
+            <a:r>
+              <a:rPr lang="en-US" sz="2400" dirty="0"/>
+              <a:t>Decoding: Envelope</a:t>
+            </a:r>
+          </a:p>
+        </p:txBody>
+      </p:sp>
+      <p:sp>
+        <p:nvSpPr>
+          <p:cNvPr id="37" name="Rectangle 36">
+            <a:extLst>
+              <a:ext uri="{FF2B5EF4-FFF2-40B4-BE49-F238E27FC236}">
+                <a16:creationId xmlns:a16="http://schemas.microsoft.com/office/drawing/2014/main" id="{CE722B22-DCBC-6B4D-9462-FCE25E637A92}"/>
+              </a:ext>
+            </a:extLst>
+          </p:cNvPr>
+          <p:cNvSpPr/>
+          <p:nvPr/>
+        </p:nvSpPr>
+        <p:spPr>
+          <a:xfrm>
+            <a:off x="9245570" y="4658251"/>
+            <a:ext cx="2249555" cy="876960"/>
+          </a:xfrm>
+          <a:prstGeom prst="rect">
+            <a:avLst/>
+          </a:prstGeom>
+        </p:spPr>
+        <p:style>
+          <a:lnRef idx="2">
+            <a:schemeClr val="accent1">
+              <a:shade val="50000"/>
+            </a:schemeClr>
+          </a:lnRef>
+          <a:fillRef idx="1">
+            <a:schemeClr val="accent1"/>
+          </a:fillRef>
+          <a:effectRef idx="0">
+            <a:schemeClr val="accent1"/>
+          </a:effectRef>
+          <a:fontRef idx="minor">
+            <a:schemeClr val="lt1"/>
+          </a:fontRef>
+        </p:style>
+        <p:txBody>
+          <a:bodyPr rtlCol="0" anchor="ctr"/>
+          <a:lstStyle/>
+          <a:p>
+            <a:pPr algn="ctr"/>
+            <a:r>
+              <a:rPr lang="en-US" sz="2400" dirty="0"/>
+              <a:t>Decoding: </a:t>
+            </a:r>
+          </a:p>
+          <a:p>
+            <a:pPr algn="ctr"/>
+            <a:r>
+              <a:rPr lang="en-US" sz="2400" dirty="0"/>
+              <a:t>Pitch Surprisal</a:t>
+            </a:r>
+          </a:p>
+        </p:txBody>
+      </p:sp>
+      <p:pic>
+        <p:nvPicPr>
+          <p:cNvPr id="48" name="Picture 47">
+            <a:extLst>
+              <a:ext uri="{FF2B5EF4-FFF2-40B4-BE49-F238E27FC236}">
+                <a16:creationId xmlns:a16="http://schemas.microsoft.com/office/drawing/2014/main" id="{95E2EAA0-2856-AC43-BEE9-0397A0C798D6}"/>
+              </a:ext>
+            </a:extLst>
+          </p:cNvPr>
+          <p:cNvPicPr>
+            <a:picLocks noChangeAspect="1"/>
+          </p:cNvPicPr>
+          <p:nvPr/>
+        </p:nvPicPr>
+        <p:blipFill>
+          <a:blip r:embed="rId5"/>
+          <a:stretch>
+            <a:fillRect/>
+          </a:stretch>
+        </p:blipFill>
+        <p:spPr>
+          <a:xfrm>
+            <a:off x="7048281" y="2560534"/>
+            <a:ext cx="3020131" cy="1325563"/>
+          </a:xfrm>
+          <a:prstGeom prst="rect">
+            <a:avLst/>
+          </a:prstGeom>
+        </p:spPr>
+      </p:pic>
+      <p:sp>
+        <p:nvSpPr>
+          <p:cNvPr id="50" name="TextBox 49">
+            <a:extLst>
+              <a:ext uri="{FF2B5EF4-FFF2-40B4-BE49-F238E27FC236}">
+                <a16:creationId xmlns:a16="http://schemas.microsoft.com/office/drawing/2014/main" id="{1C4B78EA-56BC-B541-A43B-0691E5FB052F}"/>
+              </a:ext>
+            </a:extLst>
+          </p:cNvPr>
+          <p:cNvSpPr txBox="1"/>
+          <p:nvPr/>
+        </p:nvSpPr>
+        <p:spPr>
+          <a:xfrm rot="16200000">
+            <a:off x="6988275" y="3067643"/>
+            <a:ext cx="1899815" cy="492443"/>
+          </a:xfrm>
+          <a:prstGeom prst="rect">
+            <a:avLst/>
+          </a:prstGeom>
+          <a:solidFill>
+            <a:schemeClr val="bg1"/>
+          </a:solidFill>
+        </p:spPr>
+        <p:txBody>
+          <a:bodyPr wrap="none" rtlCol="0">
+            <a:spAutoFit/>
+          </a:bodyPr>
+          <a:lstStyle/>
+          <a:p>
+            <a:r>
+              <a:rPr lang="en-US" sz="2600" dirty="0"/>
+              <a:t>Target Onset</a:t>
+            </a:r>
+          </a:p>
+        </p:txBody>
+      </p:sp>
+      <p:sp>
+        <p:nvSpPr>
+          <p:cNvPr id="4" name="Rectangle 3">
+            <a:extLst>
+              <a:ext uri="{FF2B5EF4-FFF2-40B4-BE49-F238E27FC236}">
+                <a16:creationId xmlns:a16="http://schemas.microsoft.com/office/drawing/2014/main" id="{2C16163A-993F-C34D-9B07-1F60091A0E2B}"/>
+              </a:ext>
+            </a:extLst>
+          </p:cNvPr>
+          <p:cNvSpPr/>
+          <p:nvPr/>
+        </p:nvSpPr>
+        <p:spPr>
+          <a:xfrm>
+            <a:off x="8267756" y="2560534"/>
+            <a:ext cx="460380" cy="1420804"/>
+          </a:xfrm>
+          <a:prstGeom prst="rect">
+            <a:avLst/>
+          </a:prstGeom>
+          <a:solidFill>
+            <a:schemeClr val="accent1">
+              <a:alpha val="46000"/>
+            </a:schemeClr>
+          </a:solidFill>
+        </p:spPr>
+        <p:style>
+          <a:lnRef idx="2">
+            <a:schemeClr val="accent1">
+              <a:shade val="50000"/>
+            </a:schemeClr>
+          </a:lnRef>
+          <a:fillRef idx="1">
+            <a:schemeClr val="accent1"/>
+          </a:fillRef>
+          <a:effectRef idx="0">
+            <a:schemeClr val="accent1"/>
+          </a:effectRef>
+          <a:fontRef idx="minor">
+            <a:schemeClr val="lt1"/>
+          </a:fontRef>
+        </p:style>
+        <p:txBody>
+          <a:bodyPr rtlCol="0" anchor="ctr"/>
+          <a:lstStyle/>
+          <a:p>
+            <a:pPr algn="ctr"/>
             <a:endParaRPr lang="en-US"/>
+          </a:p>
+        </p:txBody>
+      </p:sp>
+      <p:cxnSp>
+        <p:nvCxnSpPr>
+          <p:cNvPr id="51" name="Straight Arrow Connector 50">
+            <a:extLst>
+              <a:ext uri="{FF2B5EF4-FFF2-40B4-BE49-F238E27FC236}">
+                <a16:creationId xmlns:a16="http://schemas.microsoft.com/office/drawing/2014/main" id="{8711965E-78CD-0441-AD82-14B254455BF3}"/>
+              </a:ext>
+            </a:extLst>
+          </p:cNvPr>
+          <p:cNvCxnSpPr>
+            <a:cxnSpLocks/>
+            <a:endCxn id="35" idx="0"/>
+          </p:cNvCxnSpPr>
+          <p:nvPr/>
+        </p:nvCxnSpPr>
+        <p:spPr>
+          <a:xfrm flipH="1">
+            <a:off x="7708138" y="3981338"/>
+            <a:ext cx="973162" cy="676912"/>
+          </a:xfrm>
+          <a:prstGeom prst="straightConnector1">
+            <a:avLst/>
+          </a:prstGeom>
+          <a:ln w="63500">
+            <a:solidFill>
+              <a:schemeClr val="tx1"/>
+            </a:solidFill>
+            <a:tailEnd type="triangle"/>
+          </a:ln>
+        </p:spPr>
+        <p:style>
+          <a:lnRef idx="1">
+            <a:schemeClr val="accent1"/>
+          </a:lnRef>
+          <a:fillRef idx="0">
+            <a:schemeClr val="accent1"/>
+          </a:fillRef>
+          <a:effectRef idx="0">
+            <a:schemeClr val="accent1"/>
+          </a:effectRef>
+          <a:fontRef idx="minor">
+            <a:schemeClr val="tx1"/>
+          </a:fontRef>
+        </p:style>
+      </p:cxnSp>
+      <p:cxnSp>
+        <p:nvCxnSpPr>
+          <p:cNvPr id="52" name="Straight Arrow Connector 51">
+            <a:extLst>
+              <a:ext uri="{FF2B5EF4-FFF2-40B4-BE49-F238E27FC236}">
+                <a16:creationId xmlns:a16="http://schemas.microsoft.com/office/drawing/2014/main" id="{C5A6CF22-10DD-2E48-B0CA-6631ECCCD6F7}"/>
+              </a:ext>
+            </a:extLst>
+          </p:cNvPr>
+          <p:cNvCxnSpPr>
+            <a:cxnSpLocks/>
+            <a:endCxn id="37" idx="0"/>
+          </p:cNvCxnSpPr>
+          <p:nvPr/>
+        </p:nvCxnSpPr>
+        <p:spPr>
+          <a:xfrm>
+            <a:off x="8888718" y="3981338"/>
+            <a:ext cx="1481630" cy="676913"/>
+          </a:xfrm>
+          <a:prstGeom prst="straightConnector1">
+            <a:avLst/>
+          </a:prstGeom>
+          <a:ln w="63500">
+            <a:solidFill>
+              <a:schemeClr val="tx1"/>
+            </a:solidFill>
+            <a:tailEnd type="triangle"/>
+          </a:ln>
+        </p:spPr>
+        <p:style>
+          <a:lnRef idx="1">
+            <a:schemeClr val="accent1"/>
+          </a:lnRef>
+          <a:fillRef idx="0">
+            <a:schemeClr val="accent1"/>
+          </a:fillRef>
+          <a:effectRef idx="0">
+            <a:schemeClr val="accent1"/>
+          </a:effectRef>
+          <a:fontRef idx="minor">
+            <a:schemeClr val="tx1"/>
+          </a:fontRef>
+        </p:style>
+      </p:cxnSp>
+      <p:sp>
+        <p:nvSpPr>
+          <p:cNvPr id="14" name="TextBox 13">
+            <a:extLst>
+              <a:ext uri="{FF2B5EF4-FFF2-40B4-BE49-F238E27FC236}">
+                <a16:creationId xmlns:a16="http://schemas.microsoft.com/office/drawing/2014/main" id="{594B2E5C-1D5A-1D43-84FE-4D67C78A36D7}"/>
+              </a:ext>
+            </a:extLst>
+          </p:cNvPr>
+          <p:cNvSpPr txBox="1"/>
+          <p:nvPr/>
+        </p:nvSpPr>
+        <p:spPr>
+          <a:xfrm>
+            <a:off x="6182634" y="5726250"/>
+            <a:ext cx="5824415" cy="523220"/>
+          </a:xfrm>
+          <a:prstGeom prst="rect">
+            <a:avLst/>
+          </a:prstGeom>
+          <a:noFill/>
+        </p:spPr>
+        <p:txBody>
+          <a:bodyPr wrap="none" rtlCol="0">
+            <a:spAutoFit/>
+          </a:bodyPr>
+          <a:lstStyle/>
+          <a:p>
+            <a:r>
+              <a:rPr lang="en-US" sz="2800" dirty="0"/>
+              <a:t>3-layer 64 hidden-unit neural network</a:t>
+            </a:r>
+          </a:p>
+        </p:txBody>
+      </p:sp>
+      <p:pic>
+        <p:nvPicPr>
+          <p:cNvPr id="15" name="Picture 14">
+            <a:extLst>
+              <a:ext uri="{FF2B5EF4-FFF2-40B4-BE49-F238E27FC236}">
+                <a16:creationId xmlns:a16="http://schemas.microsoft.com/office/drawing/2014/main" id="{E4583E93-D7EC-794A-AC7D-FA54FE62BD6F}"/>
+              </a:ext>
+            </a:extLst>
+          </p:cNvPr>
+          <p:cNvPicPr>
+            <a:picLocks noChangeAspect="1"/>
+          </p:cNvPicPr>
+          <p:nvPr/>
+        </p:nvPicPr>
+        <p:blipFill>
+          <a:blip r:embed="rId6"/>
+          <a:stretch>
+            <a:fillRect/>
+          </a:stretch>
+        </p:blipFill>
+        <p:spPr>
+          <a:xfrm>
+            <a:off x="6988396" y="1101674"/>
+            <a:ext cx="3073400" cy="914400"/>
+          </a:xfrm>
+          <a:prstGeom prst="rect">
+            <a:avLst/>
+          </a:prstGeom>
+        </p:spPr>
+      </p:pic>
+      <p:cxnSp>
+        <p:nvCxnSpPr>
+          <p:cNvPr id="49" name="Straight Connector 48">
+            <a:extLst>
+              <a:ext uri="{FF2B5EF4-FFF2-40B4-BE49-F238E27FC236}">
+                <a16:creationId xmlns:a16="http://schemas.microsoft.com/office/drawing/2014/main" id="{AD3FE317-58FD-BA44-93E4-F37C1F927623}"/>
+              </a:ext>
+            </a:extLst>
+          </p:cNvPr>
+          <p:cNvCxnSpPr>
+            <a:cxnSpLocks/>
+          </p:cNvCxnSpPr>
+          <p:nvPr/>
+        </p:nvCxnSpPr>
+        <p:spPr>
+          <a:xfrm>
+            <a:off x="8267755" y="1101674"/>
+            <a:ext cx="0" cy="3000629"/>
+          </a:xfrm>
+          <a:prstGeom prst="line">
+            <a:avLst/>
+          </a:prstGeom>
+          <a:ln w="63500">
+            <a:solidFill>
+              <a:schemeClr val="tx1"/>
+            </a:solidFill>
+            <a:prstDash val="sysDash"/>
+          </a:ln>
+        </p:spPr>
+        <p:style>
+          <a:lnRef idx="1">
+            <a:schemeClr val="accent1"/>
+          </a:lnRef>
+          <a:fillRef idx="0">
+            <a:schemeClr val="accent1"/>
+          </a:fillRef>
+          <a:effectRef idx="0">
+            <a:schemeClr val="accent1"/>
+          </a:effectRef>
+          <a:fontRef idx="minor">
+            <a:schemeClr val="tx1"/>
+          </a:fontRef>
+        </p:style>
+      </p:cxnSp>
+      <p:sp>
+        <p:nvSpPr>
+          <p:cNvPr id="61" name="TextBox 60">
+            <a:extLst>
+              <a:ext uri="{FF2B5EF4-FFF2-40B4-BE49-F238E27FC236}">
+                <a16:creationId xmlns:a16="http://schemas.microsoft.com/office/drawing/2014/main" id="{A9AA05CD-840F-4F4D-B452-755FAF3DA3F6}"/>
+              </a:ext>
+            </a:extLst>
+          </p:cNvPr>
+          <p:cNvSpPr txBox="1"/>
+          <p:nvPr/>
+        </p:nvSpPr>
+        <p:spPr>
+          <a:xfrm>
+            <a:off x="6182634" y="6216760"/>
+            <a:ext cx="3370923" cy="523220"/>
+          </a:xfrm>
+          <a:prstGeom prst="rect">
+            <a:avLst/>
+          </a:prstGeom>
+          <a:noFill/>
+        </p:spPr>
+        <p:txBody>
+          <a:bodyPr wrap="none" rtlCol="0">
+            <a:spAutoFit/>
+          </a:bodyPr>
+          <a:lstStyle/>
+          <a:p>
+            <a:r>
+              <a:rPr lang="en-US" sz="2800" dirty="0"/>
+              <a:t>Trained on target hits</a:t>
+            </a:r>
+          </a:p>
+        </p:txBody>
+      </p:sp>
+      <p:sp>
+        <p:nvSpPr>
+          <p:cNvPr id="30" name="TextBox 29">
+            <a:extLst>
+              <a:ext uri="{FF2B5EF4-FFF2-40B4-BE49-F238E27FC236}">
+                <a16:creationId xmlns:a16="http://schemas.microsoft.com/office/drawing/2014/main" id="{FE1102CA-A5F1-C64A-9812-FE62A05E7E52}"/>
+              </a:ext>
+            </a:extLst>
+          </p:cNvPr>
+          <p:cNvSpPr txBox="1"/>
+          <p:nvPr/>
+        </p:nvSpPr>
+        <p:spPr>
+          <a:xfrm>
+            <a:off x="8294905" y="2149793"/>
+            <a:ext cx="460382" cy="461665"/>
+          </a:xfrm>
+          <a:prstGeom prst="rect">
+            <a:avLst/>
+          </a:prstGeom>
+          <a:noFill/>
+        </p:spPr>
+        <p:txBody>
+          <a:bodyPr wrap="none" rtlCol="0">
+            <a:spAutoFit/>
+          </a:bodyPr>
+          <a:lstStyle/>
+          <a:p>
+            <a:r>
+              <a:rPr lang="en-US" sz="2400" dirty="0"/>
+              <a:t>1s</a:t>
+            </a:r>
           </a:p>
         </p:txBody>
       </p:sp>
     </p:spTree>
     <p:extLst>
       <p:ext uri="{BB962C8B-B14F-4D97-AF65-F5344CB8AC3E}">
-        <p14:creationId xmlns:p14="http://schemas.microsoft.com/office/powerpoint/2010/main" val="2174189957"/>
+        <p14:creationId xmlns:p14="http://schemas.microsoft.com/office/powerpoint/2010/main" val="203296460"/>
       </p:ext>
     </p:extLst>
   </p:cSld>
@@ -38837,6 +38646,44 @@
       </p:sp>
       <p:sp>
         <p:nvSpPr>
+          <p:cNvPr id="9" name="TextBox 8">
+            <a:extLst>
+              <a:ext uri="{FF2B5EF4-FFF2-40B4-BE49-F238E27FC236}">
+                <a16:creationId xmlns:a16="http://schemas.microsoft.com/office/drawing/2014/main" id="{C8506752-3B36-1F40-8588-B1638D09536F}"/>
+              </a:ext>
+            </a:extLst>
+          </p:cNvPr>
+          <p:cNvSpPr txBox="1"/>
+          <p:nvPr/>
+        </p:nvSpPr>
+        <p:spPr>
+          <a:xfrm>
+            <a:off x="5587720" y="6037618"/>
+            <a:ext cx="1016560" cy="523220"/>
+          </a:xfrm>
+          <a:prstGeom prst="rect">
+            <a:avLst/>
+          </a:prstGeom>
+          <a:noFill/>
+        </p:spPr>
+        <p:txBody>
+          <a:bodyPr wrap="none" rtlCol="0">
+            <a:spAutoFit/>
+          </a:bodyPr>
+          <a:lstStyle/>
+          <a:p>
+            <a:r>
+              <a:rPr lang="en-US" sz="2800" b="1" dirty="0">
+                <a:latin typeface="Arial" panose="020B0604020202020204" pitchFamily="34" charset="0"/>
+                <a:cs typeface="Arial" panose="020B0604020202020204" pitchFamily="34" charset="0"/>
+              </a:rPr>
+              <a:t>Time</a:t>
+            </a:r>
+          </a:p>
+        </p:txBody>
+      </p:sp>
+      <p:sp>
+        <p:nvSpPr>
           <p:cNvPr id="17" name="Rectangle 16">
             <a:extLst>
               <a:ext uri="{FF2B5EF4-FFF2-40B4-BE49-F238E27FC236}">
@@ -38902,7 +38749,7 @@
         <p:spPr>
           <a:xfrm>
             <a:off x="1266093" y="1477108"/>
-            <a:ext cx="8262558" cy="3690205"/>
+            <a:ext cx="8262558" cy="5380892"/>
           </a:xfrm>
           <a:prstGeom prst="rect">
             <a:avLst/>
@@ -38991,48 +38838,10 @@
           </a:p>
         </p:txBody>
       </p:sp>
-      <p:sp>
-        <p:nvSpPr>
-          <p:cNvPr id="10" name="TextBox 9">
-            <a:extLst>
-              <a:ext uri="{FF2B5EF4-FFF2-40B4-BE49-F238E27FC236}">
-                <a16:creationId xmlns:a16="http://schemas.microsoft.com/office/drawing/2014/main" id="{43B7D924-5C8A-2441-9CB2-75781CFAD90C}"/>
-              </a:ext>
-            </a:extLst>
-          </p:cNvPr>
-          <p:cNvSpPr txBox="1"/>
-          <p:nvPr/>
-        </p:nvSpPr>
-        <p:spPr>
-          <a:xfrm>
-            <a:off x="3752219" y="6131343"/>
-            <a:ext cx="5514587" cy="523220"/>
-          </a:xfrm>
-          <a:prstGeom prst="rect">
-            <a:avLst/>
-          </a:prstGeom>
-          <a:noFill/>
-        </p:spPr>
-        <p:txBody>
-          <a:bodyPr wrap="none" rtlCol="0">
-            <a:spAutoFit/>
-          </a:bodyPr>
-          <a:lstStyle/>
-          <a:p>
-            <a:r>
-              <a:rPr lang="en-US" sz="2800" b="1" dirty="0">
-                <a:latin typeface="Arial" panose="020B0604020202020204" pitchFamily="34" charset="0"/>
-                <a:cs typeface="Arial" panose="020B0604020202020204" pitchFamily="34" charset="0"/>
-              </a:rPr>
-              <a:t>Time relative to target onset (s)</a:t>
-            </a:r>
-          </a:p>
-        </p:txBody>
-      </p:sp>
     </p:spTree>
     <p:extLst>
       <p:ext uri="{BB962C8B-B14F-4D97-AF65-F5344CB8AC3E}">
-        <p14:creationId xmlns:p14="http://schemas.microsoft.com/office/powerpoint/2010/main" val="2642727390"/>
+        <p14:creationId xmlns:p14="http://schemas.microsoft.com/office/powerpoint/2010/main" val="2174189957"/>
       </p:ext>
     </p:extLst>
   </p:cSld>
@@ -39189,8 +38998,8 @@
         </p:nvSpPr>
         <p:spPr>
           <a:xfrm>
-            <a:off x="3083169" y="1477108"/>
-            <a:ext cx="6445481" cy="3690205"/>
+            <a:off x="1266093" y="1477108"/>
+            <a:ext cx="8262558" cy="3690205"/>
           </a:xfrm>
           <a:prstGeom prst="rect">
             <a:avLst/>
@@ -39229,10 +39038,62 @@
       </p:sp>
       <p:sp>
         <p:nvSpPr>
-          <p:cNvPr id="8" name="TextBox 7">
-            <a:extLst>
-              <a:ext uri="{FF2B5EF4-FFF2-40B4-BE49-F238E27FC236}">
-                <a16:creationId xmlns:a16="http://schemas.microsoft.com/office/drawing/2014/main" id="{A85F3220-EAB9-084A-B354-4F18E101915A}"/>
+          <p:cNvPr id="7" name="Rectangle 6">
+            <a:extLst>
+              <a:ext uri="{FF2B5EF4-FFF2-40B4-BE49-F238E27FC236}">
+                <a16:creationId xmlns:a16="http://schemas.microsoft.com/office/drawing/2014/main" id="{6C150068-F4F6-484F-B6D6-73B0A58D898A}"/>
+              </a:ext>
+            </a:extLst>
+          </p:cNvPr>
+          <p:cNvSpPr/>
+          <p:nvPr/>
+        </p:nvSpPr>
+        <p:spPr>
+          <a:xfrm>
+            <a:off x="713234" y="2347411"/>
+            <a:ext cx="2285999" cy="3690205"/>
+          </a:xfrm>
+          <a:prstGeom prst="rect">
+            <a:avLst/>
+          </a:prstGeom>
+          <a:solidFill>
+            <a:schemeClr val="bg1"/>
+          </a:solidFill>
+          <a:ln>
+            <a:noFill/>
+          </a:ln>
+        </p:spPr>
+        <p:style>
+          <a:lnRef idx="2">
+            <a:schemeClr val="accent1">
+              <a:shade val="50000"/>
+            </a:schemeClr>
+          </a:lnRef>
+          <a:fillRef idx="1">
+            <a:schemeClr val="accent1"/>
+          </a:fillRef>
+          <a:effectRef idx="0">
+            <a:schemeClr val="accent1"/>
+          </a:effectRef>
+          <a:fontRef idx="minor">
+            <a:schemeClr val="lt1"/>
+          </a:fontRef>
+        </p:style>
+        <p:txBody>
+          <a:bodyPr rtlCol="0" anchor="ctr"/>
+          <a:lstStyle/>
+          <a:p>
+            <a:pPr algn="ctr"/>
+            <a:endParaRPr lang="en-US"/>
+          </a:p>
+        </p:txBody>
+      </p:sp>
+      <p:sp>
+        <p:nvSpPr>
+          <p:cNvPr id="10" name="TextBox 9">
+            <a:extLst>
+              <a:ext uri="{FF2B5EF4-FFF2-40B4-BE49-F238E27FC236}">
+                <a16:creationId xmlns:a16="http://schemas.microsoft.com/office/drawing/2014/main" id="{43B7D924-5C8A-2441-9CB2-75781CFAD90C}"/>
               </a:ext>
             </a:extLst>
           </p:cNvPr>
@@ -39268,7 +39129,7 @@
     </p:spTree>
     <p:extLst>
       <p:ext uri="{BB962C8B-B14F-4D97-AF65-F5344CB8AC3E}">
-        <p14:creationId xmlns:p14="http://schemas.microsoft.com/office/powerpoint/2010/main" val="964654631"/>
+        <p14:creationId xmlns:p14="http://schemas.microsoft.com/office/powerpoint/2010/main" val="2642727390"/>
       </p:ext>
     </p:extLst>
   </p:cSld>
@@ -39468,68 +39329,7 @@
           <p:cNvPr id="8" name="TextBox 7">
             <a:extLst>
               <a:ext uri="{FF2B5EF4-FFF2-40B4-BE49-F238E27FC236}">
-                <a16:creationId xmlns:a16="http://schemas.microsoft.com/office/drawing/2014/main" id="{BF3E18D8-684C-5D49-B01E-EED6A5C011CB}"/>
-              </a:ext>
-            </a:extLst>
-          </p:cNvPr>
-          <p:cNvSpPr txBox="1"/>
-          <p:nvPr/>
-        </p:nvSpPr>
-        <p:spPr>
-          <a:xfrm>
-            <a:off x="1500384" y="5672629"/>
-            <a:ext cx="1487908" cy="830997"/>
-          </a:xfrm>
-          <a:prstGeom prst="rect">
-            <a:avLst/>
-          </a:prstGeom>
-          <a:noFill/>
-        </p:spPr>
-        <p:txBody>
-          <a:bodyPr wrap="none" rtlCol="0">
-            <a:spAutoFit/>
-          </a:bodyPr>
-          <a:lstStyle/>
-          <a:p>
-            <a:pPr algn="r"/>
-            <a:r>
-              <a:rPr lang="en-US" sz="2400" dirty="0">
-                <a:solidFill>
-                  <a:schemeClr val="tx1">
-                    <a:lumMod val="50000"/>
-                    <a:lumOff val="50000"/>
-                  </a:schemeClr>
-                </a:solidFill>
-                <a:latin typeface="Arial" panose="020B0604020202020204" pitchFamily="34" charset="0"/>
-                <a:cs typeface="Arial" panose="020B0604020202020204" pitchFamily="34" charset="0"/>
-              </a:rPr>
-              <a:t>Worse </a:t>
-            </a:r>
-          </a:p>
-          <a:p>
-            <a:pPr algn="r"/>
-            <a:r>
-              <a:rPr lang="en-US" sz="2400" dirty="0">
-                <a:solidFill>
-                  <a:schemeClr val="tx1">
-                    <a:lumMod val="50000"/>
-                    <a:lumOff val="50000"/>
-                  </a:schemeClr>
-                </a:solidFill>
-                <a:latin typeface="Arial" panose="020B0604020202020204" pitchFamily="34" charset="0"/>
-                <a:cs typeface="Arial" panose="020B0604020202020204" pitchFamily="34" charset="0"/>
-              </a:rPr>
-              <a:t>Decoding</a:t>
-            </a:r>
-          </a:p>
-        </p:txBody>
-      </p:sp>
-      <p:sp>
-        <p:nvSpPr>
-          <p:cNvPr id="11" name="TextBox 10">
-            <a:extLst>
-              <a:ext uri="{FF2B5EF4-FFF2-40B4-BE49-F238E27FC236}">
-                <a16:creationId xmlns:a16="http://schemas.microsoft.com/office/drawing/2014/main" id="{1C11C841-E670-D64C-BDCE-232531FA2A1F}"/>
+                <a16:creationId xmlns:a16="http://schemas.microsoft.com/office/drawing/2014/main" id="{A85F3220-EAB9-084A-B354-4F18E101915A}"/>
               </a:ext>
             </a:extLst>
           </p:cNvPr>
@@ -39565,7 +39365,7 @@
     </p:spTree>
     <p:extLst>
       <p:ext uri="{BB962C8B-B14F-4D97-AF65-F5344CB8AC3E}">
-        <p14:creationId xmlns:p14="http://schemas.microsoft.com/office/powerpoint/2010/main" val="2611963499"/>
+        <p14:creationId xmlns:p14="http://schemas.microsoft.com/office/powerpoint/2010/main" val="964654631"/>
       </p:ext>
     </p:extLst>
   </p:cSld>
@@ -39762,10 +39562,10 @@
       </p:sp>
       <p:sp>
         <p:nvSpPr>
-          <p:cNvPr id="3" name="TextBox 2">
-            <a:extLst>
-              <a:ext uri="{FF2B5EF4-FFF2-40B4-BE49-F238E27FC236}">
-                <a16:creationId xmlns:a16="http://schemas.microsoft.com/office/drawing/2014/main" id="{E68C3F41-602F-EE49-BF85-E24596996138}"/>
+          <p:cNvPr id="8" name="TextBox 7">
+            <a:extLst>
+              <a:ext uri="{FF2B5EF4-FFF2-40B4-BE49-F238E27FC236}">
+                <a16:creationId xmlns:a16="http://schemas.microsoft.com/office/drawing/2014/main" id="{BF3E18D8-684C-5D49-B01E-EED6A5C011CB}"/>
               </a:ext>
             </a:extLst>
           </p:cNvPr>
@@ -39774,7 +39574,7 @@
         </p:nvSpPr>
         <p:spPr>
           <a:xfrm>
-            <a:off x="1500384" y="1477108"/>
+            <a:off x="1500384" y="5672629"/>
             <a:ext cx="1487908" cy="830997"/>
           </a:xfrm>
           <a:prstGeom prst="rect">
@@ -39800,7 +39600,7 @@
                 <a:latin typeface="Arial" panose="020B0604020202020204" pitchFamily="34" charset="0"/>
                 <a:cs typeface="Arial" panose="020B0604020202020204" pitchFamily="34" charset="0"/>
               </a:rPr>
-              <a:t>Better </a:t>
+              <a:t>Worse </a:t>
             </a:r>
           </a:p>
           <a:p>
@@ -39823,71 +39623,10 @@
       </p:sp>
       <p:sp>
         <p:nvSpPr>
-          <p:cNvPr id="8" name="TextBox 7">
-            <a:extLst>
-              <a:ext uri="{FF2B5EF4-FFF2-40B4-BE49-F238E27FC236}">
-                <a16:creationId xmlns:a16="http://schemas.microsoft.com/office/drawing/2014/main" id="{BF3E18D8-684C-5D49-B01E-EED6A5C011CB}"/>
-              </a:ext>
-            </a:extLst>
-          </p:cNvPr>
-          <p:cNvSpPr txBox="1"/>
-          <p:nvPr/>
-        </p:nvSpPr>
-        <p:spPr>
-          <a:xfrm>
-            <a:off x="1500384" y="5672629"/>
-            <a:ext cx="1487908" cy="830997"/>
-          </a:xfrm>
-          <a:prstGeom prst="rect">
-            <a:avLst/>
-          </a:prstGeom>
-          <a:noFill/>
-        </p:spPr>
-        <p:txBody>
-          <a:bodyPr wrap="none" rtlCol="0">
-            <a:spAutoFit/>
-          </a:bodyPr>
-          <a:lstStyle/>
-          <a:p>
-            <a:pPr algn="r"/>
-            <a:r>
-              <a:rPr lang="en-US" sz="2400" dirty="0">
-                <a:solidFill>
-                  <a:schemeClr val="tx1">
-                    <a:lumMod val="50000"/>
-                    <a:lumOff val="50000"/>
-                  </a:schemeClr>
-                </a:solidFill>
-                <a:latin typeface="Arial" panose="020B0604020202020204" pitchFamily="34" charset="0"/>
-                <a:cs typeface="Arial" panose="020B0604020202020204" pitchFamily="34" charset="0"/>
-              </a:rPr>
-              <a:t>Worse </a:t>
-            </a:r>
-          </a:p>
-          <a:p>
-            <a:pPr algn="r"/>
-            <a:r>
-              <a:rPr lang="en-US" sz="2400" dirty="0">
-                <a:solidFill>
-                  <a:schemeClr val="tx1">
-                    <a:lumMod val="50000"/>
-                    <a:lumOff val="50000"/>
-                  </a:schemeClr>
-                </a:solidFill>
-                <a:latin typeface="Arial" panose="020B0604020202020204" pitchFamily="34" charset="0"/>
-                <a:cs typeface="Arial" panose="020B0604020202020204" pitchFamily="34" charset="0"/>
-              </a:rPr>
-              <a:t>Decoding</a:t>
-            </a:r>
-          </a:p>
-        </p:txBody>
-      </p:sp>
-      <p:sp>
-        <p:nvSpPr>
-          <p:cNvPr id="12" name="TextBox 11">
-            <a:extLst>
-              <a:ext uri="{FF2B5EF4-FFF2-40B4-BE49-F238E27FC236}">
-                <a16:creationId xmlns:a16="http://schemas.microsoft.com/office/drawing/2014/main" id="{A90AC396-5FDF-1E4C-92D9-32EE459B25EE}"/>
+          <p:cNvPr id="11" name="TextBox 10">
+            <a:extLst>
+              <a:ext uri="{FF2B5EF4-FFF2-40B4-BE49-F238E27FC236}">
+                <a16:creationId xmlns:a16="http://schemas.microsoft.com/office/drawing/2014/main" id="{1C11C841-E670-D64C-BDCE-232531FA2A1F}"/>
               </a:ext>
             </a:extLst>
           </p:cNvPr>
@@ -39923,7 +39662,7 @@
     </p:spTree>
     <p:extLst>
       <p:ext uri="{BB962C8B-B14F-4D97-AF65-F5344CB8AC3E}">
-        <p14:creationId xmlns:p14="http://schemas.microsoft.com/office/powerpoint/2010/main" val="872170819"/>
+        <p14:creationId xmlns:p14="http://schemas.microsoft.com/office/powerpoint/2010/main" val="2611963499"/>
       </p:ext>
     </p:extLst>
   </p:cSld>
@@ -39973,7 +39712,7 @@
           <a:p>
             <a:r>
               <a:rPr lang="en-US" dirty="0"/>
-              <a:t>Decoding can find the attention locus in a stable auditory scene</a:t>
+              <a:t>Decoding can estimate attentional locus in stable auditory scenes</a:t>
             </a:r>
           </a:p>
         </p:txBody>
@@ -40325,10 +40064,62 @@
       </p:sp>
       <p:sp>
         <p:nvSpPr>
-          <p:cNvPr id="7" name="TextBox 6">
-            <a:extLst>
-              <a:ext uri="{FF2B5EF4-FFF2-40B4-BE49-F238E27FC236}">
-                <a16:creationId xmlns:a16="http://schemas.microsoft.com/office/drawing/2014/main" id="{EA660CE7-5050-D74C-A4CD-729BFD817149}"/>
+          <p:cNvPr id="6" name="Rectangle 5">
+            <a:extLst>
+              <a:ext uri="{FF2B5EF4-FFF2-40B4-BE49-F238E27FC236}">
+                <a16:creationId xmlns:a16="http://schemas.microsoft.com/office/drawing/2014/main" id="{530CA25A-84CD-644B-BE9E-2D211828EEDB}"/>
+              </a:ext>
+            </a:extLst>
+          </p:cNvPr>
+          <p:cNvSpPr/>
+          <p:nvPr/>
+        </p:nvSpPr>
+        <p:spPr>
+          <a:xfrm>
+            <a:off x="3083169" y="1477108"/>
+            <a:ext cx="6445481" cy="3690205"/>
+          </a:xfrm>
+          <a:prstGeom prst="rect">
+            <a:avLst/>
+          </a:prstGeom>
+          <a:solidFill>
+            <a:schemeClr val="bg1"/>
+          </a:solidFill>
+          <a:ln>
+            <a:noFill/>
+          </a:ln>
+        </p:spPr>
+        <p:style>
+          <a:lnRef idx="2">
+            <a:schemeClr val="accent1">
+              <a:shade val="50000"/>
+            </a:schemeClr>
+          </a:lnRef>
+          <a:fillRef idx="1">
+            <a:schemeClr val="accent1"/>
+          </a:fillRef>
+          <a:effectRef idx="0">
+            <a:schemeClr val="accent1"/>
+          </a:effectRef>
+          <a:fontRef idx="minor">
+            <a:schemeClr val="lt1"/>
+          </a:fontRef>
+        </p:style>
+        <p:txBody>
+          <a:bodyPr rtlCol="0" anchor="ctr"/>
+          <a:lstStyle/>
+          <a:p>
+            <a:pPr algn="ctr"/>
+            <a:endParaRPr lang="en-US"/>
+          </a:p>
+        </p:txBody>
+      </p:sp>
+      <p:sp>
+        <p:nvSpPr>
+          <p:cNvPr id="3" name="TextBox 2">
+            <a:extLst>
+              <a:ext uri="{FF2B5EF4-FFF2-40B4-BE49-F238E27FC236}">
+                <a16:creationId xmlns:a16="http://schemas.microsoft.com/office/drawing/2014/main" id="{E68C3F41-602F-EE49-BF85-E24596996138}"/>
               </a:ext>
             </a:extLst>
           </p:cNvPr>
@@ -40389,7 +40180,7 @@
           <p:cNvPr id="8" name="TextBox 7">
             <a:extLst>
               <a:ext uri="{FF2B5EF4-FFF2-40B4-BE49-F238E27FC236}">
-                <a16:creationId xmlns:a16="http://schemas.microsoft.com/office/drawing/2014/main" id="{8A6CD8EA-3F2D-4947-9524-56B4EB1C5C42}"/>
+                <a16:creationId xmlns:a16="http://schemas.microsoft.com/office/drawing/2014/main" id="{BF3E18D8-684C-5D49-B01E-EED6A5C011CB}"/>
               </a:ext>
             </a:extLst>
           </p:cNvPr>
@@ -40447,10 +40238,10 @@
       </p:sp>
       <p:sp>
         <p:nvSpPr>
-          <p:cNvPr id="11" name="TextBox 10">
-            <a:extLst>
-              <a:ext uri="{FF2B5EF4-FFF2-40B4-BE49-F238E27FC236}">
-                <a16:creationId xmlns:a16="http://schemas.microsoft.com/office/drawing/2014/main" id="{9B09BA11-C7BD-6D47-949D-01831418F6E9}"/>
+          <p:cNvPr id="12" name="TextBox 11">
+            <a:extLst>
+              <a:ext uri="{FF2B5EF4-FFF2-40B4-BE49-F238E27FC236}">
+                <a16:creationId xmlns:a16="http://schemas.microsoft.com/office/drawing/2014/main" id="{A90AC396-5FDF-1E4C-92D9-32EE459B25EE}"/>
               </a:ext>
             </a:extLst>
           </p:cNvPr>
@@ -40486,7 +40277,7 @@
     </p:spTree>
     <p:extLst>
       <p:ext uri="{BB962C8B-B14F-4D97-AF65-F5344CB8AC3E}">
-        <p14:creationId xmlns:p14="http://schemas.microsoft.com/office/powerpoint/2010/main" val="469731325"/>
+        <p14:creationId xmlns:p14="http://schemas.microsoft.com/office/powerpoint/2010/main" val="872170819"/>
       </p:ext>
     </p:extLst>
   </p:cSld>
@@ -40631,51 +40422,10 @@
       </p:sp>
       <p:sp>
         <p:nvSpPr>
-          <p:cNvPr id="5" name="TextBox 4">
-            <a:extLst>
-              <a:ext uri="{FF2B5EF4-FFF2-40B4-BE49-F238E27FC236}">
-                <a16:creationId xmlns:a16="http://schemas.microsoft.com/office/drawing/2014/main" id="{CE815488-7F3A-744B-A869-FC0E0B09D5DD}"/>
-              </a:ext>
-            </a:extLst>
-          </p:cNvPr>
-          <p:cNvSpPr txBox="1"/>
-          <p:nvPr/>
-        </p:nvSpPr>
-        <p:spPr>
-          <a:xfrm>
-            <a:off x="4402524" y="3013682"/>
-            <a:ext cx="1185196" cy="523220"/>
-          </a:xfrm>
-          <a:prstGeom prst="rect">
-            <a:avLst/>
-          </a:prstGeom>
-          <a:noFill/>
-        </p:spPr>
-        <p:txBody>
-          <a:bodyPr wrap="none" rtlCol="0">
-            <a:spAutoFit/>
-          </a:bodyPr>
-          <a:lstStyle/>
-          <a:p>
-            <a:r>
-              <a:rPr lang="en-US" sz="2800" dirty="0">
-                <a:solidFill>
-                  <a:srgbClr val="356599"/>
-                </a:solidFill>
-                <a:latin typeface="Arial" panose="020B0604020202020204" pitchFamily="34" charset="0"/>
-                <a:cs typeface="Arial" panose="020B0604020202020204" pitchFamily="34" charset="0"/>
-              </a:rPr>
-              <a:t>Target</a:t>
-            </a:r>
-          </a:p>
-        </p:txBody>
-      </p:sp>
-      <p:sp>
-        <p:nvSpPr>
           <p:cNvPr id="7" name="TextBox 6">
             <a:extLst>
               <a:ext uri="{FF2B5EF4-FFF2-40B4-BE49-F238E27FC236}">
-                <a16:creationId xmlns:a16="http://schemas.microsoft.com/office/drawing/2014/main" id="{1DC8E25E-F294-AA45-BC6A-AF2956255FA8}"/>
+                <a16:creationId xmlns:a16="http://schemas.microsoft.com/office/drawing/2014/main" id="{EA660CE7-5050-D74C-A4CD-729BFD817149}"/>
               </a:ext>
             </a:extLst>
           </p:cNvPr>
@@ -40736,7 +40486,7 @@
           <p:cNvPr id="8" name="TextBox 7">
             <a:extLst>
               <a:ext uri="{FF2B5EF4-FFF2-40B4-BE49-F238E27FC236}">
-                <a16:creationId xmlns:a16="http://schemas.microsoft.com/office/drawing/2014/main" id="{C9FD00EF-66DA-A640-9805-ED17B9E50953}"/>
+                <a16:creationId xmlns:a16="http://schemas.microsoft.com/office/drawing/2014/main" id="{8A6CD8EA-3F2D-4947-9524-56B4EB1C5C42}"/>
               </a:ext>
             </a:extLst>
           </p:cNvPr>
@@ -40797,7 +40547,7 @@
           <p:cNvPr id="11" name="TextBox 10">
             <a:extLst>
               <a:ext uri="{FF2B5EF4-FFF2-40B4-BE49-F238E27FC236}">
-                <a16:creationId xmlns:a16="http://schemas.microsoft.com/office/drawing/2014/main" id="{9883A2C8-B035-6A43-8621-FC3FF4F3812D}"/>
+                <a16:creationId xmlns:a16="http://schemas.microsoft.com/office/drawing/2014/main" id="{9B09BA11-C7BD-6D47-949D-01831418F6E9}"/>
               </a:ext>
             </a:extLst>
           </p:cNvPr>
@@ -40833,7 +40583,7 @@
     </p:spTree>
     <p:extLst>
       <p:ext uri="{BB962C8B-B14F-4D97-AF65-F5344CB8AC3E}">
-        <p14:creationId xmlns:p14="http://schemas.microsoft.com/office/powerpoint/2010/main" val="4163997814"/>
+        <p14:creationId xmlns:p14="http://schemas.microsoft.com/office/powerpoint/2010/main" val="469731325"/>
       </p:ext>
     </p:extLst>
   </p:cSld>
@@ -41019,51 +40769,10 @@
       </p:sp>
       <p:sp>
         <p:nvSpPr>
-          <p:cNvPr id="6" name="TextBox 5">
-            <a:extLst>
-              <a:ext uri="{FF2B5EF4-FFF2-40B4-BE49-F238E27FC236}">
-                <a16:creationId xmlns:a16="http://schemas.microsoft.com/office/drawing/2014/main" id="{EDDE24BE-118D-734D-8DB1-BD06AA3E4BD8}"/>
-              </a:ext>
-            </a:extLst>
-          </p:cNvPr>
-          <p:cNvSpPr txBox="1"/>
-          <p:nvPr/>
-        </p:nvSpPr>
-        <p:spPr>
-          <a:xfrm>
-            <a:off x="4714901" y="3601258"/>
-            <a:ext cx="1083951" cy="523220"/>
-          </a:xfrm>
-          <a:prstGeom prst="rect">
-            <a:avLst/>
-          </a:prstGeom>
-          <a:noFill/>
-        </p:spPr>
-        <p:txBody>
-          <a:bodyPr wrap="none" rtlCol="0">
-            <a:spAutoFit/>
-          </a:bodyPr>
-          <a:lstStyle/>
-          <a:p>
-            <a:r>
-              <a:rPr lang="en-US" sz="2800" dirty="0">
-                <a:solidFill>
-                  <a:srgbClr val="A0D26C"/>
-                </a:solidFill>
-                <a:latin typeface="Arial" panose="020B0604020202020204" pitchFamily="34" charset="0"/>
-                <a:cs typeface="Arial" panose="020B0604020202020204" pitchFamily="34" charset="0"/>
-              </a:rPr>
-              <a:t>Other</a:t>
-            </a:r>
-          </a:p>
-        </p:txBody>
-      </p:sp>
-      <p:sp>
-        <p:nvSpPr>
-          <p:cNvPr id="8" name="TextBox 7">
-            <a:extLst>
-              <a:ext uri="{FF2B5EF4-FFF2-40B4-BE49-F238E27FC236}">
-                <a16:creationId xmlns:a16="http://schemas.microsoft.com/office/drawing/2014/main" id="{3B9E9C4F-CC6A-314E-9CBB-1002D73A3920}"/>
+          <p:cNvPr id="7" name="TextBox 6">
+            <a:extLst>
+              <a:ext uri="{FF2B5EF4-FFF2-40B4-BE49-F238E27FC236}">
+                <a16:creationId xmlns:a16="http://schemas.microsoft.com/office/drawing/2014/main" id="{1DC8E25E-F294-AA45-BC6A-AF2956255FA8}"/>
               </a:ext>
             </a:extLst>
           </p:cNvPr>
@@ -41121,10 +40830,10 @@
       </p:sp>
       <p:sp>
         <p:nvSpPr>
-          <p:cNvPr id="10" name="TextBox 9">
-            <a:extLst>
-              <a:ext uri="{FF2B5EF4-FFF2-40B4-BE49-F238E27FC236}">
-                <a16:creationId xmlns:a16="http://schemas.microsoft.com/office/drawing/2014/main" id="{469B9CA0-BCC1-A44B-89D4-BC8597DDCDE3}"/>
+          <p:cNvPr id="8" name="TextBox 7">
+            <a:extLst>
+              <a:ext uri="{FF2B5EF4-FFF2-40B4-BE49-F238E27FC236}">
+                <a16:creationId xmlns:a16="http://schemas.microsoft.com/office/drawing/2014/main" id="{C9FD00EF-66DA-A640-9805-ED17B9E50953}"/>
               </a:ext>
             </a:extLst>
           </p:cNvPr>
@@ -41182,10 +40891,10 @@
       </p:sp>
       <p:sp>
         <p:nvSpPr>
-          <p:cNvPr id="12" name="TextBox 11">
-            <a:extLst>
-              <a:ext uri="{FF2B5EF4-FFF2-40B4-BE49-F238E27FC236}">
-                <a16:creationId xmlns:a16="http://schemas.microsoft.com/office/drawing/2014/main" id="{F14A457C-F321-4343-B412-D3B02E1691F2}"/>
+          <p:cNvPr id="11" name="TextBox 10">
+            <a:extLst>
+              <a:ext uri="{FF2B5EF4-FFF2-40B4-BE49-F238E27FC236}">
+                <a16:creationId xmlns:a16="http://schemas.microsoft.com/office/drawing/2014/main" id="{9883A2C8-B035-6A43-8621-FC3FF4F3812D}"/>
               </a:ext>
             </a:extLst>
           </p:cNvPr>
@@ -41221,7 +40930,7 @@
     </p:spTree>
     <p:extLst>
       <p:ext uri="{BB962C8B-B14F-4D97-AF65-F5344CB8AC3E}">
-        <p14:creationId xmlns:p14="http://schemas.microsoft.com/office/powerpoint/2010/main" val="1190984030"/>
+        <p14:creationId xmlns:p14="http://schemas.microsoft.com/office/powerpoint/2010/main" val="4163997814"/>
       </p:ext>
     </p:extLst>
   </p:cSld>
@@ -41326,8 +41035,8 @@
         </p:nvSpPr>
         <p:spPr>
           <a:xfrm>
-            <a:off x="7791290" y="1688119"/>
-            <a:ext cx="4023360" cy="4804756"/>
+            <a:off x="5369169" y="1688119"/>
+            <a:ext cx="6445481" cy="4346929"/>
           </a:xfrm>
           <a:prstGeom prst="rect">
             <a:avLst/>
@@ -41378,7 +41087,7 @@
         </p:nvSpPr>
         <p:spPr>
           <a:xfrm>
-            <a:off x="6961111" y="3401884"/>
+            <a:off x="4402524" y="3013682"/>
             <a:ext cx="1185196" cy="523220"/>
           </a:xfrm>
           <a:prstGeom prst="rect">
@@ -41419,7 +41128,7 @@
         </p:nvSpPr>
         <p:spPr>
           <a:xfrm>
-            <a:off x="7416763" y="4458140"/>
+            <a:off x="4714901" y="3601258"/>
             <a:ext cx="1083951" cy="523220"/>
           </a:xfrm>
           <a:prstGeom prst="rect">
@@ -41451,7 +41160,7 @@
           <p:cNvPr id="8" name="TextBox 7">
             <a:extLst>
               <a:ext uri="{FF2B5EF4-FFF2-40B4-BE49-F238E27FC236}">
-                <a16:creationId xmlns:a16="http://schemas.microsoft.com/office/drawing/2014/main" id="{74F234E4-5F36-DB49-B4AA-86E803914543}"/>
+                <a16:creationId xmlns:a16="http://schemas.microsoft.com/office/drawing/2014/main" id="{3B9E9C4F-CC6A-314E-9CBB-1002D73A3920}"/>
               </a:ext>
             </a:extLst>
           </p:cNvPr>
@@ -41512,7 +41221,7 @@
           <p:cNvPr id="10" name="TextBox 9">
             <a:extLst>
               <a:ext uri="{FF2B5EF4-FFF2-40B4-BE49-F238E27FC236}">
-                <a16:creationId xmlns:a16="http://schemas.microsoft.com/office/drawing/2014/main" id="{B97D685E-EA4A-9140-9B27-37ED6456A008}"/>
+                <a16:creationId xmlns:a16="http://schemas.microsoft.com/office/drawing/2014/main" id="{469B9CA0-BCC1-A44B-89D4-BC8597DDCDE3}"/>
               </a:ext>
             </a:extLst>
           </p:cNvPr>
@@ -41573,7 +41282,7 @@
           <p:cNvPr id="12" name="TextBox 11">
             <a:extLst>
               <a:ext uri="{FF2B5EF4-FFF2-40B4-BE49-F238E27FC236}">
-                <a16:creationId xmlns:a16="http://schemas.microsoft.com/office/drawing/2014/main" id="{DFEFE385-620B-6246-B4DA-C81A6A326C80}"/>
+                <a16:creationId xmlns:a16="http://schemas.microsoft.com/office/drawing/2014/main" id="{F14A457C-F321-4343-B412-D3B02E1691F2}"/>
               </a:ext>
             </a:extLst>
           </p:cNvPr>
@@ -41609,7 +41318,7 @@
     </p:spTree>
     <p:extLst>
       <p:ext uri="{BB962C8B-B14F-4D97-AF65-F5344CB8AC3E}">
-        <p14:creationId xmlns:p14="http://schemas.microsoft.com/office/powerpoint/2010/main" val="2995322121"/>
+        <p14:creationId xmlns:p14="http://schemas.microsoft.com/office/powerpoint/2010/main" val="1190984030"/>
       </p:ext>
     </p:extLst>
   </p:cSld>
@@ -41702,6 +41411,58 @@
       </p:sp>
       <p:sp>
         <p:nvSpPr>
+          <p:cNvPr id="17" name="Rectangle 16">
+            <a:extLst>
+              <a:ext uri="{FF2B5EF4-FFF2-40B4-BE49-F238E27FC236}">
+                <a16:creationId xmlns:a16="http://schemas.microsoft.com/office/drawing/2014/main" id="{DE97DC33-783C-C645-95C9-509CC18458E2}"/>
+              </a:ext>
+            </a:extLst>
+          </p:cNvPr>
+          <p:cNvSpPr/>
+          <p:nvPr/>
+        </p:nvSpPr>
+        <p:spPr>
+          <a:xfrm>
+            <a:off x="7791290" y="1688119"/>
+            <a:ext cx="4023360" cy="4804756"/>
+          </a:xfrm>
+          <a:prstGeom prst="rect">
+            <a:avLst/>
+          </a:prstGeom>
+          <a:solidFill>
+            <a:schemeClr val="bg1"/>
+          </a:solidFill>
+          <a:ln>
+            <a:noFill/>
+          </a:ln>
+        </p:spPr>
+        <p:style>
+          <a:lnRef idx="2">
+            <a:schemeClr val="accent1">
+              <a:shade val="50000"/>
+            </a:schemeClr>
+          </a:lnRef>
+          <a:fillRef idx="1">
+            <a:schemeClr val="accent1"/>
+          </a:fillRef>
+          <a:effectRef idx="0">
+            <a:schemeClr val="accent1"/>
+          </a:effectRef>
+          <a:fontRef idx="minor">
+            <a:schemeClr val="lt1"/>
+          </a:fontRef>
+        </p:style>
+        <p:txBody>
+          <a:bodyPr rtlCol="0" anchor="ctr"/>
+          <a:lstStyle/>
+          <a:p>
+            <a:pPr algn="ctr"/>
+            <a:endParaRPr lang="en-US"/>
+          </a:p>
+        </p:txBody>
+      </p:sp>
+      <p:sp>
+        <p:nvSpPr>
           <p:cNvPr id="5" name="TextBox 4">
             <a:extLst>
               <a:ext uri="{FF2B5EF4-FFF2-40B4-BE49-F238E27FC236}">
@@ -41714,7 +41475,7 @@
         </p:nvSpPr>
         <p:spPr>
           <a:xfrm>
-            <a:off x="9305727" y="3420328"/>
+            <a:off x="6961111" y="3401884"/>
             <a:ext cx="1185196" cy="523220"/>
           </a:xfrm>
           <a:prstGeom prst="rect">
@@ -41755,7 +41516,7 @@
         </p:nvSpPr>
         <p:spPr>
           <a:xfrm>
-            <a:off x="9948948" y="4276902"/>
+            <a:off x="7416763" y="4458140"/>
             <a:ext cx="1083951" cy="523220"/>
           </a:xfrm>
           <a:prstGeom prst="rect">
@@ -41784,10 +41545,10 @@
       </p:sp>
       <p:sp>
         <p:nvSpPr>
-          <p:cNvPr id="7" name="TextBox 6">
-            <a:extLst>
-              <a:ext uri="{FF2B5EF4-FFF2-40B4-BE49-F238E27FC236}">
-                <a16:creationId xmlns:a16="http://schemas.microsoft.com/office/drawing/2014/main" id="{A33B8E12-D046-6F4A-B3C8-6EABD3922AE2}"/>
+          <p:cNvPr id="8" name="TextBox 7">
+            <a:extLst>
+              <a:ext uri="{FF2B5EF4-FFF2-40B4-BE49-F238E27FC236}">
+                <a16:creationId xmlns:a16="http://schemas.microsoft.com/office/drawing/2014/main" id="{74F234E4-5F36-DB49-B4AA-86E803914543}"/>
               </a:ext>
             </a:extLst>
           </p:cNvPr>
@@ -41845,10 +41606,10 @@
       </p:sp>
       <p:sp>
         <p:nvSpPr>
-          <p:cNvPr id="8" name="TextBox 7">
-            <a:extLst>
-              <a:ext uri="{FF2B5EF4-FFF2-40B4-BE49-F238E27FC236}">
-                <a16:creationId xmlns:a16="http://schemas.microsoft.com/office/drawing/2014/main" id="{857492A9-7394-2845-8AAD-31D368FECE4F}"/>
+          <p:cNvPr id="10" name="TextBox 9">
+            <a:extLst>
+              <a:ext uri="{FF2B5EF4-FFF2-40B4-BE49-F238E27FC236}">
+                <a16:creationId xmlns:a16="http://schemas.microsoft.com/office/drawing/2014/main" id="{B97D685E-EA4A-9140-9B27-37ED6456A008}"/>
               </a:ext>
             </a:extLst>
           </p:cNvPr>
@@ -41909,7 +41670,7 @@
           <p:cNvPr id="12" name="TextBox 11">
             <a:extLst>
               <a:ext uri="{FF2B5EF4-FFF2-40B4-BE49-F238E27FC236}">
-                <a16:creationId xmlns:a16="http://schemas.microsoft.com/office/drawing/2014/main" id="{D68A81BF-9E7A-FB44-97D0-554CECE73CEB}"/>
+                <a16:creationId xmlns:a16="http://schemas.microsoft.com/office/drawing/2014/main" id="{DFEFE385-620B-6246-B4DA-C81A6A326C80}"/>
               </a:ext>
             </a:extLst>
           </p:cNvPr>
@@ -41945,7 +41706,7 @@
     </p:spTree>
     <p:extLst>
       <p:ext uri="{BB962C8B-B14F-4D97-AF65-F5344CB8AC3E}">
-        <p14:creationId xmlns:p14="http://schemas.microsoft.com/office/powerpoint/2010/main" val="2609541133"/>
+        <p14:creationId xmlns:p14="http://schemas.microsoft.com/office/powerpoint/2010/main" val="2995322121"/>
       </p:ext>
     </p:extLst>
   </p:cSld>
@@ -42120,127 +41881,10 @@
       </p:sp>
       <p:sp>
         <p:nvSpPr>
-          <p:cNvPr id="3" name="TextBox 2">
-            <a:extLst>
-              <a:ext uri="{FF2B5EF4-FFF2-40B4-BE49-F238E27FC236}">
-                <a16:creationId xmlns:a16="http://schemas.microsoft.com/office/drawing/2014/main" id="{EC179C27-37D7-174F-ACB8-3D72FED50752}"/>
-              </a:ext>
-            </a:extLst>
-          </p:cNvPr>
-          <p:cNvSpPr txBox="1"/>
-          <p:nvPr/>
-        </p:nvSpPr>
-        <p:spPr>
-          <a:xfrm>
-            <a:off x="3876151" y="2198206"/>
-            <a:ext cx="646331" cy="461665"/>
-          </a:xfrm>
-          <a:prstGeom prst="rect">
-            <a:avLst/>
-          </a:prstGeom>
-          <a:noFill/>
-        </p:spPr>
-        <p:txBody>
-          <a:bodyPr wrap="none" rtlCol="0">
-            <a:spAutoFit/>
-          </a:bodyPr>
-          <a:lstStyle/>
-          <a:p>
-            <a:r>
-              <a:rPr lang="en-US" sz="2400" b="1" dirty="0">
-                <a:solidFill>
-                  <a:srgbClr val="FF0000"/>
-                </a:solidFill>
-              </a:rPr>
-              <a:t>***</a:t>
-            </a:r>
-          </a:p>
-        </p:txBody>
-      </p:sp>
-      <p:sp>
-        <p:nvSpPr>
-          <p:cNvPr id="10" name="TextBox 9">
-            <a:extLst>
-              <a:ext uri="{FF2B5EF4-FFF2-40B4-BE49-F238E27FC236}">
-                <a16:creationId xmlns:a16="http://schemas.microsoft.com/office/drawing/2014/main" id="{0651307F-2D0C-E04D-91B3-8CB2B038C2C3}"/>
-              </a:ext>
-            </a:extLst>
-          </p:cNvPr>
-          <p:cNvSpPr txBox="1"/>
-          <p:nvPr/>
-        </p:nvSpPr>
-        <p:spPr>
-          <a:xfrm>
-            <a:off x="8496546" y="2214774"/>
-            <a:ext cx="646331" cy="461665"/>
-          </a:xfrm>
-          <a:prstGeom prst="rect">
-            <a:avLst/>
-          </a:prstGeom>
-          <a:noFill/>
-        </p:spPr>
-        <p:txBody>
-          <a:bodyPr wrap="none" rtlCol="0">
-            <a:spAutoFit/>
-          </a:bodyPr>
-          <a:lstStyle/>
-          <a:p>
-            <a:r>
-              <a:rPr lang="en-US" sz="2400" b="1" dirty="0">
-                <a:solidFill>
-                  <a:srgbClr val="FF0000"/>
-                </a:solidFill>
-              </a:rPr>
-              <a:t>***</a:t>
-            </a:r>
-          </a:p>
-        </p:txBody>
-      </p:sp>
-      <p:sp>
-        <p:nvSpPr>
-          <p:cNvPr id="11" name="TextBox 10">
-            <a:extLst>
-              <a:ext uri="{FF2B5EF4-FFF2-40B4-BE49-F238E27FC236}">
-                <a16:creationId xmlns:a16="http://schemas.microsoft.com/office/drawing/2014/main" id="{3CAD6B09-4399-D745-A7BD-C8C6FEC464C1}"/>
-              </a:ext>
-            </a:extLst>
-          </p:cNvPr>
-          <p:cNvSpPr txBox="1"/>
-          <p:nvPr/>
-        </p:nvSpPr>
-        <p:spPr>
-          <a:xfrm>
-            <a:off x="6186348" y="2214774"/>
-            <a:ext cx="646331" cy="461665"/>
-          </a:xfrm>
-          <a:prstGeom prst="rect">
-            <a:avLst/>
-          </a:prstGeom>
-          <a:noFill/>
-        </p:spPr>
-        <p:txBody>
-          <a:bodyPr wrap="none" rtlCol="0">
-            <a:spAutoFit/>
-          </a:bodyPr>
-          <a:lstStyle/>
-          <a:p>
-            <a:r>
-              <a:rPr lang="en-US" sz="2400" b="1" dirty="0">
-                <a:solidFill>
-                  <a:srgbClr val="FF0000"/>
-                </a:solidFill>
-              </a:rPr>
-              <a:t>***</a:t>
-            </a:r>
-          </a:p>
-        </p:txBody>
-      </p:sp>
-      <p:sp>
-        <p:nvSpPr>
-          <p:cNvPr id="12" name="TextBox 11">
-            <a:extLst>
-              <a:ext uri="{FF2B5EF4-FFF2-40B4-BE49-F238E27FC236}">
-                <a16:creationId xmlns:a16="http://schemas.microsoft.com/office/drawing/2014/main" id="{C40BD82F-A0BD-CA41-843E-410D54A62CBE}"/>
+          <p:cNvPr id="7" name="TextBox 6">
+            <a:extLst>
+              <a:ext uri="{FF2B5EF4-FFF2-40B4-BE49-F238E27FC236}">
+                <a16:creationId xmlns:a16="http://schemas.microsoft.com/office/drawing/2014/main" id="{A33B8E12-D046-6F4A-B3C8-6EABD3922AE2}"/>
               </a:ext>
             </a:extLst>
           </p:cNvPr>
@@ -42298,10 +41942,10 @@
       </p:sp>
       <p:sp>
         <p:nvSpPr>
-          <p:cNvPr id="13" name="TextBox 12">
-            <a:extLst>
-              <a:ext uri="{FF2B5EF4-FFF2-40B4-BE49-F238E27FC236}">
-                <a16:creationId xmlns:a16="http://schemas.microsoft.com/office/drawing/2014/main" id="{D012A812-687C-6641-9BC6-2F5DFCFEAADC}"/>
+          <p:cNvPr id="8" name="TextBox 7">
+            <a:extLst>
+              <a:ext uri="{FF2B5EF4-FFF2-40B4-BE49-F238E27FC236}">
+                <a16:creationId xmlns:a16="http://schemas.microsoft.com/office/drawing/2014/main" id="{857492A9-7394-2845-8AAD-31D368FECE4F}"/>
               </a:ext>
             </a:extLst>
           </p:cNvPr>
@@ -42359,10 +42003,10 @@
       </p:sp>
       <p:sp>
         <p:nvSpPr>
-          <p:cNvPr id="15" name="TextBox 14">
-            <a:extLst>
-              <a:ext uri="{FF2B5EF4-FFF2-40B4-BE49-F238E27FC236}">
-                <a16:creationId xmlns:a16="http://schemas.microsoft.com/office/drawing/2014/main" id="{F22BDD84-A661-1B4E-A657-359326058AFB}"/>
+          <p:cNvPr id="12" name="TextBox 11">
+            <a:extLst>
+              <a:ext uri="{FF2B5EF4-FFF2-40B4-BE49-F238E27FC236}">
+                <a16:creationId xmlns:a16="http://schemas.microsoft.com/office/drawing/2014/main" id="{D68A81BF-9E7A-FB44-97D0-554CECE73CEB}"/>
               </a:ext>
             </a:extLst>
           </p:cNvPr>
@@ -42398,7 +42042,7 @@
     </p:spTree>
     <p:extLst>
       <p:ext uri="{BB962C8B-B14F-4D97-AF65-F5344CB8AC3E}">
-        <p14:creationId xmlns:p14="http://schemas.microsoft.com/office/powerpoint/2010/main" val="401325898"/>
+        <p14:creationId xmlns:p14="http://schemas.microsoft.com/office/powerpoint/2010/main" val="2609541133"/>
       </p:ext>
     </p:extLst>
   </p:cSld>
@@ -42427,10 +42071,10 @@
       </p:grpSpPr>
       <p:pic>
         <p:nvPicPr>
-          <p:cNvPr id="15" name="Graphic 14">
-            <a:extLst>
-              <a:ext uri="{FF2B5EF4-FFF2-40B4-BE49-F238E27FC236}">
-                <a16:creationId xmlns:a16="http://schemas.microsoft.com/office/drawing/2014/main" id="{86189E6D-FEE6-C049-886F-3D0C3C33C97D}"/>
+          <p:cNvPr id="16" name="Graphic 15">
+            <a:extLst>
+              <a:ext uri="{FF2B5EF4-FFF2-40B4-BE49-F238E27FC236}">
+                <a16:creationId xmlns:a16="http://schemas.microsoft.com/office/drawing/2014/main" id="{A1B53E1E-BF80-4E42-94EF-D04095A98976}"/>
               </a:ext>
             </a:extLst>
           </p:cNvPr>
@@ -42453,8 +42097,8 @@
         </p:blipFill>
         <p:spPr>
           <a:xfrm>
-            <a:off x="2382983" y="1328016"/>
-            <a:ext cx="8294976" cy="5529984"/>
+            <a:off x="1519844" y="1690687"/>
+            <a:ext cx="8558016" cy="4346929"/>
           </a:xfrm>
           <a:prstGeom prst="rect">
             <a:avLst/>
@@ -42477,29 +42121,24 @@
             <p:ph type="title"/>
           </p:nvPr>
         </p:nvSpPr>
-        <p:spPr>
-          <a:xfrm>
-            <a:off x="838200" y="161928"/>
-            <a:ext cx="10515600" cy="1325563"/>
-          </a:xfrm>
-        </p:spPr>
+        <p:spPr/>
         <p:txBody>
           <a:bodyPr/>
           <a:lstStyle/>
           <a:p>
             <a:r>
               <a:rPr lang="en-US" dirty="0"/>
-              <a:t>Attention signal is similar across conditions</a:t>
-            </a:r>
-          </a:p>
-        </p:txBody>
-      </p:sp>
-      <p:sp>
-        <p:nvSpPr>
-          <p:cNvPr id="13" name="TextBox 12">
-            <a:extLst>
-              <a:ext uri="{FF2B5EF4-FFF2-40B4-BE49-F238E27FC236}">
-                <a16:creationId xmlns:a16="http://schemas.microsoft.com/office/drawing/2014/main" id="{87B44A55-759C-1244-A908-B60D1480665D}"/>
+              <a:t>Decoding reveals attention to the target</a:t>
+            </a:r>
+          </a:p>
+        </p:txBody>
+      </p:sp>
+      <p:sp>
+        <p:nvSpPr>
+          <p:cNvPr id="5" name="TextBox 4">
+            <a:extLst>
+              <a:ext uri="{FF2B5EF4-FFF2-40B4-BE49-F238E27FC236}">
+                <a16:creationId xmlns:a16="http://schemas.microsoft.com/office/drawing/2014/main" id="{CE815488-7F3A-744B-A869-FC0E0B09D5DD}"/>
               </a:ext>
             </a:extLst>
           </p:cNvPr>
@@ -42508,8 +42147,8 @@
         </p:nvSpPr>
         <p:spPr>
           <a:xfrm>
-            <a:off x="7587953" y="1690688"/>
-            <a:ext cx="636713" cy="461665"/>
+            <a:off x="9305727" y="3420328"/>
+            <a:ext cx="1185196" cy="523220"/>
           </a:xfrm>
           <a:prstGeom prst="rect">
             <a:avLst/>
@@ -42523,80 +42162,340 @@
           <a:lstStyle/>
           <a:p>
             <a:r>
-              <a:rPr lang="en-US" sz="2400" dirty="0" err="1">
+              <a:rPr lang="en-US" sz="2800" dirty="0">
+                <a:solidFill>
+                  <a:srgbClr val="356599"/>
+                </a:solidFill>
+                <a:latin typeface="Arial" panose="020B0604020202020204" pitchFamily="34" charset="0"/>
+                <a:cs typeface="Arial" panose="020B0604020202020204" pitchFamily="34" charset="0"/>
+              </a:rPr>
+              <a:t>Target</a:t>
+            </a:r>
+          </a:p>
+        </p:txBody>
+      </p:sp>
+      <p:sp>
+        <p:nvSpPr>
+          <p:cNvPr id="6" name="TextBox 5">
+            <a:extLst>
+              <a:ext uri="{FF2B5EF4-FFF2-40B4-BE49-F238E27FC236}">
+                <a16:creationId xmlns:a16="http://schemas.microsoft.com/office/drawing/2014/main" id="{EDDE24BE-118D-734D-8DB1-BD06AA3E4BD8}"/>
+              </a:ext>
+            </a:extLst>
+          </p:cNvPr>
+          <p:cNvSpPr txBox="1"/>
+          <p:nvPr/>
+        </p:nvSpPr>
+        <p:spPr>
+          <a:xfrm>
+            <a:off x="9948948" y="4276902"/>
+            <a:ext cx="1083951" cy="523220"/>
+          </a:xfrm>
+          <a:prstGeom prst="rect">
+            <a:avLst/>
+          </a:prstGeom>
+          <a:noFill/>
+        </p:spPr>
+        <p:txBody>
+          <a:bodyPr wrap="none" rtlCol="0">
+            <a:spAutoFit/>
+          </a:bodyPr>
+          <a:lstStyle/>
+          <a:p>
+            <a:r>
+              <a:rPr lang="en-US" sz="2800" dirty="0">
+                <a:solidFill>
+                  <a:srgbClr val="A0D26C"/>
+                </a:solidFill>
+                <a:latin typeface="Arial" panose="020B0604020202020204" pitchFamily="34" charset="0"/>
+                <a:cs typeface="Arial" panose="020B0604020202020204" pitchFamily="34" charset="0"/>
+              </a:rPr>
+              <a:t>Other</a:t>
+            </a:r>
+          </a:p>
+        </p:txBody>
+      </p:sp>
+      <p:sp>
+        <p:nvSpPr>
+          <p:cNvPr id="3" name="TextBox 2">
+            <a:extLst>
+              <a:ext uri="{FF2B5EF4-FFF2-40B4-BE49-F238E27FC236}">
+                <a16:creationId xmlns:a16="http://schemas.microsoft.com/office/drawing/2014/main" id="{EC179C27-37D7-174F-ACB8-3D72FED50752}"/>
+              </a:ext>
+            </a:extLst>
+          </p:cNvPr>
+          <p:cNvSpPr txBox="1"/>
+          <p:nvPr/>
+        </p:nvSpPr>
+        <p:spPr>
+          <a:xfrm>
+            <a:off x="3876151" y="2198206"/>
+            <a:ext cx="646331" cy="461665"/>
+          </a:xfrm>
+          <a:prstGeom prst="rect">
+            <a:avLst/>
+          </a:prstGeom>
+          <a:noFill/>
+        </p:spPr>
+        <p:txBody>
+          <a:bodyPr wrap="none" rtlCol="0">
+            <a:spAutoFit/>
+          </a:bodyPr>
+          <a:lstStyle/>
+          <a:p>
+            <a:r>
+              <a:rPr lang="en-US" sz="2400" b="1" dirty="0">
                 <a:solidFill>
                   <a:srgbClr val="FF0000"/>
                 </a:solidFill>
               </a:rPr>
-              <a:t>n.s</a:t>
-            </a:r>
-            <a:r>
-              <a:rPr lang="en-US" sz="2400" dirty="0">
+              <a:t>***</a:t>
+            </a:r>
+          </a:p>
+        </p:txBody>
+      </p:sp>
+      <p:sp>
+        <p:nvSpPr>
+          <p:cNvPr id="10" name="TextBox 9">
+            <a:extLst>
+              <a:ext uri="{FF2B5EF4-FFF2-40B4-BE49-F238E27FC236}">
+                <a16:creationId xmlns:a16="http://schemas.microsoft.com/office/drawing/2014/main" id="{0651307F-2D0C-E04D-91B3-8CB2B038C2C3}"/>
+              </a:ext>
+            </a:extLst>
+          </p:cNvPr>
+          <p:cNvSpPr txBox="1"/>
+          <p:nvPr/>
+        </p:nvSpPr>
+        <p:spPr>
+          <a:xfrm>
+            <a:off x="8496546" y="2214774"/>
+            <a:ext cx="646331" cy="461665"/>
+          </a:xfrm>
+          <a:prstGeom prst="rect">
+            <a:avLst/>
+          </a:prstGeom>
+          <a:noFill/>
+        </p:spPr>
+        <p:txBody>
+          <a:bodyPr wrap="none" rtlCol="0">
+            <a:spAutoFit/>
+          </a:bodyPr>
+          <a:lstStyle/>
+          <a:p>
+            <a:r>
+              <a:rPr lang="en-US" sz="2400" b="1" dirty="0">
                 <a:solidFill>
                   <a:srgbClr val="FF0000"/>
                 </a:solidFill>
               </a:rPr>
-              <a:t>.</a:t>
-            </a:r>
-          </a:p>
-        </p:txBody>
-      </p:sp>
-      <p:sp>
-        <p:nvSpPr>
-          <p:cNvPr id="7" name="Rectangle 6">
-            <a:extLst>
-              <a:ext uri="{FF2B5EF4-FFF2-40B4-BE49-F238E27FC236}">
-                <a16:creationId xmlns:a16="http://schemas.microsoft.com/office/drawing/2014/main" id="{A710659E-4D33-1442-98D3-694702763A55}"/>
-              </a:ext>
-            </a:extLst>
-          </p:cNvPr>
-          <p:cNvSpPr/>
-          <p:nvPr/>
-        </p:nvSpPr>
-        <p:spPr>
-          <a:xfrm>
-            <a:off x="4888433" y="1690687"/>
-            <a:ext cx="5804040" cy="5043941"/>
-          </a:xfrm>
-          <a:prstGeom prst="rect">
-            <a:avLst/>
-          </a:prstGeom>
-          <a:solidFill>
-            <a:schemeClr val="bg1"/>
-          </a:solidFill>
-          <a:ln>
-            <a:noFill/>
-          </a:ln>
-        </p:spPr>
-        <p:style>
-          <a:lnRef idx="2">
-            <a:schemeClr val="accent1">
-              <a:shade val="50000"/>
-            </a:schemeClr>
-          </a:lnRef>
-          <a:fillRef idx="1">
-            <a:schemeClr val="accent1"/>
-          </a:fillRef>
-          <a:effectRef idx="0">
-            <a:schemeClr val="accent1"/>
-          </a:effectRef>
-          <a:fontRef idx="minor">
-            <a:schemeClr val="lt1"/>
-          </a:fontRef>
-        </p:style>
-        <p:txBody>
-          <a:bodyPr rtlCol="0" anchor="ctr"/>
-          <a:lstStyle/>
-          <a:p>
-            <a:pPr algn="ctr"/>
-            <a:endParaRPr lang="en-US"/>
+              <a:t>***</a:t>
+            </a:r>
+          </a:p>
+        </p:txBody>
+      </p:sp>
+      <p:sp>
+        <p:nvSpPr>
+          <p:cNvPr id="11" name="TextBox 10">
+            <a:extLst>
+              <a:ext uri="{FF2B5EF4-FFF2-40B4-BE49-F238E27FC236}">
+                <a16:creationId xmlns:a16="http://schemas.microsoft.com/office/drawing/2014/main" id="{3CAD6B09-4399-D745-A7BD-C8C6FEC464C1}"/>
+              </a:ext>
+            </a:extLst>
+          </p:cNvPr>
+          <p:cNvSpPr txBox="1"/>
+          <p:nvPr/>
+        </p:nvSpPr>
+        <p:spPr>
+          <a:xfrm>
+            <a:off x="6186348" y="2214774"/>
+            <a:ext cx="646331" cy="461665"/>
+          </a:xfrm>
+          <a:prstGeom prst="rect">
+            <a:avLst/>
+          </a:prstGeom>
+          <a:noFill/>
+        </p:spPr>
+        <p:txBody>
+          <a:bodyPr wrap="none" rtlCol="0">
+            <a:spAutoFit/>
+          </a:bodyPr>
+          <a:lstStyle/>
+          <a:p>
+            <a:r>
+              <a:rPr lang="en-US" sz="2400" b="1" dirty="0">
+                <a:solidFill>
+                  <a:srgbClr val="FF0000"/>
+                </a:solidFill>
+              </a:rPr>
+              <a:t>***</a:t>
+            </a:r>
+          </a:p>
+        </p:txBody>
+      </p:sp>
+      <p:sp>
+        <p:nvSpPr>
+          <p:cNvPr id="12" name="TextBox 11">
+            <a:extLst>
+              <a:ext uri="{FF2B5EF4-FFF2-40B4-BE49-F238E27FC236}">
+                <a16:creationId xmlns:a16="http://schemas.microsoft.com/office/drawing/2014/main" id="{C40BD82F-A0BD-CA41-843E-410D54A62CBE}"/>
+              </a:ext>
+            </a:extLst>
+          </p:cNvPr>
+          <p:cNvSpPr txBox="1"/>
+          <p:nvPr/>
+        </p:nvSpPr>
+        <p:spPr>
+          <a:xfrm>
+            <a:off x="1500384" y="1477108"/>
+            <a:ext cx="1487908" cy="830997"/>
+          </a:xfrm>
+          <a:prstGeom prst="rect">
+            <a:avLst/>
+          </a:prstGeom>
+          <a:noFill/>
+        </p:spPr>
+        <p:txBody>
+          <a:bodyPr wrap="none" rtlCol="0">
+            <a:spAutoFit/>
+          </a:bodyPr>
+          <a:lstStyle/>
+          <a:p>
+            <a:pPr algn="r"/>
+            <a:r>
+              <a:rPr lang="en-US" sz="2400" dirty="0">
+                <a:solidFill>
+                  <a:schemeClr val="tx1">
+                    <a:lumMod val="50000"/>
+                    <a:lumOff val="50000"/>
+                  </a:schemeClr>
+                </a:solidFill>
+                <a:latin typeface="Arial" panose="020B0604020202020204" pitchFamily="34" charset="0"/>
+                <a:cs typeface="Arial" panose="020B0604020202020204" pitchFamily="34" charset="0"/>
+              </a:rPr>
+              <a:t>Better </a:t>
+            </a:r>
+          </a:p>
+          <a:p>
+            <a:pPr algn="r"/>
+            <a:r>
+              <a:rPr lang="en-US" sz="2400" dirty="0">
+                <a:solidFill>
+                  <a:schemeClr val="tx1">
+                    <a:lumMod val="50000"/>
+                    <a:lumOff val="50000"/>
+                  </a:schemeClr>
+                </a:solidFill>
+                <a:latin typeface="Arial" panose="020B0604020202020204" pitchFamily="34" charset="0"/>
+                <a:cs typeface="Arial" panose="020B0604020202020204" pitchFamily="34" charset="0"/>
+              </a:rPr>
+              <a:t>Decoding</a:t>
+            </a:r>
+          </a:p>
+        </p:txBody>
+      </p:sp>
+      <p:sp>
+        <p:nvSpPr>
+          <p:cNvPr id="13" name="TextBox 12">
+            <a:extLst>
+              <a:ext uri="{FF2B5EF4-FFF2-40B4-BE49-F238E27FC236}">
+                <a16:creationId xmlns:a16="http://schemas.microsoft.com/office/drawing/2014/main" id="{D012A812-687C-6641-9BC6-2F5DFCFEAADC}"/>
+              </a:ext>
+            </a:extLst>
+          </p:cNvPr>
+          <p:cNvSpPr txBox="1"/>
+          <p:nvPr/>
+        </p:nvSpPr>
+        <p:spPr>
+          <a:xfrm>
+            <a:off x="1500384" y="5672629"/>
+            <a:ext cx="1487908" cy="830997"/>
+          </a:xfrm>
+          <a:prstGeom prst="rect">
+            <a:avLst/>
+          </a:prstGeom>
+          <a:noFill/>
+        </p:spPr>
+        <p:txBody>
+          <a:bodyPr wrap="none" rtlCol="0">
+            <a:spAutoFit/>
+          </a:bodyPr>
+          <a:lstStyle/>
+          <a:p>
+            <a:pPr algn="r"/>
+            <a:r>
+              <a:rPr lang="en-US" sz="2400" dirty="0">
+                <a:solidFill>
+                  <a:schemeClr val="tx1">
+                    <a:lumMod val="50000"/>
+                    <a:lumOff val="50000"/>
+                  </a:schemeClr>
+                </a:solidFill>
+                <a:latin typeface="Arial" panose="020B0604020202020204" pitchFamily="34" charset="0"/>
+                <a:cs typeface="Arial" panose="020B0604020202020204" pitchFamily="34" charset="0"/>
+              </a:rPr>
+              <a:t>Worse </a:t>
+            </a:r>
+          </a:p>
+          <a:p>
+            <a:pPr algn="r"/>
+            <a:r>
+              <a:rPr lang="en-US" sz="2400" dirty="0">
+                <a:solidFill>
+                  <a:schemeClr val="tx1">
+                    <a:lumMod val="50000"/>
+                    <a:lumOff val="50000"/>
+                  </a:schemeClr>
+                </a:solidFill>
+                <a:latin typeface="Arial" panose="020B0604020202020204" pitchFamily="34" charset="0"/>
+                <a:cs typeface="Arial" panose="020B0604020202020204" pitchFamily="34" charset="0"/>
+              </a:rPr>
+              <a:t>Decoding</a:t>
+            </a:r>
+          </a:p>
+        </p:txBody>
+      </p:sp>
+      <p:sp>
+        <p:nvSpPr>
+          <p:cNvPr id="15" name="TextBox 14">
+            <a:extLst>
+              <a:ext uri="{FF2B5EF4-FFF2-40B4-BE49-F238E27FC236}">
+                <a16:creationId xmlns:a16="http://schemas.microsoft.com/office/drawing/2014/main" id="{F22BDD84-A661-1B4E-A657-359326058AFB}"/>
+              </a:ext>
+            </a:extLst>
+          </p:cNvPr>
+          <p:cNvSpPr txBox="1"/>
+          <p:nvPr/>
+        </p:nvSpPr>
+        <p:spPr>
+          <a:xfrm>
+            <a:off x="3752219" y="6131343"/>
+            <a:ext cx="5514587" cy="523220"/>
+          </a:xfrm>
+          <a:prstGeom prst="rect">
+            <a:avLst/>
+          </a:prstGeom>
+          <a:noFill/>
+        </p:spPr>
+        <p:txBody>
+          <a:bodyPr wrap="none" rtlCol="0">
+            <a:spAutoFit/>
+          </a:bodyPr>
+          <a:lstStyle/>
+          <a:p>
+            <a:r>
+              <a:rPr lang="en-US" sz="2800" b="1" dirty="0">
+                <a:latin typeface="Arial" panose="020B0604020202020204" pitchFamily="34" charset="0"/>
+                <a:cs typeface="Arial" panose="020B0604020202020204" pitchFamily="34" charset="0"/>
+              </a:rPr>
+              <a:t>Time relative to target onset (s)</a:t>
+            </a:r>
           </a:p>
         </p:txBody>
       </p:sp>
     </p:spTree>
     <p:extLst>
       <p:ext uri="{BB962C8B-B14F-4D97-AF65-F5344CB8AC3E}">
-        <p14:creationId xmlns:p14="http://schemas.microsoft.com/office/powerpoint/2010/main" val="1971415880"/>
+        <p14:creationId xmlns:p14="http://schemas.microsoft.com/office/powerpoint/2010/main" val="401325898"/>
       </p:ext>
     </p:extLst>
   </p:cSld>
@@ -42741,61 +42640,6 @@
       </p:sp>
       <p:sp>
         <p:nvSpPr>
-          <p:cNvPr id="5" name="TextBox 4">
-            <a:extLst>
-              <a:ext uri="{FF2B5EF4-FFF2-40B4-BE49-F238E27FC236}">
-                <a16:creationId xmlns:a16="http://schemas.microsoft.com/office/drawing/2014/main" id="{AE25AA59-8EA8-054C-A340-2A750A765BEB}"/>
-              </a:ext>
-            </a:extLst>
-          </p:cNvPr>
-          <p:cNvSpPr txBox="1"/>
-          <p:nvPr/>
-        </p:nvSpPr>
-        <p:spPr>
-          <a:xfrm>
-            <a:off x="1363806" y="1215851"/>
-            <a:ext cx="2306657" cy="830997"/>
-          </a:xfrm>
-          <a:prstGeom prst="rect">
-            <a:avLst/>
-          </a:prstGeom>
-          <a:noFill/>
-        </p:spPr>
-        <p:txBody>
-          <a:bodyPr wrap="none" rtlCol="0">
-            <a:spAutoFit/>
-          </a:bodyPr>
-          <a:lstStyle/>
-          <a:p>
-            <a:pPr algn="r"/>
-            <a:r>
-              <a:rPr lang="en-US" sz="2400" dirty="0">
-                <a:solidFill>
-                  <a:srgbClr val="4472C4"/>
-                </a:solidFill>
-                <a:latin typeface="Arial" panose="020B0604020202020204" pitchFamily="34" charset="0"/>
-                <a:cs typeface="Arial" panose="020B0604020202020204" pitchFamily="34" charset="0"/>
-              </a:rPr>
-              <a:t>Target Focused</a:t>
-            </a:r>
-          </a:p>
-          <a:p>
-            <a:pPr algn="r"/>
-            <a:r>
-              <a:rPr lang="en-US" sz="2400" dirty="0">
-                <a:solidFill>
-                  <a:srgbClr val="4472C4"/>
-                </a:solidFill>
-                <a:latin typeface="Arial" panose="020B0604020202020204" pitchFamily="34" charset="0"/>
-                <a:cs typeface="Arial" panose="020B0604020202020204" pitchFamily="34" charset="0"/>
-              </a:rPr>
-              <a:t>Attention</a:t>
-            </a:r>
-          </a:p>
-        </p:txBody>
-      </p:sp>
-      <p:sp>
-        <p:nvSpPr>
           <p:cNvPr id="7" name="Rectangle 6">
             <a:extLst>
               <a:ext uri="{FF2B5EF4-FFF2-40B4-BE49-F238E27FC236}">
@@ -42849,7 +42693,7 @@
     </p:spTree>
     <p:extLst>
       <p:ext uri="{BB962C8B-B14F-4D97-AF65-F5344CB8AC3E}">
-        <p14:creationId xmlns:p14="http://schemas.microsoft.com/office/powerpoint/2010/main" val="3538728663"/>
+        <p14:creationId xmlns:p14="http://schemas.microsoft.com/office/powerpoint/2010/main" val="1971415880"/>
       </p:ext>
     </p:extLst>
   </p:cSld>
@@ -43049,61 +42893,6 @@
       </p:sp>
       <p:sp>
         <p:nvSpPr>
-          <p:cNvPr id="6" name="TextBox 5">
-            <a:extLst>
-              <a:ext uri="{FF2B5EF4-FFF2-40B4-BE49-F238E27FC236}">
-                <a16:creationId xmlns:a16="http://schemas.microsoft.com/office/drawing/2014/main" id="{A52BD08A-6051-DB44-B2BE-E0754F0FF6A2}"/>
-              </a:ext>
-            </a:extLst>
-          </p:cNvPr>
-          <p:cNvSpPr txBox="1"/>
-          <p:nvPr/>
-        </p:nvSpPr>
-        <p:spPr>
-          <a:xfrm>
-            <a:off x="1002681" y="5187057"/>
-            <a:ext cx="2667782" cy="830997"/>
-          </a:xfrm>
-          <a:prstGeom prst="rect">
-            <a:avLst/>
-          </a:prstGeom>
-          <a:noFill/>
-        </p:spPr>
-        <p:txBody>
-          <a:bodyPr wrap="none" rtlCol="0">
-            <a:spAutoFit/>
-          </a:bodyPr>
-          <a:lstStyle/>
-          <a:p>
-            <a:pPr algn="r"/>
-            <a:r>
-              <a:rPr lang="en-US" sz="2400" dirty="0">
-                <a:solidFill>
-                  <a:srgbClr val="508888"/>
-                </a:solidFill>
-                <a:latin typeface="Arial" panose="020B0604020202020204" pitchFamily="34" charset="0"/>
-                <a:cs typeface="Arial" panose="020B0604020202020204" pitchFamily="34" charset="0"/>
-              </a:rPr>
-              <a:t>Evenly Distributed</a:t>
-            </a:r>
-          </a:p>
-          <a:p>
-            <a:pPr algn="r"/>
-            <a:r>
-              <a:rPr lang="en-US" sz="2400" dirty="0">
-                <a:solidFill>
-                  <a:srgbClr val="508888"/>
-                </a:solidFill>
-                <a:latin typeface="Arial" panose="020B0604020202020204" pitchFamily="34" charset="0"/>
-                <a:cs typeface="Arial" panose="020B0604020202020204" pitchFamily="34" charset="0"/>
-              </a:rPr>
-              <a:t>Attention</a:t>
-            </a:r>
-          </a:p>
-        </p:txBody>
-      </p:sp>
-      <p:sp>
-        <p:nvSpPr>
           <p:cNvPr id="7" name="Rectangle 6">
             <a:extLst>
               <a:ext uri="{FF2B5EF4-FFF2-40B4-BE49-F238E27FC236}">
@@ -43157,7 +42946,7 @@
     </p:spTree>
     <p:extLst>
       <p:ext uri="{BB962C8B-B14F-4D97-AF65-F5344CB8AC3E}">
-        <p14:creationId xmlns:p14="http://schemas.microsoft.com/office/powerpoint/2010/main" val="1283037684"/>
+        <p14:creationId xmlns:p14="http://schemas.microsoft.com/office/powerpoint/2010/main" val="3538728663"/>
       </p:ext>
     </p:extLst>
   </p:cSld>
@@ -43302,10 +43091,10 @@
       </p:sp>
       <p:sp>
         <p:nvSpPr>
-          <p:cNvPr id="7" name="TextBox 6">
-            <a:extLst>
-              <a:ext uri="{FF2B5EF4-FFF2-40B4-BE49-F238E27FC236}">
-                <a16:creationId xmlns:a16="http://schemas.microsoft.com/office/drawing/2014/main" id="{2DDD9627-D0AA-FD44-B235-6E881C437A79}"/>
+          <p:cNvPr id="5" name="TextBox 4">
+            <a:extLst>
+              <a:ext uri="{FF2B5EF4-FFF2-40B4-BE49-F238E27FC236}">
+                <a16:creationId xmlns:a16="http://schemas.microsoft.com/office/drawing/2014/main" id="{AE25AA59-8EA8-054C-A340-2A750A765BEB}"/>
               </a:ext>
             </a:extLst>
           </p:cNvPr>
@@ -43357,10 +43146,10 @@
       </p:sp>
       <p:sp>
         <p:nvSpPr>
-          <p:cNvPr id="8" name="TextBox 7">
-            <a:extLst>
-              <a:ext uri="{FF2B5EF4-FFF2-40B4-BE49-F238E27FC236}">
-                <a16:creationId xmlns:a16="http://schemas.microsoft.com/office/drawing/2014/main" id="{2BF06D6F-A06F-0A4B-8C8B-1CA068A7E1E6}"/>
+          <p:cNvPr id="6" name="TextBox 5">
+            <a:extLst>
+              <a:ext uri="{FF2B5EF4-FFF2-40B4-BE49-F238E27FC236}">
+                <a16:creationId xmlns:a16="http://schemas.microsoft.com/office/drawing/2014/main" id="{A52BD08A-6051-DB44-B2BE-E0754F0FF6A2}"/>
               </a:ext>
             </a:extLst>
           </p:cNvPr>
@@ -43412,46 +43201,60 @@
       </p:sp>
       <p:sp>
         <p:nvSpPr>
-          <p:cNvPr id="3" name="TextBox 2">
-            <a:extLst>
-              <a:ext uri="{FF2B5EF4-FFF2-40B4-BE49-F238E27FC236}">
-                <a16:creationId xmlns:a16="http://schemas.microsoft.com/office/drawing/2014/main" id="{29F5EF76-9D1D-7E40-92A5-F310BCEFAF9E}"/>
-              </a:ext>
-            </a:extLst>
-          </p:cNvPr>
-          <p:cNvSpPr txBox="1"/>
-          <p:nvPr/>
-        </p:nvSpPr>
-        <p:spPr>
-          <a:xfrm>
-            <a:off x="7428295" y="6187366"/>
-            <a:ext cx="625492" cy="523220"/>
-          </a:xfrm>
-          <a:prstGeom prst="rect">
-            <a:avLst/>
-          </a:prstGeom>
-          <a:noFill/>
-        </p:spPr>
-        <p:txBody>
-          <a:bodyPr wrap="none" rtlCol="0">
-            <a:spAutoFit/>
-          </a:bodyPr>
-          <a:lstStyle/>
-          <a:p>
-            <a:r>
-              <a:rPr lang="en-US" sz="2800" b="1" dirty="0">
-                <a:latin typeface="Arial" panose="020B0604020202020204" pitchFamily="34" charset="0"/>
-                <a:cs typeface="Arial" panose="020B0604020202020204" pitchFamily="34" charset="0"/>
-              </a:rPr>
-              <a:t>(s)</a:t>
-            </a:r>
+          <p:cNvPr id="7" name="Rectangle 6">
+            <a:extLst>
+              <a:ext uri="{FF2B5EF4-FFF2-40B4-BE49-F238E27FC236}">
+                <a16:creationId xmlns:a16="http://schemas.microsoft.com/office/drawing/2014/main" id="{A710659E-4D33-1442-98D3-694702763A55}"/>
+              </a:ext>
+            </a:extLst>
+          </p:cNvPr>
+          <p:cNvSpPr/>
+          <p:nvPr/>
+        </p:nvSpPr>
+        <p:spPr>
+          <a:xfrm>
+            <a:off x="4888433" y="1690687"/>
+            <a:ext cx="5804040" cy="5043941"/>
+          </a:xfrm>
+          <a:prstGeom prst="rect">
+            <a:avLst/>
+          </a:prstGeom>
+          <a:solidFill>
+            <a:schemeClr val="bg1"/>
+          </a:solidFill>
+          <a:ln>
+            <a:noFill/>
+          </a:ln>
+        </p:spPr>
+        <p:style>
+          <a:lnRef idx="2">
+            <a:schemeClr val="accent1">
+              <a:shade val="50000"/>
+            </a:schemeClr>
+          </a:lnRef>
+          <a:fillRef idx="1">
+            <a:schemeClr val="accent1"/>
+          </a:fillRef>
+          <a:effectRef idx="0">
+            <a:schemeClr val="accent1"/>
+          </a:effectRef>
+          <a:fontRef idx="minor">
+            <a:schemeClr val="lt1"/>
+          </a:fontRef>
+        </p:style>
+        <p:txBody>
+          <a:bodyPr rtlCol="0" anchor="ctr"/>
+          <a:lstStyle/>
+          <a:p>
+            <a:pPr algn="ctr"/>
+            <a:endParaRPr lang="en-US"/>
           </a:p>
         </p:txBody>
       </p:sp>
     </p:spTree>
     <p:extLst>
       <p:ext uri="{BB962C8B-B14F-4D97-AF65-F5344CB8AC3E}">
-        <p14:creationId xmlns:p14="http://schemas.microsoft.com/office/powerpoint/2010/main" val="1813770263"/>
+        <p14:creationId xmlns:p14="http://schemas.microsoft.com/office/powerpoint/2010/main" val="1283037684"/>
       </p:ext>
     </p:extLst>
   </p:cSld>
@@ -43501,7 +43304,7 @@
           <a:p>
             <a:r>
               <a:rPr lang="en-US" dirty="0"/>
-              <a:t>Decoding can find the attention locus in a stable auditory scene</a:t>
+              <a:t>Decoding can estimate attentional locus in stable auditory scenes</a:t>
             </a:r>
           </a:p>
         </p:txBody>
@@ -43831,12 +43634,48 @@
           <a:chExt cx="0" cy="0"/>
         </a:xfrm>
       </p:grpSpPr>
+      <p:pic>
+        <p:nvPicPr>
+          <p:cNvPr id="15" name="Graphic 14">
+            <a:extLst>
+              <a:ext uri="{FF2B5EF4-FFF2-40B4-BE49-F238E27FC236}">
+                <a16:creationId xmlns:a16="http://schemas.microsoft.com/office/drawing/2014/main" id="{86189E6D-FEE6-C049-886F-3D0C3C33C97D}"/>
+              </a:ext>
+            </a:extLst>
+          </p:cNvPr>
+          <p:cNvPicPr>
+            <a:picLocks noChangeAspect="1"/>
+          </p:cNvPicPr>
+          <p:nvPr/>
+        </p:nvPicPr>
+        <p:blipFill>
+          <a:blip r:embed="rId2">
+            <a:extLst>
+              <a:ext uri="{96DAC541-7B7A-43D3-8B79-37D633B846F1}">
+                <asvg:svgBlip xmlns:asvg="http://schemas.microsoft.com/office/drawing/2016/SVG/main" r:embed="rId3"/>
+              </a:ext>
+            </a:extLst>
+          </a:blip>
+          <a:stretch>
+            <a:fillRect/>
+          </a:stretch>
+        </p:blipFill>
+        <p:spPr>
+          <a:xfrm>
+            <a:off x="2382983" y="1328016"/>
+            <a:ext cx="8294976" cy="5529984"/>
+          </a:xfrm>
+          <a:prstGeom prst="rect">
+            <a:avLst/>
+          </a:prstGeom>
+        </p:spPr>
+      </p:pic>
       <p:sp>
         <p:nvSpPr>
           <p:cNvPr id="2" name="Title 1">
             <a:extLst>
               <a:ext uri="{FF2B5EF4-FFF2-40B4-BE49-F238E27FC236}">
-                <a16:creationId xmlns:a16="http://schemas.microsoft.com/office/drawing/2014/main" id="{B7F0EFC4-8545-9740-8524-1A2E331E93C5}"/>
+                <a16:creationId xmlns:a16="http://schemas.microsoft.com/office/drawing/2014/main" id="{BC192DC9-F67F-4E4C-AACE-92C1990BABB8}"/>
               </a:ext>
             </a:extLst>
           </p:cNvPr>
@@ -43847,59 +43686,29 @@
             <p:ph type="title"/>
           </p:nvPr>
         </p:nvSpPr>
-        <p:spPr/>
+        <p:spPr>
+          <a:xfrm>
+            <a:off x="838200" y="161928"/>
+            <a:ext cx="10515600" cy="1325563"/>
+          </a:xfrm>
+        </p:spPr>
         <p:txBody>
           <a:bodyPr/>
           <a:lstStyle/>
           <a:p>
             <a:r>
               <a:rPr lang="en-US" dirty="0"/>
-              <a:t>Later target = Better decoding</a:t>
-            </a:r>
-          </a:p>
-        </p:txBody>
-      </p:sp>
-      <p:pic>
-        <p:nvPicPr>
-          <p:cNvPr id="5" name="Content Placeholder 4">
-            <a:extLst>
-              <a:ext uri="{FF2B5EF4-FFF2-40B4-BE49-F238E27FC236}">
-                <a16:creationId xmlns:a16="http://schemas.microsoft.com/office/drawing/2014/main" id="{6F5C98F4-0B10-1A4E-A710-8DF8481E009F}"/>
-              </a:ext>
-            </a:extLst>
-          </p:cNvPr>
-          <p:cNvPicPr>
-            <a:picLocks noGrp="1" noChangeAspect="1"/>
-          </p:cNvPicPr>
-          <p:nvPr>
-            <p:ph idx="1"/>
-          </p:nvPr>
-        </p:nvPicPr>
-        <p:blipFill>
-          <a:blip r:embed="rId3">
-            <a:extLst>
-              <a:ext uri="{96DAC541-7B7A-43D3-8B79-37D633B846F1}">
-                <asvg:svgBlip xmlns:asvg="http://schemas.microsoft.com/office/drawing/2016/SVG/main" r:embed="rId4"/>
-              </a:ext>
-            </a:extLst>
-          </a:blip>
-          <a:stretch>
-            <a:fillRect/>
-          </a:stretch>
-        </p:blipFill>
-        <p:spPr>
-          <a:xfrm>
-            <a:off x="1908810" y="1846164"/>
-            <a:ext cx="8374380" cy="5126136"/>
-          </a:xfrm>
-        </p:spPr>
-      </p:pic>
-      <p:sp>
-        <p:nvSpPr>
-          <p:cNvPr id="6" name="TextBox 5">
-            <a:extLst>
-              <a:ext uri="{FF2B5EF4-FFF2-40B4-BE49-F238E27FC236}">
-                <a16:creationId xmlns:a16="http://schemas.microsoft.com/office/drawing/2014/main" id="{DA568133-A29D-DE4A-8E99-EEE1A018D93E}"/>
+              <a:t>Attention signal is similar across conditions</a:t>
+            </a:r>
+          </a:p>
+        </p:txBody>
+      </p:sp>
+      <p:sp>
+        <p:nvSpPr>
+          <p:cNvPr id="13" name="TextBox 12">
+            <a:extLst>
+              <a:ext uri="{FF2B5EF4-FFF2-40B4-BE49-F238E27FC236}">
+                <a16:creationId xmlns:a16="http://schemas.microsoft.com/office/drawing/2014/main" id="{87B44A55-759C-1244-A908-B60D1480665D}"/>
               </a:ext>
             </a:extLst>
           </p:cNvPr>
@@ -43908,8 +43717,8 @@
         </p:nvSpPr>
         <p:spPr>
           <a:xfrm>
-            <a:off x="1908810" y="1449704"/>
-            <a:ext cx="1487908" cy="830997"/>
+            <a:off x="7587953" y="1690688"/>
+            <a:ext cx="636713" cy="461665"/>
           </a:xfrm>
           <a:prstGeom prst="rect">
             <a:avLst/>
@@ -43922,19 +43731,63 @@
           </a:bodyPr>
           <a:lstStyle/>
           <a:p>
-            <a:pPr algn="r"/>
+            <a:r>
+              <a:rPr lang="en-US" sz="2400" dirty="0" err="1">
+                <a:solidFill>
+                  <a:srgbClr val="FF0000"/>
+                </a:solidFill>
+              </a:rPr>
+              <a:t>n.s</a:t>
+            </a:r>
             <a:r>
               <a:rPr lang="en-US" sz="2400" dirty="0">
                 <a:solidFill>
-                  <a:schemeClr val="tx1">
-                    <a:lumMod val="50000"/>
-                    <a:lumOff val="50000"/>
-                  </a:schemeClr>
+                  <a:srgbClr val="FF0000"/>
+                </a:solidFill>
+              </a:rPr>
+              <a:t>.</a:t>
+            </a:r>
+          </a:p>
+        </p:txBody>
+      </p:sp>
+      <p:sp>
+        <p:nvSpPr>
+          <p:cNvPr id="7" name="TextBox 6">
+            <a:extLst>
+              <a:ext uri="{FF2B5EF4-FFF2-40B4-BE49-F238E27FC236}">
+                <a16:creationId xmlns:a16="http://schemas.microsoft.com/office/drawing/2014/main" id="{2DDD9627-D0AA-FD44-B235-6E881C437A79}"/>
+              </a:ext>
+            </a:extLst>
+          </p:cNvPr>
+          <p:cNvSpPr txBox="1"/>
+          <p:nvPr/>
+        </p:nvSpPr>
+        <p:spPr>
+          <a:xfrm>
+            <a:off x="1363806" y="1215851"/>
+            <a:ext cx="2306657" cy="830997"/>
+          </a:xfrm>
+          <a:prstGeom prst="rect">
+            <a:avLst/>
+          </a:prstGeom>
+          <a:noFill/>
+        </p:spPr>
+        <p:txBody>
+          <a:bodyPr wrap="none" rtlCol="0">
+            <a:spAutoFit/>
+          </a:bodyPr>
+          <a:lstStyle/>
+          <a:p>
+            <a:pPr algn="r"/>
+            <a:r>
+              <a:rPr lang="en-US" sz="2400" dirty="0">
+                <a:solidFill>
+                  <a:srgbClr val="4472C4"/>
                 </a:solidFill>
                 <a:latin typeface="Arial" panose="020B0604020202020204" pitchFamily="34" charset="0"/>
                 <a:cs typeface="Arial" panose="020B0604020202020204" pitchFamily="34" charset="0"/>
               </a:rPr>
-              <a:t>Better </a:t>
+              <a:t>Target Focused</a:t>
             </a:r>
           </a:p>
           <a:p>
@@ -43942,25 +43795,22 @@
             <a:r>
               <a:rPr lang="en-US" sz="2400" dirty="0">
                 <a:solidFill>
-                  <a:schemeClr val="tx1">
-                    <a:lumMod val="50000"/>
-                    <a:lumOff val="50000"/>
-                  </a:schemeClr>
+                  <a:srgbClr val="4472C4"/>
                 </a:solidFill>
                 <a:latin typeface="Arial" panose="020B0604020202020204" pitchFamily="34" charset="0"/>
                 <a:cs typeface="Arial" panose="020B0604020202020204" pitchFamily="34" charset="0"/>
               </a:rPr>
-              <a:t>Decoding</a:t>
-            </a:r>
-          </a:p>
-        </p:txBody>
-      </p:sp>
-      <p:sp>
-        <p:nvSpPr>
-          <p:cNvPr id="7" name="TextBox 6">
-            <a:extLst>
-              <a:ext uri="{FF2B5EF4-FFF2-40B4-BE49-F238E27FC236}">
-                <a16:creationId xmlns:a16="http://schemas.microsoft.com/office/drawing/2014/main" id="{C9079BE3-605D-D645-80E7-FB700B105D84}"/>
+              <a:t>Attention</a:t>
+            </a:r>
+          </a:p>
+        </p:txBody>
+      </p:sp>
+      <p:sp>
+        <p:nvSpPr>
+          <p:cNvPr id="8" name="TextBox 7">
+            <a:extLst>
+              <a:ext uri="{FF2B5EF4-FFF2-40B4-BE49-F238E27FC236}">
+                <a16:creationId xmlns:a16="http://schemas.microsoft.com/office/drawing/2014/main" id="{2BF06D6F-A06F-0A4B-8C8B-1CA068A7E1E6}"/>
               </a:ext>
             </a:extLst>
           </p:cNvPr>
@@ -43969,8 +43819,8 @@
         </p:nvSpPr>
         <p:spPr>
           <a:xfrm>
-            <a:off x="1908810" y="5530925"/>
-            <a:ext cx="1487908" cy="830997"/>
+            <a:off x="1002681" y="5187057"/>
+            <a:ext cx="2667782" cy="830997"/>
           </a:xfrm>
           <a:prstGeom prst="rect">
             <a:avLst/>
@@ -43987,15 +43837,12 @@
             <a:r>
               <a:rPr lang="en-US" sz="2400" dirty="0">
                 <a:solidFill>
-                  <a:schemeClr val="tx1">
-                    <a:lumMod val="50000"/>
-                    <a:lumOff val="50000"/>
-                  </a:schemeClr>
+                  <a:srgbClr val="508888"/>
                 </a:solidFill>
                 <a:latin typeface="Arial" panose="020B0604020202020204" pitchFamily="34" charset="0"/>
                 <a:cs typeface="Arial" panose="020B0604020202020204" pitchFamily="34" charset="0"/>
               </a:rPr>
-              <a:t>Worse </a:t>
+              <a:t>Evenly Distributed</a:t>
             </a:r>
           </a:p>
           <a:p>
@@ -44003,15 +43850,50 @@
             <a:r>
               <a:rPr lang="en-US" sz="2400" dirty="0">
                 <a:solidFill>
-                  <a:schemeClr val="tx1">
-                    <a:lumMod val="50000"/>
-                    <a:lumOff val="50000"/>
-                  </a:schemeClr>
+                  <a:srgbClr val="508888"/>
                 </a:solidFill>
                 <a:latin typeface="Arial" panose="020B0604020202020204" pitchFamily="34" charset="0"/>
                 <a:cs typeface="Arial" panose="020B0604020202020204" pitchFamily="34" charset="0"/>
               </a:rPr>
-              <a:t>Decoding</a:t>
+              <a:t>Attention</a:t>
+            </a:r>
+          </a:p>
+        </p:txBody>
+      </p:sp>
+      <p:sp>
+        <p:nvSpPr>
+          <p:cNvPr id="3" name="TextBox 2">
+            <a:extLst>
+              <a:ext uri="{FF2B5EF4-FFF2-40B4-BE49-F238E27FC236}">
+                <a16:creationId xmlns:a16="http://schemas.microsoft.com/office/drawing/2014/main" id="{29F5EF76-9D1D-7E40-92A5-F310BCEFAF9E}"/>
+              </a:ext>
+            </a:extLst>
+          </p:cNvPr>
+          <p:cNvSpPr txBox="1"/>
+          <p:nvPr/>
+        </p:nvSpPr>
+        <p:spPr>
+          <a:xfrm>
+            <a:off x="7428295" y="6187366"/>
+            <a:ext cx="625492" cy="523220"/>
+          </a:xfrm>
+          <a:prstGeom prst="rect">
+            <a:avLst/>
+          </a:prstGeom>
+          <a:noFill/>
+        </p:spPr>
+        <p:txBody>
+          <a:bodyPr wrap="none" rtlCol="0">
+            <a:spAutoFit/>
+          </a:bodyPr>
+          <a:lstStyle/>
+          <a:p>
+            <a:r>
+              <a:rPr lang="en-US" sz="2800" b="1" dirty="0">
+                <a:latin typeface="Arial" panose="020B0604020202020204" pitchFamily="34" charset="0"/>
+                <a:cs typeface="Arial" panose="020B0604020202020204" pitchFamily="34" charset="0"/>
+              </a:rPr>
+              <a:t>(s)</a:t>
             </a:r>
           </a:p>
         </p:txBody>
@@ -44019,7 +43901,7 @@
     </p:spTree>
     <p:extLst>
       <p:ext uri="{BB962C8B-B14F-4D97-AF65-F5344CB8AC3E}">
-        <p14:creationId xmlns:p14="http://schemas.microsoft.com/office/powerpoint/2010/main" val="1502206246"/>
+        <p14:creationId xmlns:p14="http://schemas.microsoft.com/office/powerpoint/2010/main" val="1813770263"/>
       </p:ext>
     </p:extLst>
   </p:cSld>
@@ -44231,49 +44113,10 @@
           </a:p>
         </p:txBody>
       </p:sp>
-      <p:sp>
-        <p:nvSpPr>
-          <p:cNvPr id="8" name="TextBox 7">
-            <a:extLst>
-              <a:ext uri="{FF2B5EF4-FFF2-40B4-BE49-F238E27FC236}">
-                <a16:creationId xmlns:a16="http://schemas.microsoft.com/office/drawing/2014/main" id="{3052259E-C878-8E46-A442-DC81B527D1C6}"/>
-              </a:ext>
-            </a:extLst>
-          </p:cNvPr>
-          <p:cNvSpPr txBox="1"/>
-          <p:nvPr/>
-        </p:nvSpPr>
-        <p:spPr>
-          <a:xfrm>
-            <a:off x="7315200" y="4178399"/>
-            <a:ext cx="646331" cy="461665"/>
-          </a:xfrm>
-          <a:prstGeom prst="rect">
-            <a:avLst/>
-          </a:prstGeom>
-          <a:noFill/>
-        </p:spPr>
-        <p:txBody>
-          <a:bodyPr wrap="none" rtlCol="0">
-            <a:spAutoFit/>
-          </a:bodyPr>
-          <a:lstStyle/>
-          <a:p>
-            <a:r>
-              <a:rPr lang="en-US" sz="2400" dirty="0">
-                <a:solidFill>
-                  <a:srgbClr val="FF0000"/>
-                </a:solidFill>
-              </a:rPr>
-              <a:t>***</a:t>
-            </a:r>
-          </a:p>
-        </p:txBody>
-      </p:sp>
     </p:spTree>
     <p:extLst>
       <p:ext uri="{BB962C8B-B14F-4D97-AF65-F5344CB8AC3E}">
-        <p14:creationId xmlns:p14="http://schemas.microsoft.com/office/powerpoint/2010/main" val="2151981386"/>
+        <p14:creationId xmlns:p14="http://schemas.microsoft.com/office/powerpoint/2010/main" val="1502206246"/>
       </p:ext>
     </p:extLst>
   </p:cSld>
@@ -44323,7 +44166,7 @@
           <a:p>
             <a:r>
               <a:rPr lang="en-US" dirty="0"/>
-              <a:t>Later target = More focused attention</a:t>
+              <a:t>Later target = Better decoding</a:t>
             </a:r>
           </a:p>
         </p:txBody>
@@ -44333,7 +44176,7 @@
           <p:cNvPr id="5" name="Content Placeholder 4">
             <a:extLst>
               <a:ext uri="{FF2B5EF4-FFF2-40B4-BE49-F238E27FC236}">
-                <a16:creationId xmlns:a16="http://schemas.microsoft.com/office/drawing/2014/main" id="{911B4929-FD9E-B449-A47D-94B272419E6F}"/>
+                <a16:creationId xmlns:a16="http://schemas.microsoft.com/office/drawing/2014/main" id="{6F5C98F4-0B10-1A4E-A710-8DF8481E009F}"/>
               </a:ext>
             </a:extLst>
           </p:cNvPr>
@@ -44345,10 +44188,10 @@
           </p:nvPr>
         </p:nvPicPr>
         <p:blipFill>
-          <a:blip r:embed="rId2">
+          <a:blip r:embed="rId3">
             <a:extLst>
               <a:ext uri="{96DAC541-7B7A-43D3-8B79-37D633B846F1}">
-                <asvg:svgBlip xmlns:asvg="http://schemas.microsoft.com/office/drawing/2016/SVG/main" r:embed="rId3"/>
+                <asvg:svgBlip xmlns:asvg="http://schemas.microsoft.com/office/drawing/2016/SVG/main" r:embed="rId4"/>
               </a:ext>
             </a:extLst>
           </a:blip>
@@ -44358,8 +44201,8 @@
         </p:blipFill>
         <p:spPr>
           <a:xfrm>
-            <a:off x="2094177" y="2055813"/>
-            <a:ext cx="8003645" cy="4802187"/>
+            <a:off x="1908810" y="1846164"/>
+            <a:ext cx="8374380" cy="5126136"/>
           </a:xfrm>
         </p:spPr>
       </p:pic>
@@ -44368,7 +44211,7 @@
           <p:cNvPr id="6" name="TextBox 5">
             <a:extLst>
               <a:ext uri="{FF2B5EF4-FFF2-40B4-BE49-F238E27FC236}">
-                <a16:creationId xmlns:a16="http://schemas.microsoft.com/office/drawing/2014/main" id="{28E5A8A9-B4EA-D849-A992-CEBC78C249F8}"/>
+                <a16:creationId xmlns:a16="http://schemas.microsoft.com/office/drawing/2014/main" id="{DA568133-A29D-DE4A-8E99-EEE1A018D93E}"/>
               </a:ext>
             </a:extLst>
           </p:cNvPr>
@@ -44377,8 +44220,8 @@
         </p:nvSpPr>
         <p:spPr>
           <a:xfrm>
-            <a:off x="1363806" y="1580976"/>
-            <a:ext cx="2306657" cy="830997"/>
+            <a:off x="1908810" y="1449704"/>
+            <a:ext cx="1487908" cy="830997"/>
           </a:xfrm>
           <a:prstGeom prst="rect">
             <a:avLst/>
@@ -44395,12 +44238,15 @@
             <a:r>
               <a:rPr lang="en-US" sz="2400" dirty="0">
                 <a:solidFill>
-                  <a:srgbClr val="4472C4"/>
+                  <a:schemeClr val="tx1">
+                    <a:lumMod val="50000"/>
+                    <a:lumOff val="50000"/>
+                  </a:schemeClr>
                 </a:solidFill>
                 <a:latin typeface="Arial" panose="020B0604020202020204" pitchFamily="34" charset="0"/>
                 <a:cs typeface="Arial" panose="020B0604020202020204" pitchFamily="34" charset="0"/>
               </a:rPr>
-              <a:t>Target Focused</a:t>
+              <a:t>Better </a:t>
             </a:r>
           </a:p>
           <a:p>
@@ -44408,12 +44254,15 @@
             <a:r>
               <a:rPr lang="en-US" sz="2400" dirty="0">
                 <a:solidFill>
-                  <a:srgbClr val="4472C4"/>
+                  <a:schemeClr val="tx1">
+                    <a:lumMod val="50000"/>
+                    <a:lumOff val="50000"/>
+                  </a:schemeClr>
                 </a:solidFill>
                 <a:latin typeface="Arial" panose="020B0604020202020204" pitchFamily="34" charset="0"/>
                 <a:cs typeface="Arial" panose="020B0604020202020204" pitchFamily="34" charset="0"/>
               </a:rPr>
-              <a:t>Attention</a:t>
+              <a:t>Decoding</a:t>
             </a:r>
           </a:p>
         </p:txBody>
@@ -44423,7 +44272,7 @@
           <p:cNvPr id="7" name="TextBox 6">
             <a:extLst>
               <a:ext uri="{FF2B5EF4-FFF2-40B4-BE49-F238E27FC236}">
-                <a16:creationId xmlns:a16="http://schemas.microsoft.com/office/drawing/2014/main" id="{176D984D-CBFD-2142-B293-C31236F1F80E}"/>
+                <a16:creationId xmlns:a16="http://schemas.microsoft.com/office/drawing/2014/main" id="{C9079BE3-605D-D645-80E7-FB700B105D84}"/>
               </a:ext>
             </a:extLst>
           </p:cNvPr>
@@ -44432,8 +44281,8 @@
         </p:nvSpPr>
         <p:spPr>
           <a:xfrm>
-            <a:off x="1449920" y="5552182"/>
-            <a:ext cx="2220543" cy="830997"/>
+            <a:off x="1908810" y="5530925"/>
+            <a:ext cx="1487908" cy="830997"/>
           </a:xfrm>
           <a:prstGeom prst="rect">
             <a:avLst/>
@@ -44450,12 +44299,15 @@
             <a:r>
               <a:rPr lang="en-US" sz="2400" dirty="0">
                 <a:solidFill>
-                  <a:srgbClr val="A0D26C"/>
+                  <a:schemeClr val="tx1">
+                    <a:lumMod val="50000"/>
+                    <a:lumOff val="50000"/>
+                  </a:schemeClr>
                 </a:solidFill>
                 <a:latin typeface="Arial" panose="020B0604020202020204" pitchFamily="34" charset="0"/>
                 <a:cs typeface="Arial" panose="020B0604020202020204" pitchFamily="34" charset="0"/>
               </a:rPr>
-              <a:t>Other Focused</a:t>
+              <a:t>Worse </a:t>
             </a:r>
           </a:p>
           <a:p>
@@ -44463,12 +44315,54 @@
             <a:r>
               <a:rPr lang="en-US" sz="2400" dirty="0">
                 <a:solidFill>
-                  <a:srgbClr val="A0D26C"/>
+                  <a:schemeClr val="tx1">
+                    <a:lumMod val="50000"/>
+                    <a:lumOff val="50000"/>
+                  </a:schemeClr>
                 </a:solidFill>
                 <a:latin typeface="Arial" panose="020B0604020202020204" pitchFamily="34" charset="0"/>
                 <a:cs typeface="Arial" panose="020B0604020202020204" pitchFamily="34" charset="0"/>
               </a:rPr>
-              <a:t>Attention</a:t>
+              <a:t>Decoding</a:t>
+            </a:r>
+          </a:p>
+        </p:txBody>
+      </p:sp>
+      <p:sp>
+        <p:nvSpPr>
+          <p:cNvPr id="8" name="TextBox 7">
+            <a:extLst>
+              <a:ext uri="{FF2B5EF4-FFF2-40B4-BE49-F238E27FC236}">
+                <a16:creationId xmlns:a16="http://schemas.microsoft.com/office/drawing/2014/main" id="{3052259E-C878-8E46-A442-DC81B527D1C6}"/>
+              </a:ext>
+            </a:extLst>
+          </p:cNvPr>
+          <p:cNvSpPr txBox="1"/>
+          <p:nvPr/>
+        </p:nvSpPr>
+        <p:spPr>
+          <a:xfrm>
+            <a:off x="7315200" y="4178399"/>
+            <a:ext cx="646331" cy="461665"/>
+          </a:xfrm>
+          <a:prstGeom prst="rect">
+            <a:avLst/>
+          </a:prstGeom>
+          <a:noFill/>
+        </p:spPr>
+        <p:txBody>
+          <a:bodyPr wrap="none" rtlCol="0">
+            <a:spAutoFit/>
+          </a:bodyPr>
+          <a:lstStyle/>
+          <a:p>
+            <a:r>
+              <a:rPr lang="en-US" sz="2400" dirty="0">
+                <a:solidFill>
+                  <a:srgbClr val="FF0000"/>
+                </a:solidFill>
+              </a:rPr>
+              <a:t>***</a:t>
             </a:r>
           </a:p>
         </p:txBody>
@@ -44476,7 +44370,7 @@
     </p:spTree>
     <p:extLst>
       <p:ext uri="{BB962C8B-B14F-4D97-AF65-F5344CB8AC3E}">
-        <p14:creationId xmlns:p14="http://schemas.microsoft.com/office/powerpoint/2010/main" val="3156154449"/>
+        <p14:creationId xmlns:p14="http://schemas.microsoft.com/office/powerpoint/2010/main" val="2151981386"/>
       </p:ext>
     </p:extLst>
   </p:cSld>
@@ -44676,49 +44570,10 @@
           </a:p>
         </p:txBody>
       </p:sp>
-      <p:sp>
-        <p:nvSpPr>
-          <p:cNvPr id="8" name="TextBox 7">
-            <a:extLst>
-              <a:ext uri="{FF2B5EF4-FFF2-40B4-BE49-F238E27FC236}">
-                <a16:creationId xmlns:a16="http://schemas.microsoft.com/office/drawing/2014/main" id="{6DF40059-9B74-0A4D-B5F8-3B45D1676B90}"/>
-              </a:ext>
-            </a:extLst>
-          </p:cNvPr>
-          <p:cNvSpPr txBox="1"/>
-          <p:nvPr/>
-        </p:nvSpPr>
-        <p:spPr>
-          <a:xfrm>
-            <a:off x="7373257" y="3995241"/>
-            <a:ext cx="646331" cy="461665"/>
-          </a:xfrm>
-          <a:prstGeom prst="rect">
-            <a:avLst/>
-          </a:prstGeom>
-          <a:noFill/>
-        </p:spPr>
-        <p:txBody>
-          <a:bodyPr wrap="none" rtlCol="0">
-            <a:spAutoFit/>
-          </a:bodyPr>
-          <a:lstStyle/>
-          <a:p>
-            <a:r>
-              <a:rPr lang="en-US" sz="2400" dirty="0">
-                <a:solidFill>
-                  <a:srgbClr val="FF0000"/>
-                </a:solidFill>
-              </a:rPr>
-              <a:t>***</a:t>
-            </a:r>
-          </a:p>
-        </p:txBody>
-      </p:sp>
     </p:spTree>
     <p:extLst>
       <p:ext uri="{BB962C8B-B14F-4D97-AF65-F5344CB8AC3E}">
-        <p14:creationId xmlns:p14="http://schemas.microsoft.com/office/powerpoint/2010/main" val="4063049687"/>
+        <p14:creationId xmlns:p14="http://schemas.microsoft.com/office/powerpoint/2010/main" val="3156154449"/>
       </p:ext>
     </p:extLst>
   </p:cSld>
@@ -44750,7 +44605,7 @@
           <p:cNvPr id="2" name="Title 1">
             <a:extLst>
               <a:ext uri="{FF2B5EF4-FFF2-40B4-BE49-F238E27FC236}">
-                <a16:creationId xmlns:a16="http://schemas.microsoft.com/office/drawing/2014/main" id="{9E853A5C-873B-BE44-A6A5-3AB236B941BD}"/>
+                <a16:creationId xmlns:a16="http://schemas.microsoft.com/office/drawing/2014/main" id="{B7F0EFC4-8545-9740-8524-1A2E331E93C5}"/>
               </a:ext>
             </a:extLst>
           </p:cNvPr>
@@ -44768,7 +44623,191 @@
           <a:p>
             <a:r>
               <a:rPr lang="en-US" dirty="0"/>
-              <a:t>Conclusions</a:t>
+              <a:t>Later target = More focused attention</a:t>
+            </a:r>
+          </a:p>
+        </p:txBody>
+      </p:sp>
+      <p:pic>
+        <p:nvPicPr>
+          <p:cNvPr id="5" name="Content Placeholder 4">
+            <a:extLst>
+              <a:ext uri="{FF2B5EF4-FFF2-40B4-BE49-F238E27FC236}">
+                <a16:creationId xmlns:a16="http://schemas.microsoft.com/office/drawing/2014/main" id="{911B4929-FD9E-B449-A47D-94B272419E6F}"/>
+              </a:ext>
+            </a:extLst>
+          </p:cNvPr>
+          <p:cNvPicPr>
+            <a:picLocks noGrp="1" noChangeAspect="1"/>
+          </p:cNvPicPr>
+          <p:nvPr>
+            <p:ph idx="1"/>
+          </p:nvPr>
+        </p:nvPicPr>
+        <p:blipFill>
+          <a:blip r:embed="rId2">
+            <a:extLst>
+              <a:ext uri="{96DAC541-7B7A-43D3-8B79-37D633B846F1}">
+                <asvg:svgBlip xmlns:asvg="http://schemas.microsoft.com/office/drawing/2016/SVG/main" r:embed="rId3"/>
+              </a:ext>
+            </a:extLst>
+          </a:blip>
+          <a:stretch>
+            <a:fillRect/>
+          </a:stretch>
+        </p:blipFill>
+        <p:spPr>
+          <a:xfrm>
+            <a:off x="2094177" y="2055813"/>
+            <a:ext cx="8003645" cy="4802187"/>
+          </a:xfrm>
+        </p:spPr>
+      </p:pic>
+      <p:sp>
+        <p:nvSpPr>
+          <p:cNvPr id="6" name="TextBox 5">
+            <a:extLst>
+              <a:ext uri="{FF2B5EF4-FFF2-40B4-BE49-F238E27FC236}">
+                <a16:creationId xmlns:a16="http://schemas.microsoft.com/office/drawing/2014/main" id="{28E5A8A9-B4EA-D849-A992-CEBC78C249F8}"/>
+              </a:ext>
+            </a:extLst>
+          </p:cNvPr>
+          <p:cNvSpPr txBox="1"/>
+          <p:nvPr/>
+        </p:nvSpPr>
+        <p:spPr>
+          <a:xfrm>
+            <a:off x="1363806" y="1580976"/>
+            <a:ext cx="2306657" cy="830997"/>
+          </a:xfrm>
+          <a:prstGeom prst="rect">
+            <a:avLst/>
+          </a:prstGeom>
+          <a:noFill/>
+        </p:spPr>
+        <p:txBody>
+          <a:bodyPr wrap="none" rtlCol="0">
+            <a:spAutoFit/>
+          </a:bodyPr>
+          <a:lstStyle/>
+          <a:p>
+            <a:pPr algn="r"/>
+            <a:r>
+              <a:rPr lang="en-US" sz="2400" dirty="0">
+                <a:solidFill>
+                  <a:srgbClr val="4472C4"/>
+                </a:solidFill>
+                <a:latin typeface="Arial" panose="020B0604020202020204" pitchFamily="34" charset="0"/>
+                <a:cs typeface="Arial" panose="020B0604020202020204" pitchFamily="34" charset="0"/>
+              </a:rPr>
+              <a:t>Target Focused</a:t>
+            </a:r>
+          </a:p>
+          <a:p>
+            <a:pPr algn="r"/>
+            <a:r>
+              <a:rPr lang="en-US" sz="2400" dirty="0">
+                <a:solidFill>
+                  <a:srgbClr val="4472C4"/>
+                </a:solidFill>
+                <a:latin typeface="Arial" panose="020B0604020202020204" pitchFamily="34" charset="0"/>
+                <a:cs typeface="Arial" panose="020B0604020202020204" pitchFamily="34" charset="0"/>
+              </a:rPr>
+              <a:t>Attention</a:t>
+            </a:r>
+          </a:p>
+        </p:txBody>
+      </p:sp>
+      <p:sp>
+        <p:nvSpPr>
+          <p:cNvPr id="7" name="TextBox 6">
+            <a:extLst>
+              <a:ext uri="{FF2B5EF4-FFF2-40B4-BE49-F238E27FC236}">
+                <a16:creationId xmlns:a16="http://schemas.microsoft.com/office/drawing/2014/main" id="{176D984D-CBFD-2142-B293-C31236F1F80E}"/>
+              </a:ext>
+            </a:extLst>
+          </p:cNvPr>
+          <p:cNvSpPr txBox="1"/>
+          <p:nvPr/>
+        </p:nvSpPr>
+        <p:spPr>
+          <a:xfrm>
+            <a:off x="1449920" y="5552182"/>
+            <a:ext cx="2220543" cy="830997"/>
+          </a:xfrm>
+          <a:prstGeom prst="rect">
+            <a:avLst/>
+          </a:prstGeom>
+          <a:noFill/>
+        </p:spPr>
+        <p:txBody>
+          <a:bodyPr wrap="none" rtlCol="0">
+            <a:spAutoFit/>
+          </a:bodyPr>
+          <a:lstStyle/>
+          <a:p>
+            <a:pPr algn="r"/>
+            <a:r>
+              <a:rPr lang="en-US" sz="2400" dirty="0">
+                <a:solidFill>
+                  <a:srgbClr val="A0D26C"/>
+                </a:solidFill>
+                <a:latin typeface="Arial" panose="020B0604020202020204" pitchFamily="34" charset="0"/>
+                <a:cs typeface="Arial" panose="020B0604020202020204" pitchFamily="34" charset="0"/>
+              </a:rPr>
+              <a:t>Other Focused</a:t>
+            </a:r>
+          </a:p>
+          <a:p>
+            <a:pPr algn="r"/>
+            <a:r>
+              <a:rPr lang="en-US" sz="2400" dirty="0">
+                <a:solidFill>
+                  <a:srgbClr val="A0D26C"/>
+                </a:solidFill>
+                <a:latin typeface="Arial" panose="020B0604020202020204" pitchFamily="34" charset="0"/>
+                <a:cs typeface="Arial" panose="020B0604020202020204" pitchFamily="34" charset="0"/>
+              </a:rPr>
+              <a:t>Attention</a:t>
+            </a:r>
+          </a:p>
+        </p:txBody>
+      </p:sp>
+      <p:sp>
+        <p:nvSpPr>
+          <p:cNvPr id="8" name="TextBox 7">
+            <a:extLst>
+              <a:ext uri="{FF2B5EF4-FFF2-40B4-BE49-F238E27FC236}">
+                <a16:creationId xmlns:a16="http://schemas.microsoft.com/office/drawing/2014/main" id="{6DF40059-9B74-0A4D-B5F8-3B45D1676B90}"/>
+              </a:ext>
+            </a:extLst>
+          </p:cNvPr>
+          <p:cNvSpPr txBox="1"/>
+          <p:nvPr/>
+        </p:nvSpPr>
+        <p:spPr>
+          <a:xfrm>
+            <a:off x="7373257" y="3995241"/>
+            <a:ext cx="646331" cy="461665"/>
+          </a:xfrm>
+          <a:prstGeom prst="rect">
+            <a:avLst/>
+          </a:prstGeom>
+          <a:noFill/>
+        </p:spPr>
+        <p:txBody>
+          <a:bodyPr wrap="none" rtlCol="0">
+            <a:spAutoFit/>
+          </a:bodyPr>
+          <a:lstStyle/>
+          <a:p>
+            <a:r>
+              <a:rPr lang="en-US" sz="2400" dirty="0">
+                <a:solidFill>
+                  <a:srgbClr val="FF0000"/>
+                </a:solidFill>
+              </a:rPr>
+              <a:t>***</a:t>
             </a:r>
           </a:p>
         </p:txBody>
@@ -44776,7 +44815,7 @@
     </p:spTree>
     <p:extLst>
       <p:ext uri="{BB962C8B-B14F-4D97-AF65-F5344CB8AC3E}">
-        <p14:creationId xmlns:p14="http://schemas.microsoft.com/office/powerpoint/2010/main" val="2784779740"/>
+        <p14:creationId xmlns:p14="http://schemas.microsoft.com/office/powerpoint/2010/main" val="4063049687"/>
       </p:ext>
     </p:extLst>
   </p:cSld>
@@ -44831,85 +44870,10 @@
           </a:p>
         </p:txBody>
       </p:sp>
-      <p:sp>
-        <p:nvSpPr>
-          <p:cNvPr id="24" name="TextBox 23">
-            <a:extLst>
-              <a:ext uri="{FF2B5EF4-FFF2-40B4-BE49-F238E27FC236}">
-                <a16:creationId xmlns:a16="http://schemas.microsoft.com/office/drawing/2014/main" id="{CA21A958-C345-5147-92DD-FE5172BC4A6A}"/>
-              </a:ext>
-            </a:extLst>
-          </p:cNvPr>
-          <p:cNvSpPr txBox="1"/>
-          <p:nvPr/>
-        </p:nvSpPr>
-        <p:spPr>
-          <a:xfrm>
-            <a:off x="837185" y="1690688"/>
-            <a:ext cx="8857297" cy="523220"/>
-          </a:xfrm>
-          <a:prstGeom prst="rect">
-            <a:avLst/>
-          </a:prstGeom>
-          <a:noFill/>
-        </p:spPr>
-        <p:txBody>
-          <a:bodyPr wrap="none" rtlCol="0">
-            <a:spAutoFit/>
-          </a:bodyPr>
-          <a:lstStyle/>
-          <a:p>
-            <a:r>
-              <a:rPr lang="en-US" sz="2800" b="1" dirty="0">
-                <a:solidFill>
-                  <a:schemeClr val="accent1"/>
-                </a:solidFill>
-              </a:rPr>
-              <a:t>1. Target decoding advantage was similar across conditions</a:t>
-            </a:r>
-          </a:p>
-        </p:txBody>
-      </p:sp>
-      <p:pic>
-        <p:nvPicPr>
-          <p:cNvPr id="27" name="Graphic 26">
-            <a:extLst>
-              <a:ext uri="{FF2B5EF4-FFF2-40B4-BE49-F238E27FC236}">
-                <a16:creationId xmlns:a16="http://schemas.microsoft.com/office/drawing/2014/main" id="{D1CFC34D-2339-1649-B9C4-FCF701418F39}"/>
-              </a:ext>
-            </a:extLst>
-          </p:cNvPr>
-          <p:cNvPicPr>
-            <a:picLocks noChangeAspect="1"/>
-          </p:cNvPicPr>
-          <p:nvPr/>
-        </p:nvPicPr>
-        <p:blipFill>
-          <a:blip r:embed="rId2">
-            <a:extLst>
-              <a:ext uri="{96DAC541-7B7A-43D3-8B79-37D633B846F1}">
-                <asvg:svgBlip xmlns:asvg="http://schemas.microsoft.com/office/drawing/2016/SVG/main" r:embed="rId3"/>
-              </a:ext>
-            </a:extLst>
-          </a:blip>
-          <a:stretch>
-            <a:fillRect/>
-          </a:stretch>
-        </p:blipFill>
-        <p:spPr>
-          <a:xfrm>
-            <a:off x="837185" y="2378220"/>
-            <a:ext cx="2130993" cy="1420662"/>
-          </a:xfrm>
-          <a:prstGeom prst="rect">
-            <a:avLst/>
-          </a:prstGeom>
-        </p:spPr>
-      </p:pic>
     </p:spTree>
     <p:extLst>
       <p:ext uri="{BB962C8B-B14F-4D97-AF65-F5344CB8AC3E}">
-        <p14:creationId xmlns:p14="http://schemas.microsoft.com/office/powerpoint/2010/main" val="1744282113"/>
+        <p14:creationId xmlns:p14="http://schemas.microsoft.com/office/powerpoint/2010/main" val="2784779740"/>
       </p:ext>
     </p:extLst>
   </p:cSld>
@@ -44979,7 +44943,7 @@
         <p:spPr>
           <a:xfrm>
             <a:off x="837185" y="1690688"/>
-            <a:ext cx="8857297" cy="523220"/>
+            <a:ext cx="8272842" cy="523220"/>
           </a:xfrm>
           <a:prstGeom prst="rect">
             <a:avLst/>
@@ -44998,7 +44962,7 @@
                   <a:schemeClr val="accent1"/>
                 </a:solidFill>
               </a:rPr>
-              <a:t>1. Target decoding advantage was similar across conditions</a:t>
+              <a:t>1. Target decoding advantage similar across conditions</a:t>
             </a:r>
           </a:p>
         </p:txBody>
@@ -45039,45 +45003,10 @@
           </a:prstGeom>
         </p:spPr>
       </p:pic>
-      <p:sp>
-        <p:nvSpPr>
-          <p:cNvPr id="21" name="TextBox 20">
-            <a:extLst>
-              <a:ext uri="{FF2B5EF4-FFF2-40B4-BE49-F238E27FC236}">
-                <a16:creationId xmlns:a16="http://schemas.microsoft.com/office/drawing/2014/main" id="{C74F1813-C818-2747-BD37-02D8B0ED9CCB}"/>
-              </a:ext>
-            </a:extLst>
-          </p:cNvPr>
-          <p:cNvSpPr txBox="1"/>
-          <p:nvPr/>
-        </p:nvSpPr>
-        <p:spPr>
-          <a:xfrm>
-            <a:off x="3529997" y="2378220"/>
-            <a:ext cx="5596308" cy="954107"/>
-          </a:xfrm>
-          <a:prstGeom prst="rect">
-            <a:avLst/>
-          </a:prstGeom>
-          <a:noFill/>
-        </p:spPr>
-        <p:txBody>
-          <a:bodyPr wrap="square" rtlCol="0">
-            <a:spAutoFit/>
-          </a:bodyPr>
-          <a:lstStyle/>
-          <a:p>
-            <a:r>
-              <a:rPr lang="en-US" sz="2800" dirty="0"/>
-              <a:t>Additional selectivity arises following attended-stimulus enhancement</a:t>
-            </a:r>
-          </a:p>
-        </p:txBody>
-      </p:sp>
     </p:spTree>
     <p:extLst>
       <p:ext uri="{BB962C8B-B14F-4D97-AF65-F5344CB8AC3E}">
-        <p14:creationId xmlns:p14="http://schemas.microsoft.com/office/powerpoint/2010/main" val="702551085"/>
+        <p14:creationId xmlns:p14="http://schemas.microsoft.com/office/powerpoint/2010/main" val="1744282113"/>
       </p:ext>
     </p:extLst>
   </p:cSld>
@@ -45147,7 +45076,7 @@
         <p:spPr>
           <a:xfrm>
             <a:off x="837185" y="1690688"/>
-            <a:ext cx="8857297" cy="523220"/>
+            <a:ext cx="8272842" cy="523220"/>
           </a:xfrm>
           <a:prstGeom prst="rect">
             <a:avLst/>
@@ -45166,46 +45095,7 @@
                   <a:schemeClr val="accent1"/>
                 </a:solidFill>
               </a:rPr>
-              <a:t>1. Target decoding advantage was similar across conditions</a:t>
-            </a:r>
-          </a:p>
-        </p:txBody>
-      </p:sp>
-      <p:sp>
-        <p:nvSpPr>
-          <p:cNvPr id="26" name="TextBox 25">
-            <a:extLst>
-              <a:ext uri="{FF2B5EF4-FFF2-40B4-BE49-F238E27FC236}">
-                <a16:creationId xmlns:a16="http://schemas.microsoft.com/office/drawing/2014/main" id="{1E660E6D-4C26-894E-BB26-DDD15F7BB4B1}"/>
-              </a:ext>
-            </a:extLst>
-          </p:cNvPr>
-          <p:cNvSpPr txBox="1"/>
-          <p:nvPr/>
-        </p:nvSpPr>
-        <p:spPr>
-          <a:xfrm>
-            <a:off x="838199" y="4120873"/>
-            <a:ext cx="7641658" cy="523220"/>
-          </a:xfrm>
-          <a:prstGeom prst="rect">
-            <a:avLst/>
-          </a:prstGeom>
-          <a:noFill/>
-        </p:spPr>
-        <p:txBody>
-          <a:bodyPr wrap="square" rtlCol="0">
-            <a:spAutoFit/>
-          </a:bodyPr>
-          <a:lstStyle/>
-          <a:p>
-            <a:r>
-              <a:rPr lang="en-US" sz="2800" b="1" dirty="0">
-                <a:solidFill>
-                  <a:schemeClr val="accent1"/>
-                </a:solidFill>
-              </a:rPr>
-              <a:t>2. Target decoding advantage &gt; later in trial </a:t>
+              <a:t>1. Target decoding advantage similar across conditions</a:t>
             </a:r>
           </a:p>
         </p:txBody>
@@ -45246,41 +45136,6 @@
           </a:prstGeom>
         </p:spPr>
       </p:pic>
-      <p:pic>
-        <p:nvPicPr>
-          <p:cNvPr id="28" name="Content Placeholder 4">
-            <a:extLst>
-              <a:ext uri="{FF2B5EF4-FFF2-40B4-BE49-F238E27FC236}">
-                <a16:creationId xmlns:a16="http://schemas.microsoft.com/office/drawing/2014/main" id="{EE3E126D-CA79-3B47-B063-43F03FF65252}"/>
-              </a:ext>
-            </a:extLst>
-          </p:cNvPr>
-          <p:cNvPicPr>
-            <a:picLocks noGrp="1" noChangeAspect="1"/>
-          </p:cNvPicPr>
-          <p:nvPr>
-            <p:ph idx="1"/>
-          </p:nvPr>
-        </p:nvPicPr>
-        <p:blipFill>
-          <a:blip r:embed="rId4">
-            <a:extLst>
-              <a:ext uri="{96DAC541-7B7A-43D3-8B79-37D633B846F1}">
-                <asvg:svgBlip xmlns:asvg="http://schemas.microsoft.com/office/drawing/2016/SVG/main" r:embed="rId5"/>
-              </a:ext>
-            </a:extLst>
-          </a:blip>
-          <a:stretch>
-            <a:fillRect/>
-          </a:stretch>
-        </p:blipFill>
-        <p:spPr>
-          <a:xfrm>
-            <a:off x="837185" y="4905703"/>
-            <a:ext cx="2228512" cy="1337107"/>
-          </a:xfrm>
-        </p:spPr>
-      </p:pic>
       <p:sp>
         <p:nvSpPr>
           <p:cNvPr id="21" name="TextBox 20">
@@ -45319,7 +45174,7 @@
     </p:spTree>
     <p:extLst>
       <p:ext uri="{BB962C8B-B14F-4D97-AF65-F5344CB8AC3E}">
-        <p14:creationId xmlns:p14="http://schemas.microsoft.com/office/powerpoint/2010/main" val="3087661912"/>
+        <p14:creationId xmlns:p14="http://schemas.microsoft.com/office/powerpoint/2010/main" val="702551085"/>
       </p:ext>
     </p:extLst>
   </p:cSld>
@@ -45389,7 +45244,7 @@
         <p:spPr>
           <a:xfrm>
             <a:off x="837185" y="1690688"/>
-            <a:ext cx="8857297" cy="523220"/>
+            <a:ext cx="8272842" cy="523220"/>
           </a:xfrm>
           <a:prstGeom prst="rect">
             <a:avLst/>
@@ -45408,7 +45263,249 @@
                   <a:schemeClr val="accent1"/>
                 </a:solidFill>
               </a:rPr>
-              <a:t>1. Target decoding advantage was similar across conditions</a:t>
+              <a:t>1. Target decoding advantage similar across conditions</a:t>
+            </a:r>
+          </a:p>
+        </p:txBody>
+      </p:sp>
+      <p:sp>
+        <p:nvSpPr>
+          <p:cNvPr id="26" name="TextBox 25">
+            <a:extLst>
+              <a:ext uri="{FF2B5EF4-FFF2-40B4-BE49-F238E27FC236}">
+                <a16:creationId xmlns:a16="http://schemas.microsoft.com/office/drawing/2014/main" id="{1E660E6D-4C26-894E-BB26-DDD15F7BB4B1}"/>
+              </a:ext>
+            </a:extLst>
+          </p:cNvPr>
+          <p:cNvSpPr txBox="1"/>
+          <p:nvPr/>
+        </p:nvSpPr>
+        <p:spPr>
+          <a:xfrm>
+            <a:off x="838199" y="4120873"/>
+            <a:ext cx="7641658" cy="523220"/>
+          </a:xfrm>
+          <a:prstGeom prst="rect">
+            <a:avLst/>
+          </a:prstGeom>
+          <a:noFill/>
+        </p:spPr>
+        <p:txBody>
+          <a:bodyPr wrap="square" rtlCol="0">
+            <a:spAutoFit/>
+          </a:bodyPr>
+          <a:lstStyle/>
+          <a:p>
+            <a:r>
+              <a:rPr lang="en-US" sz="2800" b="1" dirty="0">
+                <a:solidFill>
+                  <a:schemeClr val="accent1"/>
+                </a:solidFill>
+              </a:rPr>
+              <a:t>2. Target decoding advantage &gt; later in trial </a:t>
+            </a:r>
+          </a:p>
+        </p:txBody>
+      </p:sp>
+      <p:pic>
+        <p:nvPicPr>
+          <p:cNvPr id="27" name="Graphic 26">
+            <a:extLst>
+              <a:ext uri="{FF2B5EF4-FFF2-40B4-BE49-F238E27FC236}">
+                <a16:creationId xmlns:a16="http://schemas.microsoft.com/office/drawing/2014/main" id="{D1CFC34D-2339-1649-B9C4-FCF701418F39}"/>
+              </a:ext>
+            </a:extLst>
+          </p:cNvPr>
+          <p:cNvPicPr>
+            <a:picLocks noChangeAspect="1"/>
+          </p:cNvPicPr>
+          <p:nvPr/>
+        </p:nvPicPr>
+        <p:blipFill>
+          <a:blip r:embed="rId2">
+            <a:extLst>
+              <a:ext uri="{96DAC541-7B7A-43D3-8B79-37D633B846F1}">
+                <asvg:svgBlip xmlns:asvg="http://schemas.microsoft.com/office/drawing/2016/SVG/main" r:embed="rId3"/>
+              </a:ext>
+            </a:extLst>
+          </a:blip>
+          <a:stretch>
+            <a:fillRect/>
+          </a:stretch>
+        </p:blipFill>
+        <p:spPr>
+          <a:xfrm>
+            <a:off x="837185" y="2378220"/>
+            <a:ext cx="2130993" cy="1420662"/>
+          </a:xfrm>
+          <a:prstGeom prst="rect">
+            <a:avLst/>
+          </a:prstGeom>
+        </p:spPr>
+      </p:pic>
+      <p:pic>
+        <p:nvPicPr>
+          <p:cNvPr id="28" name="Content Placeholder 4">
+            <a:extLst>
+              <a:ext uri="{FF2B5EF4-FFF2-40B4-BE49-F238E27FC236}">
+                <a16:creationId xmlns:a16="http://schemas.microsoft.com/office/drawing/2014/main" id="{EE3E126D-CA79-3B47-B063-43F03FF65252}"/>
+              </a:ext>
+            </a:extLst>
+          </p:cNvPr>
+          <p:cNvPicPr>
+            <a:picLocks noGrp="1" noChangeAspect="1"/>
+          </p:cNvPicPr>
+          <p:nvPr>
+            <p:ph idx="1"/>
+          </p:nvPr>
+        </p:nvPicPr>
+        <p:blipFill>
+          <a:blip r:embed="rId4">
+            <a:extLst>
+              <a:ext uri="{96DAC541-7B7A-43D3-8B79-37D633B846F1}">
+                <asvg:svgBlip xmlns:asvg="http://schemas.microsoft.com/office/drawing/2016/SVG/main" r:embed="rId5"/>
+              </a:ext>
+            </a:extLst>
+          </a:blip>
+          <a:stretch>
+            <a:fillRect/>
+          </a:stretch>
+        </p:blipFill>
+        <p:spPr>
+          <a:xfrm>
+            <a:off x="837185" y="4905703"/>
+            <a:ext cx="2228512" cy="1337107"/>
+          </a:xfrm>
+        </p:spPr>
+      </p:pic>
+      <p:sp>
+        <p:nvSpPr>
+          <p:cNvPr id="21" name="TextBox 20">
+            <a:extLst>
+              <a:ext uri="{FF2B5EF4-FFF2-40B4-BE49-F238E27FC236}">
+                <a16:creationId xmlns:a16="http://schemas.microsoft.com/office/drawing/2014/main" id="{C74F1813-C818-2747-BD37-02D8B0ED9CCB}"/>
+              </a:ext>
+            </a:extLst>
+          </p:cNvPr>
+          <p:cNvSpPr txBox="1"/>
+          <p:nvPr/>
+        </p:nvSpPr>
+        <p:spPr>
+          <a:xfrm>
+            <a:off x="3529997" y="2378220"/>
+            <a:ext cx="5596308" cy="954107"/>
+          </a:xfrm>
+          <a:prstGeom prst="rect">
+            <a:avLst/>
+          </a:prstGeom>
+          <a:noFill/>
+        </p:spPr>
+        <p:txBody>
+          <a:bodyPr wrap="square" rtlCol="0">
+            <a:spAutoFit/>
+          </a:bodyPr>
+          <a:lstStyle/>
+          <a:p>
+            <a:r>
+              <a:rPr lang="en-US" sz="2800" dirty="0"/>
+              <a:t>Additional selectivity arises following attended-stimulus enhancement</a:t>
+            </a:r>
+          </a:p>
+        </p:txBody>
+      </p:sp>
+    </p:spTree>
+    <p:extLst>
+      <p:ext uri="{BB962C8B-B14F-4D97-AF65-F5344CB8AC3E}">
+        <p14:creationId xmlns:p14="http://schemas.microsoft.com/office/powerpoint/2010/main" val="3087661912"/>
+      </p:ext>
+    </p:extLst>
+  </p:cSld>
+  <p:clrMapOvr>
+    <a:masterClrMapping/>
+  </p:clrMapOvr>
+</p:sld>
+</file>
+
+<file path=ppt/slides/slide89.xml><?xml version="1.0" encoding="utf-8"?>
+<p:sld xmlns:a="http://schemas.openxmlformats.org/drawingml/2006/main" xmlns:r="http://schemas.openxmlformats.org/officeDocument/2006/relationships" xmlns:p="http://schemas.openxmlformats.org/presentationml/2006/main">
+  <p:cSld>
+    <p:spTree>
+      <p:nvGrpSpPr>
+        <p:cNvPr id="1" name=""/>
+        <p:cNvGrpSpPr/>
+        <p:nvPr/>
+      </p:nvGrpSpPr>
+      <p:grpSpPr>
+        <a:xfrm>
+          <a:off x="0" y="0"/>
+          <a:ext cx="0" cy="0"/>
+          <a:chOff x="0" y="0"/>
+          <a:chExt cx="0" cy="0"/>
+        </a:xfrm>
+      </p:grpSpPr>
+      <p:sp>
+        <p:nvSpPr>
+          <p:cNvPr id="2" name="Title 1">
+            <a:extLst>
+              <a:ext uri="{FF2B5EF4-FFF2-40B4-BE49-F238E27FC236}">
+                <a16:creationId xmlns:a16="http://schemas.microsoft.com/office/drawing/2014/main" id="{9E853A5C-873B-BE44-A6A5-3AB236B941BD}"/>
+              </a:ext>
+            </a:extLst>
+          </p:cNvPr>
+          <p:cNvSpPr>
+            <a:spLocks noGrp="1"/>
+          </p:cNvSpPr>
+          <p:nvPr>
+            <p:ph type="title"/>
+          </p:nvPr>
+        </p:nvSpPr>
+        <p:spPr/>
+        <p:txBody>
+          <a:bodyPr/>
+          <a:lstStyle/>
+          <a:p>
+            <a:r>
+              <a:rPr lang="en-US" dirty="0"/>
+              <a:t>Conclusions</a:t>
+            </a:r>
+          </a:p>
+        </p:txBody>
+      </p:sp>
+      <p:sp>
+        <p:nvSpPr>
+          <p:cNvPr id="24" name="TextBox 23">
+            <a:extLst>
+              <a:ext uri="{FF2B5EF4-FFF2-40B4-BE49-F238E27FC236}">
+                <a16:creationId xmlns:a16="http://schemas.microsoft.com/office/drawing/2014/main" id="{CA21A958-C345-5147-92DD-FE5172BC4A6A}"/>
+              </a:ext>
+            </a:extLst>
+          </p:cNvPr>
+          <p:cNvSpPr txBox="1"/>
+          <p:nvPr/>
+        </p:nvSpPr>
+        <p:spPr>
+          <a:xfrm>
+            <a:off x="837185" y="1690688"/>
+            <a:ext cx="8272842" cy="523220"/>
+          </a:xfrm>
+          <a:prstGeom prst="rect">
+            <a:avLst/>
+          </a:prstGeom>
+          <a:noFill/>
+        </p:spPr>
+        <p:txBody>
+          <a:bodyPr wrap="none" rtlCol="0">
+            <a:spAutoFit/>
+          </a:bodyPr>
+          <a:lstStyle/>
+          <a:p>
+            <a:r>
+              <a:rPr lang="en-US" sz="2800" b="1" dirty="0">
+                <a:solidFill>
+                  <a:schemeClr val="accent1"/>
+                </a:solidFill>
+              </a:rPr>
+              <a:t>1. Target decoding advantage similar across conditions</a:t>
             </a:r>
           </a:p>
         </p:txBody>
@@ -45646,7 +45743,7 @@
           <a:p>
             <a:r>
               <a:rPr lang="en-US" dirty="0"/>
-              <a:t>Decoding can find the attention locus in a stable auditory scene</a:t>
+              <a:t>Decoding can estimate attentional locus in stable auditory scenes</a:t>
             </a:r>
           </a:p>
         </p:txBody>
